--- a/site/Presentation doc/Php assignment.pptx
+++ b/site/Presentation doc/Php assignment.pptx
@@ -14,7 +14,8 @@
     <p:sldId id="262" r:id="rId8"/>
     <p:sldId id="261" r:id="rId9"/>
     <p:sldId id="264" r:id="rId10"/>
-    <p:sldId id="265" r:id="rId11"/>
+    <p:sldId id="266" r:id="rId11"/>
+    <p:sldId id="265" r:id="rId12"/>
   </p:sldIdLst>
   <p:sldSz cx="12192000" cy="6858000"/>
   <p:notesSz cx="6858000" cy="9144000"/>
@@ -178,7 +179,7 @@
           <a:noFill/>
           <a:extLst>
             <a:ext uri="{909E8E84-426E-40dd-AFC4-6F175D3DCCD1}">
-              <a14:hiddenFill xmlns="" xmlns:a14="http://schemas.microsoft.com/office/drawing/2010/main">
+              <a14:hiddenFill xmlns:a14="http://schemas.microsoft.com/office/drawing/2010/main" xmlns="">
                 <a:solidFill>
                   <a:srgbClr val="FFFFFF"/>
                 </a:solidFill>
@@ -237,7 +238,7 @@
             </a:ln>
             <a:extLst>
               <a:ext uri="{91240B29-F687-4f45-9708-019B960494DF}">
-                <a14:hiddenLine xmlns="" xmlns:a14="http://schemas.microsoft.com/office/drawing/2010/main" w="9525">
+                <a14:hiddenLine xmlns:a14="http://schemas.microsoft.com/office/drawing/2010/main" xmlns="" w="9525">
                   <a:solidFill>
                     <a:srgbClr val="000000"/>
                   </a:solidFill>
@@ -327,7 +328,7 @@
             </a:ln>
             <a:extLst>
               <a:ext uri="{91240B29-F687-4f45-9708-019B960494DF}">
-                <a14:hiddenLine xmlns="" xmlns:a14="http://schemas.microsoft.com/office/drawing/2010/main" w="9525">
+                <a14:hiddenLine xmlns:a14="http://schemas.microsoft.com/office/drawing/2010/main" xmlns="" w="9525">
                   <a:solidFill>
                     <a:srgbClr val="000000"/>
                   </a:solidFill>
@@ -417,7 +418,7 @@
             </a:ln>
             <a:extLst>
               <a:ext uri="{91240B29-F687-4f45-9708-019B960494DF}">
-                <a14:hiddenLine xmlns="" xmlns:a14="http://schemas.microsoft.com/office/drawing/2010/main" w="9525">
+                <a14:hiddenLine xmlns:a14="http://schemas.microsoft.com/office/drawing/2010/main" xmlns="" w="9525">
                   <a:solidFill>
                     <a:srgbClr val="000000"/>
                   </a:solidFill>
@@ -451,7 +452,7 @@
             </a:ln>
             <a:extLst>
               <a:ext uri="{91240B29-F687-4f45-9708-019B960494DF}">
-                <a14:hiddenLine xmlns="" xmlns:a14="http://schemas.microsoft.com/office/drawing/2010/main" w="9525">
+                <a14:hiddenLine xmlns:a14="http://schemas.microsoft.com/office/drawing/2010/main" xmlns="" w="9525">
                   <a:solidFill>
                     <a:srgbClr val="000000"/>
                   </a:solidFill>
@@ -541,7 +542,7 @@
             </a:ln>
             <a:extLst>
               <a:ext uri="{91240B29-F687-4f45-9708-019B960494DF}">
-                <a14:hiddenLine xmlns="" xmlns:a14="http://schemas.microsoft.com/office/drawing/2010/main" w="9525">
+                <a14:hiddenLine xmlns:a14="http://schemas.microsoft.com/office/drawing/2010/main" xmlns="" w="9525">
                   <a:solidFill>
                     <a:srgbClr val="000000"/>
                   </a:solidFill>
@@ -603,7 +604,7 @@
             </a:ln>
             <a:extLst>
               <a:ext uri="{91240B29-F687-4f45-9708-019B960494DF}">
-                <a14:hiddenLine xmlns="" xmlns:a14="http://schemas.microsoft.com/office/drawing/2010/main" w="9525">
+                <a14:hiddenLine xmlns:a14="http://schemas.microsoft.com/office/drawing/2010/main" xmlns="" w="9525">
                   <a:solidFill>
                     <a:srgbClr val="000000"/>
                   </a:solidFill>
@@ -665,7 +666,7 @@
             </a:ln>
             <a:extLst>
               <a:ext uri="{91240B29-F687-4f45-9708-019B960494DF}">
-                <a14:hiddenLine xmlns="" xmlns:a14="http://schemas.microsoft.com/office/drawing/2010/main" w="9525">
+                <a14:hiddenLine xmlns:a14="http://schemas.microsoft.com/office/drawing/2010/main" xmlns="" w="9525">
                   <a:solidFill>
                     <a:srgbClr val="000000"/>
                   </a:solidFill>
@@ -755,7 +756,7 @@
             </a:ln>
             <a:extLst>
               <a:ext uri="{91240B29-F687-4f45-9708-019B960494DF}">
-                <a14:hiddenLine xmlns="" xmlns:a14="http://schemas.microsoft.com/office/drawing/2010/main" w="9525">
+                <a14:hiddenLine xmlns:a14="http://schemas.microsoft.com/office/drawing/2010/main" xmlns="" w="9525">
                   <a:solidFill>
                     <a:srgbClr val="000000"/>
                   </a:solidFill>
@@ -817,7 +818,7 @@
             </a:ln>
             <a:extLst>
               <a:ext uri="{91240B29-F687-4f45-9708-019B960494DF}">
-                <a14:hiddenLine xmlns="" xmlns:a14="http://schemas.microsoft.com/office/drawing/2010/main" w="9525">
+                <a14:hiddenLine xmlns:a14="http://schemas.microsoft.com/office/drawing/2010/main" xmlns="" w="9525">
                   <a:solidFill>
                     <a:srgbClr val="000000"/>
                   </a:solidFill>
@@ -879,7 +880,7 @@
             </a:ln>
             <a:extLst>
               <a:ext uri="{91240B29-F687-4f45-9708-019B960494DF}">
-                <a14:hiddenLine xmlns="" xmlns:a14="http://schemas.microsoft.com/office/drawing/2010/main" w="9525">
+                <a14:hiddenLine xmlns:a14="http://schemas.microsoft.com/office/drawing/2010/main" xmlns="" w="9525">
                   <a:solidFill>
                     <a:srgbClr val="000000"/>
                   </a:solidFill>
@@ -969,7 +970,7 @@
             </a:ln>
             <a:extLst>
               <a:ext uri="{91240B29-F687-4f45-9708-019B960494DF}">
-                <a14:hiddenLine xmlns="" xmlns:a14="http://schemas.microsoft.com/office/drawing/2010/main" w="9525">
+                <a14:hiddenLine xmlns:a14="http://schemas.microsoft.com/office/drawing/2010/main" xmlns="" w="9525">
                   <a:solidFill>
                     <a:srgbClr val="000000"/>
                   </a:solidFill>
@@ -1059,7 +1060,7 @@
             </a:ln>
             <a:extLst>
               <a:ext uri="{91240B29-F687-4f45-9708-019B960494DF}">
-                <a14:hiddenLine xmlns="" xmlns:a14="http://schemas.microsoft.com/office/drawing/2010/main" w="9525">
+                <a14:hiddenLine xmlns:a14="http://schemas.microsoft.com/office/drawing/2010/main" xmlns="" w="9525">
                   <a:solidFill>
                     <a:srgbClr val="000000"/>
                   </a:solidFill>
@@ -1121,7 +1122,7 @@
             </a:ln>
             <a:extLst>
               <a:ext uri="{91240B29-F687-4f45-9708-019B960494DF}">
-                <a14:hiddenLine xmlns="" xmlns:a14="http://schemas.microsoft.com/office/drawing/2010/main" w="9525">
+                <a14:hiddenLine xmlns:a14="http://schemas.microsoft.com/office/drawing/2010/main" xmlns="" w="9525">
                   <a:solidFill>
                     <a:srgbClr val="000000"/>
                   </a:solidFill>
@@ -1231,7 +1232,7 @@
             </a:ln>
             <a:extLst>
               <a:ext uri="{91240B29-F687-4f45-9708-019B960494DF}">
-                <a14:hiddenLine xmlns="" xmlns:a14="http://schemas.microsoft.com/office/drawing/2010/main" w="9525">
+                <a14:hiddenLine xmlns:a14="http://schemas.microsoft.com/office/drawing/2010/main" xmlns="" w="9525">
                   <a:solidFill>
                     <a:srgbClr val="000000"/>
                   </a:solidFill>
@@ -1293,7 +1294,7 @@
             </a:ln>
             <a:extLst>
               <a:ext uri="{91240B29-F687-4f45-9708-019B960494DF}">
-                <a14:hiddenLine xmlns="" xmlns:a14="http://schemas.microsoft.com/office/drawing/2010/main" w="9525">
+                <a14:hiddenLine xmlns:a14="http://schemas.microsoft.com/office/drawing/2010/main" xmlns="" w="9525">
                   <a:solidFill>
                     <a:srgbClr val="000000"/>
                   </a:solidFill>
@@ -1383,7 +1384,7 @@
             </a:ln>
             <a:extLst>
               <a:ext uri="{91240B29-F687-4f45-9708-019B960494DF}">
-                <a14:hiddenLine xmlns="" xmlns:a14="http://schemas.microsoft.com/office/drawing/2010/main" w="9525">
+                <a14:hiddenLine xmlns:a14="http://schemas.microsoft.com/office/drawing/2010/main" xmlns="" w="9525">
                   <a:solidFill>
                     <a:srgbClr val="000000"/>
                   </a:solidFill>
@@ -1473,7 +1474,7 @@
             </a:ln>
             <a:extLst>
               <a:ext uri="{91240B29-F687-4f45-9708-019B960494DF}">
-                <a14:hiddenLine xmlns="" xmlns:a14="http://schemas.microsoft.com/office/drawing/2010/main" w="9525">
+                <a14:hiddenLine xmlns:a14="http://schemas.microsoft.com/office/drawing/2010/main" xmlns="" w="9525">
                   <a:solidFill>
                     <a:srgbClr val="000000"/>
                   </a:solidFill>
@@ -1535,7 +1536,7 @@
             </a:ln>
             <a:extLst>
               <a:ext uri="{91240B29-F687-4f45-9708-019B960494DF}">
-                <a14:hiddenLine xmlns="" xmlns:a14="http://schemas.microsoft.com/office/drawing/2010/main" w="9525">
+                <a14:hiddenLine xmlns:a14="http://schemas.microsoft.com/office/drawing/2010/main" xmlns="" w="9525">
                   <a:solidFill>
                     <a:srgbClr val="000000"/>
                   </a:solidFill>
@@ -1625,7 +1626,7 @@
             </a:ln>
             <a:extLst>
               <a:ext uri="{91240B29-F687-4f45-9708-019B960494DF}">
-                <a14:hiddenLine xmlns="" xmlns:a14="http://schemas.microsoft.com/office/drawing/2010/main" w="9525">
+                <a14:hiddenLine xmlns:a14="http://schemas.microsoft.com/office/drawing/2010/main" xmlns="" w="9525">
                   <a:solidFill>
                     <a:srgbClr val="000000"/>
                   </a:solidFill>
@@ -1715,7 +1716,7 @@
             </a:ln>
             <a:extLst>
               <a:ext uri="{91240B29-F687-4f45-9708-019B960494DF}">
-                <a14:hiddenLine xmlns="" xmlns:a14="http://schemas.microsoft.com/office/drawing/2010/main" w="9525">
+                <a14:hiddenLine xmlns:a14="http://schemas.microsoft.com/office/drawing/2010/main" xmlns="" w="9525">
                   <a:solidFill>
                     <a:srgbClr val="000000"/>
                   </a:solidFill>
@@ -1771,7 +1772,7 @@
             </a:ln>
             <a:extLst>
               <a:ext uri="{91240B29-F687-4f45-9708-019B960494DF}">
-                <a14:hiddenLine xmlns="" xmlns:a14="http://schemas.microsoft.com/office/drawing/2010/main" w="9525">
+                <a14:hiddenLine xmlns:a14="http://schemas.microsoft.com/office/drawing/2010/main" xmlns="" w="9525">
                   <a:solidFill>
                     <a:srgbClr val="000000"/>
                   </a:solidFill>
@@ -1861,7 +1862,7 @@
             </a:ln>
             <a:extLst>
               <a:ext uri="{91240B29-F687-4f45-9708-019B960494DF}">
-                <a14:hiddenLine xmlns="" xmlns:a14="http://schemas.microsoft.com/office/drawing/2010/main" w="9525">
+                <a14:hiddenLine xmlns:a14="http://schemas.microsoft.com/office/drawing/2010/main" xmlns="" w="9525">
                   <a:solidFill>
                     <a:srgbClr val="000000"/>
                   </a:solidFill>
@@ -1917,7 +1918,7 @@
             </a:ln>
             <a:extLst>
               <a:ext uri="{91240B29-F687-4f45-9708-019B960494DF}">
-                <a14:hiddenLine xmlns="" xmlns:a14="http://schemas.microsoft.com/office/drawing/2010/main" w="9525">
+                <a14:hiddenLine xmlns:a14="http://schemas.microsoft.com/office/drawing/2010/main" xmlns="" w="9525">
                   <a:solidFill>
                     <a:srgbClr val="000000"/>
                   </a:solidFill>
@@ -2007,7 +2008,7 @@
             </a:ln>
             <a:extLst>
               <a:ext uri="{91240B29-F687-4f45-9708-019B960494DF}">
-                <a14:hiddenLine xmlns="" xmlns:a14="http://schemas.microsoft.com/office/drawing/2010/main" w="9525">
+                <a14:hiddenLine xmlns:a14="http://schemas.microsoft.com/office/drawing/2010/main" xmlns="" w="9525">
                   <a:solidFill>
                     <a:srgbClr val="000000"/>
                   </a:solidFill>
@@ -2075,7 +2076,7 @@
             </a:ln>
             <a:extLst>
               <a:ext uri="{91240B29-F687-4f45-9708-019B960494DF}">
-                <a14:hiddenLine xmlns="" xmlns:a14="http://schemas.microsoft.com/office/drawing/2010/main" w="9525">
+                <a14:hiddenLine xmlns:a14="http://schemas.microsoft.com/office/drawing/2010/main" xmlns="" w="9525">
                   <a:solidFill>
                     <a:srgbClr val="000000"/>
                   </a:solidFill>
@@ -2165,7 +2166,7 @@
             </a:ln>
             <a:extLst>
               <a:ext uri="{91240B29-F687-4f45-9708-019B960494DF}">
-                <a14:hiddenLine xmlns="" xmlns:a14="http://schemas.microsoft.com/office/drawing/2010/main" w="9525">
+                <a14:hiddenLine xmlns:a14="http://schemas.microsoft.com/office/drawing/2010/main" xmlns="" w="9525">
                   <a:solidFill>
                     <a:srgbClr val="000000"/>
                   </a:solidFill>
@@ -2233,7 +2234,7 @@
             </a:ln>
             <a:extLst>
               <a:ext uri="{91240B29-F687-4f45-9708-019B960494DF}">
-                <a14:hiddenLine xmlns="" xmlns:a14="http://schemas.microsoft.com/office/drawing/2010/main" w="9525">
+                <a14:hiddenLine xmlns:a14="http://schemas.microsoft.com/office/drawing/2010/main" xmlns="" w="9525">
                   <a:solidFill>
                     <a:srgbClr val="000000"/>
                   </a:solidFill>
@@ -2323,7 +2324,7 @@
             </a:ln>
             <a:extLst>
               <a:ext uri="{91240B29-F687-4f45-9708-019B960494DF}">
-                <a14:hiddenLine xmlns="" xmlns:a14="http://schemas.microsoft.com/office/drawing/2010/main" w="9525">
+                <a14:hiddenLine xmlns:a14="http://schemas.microsoft.com/office/drawing/2010/main" xmlns="" w="9525">
                   <a:solidFill>
                     <a:srgbClr val="000000"/>
                   </a:solidFill>
@@ -2357,7 +2358,7 @@
             </a:ln>
             <a:extLst>
               <a:ext uri="{91240B29-F687-4f45-9708-019B960494DF}">
-                <a14:hiddenLine xmlns="" xmlns:a14="http://schemas.microsoft.com/office/drawing/2010/main" w="9525">
+                <a14:hiddenLine xmlns:a14="http://schemas.microsoft.com/office/drawing/2010/main" xmlns="" w="9525">
                   <a:solidFill>
                     <a:srgbClr val="000000"/>
                   </a:solidFill>
@@ -2447,7 +2448,7 @@
             </a:ln>
             <a:extLst>
               <a:ext uri="{91240B29-F687-4f45-9708-019B960494DF}">
-                <a14:hiddenLine xmlns="" xmlns:a14="http://schemas.microsoft.com/office/drawing/2010/main" w="9525">
+                <a14:hiddenLine xmlns:a14="http://schemas.microsoft.com/office/drawing/2010/main" xmlns="" w="9525">
                   <a:solidFill>
                     <a:srgbClr val="000000"/>
                   </a:solidFill>
@@ -2509,7 +2510,7 @@
             </a:ln>
             <a:extLst>
               <a:ext uri="{91240B29-F687-4f45-9708-019B960494DF}">
-                <a14:hiddenLine xmlns="" xmlns:a14="http://schemas.microsoft.com/office/drawing/2010/main" w="9525">
+                <a14:hiddenLine xmlns:a14="http://schemas.microsoft.com/office/drawing/2010/main" xmlns="" w="9525">
                   <a:solidFill>
                     <a:srgbClr val="000000"/>
                   </a:solidFill>
@@ -2571,7 +2572,7 @@
             </a:ln>
             <a:extLst>
               <a:ext uri="{91240B29-F687-4f45-9708-019B960494DF}">
-                <a14:hiddenLine xmlns="" xmlns:a14="http://schemas.microsoft.com/office/drawing/2010/main" w="9525">
+                <a14:hiddenLine xmlns:a14="http://schemas.microsoft.com/office/drawing/2010/main" xmlns="" w="9525">
                   <a:solidFill>
                     <a:srgbClr val="000000"/>
                   </a:solidFill>
@@ -2661,7 +2662,7 @@
             </a:ln>
             <a:extLst>
               <a:ext uri="{91240B29-F687-4f45-9708-019B960494DF}">
-                <a14:hiddenLine xmlns="" xmlns:a14="http://schemas.microsoft.com/office/drawing/2010/main" w="9525">
+                <a14:hiddenLine xmlns:a14="http://schemas.microsoft.com/office/drawing/2010/main" xmlns="" w="9525">
                   <a:solidFill>
                     <a:srgbClr val="000000"/>
                   </a:solidFill>
@@ -2729,7 +2730,7 @@
             </a:ln>
             <a:extLst>
               <a:ext uri="{91240B29-F687-4f45-9708-019B960494DF}">
-                <a14:hiddenLine xmlns="" xmlns:a14="http://schemas.microsoft.com/office/drawing/2010/main" w="9525">
+                <a14:hiddenLine xmlns:a14="http://schemas.microsoft.com/office/drawing/2010/main" xmlns="" w="9525">
                   <a:solidFill>
                     <a:srgbClr val="000000"/>
                   </a:solidFill>
@@ -2791,7 +2792,7 @@
             </a:ln>
             <a:extLst>
               <a:ext uri="{91240B29-F687-4f45-9708-019B960494DF}">
-                <a14:hiddenLine xmlns="" xmlns:a14="http://schemas.microsoft.com/office/drawing/2010/main" w="9525">
+                <a14:hiddenLine xmlns:a14="http://schemas.microsoft.com/office/drawing/2010/main" xmlns="" w="9525">
                   <a:solidFill>
                     <a:srgbClr val="000000"/>
                   </a:solidFill>
@@ -2881,7 +2882,7 @@
             </a:ln>
             <a:extLst>
               <a:ext uri="{91240B29-F687-4f45-9708-019B960494DF}">
-                <a14:hiddenLine xmlns="" xmlns:a14="http://schemas.microsoft.com/office/drawing/2010/main" w="9525">
+                <a14:hiddenLine xmlns:a14="http://schemas.microsoft.com/office/drawing/2010/main" xmlns="" w="9525">
                   <a:solidFill>
                     <a:srgbClr val="000000"/>
                   </a:solidFill>
@@ -2943,7 +2944,7 @@
             </a:ln>
             <a:extLst>
               <a:ext uri="{91240B29-F687-4f45-9708-019B960494DF}">
-                <a14:hiddenLine xmlns="" xmlns:a14="http://schemas.microsoft.com/office/drawing/2010/main" w="9525">
+                <a14:hiddenLine xmlns:a14="http://schemas.microsoft.com/office/drawing/2010/main" xmlns="" w="9525">
                   <a:solidFill>
                     <a:srgbClr val="000000"/>
                   </a:solidFill>
@@ -3033,7 +3034,7 @@
             </a:ln>
             <a:extLst>
               <a:ext uri="{91240B29-F687-4f45-9708-019B960494DF}">
-                <a14:hiddenLine xmlns="" xmlns:a14="http://schemas.microsoft.com/office/drawing/2010/main" w="9525">
+                <a14:hiddenLine xmlns:a14="http://schemas.microsoft.com/office/drawing/2010/main" xmlns="" w="9525">
                   <a:solidFill>
                     <a:srgbClr val="000000"/>
                   </a:solidFill>
@@ -3095,7 +3096,7 @@
             </a:ln>
             <a:extLst>
               <a:ext uri="{91240B29-F687-4f45-9708-019B960494DF}">
-                <a14:hiddenLine xmlns="" xmlns:a14="http://schemas.microsoft.com/office/drawing/2010/main" w="9525">
+                <a14:hiddenLine xmlns:a14="http://schemas.microsoft.com/office/drawing/2010/main" xmlns="" w="9525">
                   <a:solidFill>
                     <a:srgbClr val="000000"/>
                   </a:solidFill>
@@ -3185,7 +3186,7 @@
             </a:ln>
             <a:extLst>
               <a:ext uri="{91240B29-F687-4f45-9708-019B960494DF}">
-                <a14:hiddenLine xmlns="" xmlns:a14="http://schemas.microsoft.com/office/drawing/2010/main" w="9525">
+                <a14:hiddenLine xmlns:a14="http://schemas.microsoft.com/office/drawing/2010/main" xmlns="" w="9525">
                   <a:solidFill>
                     <a:srgbClr val="000000"/>
                   </a:solidFill>
@@ -3219,7 +3220,7 @@
             </a:ln>
             <a:extLst>
               <a:ext uri="{91240B29-F687-4f45-9708-019B960494DF}">
-                <a14:hiddenLine xmlns="" xmlns:a14="http://schemas.microsoft.com/office/drawing/2010/main" w="9525">
+                <a14:hiddenLine xmlns:a14="http://schemas.microsoft.com/office/drawing/2010/main" xmlns="" w="9525">
                   <a:solidFill>
                     <a:srgbClr val="000000"/>
                   </a:solidFill>
@@ -3284,7 +3285,7 @@
             </a:ln>
             <a:extLst>
               <a:ext uri="{91240B29-F687-4f45-9708-019B960494DF}">
-                <a14:hiddenLine xmlns="" xmlns:a14="http://schemas.microsoft.com/office/drawing/2010/main" w="9525">
+                <a14:hiddenLine xmlns:a14="http://schemas.microsoft.com/office/drawing/2010/main" xmlns="" w="9525">
                   <a:solidFill>
                     <a:srgbClr val="000000"/>
                   </a:solidFill>
@@ -3374,7 +3375,7 @@
             </a:ln>
             <a:extLst>
               <a:ext uri="{91240B29-F687-4f45-9708-019B960494DF}">
-                <a14:hiddenLine xmlns="" xmlns:a14="http://schemas.microsoft.com/office/drawing/2010/main" w="9525">
+                <a14:hiddenLine xmlns:a14="http://schemas.microsoft.com/office/drawing/2010/main" xmlns="" w="9525">
                   <a:solidFill>
                     <a:srgbClr val="000000"/>
                   </a:solidFill>
@@ -3436,7 +3437,7 @@
             </a:ln>
             <a:extLst>
               <a:ext uri="{91240B29-F687-4f45-9708-019B960494DF}">
-                <a14:hiddenLine xmlns="" xmlns:a14="http://schemas.microsoft.com/office/drawing/2010/main" w="9525">
+                <a14:hiddenLine xmlns:a14="http://schemas.microsoft.com/office/drawing/2010/main" xmlns="" w="9525">
                   <a:solidFill>
                     <a:srgbClr val="000000"/>
                   </a:solidFill>
@@ -3526,7 +3527,7 @@
             </a:ln>
             <a:extLst>
               <a:ext uri="{91240B29-F687-4f45-9708-019B960494DF}">
-                <a14:hiddenLine xmlns="" xmlns:a14="http://schemas.microsoft.com/office/drawing/2010/main" w="9525">
+                <a14:hiddenLine xmlns:a14="http://schemas.microsoft.com/office/drawing/2010/main" xmlns="" w="9525">
                   <a:solidFill>
                     <a:srgbClr val="000000"/>
                   </a:solidFill>
@@ -3616,7 +3617,7 @@
             </a:ln>
             <a:extLst>
               <a:ext uri="{91240B29-F687-4f45-9708-019B960494DF}">
-                <a14:hiddenLine xmlns="" xmlns:a14="http://schemas.microsoft.com/office/drawing/2010/main" w="9525">
+                <a14:hiddenLine xmlns:a14="http://schemas.microsoft.com/office/drawing/2010/main" xmlns="" w="9525">
                   <a:solidFill>
                     <a:srgbClr val="000000"/>
                   </a:solidFill>
@@ -3681,7 +3682,7 @@
             </a:ln>
             <a:extLst>
               <a:ext uri="{91240B29-F687-4f45-9708-019B960494DF}">
-                <a14:hiddenLine xmlns="" xmlns:a14="http://schemas.microsoft.com/office/drawing/2010/main" w="9525">
+                <a14:hiddenLine xmlns:a14="http://schemas.microsoft.com/office/drawing/2010/main" xmlns="" w="9525">
                   <a:solidFill>
                     <a:srgbClr val="000000"/>
                   </a:solidFill>
@@ -3743,7 +3744,7 @@
             </a:ln>
             <a:extLst>
               <a:ext uri="{91240B29-F687-4f45-9708-019B960494DF}">
-                <a14:hiddenLine xmlns="" xmlns:a14="http://schemas.microsoft.com/office/drawing/2010/main" w="9525">
+                <a14:hiddenLine xmlns:a14="http://schemas.microsoft.com/office/drawing/2010/main" xmlns="" w="9525">
                   <a:solidFill>
                     <a:srgbClr val="000000"/>
                   </a:solidFill>
@@ -3833,7 +3834,7 @@
             </a:ln>
             <a:extLst>
               <a:ext uri="{91240B29-F687-4f45-9708-019B960494DF}">
-                <a14:hiddenLine xmlns="" xmlns:a14="http://schemas.microsoft.com/office/drawing/2010/main" w="9525">
+                <a14:hiddenLine xmlns:a14="http://schemas.microsoft.com/office/drawing/2010/main" xmlns="" w="9525">
                   <a:solidFill>
                     <a:srgbClr val="000000"/>
                   </a:solidFill>
@@ -3923,7 +3924,7 @@
             </a:ln>
             <a:extLst>
               <a:ext uri="{91240B29-F687-4f45-9708-019B960494DF}">
-                <a14:hiddenLine xmlns="" xmlns:a14="http://schemas.microsoft.com/office/drawing/2010/main" w="9525">
+                <a14:hiddenLine xmlns:a14="http://schemas.microsoft.com/office/drawing/2010/main" xmlns="" w="9525">
                   <a:solidFill>
                     <a:srgbClr val="000000"/>
                   </a:solidFill>
@@ -3985,7 +3986,7 @@
             </a:ln>
             <a:extLst>
               <a:ext uri="{91240B29-F687-4f45-9708-019B960494DF}">
-                <a14:hiddenLine xmlns="" xmlns:a14="http://schemas.microsoft.com/office/drawing/2010/main" w="9525">
+                <a14:hiddenLine xmlns:a14="http://schemas.microsoft.com/office/drawing/2010/main" xmlns="" w="9525">
                   <a:solidFill>
                     <a:srgbClr val="000000"/>
                   </a:solidFill>
@@ -4105,7 +4106,7 @@
             </a:ln>
             <a:extLst>
               <a:ext uri="{91240B29-F687-4f45-9708-019B960494DF}">
-                <a14:hiddenLine xmlns="" xmlns:a14="http://schemas.microsoft.com/office/drawing/2010/main" w="9525">
+                <a14:hiddenLine xmlns:a14="http://schemas.microsoft.com/office/drawing/2010/main" xmlns="" w="9525">
                   <a:solidFill>
                     <a:srgbClr val="000000"/>
                   </a:solidFill>
@@ -4173,7 +4174,7 @@
             </a:ln>
             <a:extLst>
               <a:ext uri="{91240B29-F687-4f45-9708-019B960494DF}">
-                <a14:hiddenLine xmlns="" xmlns:a14="http://schemas.microsoft.com/office/drawing/2010/main" w="9525">
+                <a14:hiddenLine xmlns:a14="http://schemas.microsoft.com/office/drawing/2010/main" xmlns="" w="9525">
                   <a:solidFill>
                     <a:srgbClr val="000000"/>
                   </a:solidFill>
@@ -4263,7 +4264,7 @@
             </a:ln>
             <a:extLst>
               <a:ext uri="{91240B29-F687-4f45-9708-019B960494DF}">
-                <a14:hiddenLine xmlns="" xmlns:a14="http://schemas.microsoft.com/office/drawing/2010/main" w="9525">
+                <a14:hiddenLine xmlns:a14="http://schemas.microsoft.com/office/drawing/2010/main" xmlns="" w="9525">
                   <a:solidFill>
                     <a:srgbClr val="000000"/>
                   </a:solidFill>
@@ -8992,7 +8993,7 @@
           <a:noFill/>
           <a:extLst>
             <a:ext uri="{909E8E84-426E-40dd-AFC4-6F175D3DCCD1}">
-              <a14:hiddenFill xmlns="" xmlns:a14="http://schemas.microsoft.com/office/drawing/2010/main">
+              <a14:hiddenFill xmlns:a14="http://schemas.microsoft.com/office/drawing/2010/main" xmlns="">
                 <a:solidFill>
                   <a:srgbClr val="FFFFFF"/>
                 </a:solidFill>
@@ -9066,7 +9067,7 @@
               </a:ln>
               <a:extLst>
                 <a:ext uri="{91240B29-F687-4f45-9708-019B960494DF}">
-                  <a14:hiddenLine xmlns="" xmlns:a14="http://schemas.microsoft.com/office/drawing/2010/main" w="9525">
+                  <a14:hiddenLine xmlns:a14="http://schemas.microsoft.com/office/drawing/2010/main" xmlns="" w="9525">
                     <a:solidFill>
                       <a:srgbClr val="000000"/>
                     </a:solidFill>
@@ -9156,7 +9157,7 @@
               </a:ln>
               <a:extLst>
                 <a:ext uri="{91240B29-F687-4f45-9708-019B960494DF}">
-                  <a14:hiddenLine xmlns="" xmlns:a14="http://schemas.microsoft.com/office/drawing/2010/main" w="9525">
+                  <a14:hiddenLine xmlns:a14="http://schemas.microsoft.com/office/drawing/2010/main" xmlns="" w="9525">
                     <a:solidFill>
                       <a:srgbClr val="000000"/>
                     </a:solidFill>
@@ -9246,7 +9247,7 @@
               </a:ln>
               <a:extLst>
                 <a:ext uri="{91240B29-F687-4f45-9708-019B960494DF}">
-                  <a14:hiddenLine xmlns="" xmlns:a14="http://schemas.microsoft.com/office/drawing/2010/main" w="9525">
+                  <a14:hiddenLine xmlns:a14="http://schemas.microsoft.com/office/drawing/2010/main" xmlns="" w="9525">
                     <a:solidFill>
                       <a:srgbClr val="000000"/>
                     </a:solidFill>
@@ -9308,7 +9309,7 @@
               </a:ln>
               <a:extLst>
                 <a:ext uri="{91240B29-F687-4f45-9708-019B960494DF}">
-                  <a14:hiddenLine xmlns="" xmlns:a14="http://schemas.microsoft.com/office/drawing/2010/main" w="9525">
+                  <a14:hiddenLine xmlns:a14="http://schemas.microsoft.com/office/drawing/2010/main" xmlns="" w="9525">
                     <a:solidFill>
                       <a:srgbClr val="000000"/>
                     </a:solidFill>
@@ -9398,7 +9399,7 @@
               </a:ln>
               <a:extLst>
                 <a:ext uri="{91240B29-F687-4f45-9708-019B960494DF}">
-                  <a14:hiddenLine xmlns="" xmlns:a14="http://schemas.microsoft.com/office/drawing/2010/main" w="9525">
+                  <a14:hiddenLine xmlns:a14="http://schemas.microsoft.com/office/drawing/2010/main" xmlns="" w="9525">
                     <a:solidFill>
                       <a:srgbClr val="000000"/>
                     </a:solidFill>
@@ -9460,7 +9461,7 @@
               </a:ln>
               <a:extLst>
                 <a:ext uri="{91240B29-F687-4f45-9708-019B960494DF}">
-                  <a14:hiddenLine xmlns="" xmlns:a14="http://schemas.microsoft.com/office/drawing/2010/main" w="9525">
+                  <a14:hiddenLine xmlns:a14="http://schemas.microsoft.com/office/drawing/2010/main" xmlns="" w="9525">
                     <a:solidFill>
                       <a:srgbClr val="000000"/>
                     </a:solidFill>
@@ -9522,7 +9523,7 @@
               </a:ln>
               <a:extLst>
                 <a:ext uri="{91240B29-F687-4f45-9708-019B960494DF}">
-                  <a14:hiddenLine xmlns="" xmlns:a14="http://schemas.microsoft.com/office/drawing/2010/main" w="9525">
+                  <a14:hiddenLine xmlns:a14="http://schemas.microsoft.com/office/drawing/2010/main" xmlns="" w="9525">
                     <a:solidFill>
                       <a:srgbClr val="000000"/>
                     </a:solidFill>
@@ -9612,7 +9613,7 @@
               </a:ln>
               <a:extLst>
                 <a:ext uri="{91240B29-F687-4f45-9708-019B960494DF}">
-                  <a14:hiddenLine xmlns="" xmlns:a14="http://schemas.microsoft.com/office/drawing/2010/main" w="9525">
+                  <a14:hiddenLine xmlns:a14="http://schemas.microsoft.com/office/drawing/2010/main" xmlns="" w="9525">
                     <a:solidFill>
                       <a:srgbClr val="000000"/>
                     </a:solidFill>
@@ -9702,7 +9703,7 @@
               </a:ln>
               <a:extLst>
                 <a:ext uri="{91240B29-F687-4f45-9708-019B960494DF}">
-                  <a14:hiddenLine xmlns="" xmlns:a14="http://schemas.microsoft.com/office/drawing/2010/main" w="9525">
+                  <a14:hiddenLine xmlns:a14="http://schemas.microsoft.com/office/drawing/2010/main" xmlns="" w="9525">
                     <a:solidFill>
                       <a:srgbClr val="000000"/>
                     </a:solidFill>
@@ -9764,7 +9765,7 @@
               </a:ln>
               <a:extLst>
                 <a:ext uri="{91240B29-F687-4f45-9708-019B960494DF}">
-                  <a14:hiddenLine xmlns="" xmlns:a14="http://schemas.microsoft.com/office/drawing/2010/main" w="9525">
+                  <a14:hiddenLine xmlns:a14="http://schemas.microsoft.com/office/drawing/2010/main" xmlns="" w="9525">
                     <a:solidFill>
                       <a:srgbClr val="000000"/>
                     </a:solidFill>
@@ -9874,7 +9875,7 @@
               </a:ln>
               <a:extLst>
                 <a:ext uri="{91240B29-F687-4f45-9708-019B960494DF}">
-                  <a14:hiddenLine xmlns="" xmlns:a14="http://schemas.microsoft.com/office/drawing/2010/main" w="9525">
+                  <a14:hiddenLine xmlns:a14="http://schemas.microsoft.com/office/drawing/2010/main" xmlns="" w="9525">
                     <a:solidFill>
                       <a:srgbClr val="000000"/>
                     </a:solidFill>
@@ -9958,7 +9959,7 @@
               </a:ln>
               <a:extLst>
                 <a:ext uri="{91240B29-F687-4f45-9708-019B960494DF}">
-                  <a14:hiddenLine xmlns="" xmlns:a14="http://schemas.microsoft.com/office/drawing/2010/main" w="9525">
+                  <a14:hiddenLine xmlns:a14="http://schemas.microsoft.com/office/drawing/2010/main" xmlns="" w="9525">
                     <a:solidFill>
                       <a:srgbClr val="000000"/>
                     </a:solidFill>
@@ -10020,7 +10021,7 @@
               </a:ln>
               <a:extLst>
                 <a:ext uri="{91240B29-F687-4f45-9708-019B960494DF}">
-                  <a14:hiddenLine xmlns="" xmlns:a14="http://schemas.microsoft.com/office/drawing/2010/main" w="9525">
+                  <a14:hiddenLine xmlns:a14="http://schemas.microsoft.com/office/drawing/2010/main" xmlns="" w="9525">
                     <a:solidFill>
                       <a:srgbClr val="000000"/>
                     </a:solidFill>
@@ -10082,7 +10083,7 @@
               </a:ln>
               <a:extLst>
                 <a:ext uri="{91240B29-F687-4f45-9708-019B960494DF}">
-                  <a14:hiddenLine xmlns="" xmlns:a14="http://schemas.microsoft.com/office/drawing/2010/main" w="9525">
+                  <a14:hiddenLine xmlns:a14="http://schemas.microsoft.com/office/drawing/2010/main" xmlns="" w="9525">
                     <a:solidFill>
                       <a:srgbClr val="000000"/>
                     </a:solidFill>
@@ -10172,7 +10173,7 @@
               </a:ln>
               <a:extLst>
                 <a:ext uri="{91240B29-F687-4f45-9708-019B960494DF}">
-                  <a14:hiddenLine xmlns="" xmlns:a14="http://schemas.microsoft.com/office/drawing/2010/main" w="9525">
+                  <a14:hiddenLine xmlns:a14="http://schemas.microsoft.com/office/drawing/2010/main" xmlns="" w="9525">
                     <a:solidFill>
                       <a:srgbClr val="000000"/>
                     </a:solidFill>
@@ -10206,7 +10207,7 @@
               </a:ln>
               <a:extLst>
                 <a:ext uri="{91240B29-F687-4f45-9708-019B960494DF}">
-                  <a14:hiddenLine xmlns="" xmlns:a14="http://schemas.microsoft.com/office/drawing/2010/main" w="9525">
+                  <a14:hiddenLine xmlns:a14="http://schemas.microsoft.com/office/drawing/2010/main" xmlns="" w="9525">
                     <a:solidFill>
                       <a:srgbClr val="000000"/>
                     </a:solidFill>
@@ -10271,7 +10272,7 @@
               </a:ln>
               <a:extLst>
                 <a:ext uri="{91240B29-F687-4f45-9708-019B960494DF}">
-                  <a14:hiddenLine xmlns="" xmlns:a14="http://schemas.microsoft.com/office/drawing/2010/main" w="9525">
+                  <a14:hiddenLine xmlns:a14="http://schemas.microsoft.com/office/drawing/2010/main" xmlns="" w="9525">
                     <a:solidFill>
                       <a:srgbClr val="000000"/>
                     </a:solidFill>
@@ -10361,7 +10362,7 @@
               </a:ln>
               <a:extLst>
                 <a:ext uri="{91240B29-F687-4f45-9708-019B960494DF}">
-                  <a14:hiddenLine xmlns="" xmlns:a14="http://schemas.microsoft.com/office/drawing/2010/main" w="9525">
+                  <a14:hiddenLine xmlns:a14="http://schemas.microsoft.com/office/drawing/2010/main" xmlns="" w="9525">
                     <a:solidFill>
                       <a:srgbClr val="000000"/>
                     </a:solidFill>
@@ -10423,7 +10424,7 @@
               </a:ln>
               <a:extLst>
                 <a:ext uri="{91240B29-F687-4f45-9708-019B960494DF}">
-                  <a14:hiddenLine xmlns="" xmlns:a14="http://schemas.microsoft.com/office/drawing/2010/main" w="9525">
+                  <a14:hiddenLine xmlns:a14="http://schemas.microsoft.com/office/drawing/2010/main" xmlns="" w="9525">
                     <a:solidFill>
                       <a:srgbClr val="000000"/>
                     </a:solidFill>
@@ -10513,7 +10514,7 @@
               </a:ln>
               <a:extLst>
                 <a:ext uri="{91240B29-F687-4f45-9708-019B960494DF}">
-                  <a14:hiddenLine xmlns="" xmlns:a14="http://schemas.microsoft.com/office/drawing/2010/main" w="9525">
+                  <a14:hiddenLine xmlns:a14="http://schemas.microsoft.com/office/drawing/2010/main" xmlns="" w="9525">
                     <a:solidFill>
                       <a:srgbClr val="000000"/>
                     </a:solidFill>
@@ -10578,7 +10579,7 @@
               </a:ln>
               <a:extLst>
                 <a:ext uri="{91240B29-F687-4f45-9708-019B960494DF}">
-                  <a14:hiddenLine xmlns="" xmlns:a14="http://schemas.microsoft.com/office/drawing/2010/main" w="9525">
+                  <a14:hiddenLine xmlns:a14="http://schemas.microsoft.com/office/drawing/2010/main" xmlns="" w="9525">
                     <a:solidFill>
                       <a:srgbClr val="000000"/>
                     </a:solidFill>
@@ -10640,7 +10641,7 @@
               </a:ln>
               <a:extLst>
                 <a:ext uri="{91240B29-F687-4f45-9708-019B960494DF}">
-                  <a14:hiddenLine xmlns="" xmlns:a14="http://schemas.microsoft.com/office/drawing/2010/main" w="9525">
+                  <a14:hiddenLine xmlns:a14="http://schemas.microsoft.com/office/drawing/2010/main" xmlns="" w="9525">
                     <a:solidFill>
                       <a:srgbClr val="000000"/>
                     </a:solidFill>
@@ -10730,7 +10731,7 @@
               </a:ln>
               <a:extLst>
                 <a:ext uri="{91240B29-F687-4f45-9708-019B960494DF}">
-                  <a14:hiddenLine xmlns="" xmlns:a14="http://schemas.microsoft.com/office/drawing/2010/main" w="9525">
+                  <a14:hiddenLine xmlns:a14="http://schemas.microsoft.com/office/drawing/2010/main" xmlns="" w="9525">
                     <a:solidFill>
                       <a:srgbClr val="000000"/>
                     </a:solidFill>
@@ -10820,7 +10821,7 @@
               </a:ln>
               <a:extLst>
                 <a:ext uri="{91240B29-F687-4f45-9708-019B960494DF}">
-                  <a14:hiddenLine xmlns="" xmlns:a14="http://schemas.microsoft.com/office/drawing/2010/main" w="9525">
+                  <a14:hiddenLine xmlns:a14="http://schemas.microsoft.com/office/drawing/2010/main" xmlns="" w="9525">
                     <a:solidFill>
                       <a:srgbClr val="000000"/>
                     </a:solidFill>
@@ -10885,7 +10886,7 @@
               </a:ln>
               <a:extLst>
                 <a:ext uri="{91240B29-F687-4f45-9708-019B960494DF}">
-                  <a14:hiddenLine xmlns="" xmlns:a14="http://schemas.microsoft.com/office/drawing/2010/main" w="9525">
+                  <a14:hiddenLine xmlns:a14="http://schemas.microsoft.com/office/drawing/2010/main" xmlns="" w="9525">
                     <a:solidFill>
                       <a:srgbClr val="000000"/>
                     </a:solidFill>
@@ -11005,7 +11006,7 @@
               </a:ln>
               <a:extLst>
                 <a:ext uri="{91240B29-F687-4f45-9708-019B960494DF}">
-                  <a14:hiddenLine xmlns="" xmlns:a14="http://schemas.microsoft.com/office/drawing/2010/main" w="9525">
+                  <a14:hiddenLine xmlns:a14="http://schemas.microsoft.com/office/drawing/2010/main" xmlns="" w="9525">
                     <a:solidFill>
                       <a:srgbClr val="000000"/>
                     </a:solidFill>
@@ -11086,7 +11087,7 @@
               </a:ln>
               <a:extLst>
                 <a:ext uri="{91240B29-F687-4f45-9708-019B960494DF}">
-                  <a14:hiddenLine xmlns="" xmlns:a14="http://schemas.microsoft.com/office/drawing/2010/main" w="9525">
+                  <a14:hiddenLine xmlns:a14="http://schemas.microsoft.com/office/drawing/2010/main" xmlns="" w="9525">
                     <a:solidFill>
                       <a:srgbClr val="000000"/>
                     </a:solidFill>
@@ -11201,7 +11202,7 @@
               </a:ln>
               <a:extLst>
                 <a:ext uri="{91240B29-F687-4f45-9708-019B960494DF}">
-                  <a14:hiddenLine xmlns="" xmlns:a14="http://schemas.microsoft.com/office/drawing/2010/main" w="9525">
+                  <a14:hiddenLine xmlns:a14="http://schemas.microsoft.com/office/drawing/2010/main" xmlns="" w="9525">
                     <a:solidFill>
                       <a:srgbClr val="000000"/>
                     </a:solidFill>
@@ -11291,7 +11292,7 @@
               </a:ln>
               <a:extLst>
                 <a:ext uri="{91240B29-F687-4f45-9708-019B960494DF}">
-                  <a14:hiddenLine xmlns="" xmlns:a14="http://schemas.microsoft.com/office/drawing/2010/main" w="9525">
+                  <a14:hiddenLine xmlns:a14="http://schemas.microsoft.com/office/drawing/2010/main" xmlns="" w="9525">
                     <a:solidFill>
                       <a:srgbClr val="000000"/>
                     </a:solidFill>
@@ -11356,7 +11357,7 @@
               </a:ln>
               <a:extLst>
                 <a:ext uri="{91240B29-F687-4f45-9708-019B960494DF}">
-                  <a14:hiddenLine xmlns="" xmlns:a14="http://schemas.microsoft.com/office/drawing/2010/main" w="9525">
+                  <a14:hiddenLine xmlns:a14="http://schemas.microsoft.com/office/drawing/2010/main" xmlns="" w="9525">
                     <a:solidFill>
                       <a:srgbClr val="000000"/>
                     </a:solidFill>
@@ -11446,7 +11447,7 @@
               </a:ln>
               <a:extLst>
                 <a:ext uri="{91240B29-F687-4f45-9708-019B960494DF}">
-                  <a14:hiddenLine xmlns="" xmlns:a14="http://schemas.microsoft.com/office/drawing/2010/main" w="9525">
+                  <a14:hiddenLine xmlns:a14="http://schemas.microsoft.com/office/drawing/2010/main" xmlns="" w="9525">
                     <a:solidFill>
                       <a:srgbClr val="000000"/>
                     </a:solidFill>
@@ -11514,7 +11515,7 @@
               </a:ln>
               <a:extLst>
                 <a:ext uri="{91240B29-F687-4f45-9708-019B960494DF}">
-                  <a14:hiddenLine xmlns="" xmlns:a14="http://schemas.microsoft.com/office/drawing/2010/main" w="9525">
+                  <a14:hiddenLine xmlns:a14="http://schemas.microsoft.com/office/drawing/2010/main" xmlns="" w="9525">
                     <a:solidFill>
                       <a:srgbClr val="000000"/>
                     </a:solidFill>
@@ -11604,7 +11605,7 @@
               </a:ln>
               <a:extLst>
                 <a:ext uri="{91240B29-F687-4f45-9708-019B960494DF}">
-                  <a14:hiddenLine xmlns="" xmlns:a14="http://schemas.microsoft.com/office/drawing/2010/main" w="9525">
+                  <a14:hiddenLine xmlns:a14="http://schemas.microsoft.com/office/drawing/2010/main" xmlns="" w="9525">
                     <a:solidFill>
                       <a:srgbClr val="000000"/>
                     </a:solidFill>
@@ -11672,7 +11673,7 @@
               </a:ln>
               <a:extLst>
                 <a:ext uri="{91240B29-F687-4f45-9708-019B960494DF}">
-                  <a14:hiddenLine xmlns="" xmlns:a14="http://schemas.microsoft.com/office/drawing/2010/main" w="9525">
+                  <a14:hiddenLine xmlns:a14="http://schemas.microsoft.com/office/drawing/2010/main" xmlns="" w="9525">
                     <a:solidFill>
                       <a:srgbClr val="000000"/>
                     </a:solidFill>
@@ -11762,7 +11763,7 @@
               </a:ln>
               <a:extLst>
                 <a:ext uri="{91240B29-F687-4f45-9708-019B960494DF}">
-                  <a14:hiddenLine xmlns="" xmlns:a14="http://schemas.microsoft.com/office/drawing/2010/main" w="9525">
+                  <a14:hiddenLine xmlns:a14="http://schemas.microsoft.com/office/drawing/2010/main" xmlns="" w="9525">
                     <a:solidFill>
                       <a:srgbClr val="000000"/>
                     </a:solidFill>
@@ -11796,7 +11797,7 @@
               </a:ln>
               <a:extLst>
                 <a:ext uri="{91240B29-F687-4f45-9708-019B960494DF}">
-                  <a14:hiddenLine xmlns="" xmlns:a14="http://schemas.microsoft.com/office/drawing/2010/main" w="9525">
+                  <a14:hiddenLine xmlns:a14="http://schemas.microsoft.com/office/drawing/2010/main" xmlns="" w="9525">
                     <a:solidFill>
                       <a:srgbClr val="000000"/>
                     </a:solidFill>
@@ -12433,6 +12434,36 @@
           <a:chExt cx="0" cy="0"/>
         </a:xfrm>
       </p:grpSpPr>
+    </p:spTree>
+    <p:extLst>
+      <p:ext uri="{BB962C8B-B14F-4D97-AF65-F5344CB8AC3E}">
+        <p14:creationId xmlns:p14="http://schemas.microsoft.com/office/powerpoint/2010/main" val="170898898"/>
+      </p:ext>
+    </p:extLst>
+  </p:cSld>
+  <p:clrMapOvr>
+    <a:masterClrMapping/>
+  </p:clrMapOvr>
+</p:sld>
+</file>
+
+<file path=ppt/slides/slide11.xml><?xml version="1.0" encoding="utf-8"?>
+<p:sld xmlns:a="http://schemas.openxmlformats.org/drawingml/2006/main" xmlns:r="http://schemas.openxmlformats.org/officeDocument/2006/relationships" xmlns:p="http://schemas.openxmlformats.org/presentationml/2006/main">
+  <p:cSld>
+    <p:spTree>
+      <p:nvGrpSpPr>
+        <p:cNvPr id="1" name=""/>
+        <p:cNvGrpSpPr/>
+        <p:nvPr/>
+      </p:nvGrpSpPr>
+      <p:grpSpPr>
+        <a:xfrm>
+          <a:off x="0" y="0"/>
+          <a:ext cx="0" cy="0"/>
+          <a:chOff x="0" y="0"/>
+          <a:chExt cx="0" cy="0"/>
+        </a:xfrm>
+      </p:grpSpPr>
       <p:sp>
         <p:nvSpPr>
           <p:cNvPr id="2" name="Title 1"/>
@@ -12611,7 +12642,7 @@
           <a:bodyPr/>
           <a:lstStyle/>
           <a:p>
-            <a:endParaRPr lang="en-NZ"/>
+            <a:endParaRPr lang="en-NZ" dirty="0"/>
           </a:p>
         </p:txBody>
       </p:sp>
@@ -13046,12 +13077,206 @@
             <p:ph idx="1"/>
           </p:nvPr>
         </p:nvSpPr>
-        <p:spPr/>
+        <p:spPr>
+          <a:xfrm>
+            <a:off x="1141412" y="1756611"/>
+            <a:ext cx="9905999" cy="4034590"/>
+          </a:xfrm>
+        </p:spPr>
         <p:txBody>
-          <a:bodyPr/>
+          <a:bodyPr>
+            <a:normAutofit/>
+          </a:bodyPr>
           <a:lstStyle/>
           <a:p>
-            <a:endParaRPr lang="en-NZ"/>
+            <a:pPr marL="342900" lvl="0" indent="-342900">
+              <a:lnSpc>
+                <a:spcPct val="107000"/>
+              </a:lnSpc>
+              <a:spcAft>
+                <a:spcPts val="0"/>
+              </a:spcAft>
+              <a:buFont typeface="Symbol" panose="05050102010706020507" pitchFamily="18" charset="2"/>
+              <a:buChar char=""/>
+            </a:pPr>
+            <a:r>
+              <a:rPr lang="en-US" dirty="0">
+                <a:latin typeface="Calibri" panose="020F0502020204030204" pitchFamily="34" charset="0"/>
+                <a:ea typeface="SimSun" panose="02010600030101010101" pitchFamily="2" charset="-122"/>
+                <a:cs typeface="Times New Roman" panose="02020603050405020304" pitchFamily="18" charset="0"/>
+              </a:rPr>
+              <a:t>Sends a request to the user that is passed onto a site that is believed to be logged into</a:t>
+            </a:r>
+            <a:endParaRPr lang="en-NZ" dirty="0">
+              <a:latin typeface="Calibri" panose="020F0502020204030204" pitchFamily="34" charset="0"/>
+              <a:ea typeface="SimSun" panose="02010600030101010101" pitchFamily="2" charset="-122"/>
+              <a:cs typeface="Times New Roman" panose="02020603050405020304" pitchFamily="18" charset="0"/>
+            </a:endParaRPr>
+          </a:p>
+          <a:p>
+            <a:pPr marL="342900" lvl="0" indent="-342900">
+              <a:lnSpc>
+                <a:spcPct val="107000"/>
+              </a:lnSpc>
+              <a:spcAft>
+                <a:spcPts val="0"/>
+              </a:spcAft>
+              <a:buFont typeface="Symbol" panose="05050102010706020507" pitchFamily="18" charset="2"/>
+              <a:buChar char=""/>
+            </a:pPr>
+            <a:r>
+              <a:rPr lang="en-US" dirty="0">
+                <a:latin typeface="Calibri" panose="020F0502020204030204" pitchFamily="34" charset="0"/>
+                <a:ea typeface="SimSun" panose="02010600030101010101" pitchFamily="2" charset="-122"/>
+                <a:cs typeface="Times New Roman" panose="02020603050405020304" pitchFamily="18" charset="0"/>
+              </a:rPr>
+              <a:t>Easiest form of protection is a Token Challenge system</a:t>
+            </a:r>
+            <a:endParaRPr lang="en-NZ" dirty="0">
+              <a:latin typeface="Calibri" panose="020F0502020204030204" pitchFamily="34" charset="0"/>
+              <a:ea typeface="SimSun" panose="02010600030101010101" pitchFamily="2" charset="-122"/>
+              <a:cs typeface="Times New Roman" panose="02020603050405020304" pitchFamily="18" charset="0"/>
+            </a:endParaRPr>
+          </a:p>
+          <a:p>
+            <a:pPr marL="342900" lvl="0" indent="-342900">
+              <a:lnSpc>
+                <a:spcPct val="107000"/>
+              </a:lnSpc>
+              <a:spcAft>
+                <a:spcPts val="0"/>
+              </a:spcAft>
+              <a:buFont typeface="Symbol" panose="05050102010706020507" pitchFamily="18" charset="2"/>
+              <a:buChar char=""/>
+            </a:pPr>
+            <a:r>
+              <a:rPr lang="en-US" dirty="0">
+                <a:latin typeface="Calibri" panose="020F0502020204030204" pitchFamily="34" charset="0"/>
+                <a:ea typeface="SimSun" panose="02010600030101010101" pitchFamily="2" charset="-122"/>
+                <a:cs typeface="Times New Roman" panose="02020603050405020304" pitchFamily="18" charset="0"/>
+              </a:rPr>
+              <a:t>At </a:t>
+            </a:r>
+            <a:r>
+              <a:rPr lang="en-US" dirty="0" smtClean="0">
+                <a:latin typeface="Calibri" panose="020F0502020204030204" pitchFamily="34" charset="0"/>
+                <a:ea typeface="SimSun" panose="02010600030101010101" pitchFamily="2" charset="-122"/>
+                <a:cs typeface="Times New Roman" panose="02020603050405020304" pitchFamily="18" charset="0"/>
+              </a:rPr>
+              <a:t>a </a:t>
+            </a:r>
+            <a:r>
+              <a:rPr lang="en-US" dirty="0">
+                <a:latin typeface="Calibri" panose="020F0502020204030204" pitchFamily="34" charset="0"/>
+                <a:ea typeface="SimSun" panose="02010600030101010101" pitchFamily="2" charset="-122"/>
+                <a:cs typeface="Times New Roman" panose="02020603050405020304" pitchFamily="18" charset="0"/>
+              </a:rPr>
+              <a:t>token is generated on user log in </a:t>
+            </a:r>
+            <a:endParaRPr lang="en-US" dirty="0" smtClean="0">
+              <a:latin typeface="Calibri" panose="020F0502020204030204" pitchFamily="34" charset="0"/>
+              <a:ea typeface="SimSun" panose="02010600030101010101" pitchFamily="2" charset="-122"/>
+              <a:cs typeface="Times New Roman" panose="02020603050405020304" pitchFamily="18" charset="0"/>
+            </a:endParaRPr>
+          </a:p>
+          <a:p>
+            <a:pPr lvl="1">
+              <a:lnSpc>
+                <a:spcPct val="107000"/>
+              </a:lnSpc>
+            </a:pPr>
+            <a:r>
+              <a:rPr lang="en-US" sz="2400" dirty="0" smtClean="0">
+                <a:latin typeface="Calibri" panose="020F0502020204030204" pitchFamily="34" charset="0"/>
+                <a:ea typeface="SimSun" panose="02010600030101010101" pitchFamily="2" charset="-122"/>
+                <a:cs typeface="Times New Roman" panose="02020603050405020304" pitchFamily="18" charset="0"/>
+              </a:rPr>
+              <a:t>Can be done every time a form is loaded</a:t>
+            </a:r>
+            <a:endParaRPr lang="en-NZ" sz="2400" dirty="0" smtClean="0">
+              <a:latin typeface="Calibri" panose="020F0502020204030204" pitchFamily="34" charset="0"/>
+              <a:ea typeface="SimSun" panose="02010600030101010101" pitchFamily="2" charset="-122"/>
+              <a:cs typeface="Times New Roman" panose="02020603050405020304" pitchFamily="18" charset="0"/>
+            </a:endParaRPr>
+          </a:p>
+          <a:p>
+            <a:pPr marL="342900" lvl="0" indent="-342900">
+              <a:lnSpc>
+                <a:spcPct val="107000"/>
+              </a:lnSpc>
+              <a:spcAft>
+                <a:spcPts val="0"/>
+              </a:spcAft>
+              <a:buFont typeface="Symbol" panose="05050102010706020507" pitchFamily="18" charset="2"/>
+              <a:buChar char=""/>
+            </a:pPr>
+            <a:r>
+              <a:rPr lang="en-US" dirty="0" smtClean="0">
+                <a:latin typeface="Calibri" panose="020F0502020204030204" pitchFamily="34" charset="0"/>
+                <a:ea typeface="SimSun" panose="02010600030101010101" pitchFamily="2" charset="-122"/>
+                <a:cs typeface="Times New Roman" panose="02020603050405020304" pitchFamily="18" charset="0"/>
+              </a:rPr>
+              <a:t>When </a:t>
+            </a:r>
+            <a:r>
+              <a:rPr lang="en-US" dirty="0">
+                <a:latin typeface="Calibri" panose="020F0502020204030204" pitchFamily="34" charset="0"/>
+                <a:ea typeface="SimSun" panose="02010600030101010101" pitchFamily="2" charset="-122"/>
+                <a:cs typeface="Times New Roman" panose="02020603050405020304" pitchFamily="18" charset="0"/>
+              </a:rPr>
+              <a:t>a form is submitted it has a hidden field containing the token</a:t>
+            </a:r>
+            <a:endParaRPr lang="en-NZ" dirty="0">
+              <a:latin typeface="Calibri" panose="020F0502020204030204" pitchFamily="34" charset="0"/>
+              <a:ea typeface="SimSun" panose="02010600030101010101" pitchFamily="2" charset="-122"/>
+              <a:cs typeface="Times New Roman" panose="02020603050405020304" pitchFamily="18" charset="0"/>
+            </a:endParaRPr>
+          </a:p>
+          <a:p>
+            <a:pPr lvl="1">
+              <a:lnSpc>
+                <a:spcPct val="107000"/>
+              </a:lnSpc>
+            </a:pPr>
+            <a:r>
+              <a:rPr lang="en-US" sz="2400" dirty="0">
+                <a:latin typeface="Calibri" panose="020F0502020204030204" pitchFamily="34" charset="0"/>
+                <a:ea typeface="SimSun" panose="02010600030101010101" pitchFamily="2" charset="-122"/>
+                <a:cs typeface="Times New Roman" panose="02020603050405020304" pitchFamily="18" charset="0"/>
+              </a:rPr>
+              <a:t>If the token checks out proceed as normal</a:t>
+            </a:r>
+            <a:endParaRPr lang="en-NZ" sz="2400" dirty="0">
+              <a:latin typeface="Calibri" panose="020F0502020204030204" pitchFamily="34" charset="0"/>
+              <a:ea typeface="SimSun" panose="02010600030101010101" pitchFamily="2" charset="-122"/>
+              <a:cs typeface="Times New Roman" panose="02020603050405020304" pitchFamily="18" charset="0"/>
+            </a:endParaRPr>
+          </a:p>
+          <a:p>
+            <a:pPr lvl="1">
+              <a:lnSpc>
+                <a:spcPct val="107000"/>
+              </a:lnSpc>
+              <a:spcAft>
+                <a:spcPts val="800"/>
+              </a:spcAft>
+            </a:pPr>
+            <a:r>
+              <a:rPr lang="en-US" sz="2400" dirty="0">
+                <a:latin typeface="Calibri" panose="020F0502020204030204" pitchFamily="34" charset="0"/>
+                <a:ea typeface="SimSun" panose="02010600030101010101" pitchFamily="2" charset="-122"/>
+                <a:cs typeface="Times New Roman" panose="02020603050405020304" pitchFamily="18" charset="0"/>
+              </a:rPr>
+              <a:t>Otherwise log the attempt and deny</a:t>
+            </a:r>
+            <a:endParaRPr lang="en-NZ" sz="2400" dirty="0">
+              <a:latin typeface="Calibri" panose="020F0502020204030204" pitchFamily="34" charset="0"/>
+              <a:ea typeface="SimSun" panose="02010600030101010101" pitchFamily="2" charset="-122"/>
+              <a:cs typeface="Times New Roman" panose="02020603050405020304" pitchFamily="18" charset="0"/>
+            </a:endParaRPr>
+          </a:p>
+          <a:p>
+            <a:endParaRPr lang="en-NZ" dirty="0"/>
           </a:p>
         </p:txBody>
       </p:sp>

--- a/site/Presentation doc/Php assignment.pptx
+++ b/site/Presentation doc/Php assignment.pptx
@@ -8,14 +8,16 @@
     <p:sldId id="256" r:id="rId2"/>
     <p:sldId id="257" r:id="rId3"/>
     <p:sldId id="258" r:id="rId4"/>
-    <p:sldId id="263" r:id="rId5"/>
-    <p:sldId id="259" r:id="rId6"/>
-    <p:sldId id="260" r:id="rId7"/>
-    <p:sldId id="262" r:id="rId8"/>
-    <p:sldId id="261" r:id="rId9"/>
-    <p:sldId id="264" r:id="rId10"/>
-    <p:sldId id="266" r:id="rId11"/>
-    <p:sldId id="265" r:id="rId12"/>
+    <p:sldId id="267" r:id="rId5"/>
+    <p:sldId id="268" r:id="rId6"/>
+    <p:sldId id="263" r:id="rId7"/>
+    <p:sldId id="259" r:id="rId8"/>
+    <p:sldId id="260" r:id="rId9"/>
+    <p:sldId id="262" r:id="rId10"/>
+    <p:sldId id="261" r:id="rId11"/>
+    <p:sldId id="264" r:id="rId12"/>
+    <p:sldId id="266" r:id="rId13"/>
+    <p:sldId id="265" r:id="rId14"/>
   </p:sldIdLst>
   <p:sldSz cx="12192000" cy="6858000"/>
   <p:notesSz cx="6858000" cy="9144000"/>
@@ -179,7 +181,7 @@
           <a:noFill/>
           <a:extLst>
             <a:ext uri="{909E8E84-426E-40dd-AFC4-6F175D3DCCD1}">
-              <a14:hiddenFill xmlns:a14="http://schemas.microsoft.com/office/drawing/2010/main" xmlns="">
+              <a14:hiddenFill xmlns="" xmlns:a14="http://schemas.microsoft.com/office/drawing/2010/main">
                 <a:solidFill>
                   <a:srgbClr val="FFFFFF"/>
                 </a:solidFill>
@@ -238,7 +240,7 @@
             </a:ln>
             <a:extLst>
               <a:ext uri="{91240B29-F687-4f45-9708-019B960494DF}">
-                <a14:hiddenLine xmlns:a14="http://schemas.microsoft.com/office/drawing/2010/main" xmlns="" w="9525">
+                <a14:hiddenLine xmlns="" xmlns:a14="http://schemas.microsoft.com/office/drawing/2010/main" w="9525">
                   <a:solidFill>
                     <a:srgbClr val="000000"/>
                   </a:solidFill>
@@ -328,7 +330,7 @@
             </a:ln>
             <a:extLst>
               <a:ext uri="{91240B29-F687-4f45-9708-019B960494DF}">
-                <a14:hiddenLine xmlns:a14="http://schemas.microsoft.com/office/drawing/2010/main" xmlns="" w="9525">
+                <a14:hiddenLine xmlns="" xmlns:a14="http://schemas.microsoft.com/office/drawing/2010/main" w="9525">
                   <a:solidFill>
                     <a:srgbClr val="000000"/>
                   </a:solidFill>
@@ -418,7 +420,7 @@
             </a:ln>
             <a:extLst>
               <a:ext uri="{91240B29-F687-4f45-9708-019B960494DF}">
-                <a14:hiddenLine xmlns:a14="http://schemas.microsoft.com/office/drawing/2010/main" xmlns="" w="9525">
+                <a14:hiddenLine xmlns="" xmlns:a14="http://schemas.microsoft.com/office/drawing/2010/main" w="9525">
                   <a:solidFill>
                     <a:srgbClr val="000000"/>
                   </a:solidFill>
@@ -452,7 +454,7 @@
             </a:ln>
             <a:extLst>
               <a:ext uri="{91240B29-F687-4f45-9708-019B960494DF}">
-                <a14:hiddenLine xmlns:a14="http://schemas.microsoft.com/office/drawing/2010/main" xmlns="" w="9525">
+                <a14:hiddenLine xmlns="" xmlns:a14="http://schemas.microsoft.com/office/drawing/2010/main" w="9525">
                   <a:solidFill>
                     <a:srgbClr val="000000"/>
                   </a:solidFill>
@@ -542,7 +544,7 @@
             </a:ln>
             <a:extLst>
               <a:ext uri="{91240B29-F687-4f45-9708-019B960494DF}">
-                <a14:hiddenLine xmlns:a14="http://schemas.microsoft.com/office/drawing/2010/main" xmlns="" w="9525">
+                <a14:hiddenLine xmlns="" xmlns:a14="http://schemas.microsoft.com/office/drawing/2010/main" w="9525">
                   <a:solidFill>
                     <a:srgbClr val="000000"/>
                   </a:solidFill>
@@ -604,7 +606,7 @@
             </a:ln>
             <a:extLst>
               <a:ext uri="{91240B29-F687-4f45-9708-019B960494DF}">
-                <a14:hiddenLine xmlns:a14="http://schemas.microsoft.com/office/drawing/2010/main" xmlns="" w="9525">
+                <a14:hiddenLine xmlns="" xmlns:a14="http://schemas.microsoft.com/office/drawing/2010/main" w="9525">
                   <a:solidFill>
                     <a:srgbClr val="000000"/>
                   </a:solidFill>
@@ -666,7 +668,7 @@
             </a:ln>
             <a:extLst>
               <a:ext uri="{91240B29-F687-4f45-9708-019B960494DF}">
-                <a14:hiddenLine xmlns:a14="http://schemas.microsoft.com/office/drawing/2010/main" xmlns="" w="9525">
+                <a14:hiddenLine xmlns="" xmlns:a14="http://schemas.microsoft.com/office/drawing/2010/main" w="9525">
                   <a:solidFill>
                     <a:srgbClr val="000000"/>
                   </a:solidFill>
@@ -756,7 +758,7 @@
             </a:ln>
             <a:extLst>
               <a:ext uri="{91240B29-F687-4f45-9708-019B960494DF}">
-                <a14:hiddenLine xmlns:a14="http://schemas.microsoft.com/office/drawing/2010/main" xmlns="" w="9525">
+                <a14:hiddenLine xmlns="" xmlns:a14="http://schemas.microsoft.com/office/drawing/2010/main" w="9525">
                   <a:solidFill>
                     <a:srgbClr val="000000"/>
                   </a:solidFill>
@@ -818,7 +820,7 @@
             </a:ln>
             <a:extLst>
               <a:ext uri="{91240B29-F687-4f45-9708-019B960494DF}">
-                <a14:hiddenLine xmlns:a14="http://schemas.microsoft.com/office/drawing/2010/main" xmlns="" w="9525">
+                <a14:hiddenLine xmlns="" xmlns:a14="http://schemas.microsoft.com/office/drawing/2010/main" w="9525">
                   <a:solidFill>
                     <a:srgbClr val="000000"/>
                   </a:solidFill>
@@ -880,7 +882,7 @@
             </a:ln>
             <a:extLst>
               <a:ext uri="{91240B29-F687-4f45-9708-019B960494DF}">
-                <a14:hiddenLine xmlns:a14="http://schemas.microsoft.com/office/drawing/2010/main" xmlns="" w="9525">
+                <a14:hiddenLine xmlns="" xmlns:a14="http://schemas.microsoft.com/office/drawing/2010/main" w="9525">
                   <a:solidFill>
                     <a:srgbClr val="000000"/>
                   </a:solidFill>
@@ -970,7 +972,7 @@
             </a:ln>
             <a:extLst>
               <a:ext uri="{91240B29-F687-4f45-9708-019B960494DF}">
-                <a14:hiddenLine xmlns:a14="http://schemas.microsoft.com/office/drawing/2010/main" xmlns="" w="9525">
+                <a14:hiddenLine xmlns="" xmlns:a14="http://schemas.microsoft.com/office/drawing/2010/main" w="9525">
                   <a:solidFill>
                     <a:srgbClr val="000000"/>
                   </a:solidFill>
@@ -1060,7 +1062,7 @@
             </a:ln>
             <a:extLst>
               <a:ext uri="{91240B29-F687-4f45-9708-019B960494DF}">
-                <a14:hiddenLine xmlns:a14="http://schemas.microsoft.com/office/drawing/2010/main" xmlns="" w="9525">
+                <a14:hiddenLine xmlns="" xmlns:a14="http://schemas.microsoft.com/office/drawing/2010/main" w="9525">
                   <a:solidFill>
                     <a:srgbClr val="000000"/>
                   </a:solidFill>
@@ -1122,7 +1124,7 @@
             </a:ln>
             <a:extLst>
               <a:ext uri="{91240B29-F687-4f45-9708-019B960494DF}">
-                <a14:hiddenLine xmlns:a14="http://schemas.microsoft.com/office/drawing/2010/main" xmlns="" w="9525">
+                <a14:hiddenLine xmlns="" xmlns:a14="http://schemas.microsoft.com/office/drawing/2010/main" w="9525">
                   <a:solidFill>
                     <a:srgbClr val="000000"/>
                   </a:solidFill>
@@ -1232,7 +1234,7 @@
             </a:ln>
             <a:extLst>
               <a:ext uri="{91240B29-F687-4f45-9708-019B960494DF}">
-                <a14:hiddenLine xmlns:a14="http://schemas.microsoft.com/office/drawing/2010/main" xmlns="" w="9525">
+                <a14:hiddenLine xmlns="" xmlns:a14="http://schemas.microsoft.com/office/drawing/2010/main" w="9525">
                   <a:solidFill>
                     <a:srgbClr val="000000"/>
                   </a:solidFill>
@@ -1294,7 +1296,7 @@
             </a:ln>
             <a:extLst>
               <a:ext uri="{91240B29-F687-4f45-9708-019B960494DF}">
-                <a14:hiddenLine xmlns:a14="http://schemas.microsoft.com/office/drawing/2010/main" xmlns="" w="9525">
+                <a14:hiddenLine xmlns="" xmlns:a14="http://schemas.microsoft.com/office/drawing/2010/main" w="9525">
                   <a:solidFill>
                     <a:srgbClr val="000000"/>
                   </a:solidFill>
@@ -1384,7 +1386,7 @@
             </a:ln>
             <a:extLst>
               <a:ext uri="{91240B29-F687-4f45-9708-019B960494DF}">
-                <a14:hiddenLine xmlns:a14="http://schemas.microsoft.com/office/drawing/2010/main" xmlns="" w="9525">
+                <a14:hiddenLine xmlns="" xmlns:a14="http://schemas.microsoft.com/office/drawing/2010/main" w="9525">
                   <a:solidFill>
                     <a:srgbClr val="000000"/>
                   </a:solidFill>
@@ -1474,7 +1476,7 @@
             </a:ln>
             <a:extLst>
               <a:ext uri="{91240B29-F687-4f45-9708-019B960494DF}">
-                <a14:hiddenLine xmlns:a14="http://schemas.microsoft.com/office/drawing/2010/main" xmlns="" w="9525">
+                <a14:hiddenLine xmlns="" xmlns:a14="http://schemas.microsoft.com/office/drawing/2010/main" w="9525">
                   <a:solidFill>
                     <a:srgbClr val="000000"/>
                   </a:solidFill>
@@ -1536,7 +1538,7 @@
             </a:ln>
             <a:extLst>
               <a:ext uri="{91240B29-F687-4f45-9708-019B960494DF}">
-                <a14:hiddenLine xmlns:a14="http://schemas.microsoft.com/office/drawing/2010/main" xmlns="" w="9525">
+                <a14:hiddenLine xmlns="" xmlns:a14="http://schemas.microsoft.com/office/drawing/2010/main" w="9525">
                   <a:solidFill>
                     <a:srgbClr val="000000"/>
                   </a:solidFill>
@@ -1626,7 +1628,7 @@
             </a:ln>
             <a:extLst>
               <a:ext uri="{91240B29-F687-4f45-9708-019B960494DF}">
-                <a14:hiddenLine xmlns:a14="http://schemas.microsoft.com/office/drawing/2010/main" xmlns="" w="9525">
+                <a14:hiddenLine xmlns="" xmlns:a14="http://schemas.microsoft.com/office/drawing/2010/main" w="9525">
                   <a:solidFill>
                     <a:srgbClr val="000000"/>
                   </a:solidFill>
@@ -1716,7 +1718,7 @@
             </a:ln>
             <a:extLst>
               <a:ext uri="{91240B29-F687-4f45-9708-019B960494DF}">
-                <a14:hiddenLine xmlns:a14="http://schemas.microsoft.com/office/drawing/2010/main" xmlns="" w="9525">
+                <a14:hiddenLine xmlns="" xmlns:a14="http://schemas.microsoft.com/office/drawing/2010/main" w="9525">
                   <a:solidFill>
                     <a:srgbClr val="000000"/>
                   </a:solidFill>
@@ -1772,7 +1774,7 @@
             </a:ln>
             <a:extLst>
               <a:ext uri="{91240B29-F687-4f45-9708-019B960494DF}">
-                <a14:hiddenLine xmlns:a14="http://schemas.microsoft.com/office/drawing/2010/main" xmlns="" w="9525">
+                <a14:hiddenLine xmlns="" xmlns:a14="http://schemas.microsoft.com/office/drawing/2010/main" w="9525">
                   <a:solidFill>
                     <a:srgbClr val="000000"/>
                   </a:solidFill>
@@ -1862,7 +1864,7 @@
             </a:ln>
             <a:extLst>
               <a:ext uri="{91240B29-F687-4f45-9708-019B960494DF}">
-                <a14:hiddenLine xmlns:a14="http://schemas.microsoft.com/office/drawing/2010/main" xmlns="" w="9525">
+                <a14:hiddenLine xmlns="" xmlns:a14="http://schemas.microsoft.com/office/drawing/2010/main" w="9525">
                   <a:solidFill>
                     <a:srgbClr val="000000"/>
                   </a:solidFill>
@@ -1918,7 +1920,7 @@
             </a:ln>
             <a:extLst>
               <a:ext uri="{91240B29-F687-4f45-9708-019B960494DF}">
-                <a14:hiddenLine xmlns:a14="http://schemas.microsoft.com/office/drawing/2010/main" xmlns="" w="9525">
+                <a14:hiddenLine xmlns="" xmlns:a14="http://schemas.microsoft.com/office/drawing/2010/main" w="9525">
                   <a:solidFill>
                     <a:srgbClr val="000000"/>
                   </a:solidFill>
@@ -2008,7 +2010,7 @@
             </a:ln>
             <a:extLst>
               <a:ext uri="{91240B29-F687-4f45-9708-019B960494DF}">
-                <a14:hiddenLine xmlns:a14="http://schemas.microsoft.com/office/drawing/2010/main" xmlns="" w="9525">
+                <a14:hiddenLine xmlns="" xmlns:a14="http://schemas.microsoft.com/office/drawing/2010/main" w="9525">
                   <a:solidFill>
                     <a:srgbClr val="000000"/>
                   </a:solidFill>
@@ -2076,7 +2078,7 @@
             </a:ln>
             <a:extLst>
               <a:ext uri="{91240B29-F687-4f45-9708-019B960494DF}">
-                <a14:hiddenLine xmlns:a14="http://schemas.microsoft.com/office/drawing/2010/main" xmlns="" w="9525">
+                <a14:hiddenLine xmlns="" xmlns:a14="http://schemas.microsoft.com/office/drawing/2010/main" w="9525">
                   <a:solidFill>
                     <a:srgbClr val="000000"/>
                   </a:solidFill>
@@ -2166,7 +2168,7 @@
             </a:ln>
             <a:extLst>
               <a:ext uri="{91240B29-F687-4f45-9708-019B960494DF}">
-                <a14:hiddenLine xmlns:a14="http://schemas.microsoft.com/office/drawing/2010/main" xmlns="" w="9525">
+                <a14:hiddenLine xmlns="" xmlns:a14="http://schemas.microsoft.com/office/drawing/2010/main" w="9525">
                   <a:solidFill>
                     <a:srgbClr val="000000"/>
                   </a:solidFill>
@@ -2234,7 +2236,7 @@
             </a:ln>
             <a:extLst>
               <a:ext uri="{91240B29-F687-4f45-9708-019B960494DF}">
-                <a14:hiddenLine xmlns:a14="http://schemas.microsoft.com/office/drawing/2010/main" xmlns="" w="9525">
+                <a14:hiddenLine xmlns="" xmlns:a14="http://schemas.microsoft.com/office/drawing/2010/main" w="9525">
                   <a:solidFill>
                     <a:srgbClr val="000000"/>
                   </a:solidFill>
@@ -2324,7 +2326,7 @@
             </a:ln>
             <a:extLst>
               <a:ext uri="{91240B29-F687-4f45-9708-019B960494DF}">
-                <a14:hiddenLine xmlns:a14="http://schemas.microsoft.com/office/drawing/2010/main" xmlns="" w="9525">
+                <a14:hiddenLine xmlns="" xmlns:a14="http://schemas.microsoft.com/office/drawing/2010/main" w="9525">
                   <a:solidFill>
                     <a:srgbClr val="000000"/>
                   </a:solidFill>
@@ -2358,7 +2360,7 @@
             </a:ln>
             <a:extLst>
               <a:ext uri="{91240B29-F687-4f45-9708-019B960494DF}">
-                <a14:hiddenLine xmlns:a14="http://schemas.microsoft.com/office/drawing/2010/main" xmlns="" w="9525">
+                <a14:hiddenLine xmlns="" xmlns:a14="http://schemas.microsoft.com/office/drawing/2010/main" w="9525">
                   <a:solidFill>
                     <a:srgbClr val="000000"/>
                   </a:solidFill>
@@ -2448,7 +2450,7 @@
             </a:ln>
             <a:extLst>
               <a:ext uri="{91240B29-F687-4f45-9708-019B960494DF}">
-                <a14:hiddenLine xmlns:a14="http://schemas.microsoft.com/office/drawing/2010/main" xmlns="" w="9525">
+                <a14:hiddenLine xmlns="" xmlns:a14="http://schemas.microsoft.com/office/drawing/2010/main" w="9525">
                   <a:solidFill>
                     <a:srgbClr val="000000"/>
                   </a:solidFill>
@@ -2510,7 +2512,7 @@
             </a:ln>
             <a:extLst>
               <a:ext uri="{91240B29-F687-4f45-9708-019B960494DF}">
-                <a14:hiddenLine xmlns:a14="http://schemas.microsoft.com/office/drawing/2010/main" xmlns="" w="9525">
+                <a14:hiddenLine xmlns="" xmlns:a14="http://schemas.microsoft.com/office/drawing/2010/main" w="9525">
                   <a:solidFill>
                     <a:srgbClr val="000000"/>
                   </a:solidFill>
@@ -2572,7 +2574,7 @@
             </a:ln>
             <a:extLst>
               <a:ext uri="{91240B29-F687-4f45-9708-019B960494DF}">
-                <a14:hiddenLine xmlns:a14="http://schemas.microsoft.com/office/drawing/2010/main" xmlns="" w="9525">
+                <a14:hiddenLine xmlns="" xmlns:a14="http://schemas.microsoft.com/office/drawing/2010/main" w="9525">
                   <a:solidFill>
                     <a:srgbClr val="000000"/>
                   </a:solidFill>
@@ -2662,7 +2664,7 @@
             </a:ln>
             <a:extLst>
               <a:ext uri="{91240B29-F687-4f45-9708-019B960494DF}">
-                <a14:hiddenLine xmlns:a14="http://schemas.microsoft.com/office/drawing/2010/main" xmlns="" w="9525">
+                <a14:hiddenLine xmlns="" xmlns:a14="http://schemas.microsoft.com/office/drawing/2010/main" w="9525">
                   <a:solidFill>
                     <a:srgbClr val="000000"/>
                   </a:solidFill>
@@ -2730,7 +2732,7 @@
             </a:ln>
             <a:extLst>
               <a:ext uri="{91240B29-F687-4f45-9708-019B960494DF}">
-                <a14:hiddenLine xmlns:a14="http://schemas.microsoft.com/office/drawing/2010/main" xmlns="" w="9525">
+                <a14:hiddenLine xmlns="" xmlns:a14="http://schemas.microsoft.com/office/drawing/2010/main" w="9525">
                   <a:solidFill>
                     <a:srgbClr val="000000"/>
                   </a:solidFill>
@@ -2792,7 +2794,7 @@
             </a:ln>
             <a:extLst>
               <a:ext uri="{91240B29-F687-4f45-9708-019B960494DF}">
-                <a14:hiddenLine xmlns:a14="http://schemas.microsoft.com/office/drawing/2010/main" xmlns="" w="9525">
+                <a14:hiddenLine xmlns="" xmlns:a14="http://schemas.microsoft.com/office/drawing/2010/main" w="9525">
                   <a:solidFill>
                     <a:srgbClr val="000000"/>
                   </a:solidFill>
@@ -2882,7 +2884,7 @@
             </a:ln>
             <a:extLst>
               <a:ext uri="{91240B29-F687-4f45-9708-019B960494DF}">
-                <a14:hiddenLine xmlns:a14="http://schemas.microsoft.com/office/drawing/2010/main" xmlns="" w="9525">
+                <a14:hiddenLine xmlns="" xmlns:a14="http://schemas.microsoft.com/office/drawing/2010/main" w="9525">
                   <a:solidFill>
                     <a:srgbClr val="000000"/>
                   </a:solidFill>
@@ -2944,7 +2946,7 @@
             </a:ln>
             <a:extLst>
               <a:ext uri="{91240B29-F687-4f45-9708-019B960494DF}">
-                <a14:hiddenLine xmlns:a14="http://schemas.microsoft.com/office/drawing/2010/main" xmlns="" w="9525">
+                <a14:hiddenLine xmlns="" xmlns:a14="http://schemas.microsoft.com/office/drawing/2010/main" w="9525">
                   <a:solidFill>
                     <a:srgbClr val="000000"/>
                   </a:solidFill>
@@ -3034,7 +3036,7 @@
             </a:ln>
             <a:extLst>
               <a:ext uri="{91240B29-F687-4f45-9708-019B960494DF}">
-                <a14:hiddenLine xmlns:a14="http://schemas.microsoft.com/office/drawing/2010/main" xmlns="" w="9525">
+                <a14:hiddenLine xmlns="" xmlns:a14="http://schemas.microsoft.com/office/drawing/2010/main" w="9525">
                   <a:solidFill>
                     <a:srgbClr val="000000"/>
                   </a:solidFill>
@@ -3096,7 +3098,7 @@
             </a:ln>
             <a:extLst>
               <a:ext uri="{91240B29-F687-4f45-9708-019B960494DF}">
-                <a14:hiddenLine xmlns:a14="http://schemas.microsoft.com/office/drawing/2010/main" xmlns="" w="9525">
+                <a14:hiddenLine xmlns="" xmlns:a14="http://schemas.microsoft.com/office/drawing/2010/main" w="9525">
                   <a:solidFill>
                     <a:srgbClr val="000000"/>
                   </a:solidFill>
@@ -3186,7 +3188,7 @@
             </a:ln>
             <a:extLst>
               <a:ext uri="{91240B29-F687-4f45-9708-019B960494DF}">
-                <a14:hiddenLine xmlns:a14="http://schemas.microsoft.com/office/drawing/2010/main" xmlns="" w="9525">
+                <a14:hiddenLine xmlns="" xmlns:a14="http://schemas.microsoft.com/office/drawing/2010/main" w="9525">
                   <a:solidFill>
                     <a:srgbClr val="000000"/>
                   </a:solidFill>
@@ -3220,7 +3222,7 @@
             </a:ln>
             <a:extLst>
               <a:ext uri="{91240B29-F687-4f45-9708-019B960494DF}">
-                <a14:hiddenLine xmlns:a14="http://schemas.microsoft.com/office/drawing/2010/main" xmlns="" w="9525">
+                <a14:hiddenLine xmlns="" xmlns:a14="http://schemas.microsoft.com/office/drawing/2010/main" w="9525">
                   <a:solidFill>
                     <a:srgbClr val="000000"/>
                   </a:solidFill>
@@ -3285,7 +3287,7 @@
             </a:ln>
             <a:extLst>
               <a:ext uri="{91240B29-F687-4f45-9708-019B960494DF}">
-                <a14:hiddenLine xmlns:a14="http://schemas.microsoft.com/office/drawing/2010/main" xmlns="" w="9525">
+                <a14:hiddenLine xmlns="" xmlns:a14="http://schemas.microsoft.com/office/drawing/2010/main" w="9525">
                   <a:solidFill>
                     <a:srgbClr val="000000"/>
                   </a:solidFill>
@@ -3375,7 +3377,7 @@
             </a:ln>
             <a:extLst>
               <a:ext uri="{91240B29-F687-4f45-9708-019B960494DF}">
-                <a14:hiddenLine xmlns:a14="http://schemas.microsoft.com/office/drawing/2010/main" xmlns="" w="9525">
+                <a14:hiddenLine xmlns="" xmlns:a14="http://schemas.microsoft.com/office/drawing/2010/main" w="9525">
                   <a:solidFill>
                     <a:srgbClr val="000000"/>
                   </a:solidFill>
@@ -3437,7 +3439,7 @@
             </a:ln>
             <a:extLst>
               <a:ext uri="{91240B29-F687-4f45-9708-019B960494DF}">
-                <a14:hiddenLine xmlns:a14="http://schemas.microsoft.com/office/drawing/2010/main" xmlns="" w="9525">
+                <a14:hiddenLine xmlns="" xmlns:a14="http://schemas.microsoft.com/office/drawing/2010/main" w="9525">
                   <a:solidFill>
                     <a:srgbClr val="000000"/>
                   </a:solidFill>
@@ -3527,7 +3529,7 @@
             </a:ln>
             <a:extLst>
               <a:ext uri="{91240B29-F687-4f45-9708-019B960494DF}">
-                <a14:hiddenLine xmlns:a14="http://schemas.microsoft.com/office/drawing/2010/main" xmlns="" w="9525">
+                <a14:hiddenLine xmlns="" xmlns:a14="http://schemas.microsoft.com/office/drawing/2010/main" w="9525">
                   <a:solidFill>
                     <a:srgbClr val="000000"/>
                   </a:solidFill>
@@ -3617,7 +3619,7 @@
             </a:ln>
             <a:extLst>
               <a:ext uri="{91240B29-F687-4f45-9708-019B960494DF}">
-                <a14:hiddenLine xmlns:a14="http://schemas.microsoft.com/office/drawing/2010/main" xmlns="" w="9525">
+                <a14:hiddenLine xmlns="" xmlns:a14="http://schemas.microsoft.com/office/drawing/2010/main" w="9525">
                   <a:solidFill>
                     <a:srgbClr val="000000"/>
                   </a:solidFill>
@@ -3682,7 +3684,7 @@
             </a:ln>
             <a:extLst>
               <a:ext uri="{91240B29-F687-4f45-9708-019B960494DF}">
-                <a14:hiddenLine xmlns:a14="http://schemas.microsoft.com/office/drawing/2010/main" xmlns="" w="9525">
+                <a14:hiddenLine xmlns="" xmlns:a14="http://schemas.microsoft.com/office/drawing/2010/main" w="9525">
                   <a:solidFill>
                     <a:srgbClr val="000000"/>
                   </a:solidFill>
@@ -3744,7 +3746,7 @@
             </a:ln>
             <a:extLst>
               <a:ext uri="{91240B29-F687-4f45-9708-019B960494DF}">
-                <a14:hiddenLine xmlns:a14="http://schemas.microsoft.com/office/drawing/2010/main" xmlns="" w="9525">
+                <a14:hiddenLine xmlns="" xmlns:a14="http://schemas.microsoft.com/office/drawing/2010/main" w="9525">
                   <a:solidFill>
                     <a:srgbClr val="000000"/>
                   </a:solidFill>
@@ -3834,7 +3836,7 @@
             </a:ln>
             <a:extLst>
               <a:ext uri="{91240B29-F687-4f45-9708-019B960494DF}">
-                <a14:hiddenLine xmlns:a14="http://schemas.microsoft.com/office/drawing/2010/main" xmlns="" w="9525">
+                <a14:hiddenLine xmlns="" xmlns:a14="http://schemas.microsoft.com/office/drawing/2010/main" w="9525">
                   <a:solidFill>
                     <a:srgbClr val="000000"/>
                   </a:solidFill>
@@ -3924,7 +3926,7 @@
             </a:ln>
             <a:extLst>
               <a:ext uri="{91240B29-F687-4f45-9708-019B960494DF}">
-                <a14:hiddenLine xmlns:a14="http://schemas.microsoft.com/office/drawing/2010/main" xmlns="" w="9525">
+                <a14:hiddenLine xmlns="" xmlns:a14="http://schemas.microsoft.com/office/drawing/2010/main" w="9525">
                   <a:solidFill>
                     <a:srgbClr val="000000"/>
                   </a:solidFill>
@@ -3986,7 +3988,7 @@
             </a:ln>
             <a:extLst>
               <a:ext uri="{91240B29-F687-4f45-9708-019B960494DF}">
-                <a14:hiddenLine xmlns:a14="http://schemas.microsoft.com/office/drawing/2010/main" xmlns="" w="9525">
+                <a14:hiddenLine xmlns="" xmlns:a14="http://schemas.microsoft.com/office/drawing/2010/main" w="9525">
                   <a:solidFill>
                     <a:srgbClr val="000000"/>
                   </a:solidFill>
@@ -4106,7 +4108,7 @@
             </a:ln>
             <a:extLst>
               <a:ext uri="{91240B29-F687-4f45-9708-019B960494DF}">
-                <a14:hiddenLine xmlns:a14="http://schemas.microsoft.com/office/drawing/2010/main" xmlns="" w="9525">
+                <a14:hiddenLine xmlns="" xmlns:a14="http://schemas.microsoft.com/office/drawing/2010/main" w="9525">
                   <a:solidFill>
                     <a:srgbClr val="000000"/>
                   </a:solidFill>
@@ -4174,7 +4176,7 @@
             </a:ln>
             <a:extLst>
               <a:ext uri="{91240B29-F687-4f45-9708-019B960494DF}">
-                <a14:hiddenLine xmlns:a14="http://schemas.microsoft.com/office/drawing/2010/main" xmlns="" w="9525">
+                <a14:hiddenLine xmlns="" xmlns:a14="http://schemas.microsoft.com/office/drawing/2010/main" w="9525">
                   <a:solidFill>
                     <a:srgbClr val="000000"/>
                   </a:solidFill>
@@ -4264,7 +4266,7 @@
             </a:ln>
             <a:extLst>
               <a:ext uri="{91240B29-F687-4f45-9708-019B960494DF}">
-                <a14:hiddenLine xmlns:a14="http://schemas.microsoft.com/office/drawing/2010/main" xmlns="" w="9525">
+                <a14:hiddenLine xmlns="" xmlns:a14="http://schemas.microsoft.com/office/drawing/2010/main" w="9525">
                   <a:solidFill>
                     <a:srgbClr val="000000"/>
                   </a:solidFill>
@@ -8993,7 +8995,7 @@
           <a:noFill/>
           <a:extLst>
             <a:ext uri="{909E8E84-426E-40dd-AFC4-6F175D3DCCD1}">
-              <a14:hiddenFill xmlns:a14="http://schemas.microsoft.com/office/drawing/2010/main" xmlns="">
+              <a14:hiddenFill xmlns="" xmlns:a14="http://schemas.microsoft.com/office/drawing/2010/main">
                 <a:solidFill>
                   <a:srgbClr val="FFFFFF"/>
                 </a:solidFill>
@@ -9067,7 +9069,7 @@
               </a:ln>
               <a:extLst>
                 <a:ext uri="{91240B29-F687-4f45-9708-019B960494DF}">
-                  <a14:hiddenLine xmlns:a14="http://schemas.microsoft.com/office/drawing/2010/main" xmlns="" w="9525">
+                  <a14:hiddenLine xmlns="" xmlns:a14="http://schemas.microsoft.com/office/drawing/2010/main" w="9525">
                     <a:solidFill>
                       <a:srgbClr val="000000"/>
                     </a:solidFill>
@@ -9157,7 +9159,7 @@
               </a:ln>
               <a:extLst>
                 <a:ext uri="{91240B29-F687-4f45-9708-019B960494DF}">
-                  <a14:hiddenLine xmlns:a14="http://schemas.microsoft.com/office/drawing/2010/main" xmlns="" w="9525">
+                  <a14:hiddenLine xmlns="" xmlns:a14="http://schemas.microsoft.com/office/drawing/2010/main" w="9525">
                     <a:solidFill>
                       <a:srgbClr val="000000"/>
                     </a:solidFill>
@@ -9247,7 +9249,7 @@
               </a:ln>
               <a:extLst>
                 <a:ext uri="{91240B29-F687-4f45-9708-019B960494DF}">
-                  <a14:hiddenLine xmlns:a14="http://schemas.microsoft.com/office/drawing/2010/main" xmlns="" w="9525">
+                  <a14:hiddenLine xmlns="" xmlns:a14="http://schemas.microsoft.com/office/drawing/2010/main" w="9525">
                     <a:solidFill>
                       <a:srgbClr val="000000"/>
                     </a:solidFill>
@@ -9309,7 +9311,7 @@
               </a:ln>
               <a:extLst>
                 <a:ext uri="{91240B29-F687-4f45-9708-019B960494DF}">
-                  <a14:hiddenLine xmlns:a14="http://schemas.microsoft.com/office/drawing/2010/main" xmlns="" w="9525">
+                  <a14:hiddenLine xmlns="" xmlns:a14="http://schemas.microsoft.com/office/drawing/2010/main" w="9525">
                     <a:solidFill>
                       <a:srgbClr val="000000"/>
                     </a:solidFill>
@@ -9399,7 +9401,7 @@
               </a:ln>
               <a:extLst>
                 <a:ext uri="{91240B29-F687-4f45-9708-019B960494DF}">
-                  <a14:hiddenLine xmlns:a14="http://schemas.microsoft.com/office/drawing/2010/main" xmlns="" w="9525">
+                  <a14:hiddenLine xmlns="" xmlns:a14="http://schemas.microsoft.com/office/drawing/2010/main" w="9525">
                     <a:solidFill>
                       <a:srgbClr val="000000"/>
                     </a:solidFill>
@@ -9461,7 +9463,7 @@
               </a:ln>
               <a:extLst>
                 <a:ext uri="{91240B29-F687-4f45-9708-019B960494DF}">
-                  <a14:hiddenLine xmlns:a14="http://schemas.microsoft.com/office/drawing/2010/main" xmlns="" w="9525">
+                  <a14:hiddenLine xmlns="" xmlns:a14="http://schemas.microsoft.com/office/drawing/2010/main" w="9525">
                     <a:solidFill>
                       <a:srgbClr val="000000"/>
                     </a:solidFill>
@@ -9523,7 +9525,7 @@
               </a:ln>
               <a:extLst>
                 <a:ext uri="{91240B29-F687-4f45-9708-019B960494DF}">
-                  <a14:hiddenLine xmlns:a14="http://schemas.microsoft.com/office/drawing/2010/main" xmlns="" w="9525">
+                  <a14:hiddenLine xmlns="" xmlns:a14="http://schemas.microsoft.com/office/drawing/2010/main" w="9525">
                     <a:solidFill>
                       <a:srgbClr val="000000"/>
                     </a:solidFill>
@@ -9613,7 +9615,7 @@
               </a:ln>
               <a:extLst>
                 <a:ext uri="{91240B29-F687-4f45-9708-019B960494DF}">
-                  <a14:hiddenLine xmlns:a14="http://schemas.microsoft.com/office/drawing/2010/main" xmlns="" w="9525">
+                  <a14:hiddenLine xmlns="" xmlns:a14="http://schemas.microsoft.com/office/drawing/2010/main" w="9525">
                     <a:solidFill>
                       <a:srgbClr val="000000"/>
                     </a:solidFill>
@@ -9703,7 +9705,7 @@
               </a:ln>
               <a:extLst>
                 <a:ext uri="{91240B29-F687-4f45-9708-019B960494DF}">
-                  <a14:hiddenLine xmlns:a14="http://schemas.microsoft.com/office/drawing/2010/main" xmlns="" w="9525">
+                  <a14:hiddenLine xmlns="" xmlns:a14="http://schemas.microsoft.com/office/drawing/2010/main" w="9525">
                     <a:solidFill>
                       <a:srgbClr val="000000"/>
                     </a:solidFill>
@@ -9765,7 +9767,7 @@
               </a:ln>
               <a:extLst>
                 <a:ext uri="{91240B29-F687-4f45-9708-019B960494DF}">
-                  <a14:hiddenLine xmlns:a14="http://schemas.microsoft.com/office/drawing/2010/main" xmlns="" w="9525">
+                  <a14:hiddenLine xmlns="" xmlns:a14="http://schemas.microsoft.com/office/drawing/2010/main" w="9525">
                     <a:solidFill>
                       <a:srgbClr val="000000"/>
                     </a:solidFill>
@@ -9875,7 +9877,7 @@
               </a:ln>
               <a:extLst>
                 <a:ext uri="{91240B29-F687-4f45-9708-019B960494DF}">
-                  <a14:hiddenLine xmlns:a14="http://schemas.microsoft.com/office/drawing/2010/main" xmlns="" w="9525">
+                  <a14:hiddenLine xmlns="" xmlns:a14="http://schemas.microsoft.com/office/drawing/2010/main" w="9525">
                     <a:solidFill>
                       <a:srgbClr val="000000"/>
                     </a:solidFill>
@@ -9959,7 +9961,7 @@
               </a:ln>
               <a:extLst>
                 <a:ext uri="{91240B29-F687-4f45-9708-019B960494DF}">
-                  <a14:hiddenLine xmlns:a14="http://schemas.microsoft.com/office/drawing/2010/main" xmlns="" w="9525">
+                  <a14:hiddenLine xmlns="" xmlns:a14="http://schemas.microsoft.com/office/drawing/2010/main" w="9525">
                     <a:solidFill>
                       <a:srgbClr val="000000"/>
                     </a:solidFill>
@@ -10021,7 +10023,7 @@
               </a:ln>
               <a:extLst>
                 <a:ext uri="{91240B29-F687-4f45-9708-019B960494DF}">
-                  <a14:hiddenLine xmlns:a14="http://schemas.microsoft.com/office/drawing/2010/main" xmlns="" w="9525">
+                  <a14:hiddenLine xmlns="" xmlns:a14="http://schemas.microsoft.com/office/drawing/2010/main" w="9525">
                     <a:solidFill>
                       <a:srgbClr val="000000"/>
                     </a:solidFill>
@@ -10083,7 +10085,7 @@
               </a:ln>
               <a:extLst>
                 <a:ext uri="{91240B29-F687-4f45-9708-019B960494DF}">
-                  <a14:hiddenLine xmlns:a14="http://schemas.microsoft.com/office/drawing/2010/main" xmlns="" w="9525">
+                  <a14:hiddenLine xmlns="" xmlns:a14="http://schemas.microsoft.com/office/drawing/2010/main" w="9525">
                     <a:solidFill>
                       <a:srgbClr val="000000"/>
                     </a:solidFill>
@@ -10173,7 +10175,7 @@
               </a:ln>
               <a:extLst>
                 <a:ext uri="{91240B29-F687-4f45-9708-019B960494DF}">
-                  <a14:hiddenLine xmlns:a14="http://schemas.microsoft.com/office/drawing/2010/main" xmlns="" w="9525">
+                  <a14:hiddenLine xmlns="" xmlns:a14="http://schemas.microsoft.com/office/drawing/2010/main" w="9525">
                     <a:solidFill>
                       <a:srgbClr val="000000"/>
                     </a:solidFill>
@@ -10207,7 +10209,7 @@
               </a:ln>
               <a:extLst>
                 <a:ext uri="{91240B29-F687-4f45-9708-019B960494DF}">
-                  <a14:hiddenLine xmlns:a14="http://schemas.microsoft.com/office/drawing/2010/main" xmlns="" w="9525">
+                  <a14:hiddenLine xmlns="" xmlns:a14="http://schemas.microsoft.com/office/drawing/2010/main" w="9525">
                     <a:solidFill>
                       <a:srgbClr val="000000"/>
                     </a:solidFill>
@@ -10272,7 +10274,7 @@
               </a:ln>
               <a:extLst>
                 <a:ext uri="{91240B29-F687-4f45-9708-019B960494DF}">
-                  <a14:hiddenLine xmlns:a14="http://schemas.microsoft.com/office/drawing/2010/main" xmlns="" w="9525">
+                  <a14:hiddenLine xmlns="" xmlns:a14="http://schemas.microsoft.com/office/drawing/2010/main" w="9525">
                     <a:solidFill>
                       <a:srgbClr val="000000"/>
                     </a:solidFill>
@@ -10362,7 +10364,7 @@
               </a:ln>
               <a:extLst>
                 <a:ext uri="{91240B29-F687-4f45-9708-019B960494DF}">
-                  <a14:hiddenLine xmlns:a14="http://schemas.microsoft.com/office/drawing/2010/main" xmlns="" w="9525">
+                  <a14:hiddenLine xmlns="" xmlns:a14="http://schemas.microsoft.com/office/drawing/2010/main" w="9525">
                     <a:solidFill>
                       <a:srgbClr val="000000"/>
                     </a:solidFill>
@@ -10424,7 +10426,7 @@
               </a:ln>
               <a:extLst>
                 <a:ext uri="{91240B29-F687-4f45-9708-019B960494DF}">
-                  <a14:hiddenLine xmlns:a14="http://schemas.microsoft.com/office/drawing/2010/main" xmlns="" w="9525">
+                  <a14:hiddenLine xmlns="" xmlns:a14="http://schemas.microsoft.com/office/drawing/2010/main" w="9525">
                     <a:solidFill>
                       <a:srgbClr val="000000"/>
                     </a:solidFill>
@@ -10514,7 +10516,7 @@
               </a:ln>
               <a:extLst>
                 <a:ext uri="{91240B29-F687-4f45-9708-019B960494DF}">
-                  <a14:hiddenLine xmlns:a14="http://schemas.microsoft.com/office/drawing/2010/main" xmlns="" w="9525">
+                  <a14:hiddenLine xmlns="" xmlns:a14="http://schemas.microsoft.com/office/drawing/2010/main" w="9525">
                     <a:solidFill>
                       <a:srgbClr val="000000"/>
                     </a:solidFill>
@@ -10579,7 +10581,7 @@
               </a:ln>
               <a:extLst>
                 <a:ext uri="{91240B29-F687-4f45-9708-019B960494DF}">
-                  <a14:hiddenLine xmlns:a14="http://schemas.microsoft.com/office/drawing/2010/main" xmlns="" w="9525">
+                  <a14:hiddenLine xmlns="" xmlns:a14="http://schemas.microsoft.com/office/drawing/2010/main" w="9525">
                     <a:solidFill>
                       <a:srgbClr val="000000"/>
                     </a:solidFill>
@@ -10641,7 +10643,7 @@
               </a:ln>
               <a:extLst>
                 <a:ext uri="{91240B29-F687-4f45-9708-019B960494DF}">
-                  <a14:hiddenLine xmlns:a14="http://schemas.microsoft.com/office/drawing/2010/main" xmlns="" w="9525">
+                  <a14:hiddenLine xmlns="" xmlns:a14="http://schemas.microsoft.com/office/drawing/2010/main" w="9525">
                     <a:solidFill>
                       <a:srgbClr val="000000"/>
                     </a:solidFill>
@@ -10731,7 +10733,7 @@
               </a:ln>
               <a:extLst>
                 <a:ext uri="{91240B29-F687-4f45-9708-019B960494DF}">
-                  <a14:hiddenLine xmlns:a14="http://schemas.microsoft.com/office/drawing/2010/main" xmlns="" w="9525">
+                  <a14:hiddenLine xmlns="" xmlns:a14="http://schemas.microsoft.com/office/drawing/2010/main" w="9525">
                     <a:solidFill>
                       <a:srgbClr val="000000"/>
                     </a:solidFill>
@@ -10821,7 +10823,7 @@
               </a:ln>
               <a:extLst>
                 <a:ext uri="{91240B29-F687-4f45-9708-019B960494DF}">
-                  <a14:hiddenLine xmlns:a14="http://schemas.microsoft.com/office/drawing/2010/main" xmlns="" w="9525">
+                  <a14:hiddenLine xmlns="" xmlns:a14="http://schemas.microsoft.com/office/drawing/2010/main" w="9525">
                     <a:solidFill>
                       <a:srgbClr val="000000"/>
                     </a:solidFill>
@@ -10886,7 +10888,7 @@
               </a:ln>
               <a:extLst>
                 <a:ext uri="{91240B29-F687-4f45-9708-019B960494DF}">
-                  <a14:hiddenLine xmlns:a14="http://schemas.microsoft.com/office/drawing/2010/main" xmlns="" w="9525">
+                  <a14:hiddenLine xmlns="" xmlns:a14="http://schemas.microsoft.com/office/drawing/2010/main" w="9525">
                     <a:solidFill>
                       <a:srgbClr val="000000"/>
                     </a:solidFill>
@@ -11006,7 +11008,7 @@
               </a:ln>
               <a:extLst>
                 <a:ext uri="{91240B29-F687-4f45-9708-019B960494DF}">
-                  <a14:hiddenLine xmlns:a14="http://schemas.microsoft.com/office/drawing/2010/main" xmlns="" w="9525">
+                  <a14:hiddenLine xmlns="" xmlns:a14="http://schemas.microsoft.com/office/drawing/2010/main" w="9525">
                     <a:solidFill>
                       <a:srgbClr val="000000"/>
                     </a:solidFill>
@@ -11087,7 +11089,7 @@
               </a:ln>
               <a:extLst>
                 <a:ext uri="{91240B29-F687-4f45-9708-019B960494DF}">
-                  <a14:hiddenLine xmlns:a14="http://schemas.microsoft.com/office/drawing/2010/main" xmlns="" w="9525">
+                  <a14:hiddenLine xmlns="" xmlns:a14="http://schemas.microsoft.com/office/drawing/2010/main" w="9525">
                     <a:solidFill>
                       <a:srgbClr val="000000"/>
                     </a:solidFill>
@@ -11202,7 +11204,7 @@
               </a:ln>
               <a:extLst>
                 <a:ext uri="{91240B29-F687-4f45-9708-019B960494DF}">
-                  <a14:hiddenLine xmlns:a14="http://schemas.microsoft.com/office/drawing/2010/main" xmlns="" w="9525">
+                  <a14:hiddenLine xmlns="" xmlns:a14="http://schemas.microsoft.com/office/drawing/2010/main" w="9525">
                     <a:solidFill>
                       <a:srgbClr val="000000"/>
                     </a:solidFill>
@@ -11292,7 +11294,7 @@
               </a:ln>
               <a:extLst>
                 <a:ext uri="{91240B29-F687-4f45-9708-019B960494DF}">
-                  <a14:hiddenLine xmlns:a14="http://schemas.microsoft.com/office/drawing/2010/main" xmlns="" w="9525">
+                  <a14:hiddenLine xmlns="" xmlns:a14="http://schemas.microsoft.com/office/drawing/2010/main" w="9525">
                     <a:solidFill>
                       <a:srgbClr val="000000"/>
                     </a:solidFill>
@@ -11357,7 +11359,7 @@
               </a:ln>
               <a:extLst>
                 <a:ext uri="{91240B29-F687-4f45-9708-019B960494DF}">
-                  <a14:hiddenLine xmlns:a14="http://schemas.microsoft.com/office/drawing/2010/main" xmlns="" w="9525">
+                  <a14:hiddenLine xmlns="" xmlns:a14="http://schemas.microsoft.com/office/drawing/2010/main" w="9525">
                     <a:solidFill>
                       <a:srgbClr val="000000"/>
                     </a:solidFill>
@@ -11447,7 +11449,7 @@
               </a:ln>
               <a:extLst>
                 <a:ext uri="{91240B29-F687-4f45-9708-019B960494DF}">
-                  <a14:hiddenLine xmlns:a14="http://schemas.microsoft.com/office/drawing/2010/main" xmlns="" w="9525">
+                  <a14:hiddenLine xmlns="" xmlns:a14="http://schemas.microsoft.com/office/drawing/2010/main" w="9525">
                     <a:solidFill>
                       <a:srgbClr val="000000"/>
                     </a:solidFill>
@@ -11515,7 +11517,7 @@
               </a:ln>
               <a:extLst>
                 <a:ext uri="{91240B29-F687-4f45-9708-019B960494DF}">
-                  <a14:hiddenLine xmlns:a14="http://schemas.microsoft.com/office/drawing/2010/main" xmlns="" w="9525">
+                  <a14:hiddenLine xmlns="" xmlns:a14="http://schemas.microsoft.com/office/drawing/2010/main" w="9525">
                     <a:solidFill>
                       <a:srgbClr val="000000"/>
                     </a:solidFill>
@@ -11605,7 +11607,7 @@
               </a:ln>
               <a:extLst>
                 <a:ext uri="{91240B29-F687-4f45-9708-019B960494DF}">
-                  <a14:hiddenLine xmlns:a14="http://schemas.microsoft.com/office/drawing/2010/main" xmlns="" w="9525">
+                  <a14:hiddenLine xmlns="" xmlns:a14="http://schemas.microsoft.com/office/drawing/2010/main" w="9525">
                     <a:solidFill>
                       <a:srgbClr val="000000"/>
                     </a:solidFill>
@@ -11673,7 +11675,7 @@
               </a:ln>
               <a:extLst>
                 <a:ext uri="{91240B29-F687-4f45-9708-019B960494DF}">
-                  <a14:hiddenLine xmlns:a14="http://schemas.microsoft.com/office/drawing/2010/main" xmlns="" w="9525">
+                  <a14:hiddenLine xmlns="" xmlns:a14="http://schemas.microsoft.com/office/drawing/2010/main" w="9525">
                     <a:solidFill>
                       <a:srgbClr val="000000"/>
                     </a:solidFill>
@@ -11763,7 +11765,7 @@
               </a:ln>
               <a:extLst>
                 <a:ext uri="{91240B29-F687-4f45-9708-019B960494DF}">
-                  <a14:hiddenLine xmlns:a14="http://schemas.microsoft.com/office/drawing/2010/main" xmlns="" w="9525">
+                  <a14:hiddenLine xmlns="" xmlns:a14="http://schemas.microsoft.com/office/drawing/2010/main" w="9525">
                     <a:solidFill>
                       <a:srgbClr val="000000"/>
                     </a:solidFill>
@@ -11797,7 +11799,7 @@
               </a:ln>
               <a:extLst>
                 <a:ext uri="{91240B29-F687-4f45-9708-019B960494DF}">
-                  <a14:hiddenLine xmlns:a14="http://schemas.microsoft.com/office/drawing/2010/main" xmlns="" w="9525">
+                  <a14:hiddenLine xmlns="" xmlns:a14="http://schemas.microsoft.com/office/drawing/2010/main" w="9525">
                     <a:solidFill>
                       <a:srgbClr val="000000"/>
                     </a:solidFill>
@@ -12434,6 +12436,348 @@
           <a:chExt cx="0" cy="0"/>
         </a:xfrm>
       </p:grpSpPr>
+      <p:sp>
+        <p:nvSpPr>
+          <p:cNvPr id="2" name="Title 1"/>
+          <p:cNvSpPr>
+            <a:spLocks noGrp="1"/>
+          </p:cNvSpPr>
+          <p:nvPr>
+            <p:ph type="title"/>
+          </p:nvPr>
+        </p:nvSpPr>
+        <p:spPr/>
+        <p:txBody>
+          <a:bodyPr/>
+          <a:lstStyle/>
+          <a:p>
+            <a:r>
+              <a:rPr lang="en-NZ" dirty="0" smtClean="0"/>
+              <a:t>Cross site scripting </a:t>
+            </a:r>
+            <a:r>
+              <a:rPr lang="en-NZ" dirty="0" err="1" smtClean="0"/>
+              <a:t>xxs</a:t>
+            </a:r>
+            <a:endParaRPr lang="en-NZ" dirty="0"/>
+          </a:p>
+        </p:txBody>
+      </p:sp>
+      <p:sp>
+        <p:nvSpPr>
+          <p:cNvPr id="3" name="Content Placeholder 2"/>
+          <p:cNvSpPr>
+            <a:spLocks noGrp="1"/>
+          </p:cNvSpPr>
+          <p:nvPr>
+            <p:ph idx="1"/>
+          </p:nvPr>
+        </p:nvSpPr>
+        <p:spPr/>
+        <p:txBody>
+          <a:bodyPr/>
+          <a:lstStyle/>
+          <a:p>
+            <a:endParaRPr lang="en-NZ"/>
+          </a:p>
+        </p:txBody>
+      </p:sp>
+    </p:spTree>
+    <p:extLst>
+      <p:ext uri="{BB962C8B-B14F-4D97-AF65-F5344CB8AC3E}">
+        <p14:creationId xmlns:p14="http://schemas.microsoft.com/office/powerpoint/2010/main" val="611591029"/>
+      </p:ext>
+    </p:extLst>
+  </p:cSld>
+  <p:clrMapOvr>
+    <a:masterClrMapping/>
+  </p:clrMapOvr>
+</p:sld>
+</file>
+
+<file path=ppt/slides/slide11.xml><?xml version="1.0" encoding="utf-8"?>
+<p:sld xmlns:a="http://schemas.openxmlformats.org/drawingml/2006/main" xmlns:r="http://schemas.openxmlformats.org/officeDocument/2006/relationships" xmlns:p="http://schemas.openxmlformats.org/presentationml/2006/main">
+  <p:cSld>
+    <p:spTree>
+      <p:nvGrpSpPr>
+        <p:cNvPr id="1" name=""/>
+        <p:cNvGrpSpPr/>
+        <p:nvPr/>
+      </p:nvGrpSpPr>
+      <p:grpSpPr>
+        <a:xfrm>
+          <a:off x="0" y="0"/>
+          <a:ext cx="0" cy="0"/>
+          <a:chOff x="0" y="0"/>
+          <a:chExt cx="0" cy="0"/>
+        </a:xfrm>
+      </p:grpSpPr>
+      <p:sp>
+        <p:nvSpPr>
+          <p:cNvPr id="2" name="Title 1"/>
+          <p:cNvSpPr>
+            <a:spLocks noGrp="1"/>
+          </p:cNvSpPr>
+          <p:nvPr>
+            <p:ph type="title"/>
+          </p:nvPr>
+        </p:nvSpPr>
+        <p:spPr/>
+        <p:txBody>
+          <a:bodyPr/>
+          <a:lstStyle/>
+          <a:p>
+            <a:r>
+              <a:rPr lang="en-NZ" dirty="0" smtClean="0"/>
+              <a:t>Cross site request forgery</a:t>
+            </a:r>
+            <a:endParaRPr lang="en-NZ" dirty="0"/>
+          </a:p>
+        </p:txBody>
+      </p:sp>
+      <p:sp>
+        <p:nvSpPr>
+          <p:cNvPr id="3" name="Content Placeholder 2"/>
+          <p:cNvSpPr>
+            <a:spLocks noGrp="1"/>
+          </p:cNvSpPr>
+          <p:nvPr>
+            <p:ph idx="1"/>
+          </p:nvPr>
+        </p:nvSpPr>
+        <p:spPr>
+          <a:xfrm>
+            <a:off x="1141412" y="1756611"/>
+            <a:ext cx="9905999" cy="4034590"/>
+          </a:xfrm>
+        </p:spPr>
+        <p:txBody>
+          <a:bodyPr>
+            <a:normAutofit/>
+          </a:bodyPr>
+          <a:lstStyle/>
+          <a:p>
+            <a:pPr marL="342900" lvl="0" indent="-342900">
+              <a:lnSpc>
+                <a:spcPct val="107000"/>
+              </a:lnSpc>
+              <a:spcAft>
+                <a:spcPts val="0"/>
+              </a:spcAft>
+              <a:buFont typeface="Symbol" panose="05050102010706020507" pitchFamily="18" charset="2"/>
+              <a:buChar char=""/>
+            </a:pPr>
+            <a:r>
+              <a:rPr lang="en-US" dirty="0">
+                <a:latin typeface="Calibri" panose="020F0502020204030204" pitchFamily="34" charset="0"/>
+                <a:ea typeface="SimSun" panose="02010600030101010101" pitchFamily="2" charset="-122"/>
+                <a:cs typeface="Times New Roman" panose="02020603050405020304" pitchFamily="18" charset="0"/>
+              </a:rPr>
+              <a:t>Sends a request to the user that is passed onto a site that is believed to be logged into</a:t>
+            </a:r>
+            <a:endParaRPr lang="en-NZ" dirty="0">
+              <a:latin typeface="Calibri" panose="020F0502020204030204" pitchFamily="34" charset="0"/>
+              <a:ea typeface="SimSun" panose="02010600030101010101" pitchFamily="2" charset="-122"/>
+              <a:cs typeface="Times New Roman" panose="02020603050405020304" pitchFamily="18" charset="0"/>
+            </a:endParaRPr>
+          </a:p>
+          <a:p>
+            <a:pPr marL="342900" lvl="0" indent="-342900">
+              <a:lnSpc>
+                <a:spcPct val="107000"/>
+              </a:lnSpc>
+              <a:spcAft>
+                <a:spcPts val="0"/>
+              </a:spcAft>
+              <a:buFont typeface="Symbol" panose="05050102010706020507" pitchFamily="18" charset="2"/>
+              <a:buChar char=""/>
+            </a:pPr>
+            <a:r>
+              <a:rPr lang="en-US" dirty="0">
+                <a:latin typeface="Calibri" panose="020F0502020204030204" pitchFamily="34" charset="0"/>
+                <a:ea typeface="SimSun" panose="02010600030101010101" pitchFamily="2" charset="-122"/>
+                <a:cs typeface="Times New Roman" panose="02020603050405020304" pitchFamily="18" charset="0"/>
+              </a:rPr>
+              <a:t>Easiest form of protection is a Token Challenge system</a:t>
+            </a:r>
+            <a:endParaRPr lang="en-NZ" dirty="0">
+              <a:latin typeface="Calibri" panose="020F0502020204030204" pitchFamily="34" charset="0"/>
+              <a:ea typeface="SimSun" panose="02010600030101010101" pitchFamily="2" charset="-122"/>
+              <a:cs typeface="Times New Roman" panose="02020603050405020304" pitchFamily="18" charset="0"/>
+            </a:endParaRPr>
+          </a:p>
+          <a:p>
+            <a:pPr marL="342900" lvl="0" indent="-342900">
+              <a:lnSpc>
+                <a:spcPct val="107000"/>
+              </a:lnSpc>
+              <a:spcAft>
+                <a:spcPts val="0"/>
+              </a:spcAft>
+              <a:buFont typeface="Symbol" panose="05050102010706020507" pitchFamily="18" charset="2"/>
+              <a:buChar char=""/>
+            </a:pPr>
+            <a:r>
+              <a:rPr lang="en-US" dirty="0">
+                <a:latin typeface="Calibri" panose="020F0502020204030204" pitchFamily="34" charset="0"/>
+                <a:ea typeface="SimSun" panose="02010600030101010101" pitchFamily="2" charset="-122"/>
+                <a:cs typeface="Times New Roman" panose="02020603050405020304" pitchFamily="18" charset="0"/>
+              </a:rPr>
+              <a:t>At </a:t>
+            </a:r>
+            <a:r>
+              <a:rPr lang="en-US" dirty="0" smtClean="0">
+                <a:latin typeface="Calibri" panose="020F0502020204030204" pitchFamily="34" charset="0"/>
+                <a:ea typeface="SimSun" panose="02010600030101010101" pitchFamily="2" charset="-122"/>
+                <a:cs typeface="Times New Roman" panose="02020603050405020304" pitchFamily="18" charset="0"/>
+              </a:rPr>
+              <a:t>a </a:t>
+            </a:r>
+            <a:r>
+              <a:rPr lang="en-US" dirty="0">
+                <a:latin typeface="Calibri" panose="020F0502020204030204" pitchFamily="34" charset="0"/>
+                <a:ea typeface="SimSun" panose="02010600030101010101" pitchFamily="2" charset="-122"/>
+                <a:cs typeface="Times New Roman" panose="02020603050405020304" pitchFamily="18" charset="0"/>
+              </a:rPr>
+              <a:t>token is generated on user log in </a:t>
+            </a:r>
+            <a:endParaRPr lang="en-US" dirty="0" smtClean="0">
+              <a:latin typeface="Calibri" panose="020F0502020204030204" pitchFamily="34" charset="0"/>
+              <a:ea typeface="SimSun" panose="02010600030101010101" pitchFamily="2" charset="-122"/>
+              <a:cs typeface="Times New Roman" panose="02020603050405020304" pitchFamily="18" charset="0"/>
+            </a:endParaRPr>
+          </a:p>
+          <a:p>
+            <a:pPr lvl="1">
+              <a:lnSpc>
+                <a:spcPct val="107000"/>
+              </a:lnSpc>
+            </a:pPr>
+            <a:r>
+              <a:rPr lang="en-US" sz="2400" dirty="0" smtClean="0">
+                <a:latin typeface="Calibri" panose="020F0502020204030204" pitchFamily="34" charset="0"/>
+                <a:ea typeface="SimSun" panose="02010600030101010101" pitchFamily="2" charset="-122"/>
+                <a:cs typeface="Times New Roman" panose="02020603050405020304" pitchFamily="18" charset="0"/>
+              </a:rPr>
+              <a:t>Can be done every time a form is loaded</a:t>
+            </a:r>
+            <a:endParaRPr lang="en-NZ" sz="2400" dirty="0" smtClean="0">
+              <a:latin typeface="Calibri" panose="020F0502020204030204" pitchFamily="34" charset="0"/>
+              <a:ea typeface="SimSun" panose="02010600030101010101" pitchFamily="2" charset="-122"/>
+              <a:cs typeface="Times New Roman" panose="02020603050405020304" pitchFamily="18" charset="0"/>
+            </a:endParaRPr>
+          </a:p>
+          <a:p>
+            <a:pPr marL="342900" lvl="0" indent="-342900">
+              <a:lnSpc>
+                <a:spcPct val="107000"/>
+              </a:lnSpc>
+              <a:spcAft>
+                <a:spcPts val="0"/>
+              </a:spcAft>
+              <a:buFont typeface="Symbol" panose="05050102010706020507" pitchFamily="18" charset="2"/>
+              <a:buChar char=""/>
+            </a:pPr>
+            <a:r>
+              <a:rPr lang="en-US" dirty="0" smtClean="0">
+                <a:latin typeface="Calibri" panose="020F0502020204030204" pitchFamily="34" charset="0"/>
+                <a:ea typeface="SimSun" panose="02010600030101010101" pitchFamily="2" charset="-122"/>
+                <a:cs typeface="Times New Roman" panose="02020603050405020304" pitchFamily="18" charset="0"/>
+              </a:rPr>
+              <a:t>When </a:t>
+            </a:r>
+            <a:r>
+              <a:rPr lang="en-US" dirty="0">
+                <a:latin typeface="Calibri" panose="020F0502020204030204" pitchFamily="34" charset="0"/>
+                <a:ea typeface="SimSun" panose="02010600030101010101" pitchFamily="2" charset="-122"/>
+                <a:cs typeface="Times New Roman" panose="02020603050405020304" pitchFamily="18" charset="0"/>
+              </a:rPr>
+              <a:t>a form is submitted it has a hidden field containing the token</a:t>
+            </a:r>
+            <a:endParaRPr lang="en-NZ" dirty="0">
+              <a:latin typeface="Calibri" panose="020F0502020204030204" pitchFamily="34" charset="0"/>
+              <a:ea typeface="SimSun" panose="02010600030101010101" pitchFamily="2" charset="-122"/>
+              <a:cs typeface="Times New Roman" panose="02020603050405020304" pitchFamily="18" charset="0"/>
+            </a:endParaRPr>
+          </a:p>
+          <a:p>
+            <a:pPr lvl="1">
+              <a:lnSpc>
+                <a:spcPct val="107000"/>
+              </a:lnSpc>
+            </a:pPr>
+            <a:r>
+              <a:rPr lang="en-US" sz="2400" dirty="0">
+                <a:latin typeface="Calibri" panose="020F0502020204030204" pitchFamily="34" charset="0"/>
+                <a:ea typeface="SimSun" panose="02010600030101010101" pitchFamily="2" charset="-122"/>
+                <a:cs typeface="Times New Roman" panose="02020603050405020304" pitchFamily="18" charset="0"/>
+              </a:rPr>
+              <a:t>If the token checks out proceed as normal</a:t>
+            </a:r>
+            <a:endParaRPr lang="en-NZ" sz="2400" dirty="0">
+              <a:latin typeface="Calibri" panose="020F0502020204030204" pitchFamily="34" charset="0"/>
+              <a:ea typeface="SimSun" panose="02010600030101010101" pitchFamily="2" charset="-122"/>
+              <a:cs typeface="Times New Roman" panose="02020603050405020304" pitchFamily="18" charset="0"/>
+            </a:endParaRPr>
+          </a:p>
+          <a:p>
+            <a:pPr lvl="1">
+              <a:lnSpc>
+                <a:spcPct val="107000"/>
+              </a:lnSpc>
+              <a:spcAft>
+                <a:spcPts val="800"/>
+              </a:spcAft>
+            </a:pPr>
+            <a:r>
+              <a:rPr lang="en-US" sz="2400" dirty="0">
+                <a:latin typeface="Calibri" panose="020F0502020204030204" pitchFamily="34" charset="0"/>
+                <a:ea typeface="SimSun" panose="02010600030101010101" pitchFamily="2" charset="-122"/>
+                <a:cs typeface="Times New Roman" panose="02020603050405020304" pitchFamily="18" charset="0"/>
+              </a:rPr>
+              <a:t>Otherwise log the attempt and deny</a:t>
+            </a:r>
+            <a:endParaRPr lang="en-NZ" sz="2400" dirty="0">
+              <a:latin typeface="Calibri" panose="020F0502020204030204" pitchFamily="34" charset="0"/>
+              <a:ea typeface="SimSun" panose="02010600030101010101" pitchFamily="2" charset="-122"/>
+              <a:cs typeface="Times New Roman" panose="02020603050405020304" pitchFamily="18" charset="0"/>
+            </a:endParaRPr>
+          </a:p>
+          <a:p>
+            <a:endParaRPr lang="en-NZ" dirty="0"/>
+          </a:p>
+        </p:txBody>
+      </p:sp>
+    </p:spTree>
+    <p:extLst>
+      <p:ext uri="{BB962C8B-B14F-4D97-AF65-F5344CB8AC3E}">
+        <p14:creationId xmlns:p14="http://schemas.microsoft.com/office/powerpoint/2010/main" val="3020736231"/>
+      </p:ext>
+    </p:extLst>
+  </p:cSld>
+  <p:clrMapOvr>
+    <a:masterClrMapping/>
+  </p:clrMapOvr>
+</p:sld>
+</file>
+
+<file path=ppt/slides/slide12.xml><?xml version="1.0" encoding="utf-8"?>
+<p:sld xmlns:a="http://schemas.openxmlformats.org/drawingml/2006/main" xmlns:r="http://schemas.openxmlformats.org/officeDocument/2006/relationships" xmlns:p="http://schemas.openxmlformats.org/presentationml/2006/main">
+  <p:cSld>
+    <p:spTree>
+      <p:nvGrpSpPr>
+        <p:cNvPr id="1" name=""/>
+        <p:cNvGrpSpPr/>
+        <p:nvPr/>
+      </p:nvGrpSpPr>
+      <p:grpSpPr>
+        <a:xfrm>
+          <a:off x="0" y="0"/>
+          <a:ext cx="0" cy="0"/>
+          <a:chOff x="0" y="0"/>
+          <a:chExt cx="0" cy="0"/>
+        </a:xfrm>
+      </p:grpSpPr>
     </p:spTree>
     <p:extLst>
       <p:ext uri="{BB962C8B-B14F-4D97-AF65-F5344CB8AC3E}">
@@ -12447,7 +12791,7 @@
 </p:sld>
 </file>
 
-<file path=ppt/slides/slide11.xml><?xml version="1.0" encoding="utf-8"?>
+<file path=ppt/slides/slide13.xml><?xml version="1.0" encoding="utf-8"?>
 <p:sld xmlns:a="http://schemas.openxmlformats.org/drawingml/2006/main" xmlns:r="http://schemas.openxmlformats.org/officeDocument/2006/relationships" xmlns:p="http://schemas.openxmlformats.org/presentationml/2006/main">
   <p:cSld>
     <p:spTree>
@@ -12614,7 +12958,12 @@
             <p:ph type="title"/>
           </p:nvPr>
         </p:nvSpPr>
-        <p:spPr/>
+        <p:spPr>
+          <a:xfrm>
+            <a:off x="1141413" y="618518"/>
+            <a:ext cx="9905998" cy="1248919"/>
+          </a:xfrm>
+        </p:spPr>
         <p:txBody>
           <a:bodyPr/>
           <a:lstStyle/>
@@ -12637,11 +12986,78 @@
             <p:ph idx="1"/>
           </p:nvPr>
         </p:nvSpPr>
-        <p:spPr/>
+        <p:spPr>
+          <a:xfrm>
+            <a:off x="1141412" y="1725769"/>
+            <a:ext cx="9905999" cy="4065432"/>
+          </a:xfrm>
+        </p:spPr>
         <p:txBody>
-          <a:bodyPr/>
+          <a:bodyPr>
+            <a:normAutofit fontScale="92500" lnSpcReduction="10000"/>
+          </a:bodyPr>
           <a:lstStyle/>
           <a:p>
+            <a:pPr marL="0" indent="0">
+              <a:buNone/>
+            </a:pPr>
+            <a:r>
+              <a:rPr lang="en-NZ" dirty="0"/>
+              <a:t>User A Computer Savvy</a:t>
+            </a:r>
+          </a:p>
+          <a:p>
+            <a:r>
+              <a:rPr lang="en-NZ" dirty="0"/>
+              <a:t>Goes on to website and in the search box enters Dell XPS  </a:t>
+            </a:r>
+          </a:p>
+          <a:p>
+            <a:r>
+              <a:rPr lang="en-NZ" dirty="0"/>
+              <a:t>Finds what he wants clicks for more details</a:t>
+            </a:r>
+          </a:p>
+          <a:p>
+            <a:r>
+              <a:rPr lang="en-NZ" dirty="0"/>
+              <a:t>Views larger picture</a:t>
+            </a:r>
+          </a:p>
+          <a:p>
+            <a:r>
+              <a:rPr lang="en-NZ" dirty="0"/>
+              <a:t>Adds to the cart</a:t>
+            </a:r>
+          </a:p>
+          <a:p>
+            <a:r>
+              <a:rPr lang="en-NZ" dirty="0" smtClean="0"/>
+              <a:t>Confirms quantity</a:t>
+            </a:r>
+          </a:p>
+          <a:p>
+            <a:r>
+              <a:rPr lang="en-NZ" dirty="0" smtClean="0"/>
+              <a:t>He does not have an account</a:t>
+            </a:r>
+          </a:p>
+          <a:p>
+            <a:r>
+              <a:rPr lang="en-NZ" dirty="0" smtClean="0"/>
+              <a:t>He creates an account</a:t>
+            </a:r>
+          </a:p>
+          <a:p>
+            <a:pPr marL="0" indent="0">
+              <a:buNone/>
+            </a:pPr>
+            <a:endParaRPr lang="en-NZ" dirty="0"/>
+          </a:p>
+          <a:p>
+            <a:pPr marL="0" indent="0">
+              <a:buNone/>
+            </a:pPr>
             <a:endParaRPr lang="en-NZ" dirty="0"/>
           </a:p>
         </p:txBody>
@@ -12678,29 +13094,6 @@
       </p:grpSpPr>
       <p:sp>
         <p:nvSpPr>
-          <p:cNvPr id="2" name="Title 1"/>
-          <p:cNvSpPr>
-            <a:spLocks noGrp="1"/>
-          </p:cNvSpPr>
-          <p:nvPr>
-            <p:ph type="title"/>
-          </p:nvPr>
-        </p:nvSpPr>
-        <p:spPr/>
-        <p:txBody>
-          <a:bodyPr/>
-          <a:lstStyle/>
-          <a:p>
-            <a:r>
-              <a:rPr lang="en-NZ" dirty="0" smtClean="0"/>
-              <a:t>database</a:t>
-            </a:r>
-            <a:endParaRPr lang="en-NZ" dirty="0"/>
-          </a:p>
-        </p:txBody>
-      </p:sp>
-      <p:sp>
-        <p:nvSpPr>
           <p:cNvPr id="3" name="Content Placeholder 2"/>
           <p:cNvSpPr>
             <a:spLocks noGrp="1"/>
@@ -12709,19 +13102,102 @@
             <p:ph idx="1"/>
           </p:nvPr>
         </p:nvSpPr>
-        <p:spPr/>
+        <p:spPr>
+          <a:xfrm>
+            <a:off x="1141412" y="553792"/>
+            <a:ext cx="9905999" cy="5486400"/>
+          </a:xfrm>
+        </p:spPr>
         <p:txBody>
-          <a:bodyPr/>
+          <a:bodyPr>
+            <a:normAutofit lnSpcReduction="10000"/>
+          </a:bodyPr>
           <a:lstStyle/>
           <a:p>
-            <a:endParaRPr lang="en-NZ"/>
+            <a:r>
+              <a:rPr lang="en-NZ" dirty="0" smtClean="0"/>
+              <a:t>Enter his details into form </a:t>
+            </a:r>
+          </a:p>
+          <a:p>
+            <a:r>
+              <a:rPr lang="en-NZ" dirty="0"/>
+              <a:t>C</a:t>
+            </a:r>
+            <a:r>
+              <a:rPr lang="en-NZ" dirty="0" smtClean="0"/>
+              <a:t>hoose a method type</a:t>
+            </a:r>
+          </a:p>
+          <a:p>
+            <a:r>
+              <a:rPr lang="en-NZ" dirty="0" smtClean="0"/>
+              <a:t>Hits enter</a:t>
+            </a:r>
+          </a:p>
+          <a:p>
+            <a:r>
+              <a:rPr lang="en-NZ" dirty="0" smtClean="0"/>
+              <a:t>He is congratulated and receives an email confirming purchase</a:t>
+            </a:r>
+          </a:p>
+          <a:p>
+            <a:pPr marL="0" indent="0">
+              <a:buNone/>
+            </a:pPr>
+            <a:r>
+              <a:rPr lang="en-NZ" dirty="0" smtClean="0"/>
+              <a:t>User B </a:t>
+            </a:r>
+          </a:p>
+          <a:p>
+            <a:r>
+              <a:rPr lang="en-NZ" dirty="0" smtClean="0"/>
+              <a:t>Goes to website clicks on computer category</a:t>
+            </a:r>
+          </a:p>
+          <a:p>
+            <a:r>
+              <a:rPr lang="en-NZ" dirty="0" smtClean="0"/>
+              <a:t>Goes to printers</a:t>
+            </a:r>
+          </a:p>
+          <a:p>
+            <a:r>
+              <a:rPr lang="en-NZ" dirty="0" smtClean="0"/>
+              <a:t>Choose a brand then select another  for comparison</a:t>
+            </a:r>
+          </a:p>
+          <a:p>
+            <a:r>
+              <a:rPr lang="en-NZ" dirty="0" smtClean="0"/>
+              <a:t>Decides which one to purchase</a:t>
+            </a:r>
+          </a:p>
+          <a:p>
+            <a:r>
+              <a:rPr lang="en-NZ" dirty="0" smtClean="0"/>
+              <a:t>Adds to the cart and similar process as user A</a:t>
+            </a:r>
+          </a:p>
+          <a:p>
+            <a:endParaRPr lang="en-NZ" dirty="0" smtClean="0"/>
+          </a:p>
+          <a:p>
+            <a:endParaRPr lang="en-NZ" dirty="0" smtClean="0"/>
+          </a:p>
+          <a:p>
+            <a:endParaRPr lang="en-NZ" dirty="0" smtClean="0"/>
+          </a:p>
+          <a:p>
+            <a:endParaRPr lang="en-NZ" dirty="0" smtClean="0"/>
           </a:p>
         </p:txBody>
       </p:sp>
     </p:spTree>
     <p:extLst>
       <p:ext uri="{BB962C8B-B14F-4D97-AF65-F5344CB8AC3E}">
-        <p14:creationId xmlns:p14="http://schemas.microsoft.com/office/powerpoint/2010/main" val="311986290"/>
+        <p14:creationId xmlns:p14="http://schemas.microsoft.com/office/powerpoint/2010/main" val="1494877443"/>
       </p:ext>
     </p:extLst>
   </p:cSld>
@@ -12750,29 +13226,6 @@
       </p:grpSpPr>
       <p:sp>
         <p:nvSpPr>
-          <p:cNvPr id="2" name="Title 1"/>
-          <p:cNvSpPr>
-            <a:spLocks noGrp="1"/>
-          </p:cNvSpPr>
-          <p:nvPr>
-            <p:ph type="title"/>
-          </p:nvPr>
-        </p:nvSpPr>
-        <p:spPr/>
-        <p:txBody>
-          <a:bodyPr/>
-          <a:lstStyle/>
-          <a:p>
-            <a:r>
-              <a:rPr lang="en-NZ" dirty="0" smtClean="0"/>
-              <a:t>Class diagram</a:t>
-            </a:r>
-            <a:endParaRPr lang="en-NZ" dirty="0"/>
-          </a:p>
-        </p:txBody>
-      </p:sp>
-      <p:sp>
-        <p:nvSpPr>
           <p:cNvPr id="3" name="Content Placeholder 2"/>
           <p:cNvSpPr>
             <a:spLocks noGrp="1"/>
@@ -12781,19 +13234,109 @@
             <p:ph idx="1"/>
           </p:nvPr>
         </p:nvSpPr>
-        <p:spPr/>
+        <p:spPr>
+          <a:xfrm>
+            <a:off x="1141412" y="940158"/>
+            <a:ext cx="9905999" cy="4919729"/>
+          </a:xfrm>
+        </p:spPr>
         <p:txBody>
-          <a:bodyPr/>
+          <a:bodyPr>
+            <a:normAutofit fontScale="92500" lnSpcReduction="20000"/>
+          </a:bodyPr>
           <a:lstStyle/>
           <a:p>
-            <a:endParaRPr lang="en-NZ"/>
+            <a:pPr marL="0" indent="0">
+              <a:buNone/>
+            </a:pPr>
+            <a:r>
+              <a:rPr lang="en-NZ" dirty="0" smtClean="0"/>
+              <a:t>User C Returning customer</a:t>
+            </a:r>
+          </a:p>
+          <a:p>
+            <a:r>
+              <a:rPr lang="en-NZ" dirty="0" smtClean="0"/>
+              <a:t>Logs in </a:t>
+            </a:r>
+          </a:p>
+          <a:p>
+            <a:r>
+              <a:rPr lang="en-NZ" dirty="0" smtClean="0"/>
+              <a:t>Clicks on a product</a:t>
+            </a:r>
+          </a:p>
+          <a:p>
+            <a:r>
+              <a:rPr lang="en-NZ" dirty="0" smtClean="0"/>
+              <a:t>Adds to the cart</a:t>
+            </a:r>
+          </a:p>
+          <a:p>
+            <a:r>
+              <a:rPr lang="en-NZ" dirty="0" smtClean="0"/>
+              <a:t>Selects two more products and adds to the cart</a:t>
+            </a:r>
+          </a:p>
+          <a:p>
+            <a:r>
+              <a:rPr lang="en-NZ" dirty="0" smtClean="0"/>
+              <a:t>Proceeds to the checkout </a:t>
+            </a:r>
+          </a:p>
+          <a:p>
+            <a:r>
+              <a:rPr lang="en-NZ" dirty="0" smtClean="0"/>
+              <a:t>Decides to get it delivered</a:t>
+            </a:r>
+          </a:p>
+          <a:p>
+            <a:r>
+              <a:rPr lang="en-NZ" dirty="0" smtClean="0"/>
+              <a:t>Removes product B </a:t>
+            </a:r>
+          </a:p>
+          <a:p>
+            <a:r>
+              <a:rPr lang="en-NZ" dirty="0" smtClean="0"/>
+              <a:t>Pay for items</a:t>
+            </a:r>
+          </a:p>
+          <a:p>
+            <a:r>
+              <a:rPr lang="en-NZ" dirty="0" smtClean="0"/>
+              <a:t>Receives </a:t>
+            </a:r>
+            <a:r>
+              <a:rPr lang="en-NZ" smtClean="0"/>
+              <a:t>confirmation email</a:t>
+            </a:r>
+            <a:endParaRPr lang="en-NZ" dirty="0" smtClean="0"/>
+          </a:p>
+          <a:p>
+            <a:pPr marL="0" indent="0">
+              <a:buNone/>
+            </a:pPr>
+            <a:endParaRPr lang="en-NZ" dirty="0" smtClean="0"/>
+          </a:p>
+          <a:p>
+            <a:pPr marL="0" indent="0">
+              <a:buNone/>
+            </a:pPr>
+            <a:endParaRPr lang="en-NZ" dirty="0" smtClean="0"/>
+          </a:p>
+          <a:p>
+            <a:endParaRPr lang="en-NZ" dirty="0" smtClean="0"/>
+          </a:p>
+          <a:p>
+            <a:endParaRPr lang="en-NZ" dirty="0"/>
           </a:p>
         </p:txBody>
       </p:sp>
     </p:spTree>
     <p:extLst>
       <p:ext uri="{BB962C8B-B14F-4D97-AF65-F5344CB8AC3E}">
-        <p14:creationId xmlns:p14="http://schemas.microsoft.com/office/powerpoint/2010/main" val="2032470963"/>
+        <p14:creationId xmlns:p14="http://schemas.microsoft.com/office/powerpoint/2010/main" val="2122877612"/>
       </p:ext>
     </p:extLst>
   </p:cSld>
@@ -12837,7 +13380,7 @@
           <a:p>
             <a:r>
               <a:rPr lang="en-NZ" dirty="0" smtClean="0"/>
-              <a:t>framework</a:t>
+              <a:t>database</a:t>
             </a:r>
             <a:endParaRPr lang="en-NZ" dirty="0"/>
           </a:p>
@@ -12865,7 +13408,7 @@
     </p:spTree>
     <p:extLst>
       <p:ext uri="{BB962C8B-B14F-4D97-AF65-F5344CB8AC3E}">
-        <p14:creationId xmlns:p14="http://schemas.microsoft.com/office/powerpoint/2010/main" val="4032489337"/>
+        <p14:creationId xmlns:p14="http://schemas.microsoft.com/office/powerpoint/2010/main" val="311986290"/>
       </p:ext>
     </p:extLst>
   </p:cSld>
@@ -12908,12 +13451,8 @@
           <a:lstStyle/>
           <a:p>
             <a:r>
-              <a:rPr lang="en-NZ" dirty="0" err="1" smtClean="0"/>
-              <a:t>Sql</a:t>
-            </a:r>
-            <a:r>
               <a:rPr lang="en-NZ" dirty="0" smtClean="0"/>
-              <a:t> injection</a:t>
+              <a:t>Class diagram</a:t>
             </a:r>
             <a:endParaRPr lang="en-NZ" dirty="0"/>
           </a:p>
@@ -12934,14 +13473,17 @@
           <a:bodyPr/>
           <a:lstStyle/>
           <a:p>
-            <a:endParaRPr lang="en-NZ"/>
+            <a:pPr marL="0" indent="0">
+              <a:buNone/>
+            </a:pPr>
+            <a:endParaRPr lang="en-NZ" dirty="0"/>
           </a:p>
         </p:txBody>
       </p:sp>
     </p:spTree>
     <p:extLst>
       <p:ext uri="{BB962C8B-B14F-4D97-AF65-F5344CB8AC3E}">
-        <p14:creationId xmlns:p14="http://schemas.microsoft.com/office/powerpoint/2010/main" val="1813648294"/>
+        <p14:creationId xmlns:p14="http://schemas.microsoft.com/office/powerpoint/2010/main" val="2032470963"/>
       </p:ext>
     </p:extLst>
   </p:cSld>
@@ -12985,11 +13527,7 @@
           <a:p>
             <a:r>
               <a:rPr lang="en-NZ" dirty="0" smtClean="0"/>
-              <a:t>Cross site scripting </a:t>
-            </a:r>
-            <a:r>
-              <a:rPr lang="en-NZ" dirty="0" err="1" smtClean="0"/>
-              <a:t>xxs</a:t>
+              <a:t>framework</a:t>
             </a:r>
             <a:endParaRPr lang="en-NZ" dirty="0"/>
           </a:p>
@@ -13017,7 +13555,7 @@
     </p:spTree>
     <p:extLst>
       <p:ext uri="{BB962C8B-B14F-4D97-AF65-F5344CB8AC3E}">
-        <p14:creationId xmlns:p14="http://schemas.microsoft.com/office/powerpoint/2010/main" val="611591029"/>
+        <p14:creationId xmlns:p14="http://schemas.microsoft.com/office/powerpoint/2010/main" val="4032489337"/>
       </p:ext>
     </p:extLst>
   </p:cSld>
@@ -13060,8 +13598,12 @@
           <a:lstStyle/>
           <a:p>
             <a:r>
+              <a:rPr lang="en-NZ" dirty="0" err="1" smtClean="0"/>
+              <a:t>Sql</a:t>
+            </a:r>
+            <a:r>
               <a:rPr lang="en-NZ" dirty="0" smtClean="0"/>
-              <a:t>Cross site request forgery</a:t>
+              <a:t> injection</a:t>
             </a:r>
             <a:endParaRPr lang="en-NZ" dirty="0"/>
           </a:p>
@@ -13077,213 +13619,19 @@
             <p:ph idx="1"/>
           </p:nvPr>
         </p:nvSpPr>
-        <p:spPr>
-          <a:xfrm>
-            <a:off x="1141412" y="1756611"/>
-            <a:ext cx="9905999" cy="4034590"/>
-          </a:xfrm>
-        </p:spPr>
+        <p:spPr/>
         <p:txBody>
-          <a:bodyPr>
-            <a:normAutofit/>
-          </a:bodyPr>
+          <a:bodyPr/>
           <a:lstStyle/>
           <a:p>
-            <a:pPr marL="342900" lvl="0" indent="-342900">
-              <a:lnSpc>
-                <a:spcPct val="107000"/>
-              </a:lnSpc>
-              <a:spcAft>
-                <a:spcPts val="0"/>
-              </a:spcAft>
-              <a:buFont typeface="Symbol" panose="05050102010706020507" pitchFamily="18" charset="2"/>
-              <a:buChar char=""/>
-            </a:pPr>
-            <a:r>
-              <a:rPr lang="en-US" dirty="0">
-                <a:latin typeface="Calibri" panose="020F0502020204030204" pitchFamily="34" charset="0"/>
-                <a:ea typeface="SimSun" panose="02010600030101010101" pitchFamily="2" charset="-122"/>
-                <a:cs typeface="Times New Roman" panose="02020603050405020304" pitchFamily="18" charset="0"/>
-              </a:rPr>
-              <a:t>Sends a request to the user that is passed onto a site that is believed to be logged into</a:t>
-            </a:r>
-            <a:endParaRPr lang="en-NZ" dirty="0">
-              <a:latin typeface="Calibri" panose="020F0502020204030204" pitchFamily="34" charset="0"/>
-              <a:ea typeface="SimSun" panose="02010600030101010101" pitchFamily="2" charset="-122"/>
-              <a:cs typeface="Times New Roman" panose="02020603050405020304" pitchFamily="18" charset="0"/>
-            </a:endParaRPr>
-          </a:p>
-          <a:p>
-            <a:pPr marL="342900" lvl="0" indent="-342900">
-              <a:lnSpc>
-                <a:spcPct val="107000"/>
-              </a:lnSpc>
-              <a:spcAft>
-                <a:spcPts val="0"/>
-              </a:spcAft>
-              <a:buFont typeface="Symbol" panose="05050102010706020507" pitchFamily="18" charset="2"/>
-              <a:buChar char=""/>
-            </a:pPr>
-            <a:r>
-              <a:rPr lang="en-US" dirty="0">
-                <a:latin typeface="Calibri" panose="020F0502020204030204" pitchFamily="34" charset="0"/>
-                <a:ea typeface="SimSun" panose="02010600030101010101" pitchFamily="2" charset="-122"/>
-                <a:cs typeface="Times New Roman" panose="02020603050405020304" pitchFamily="18" charset="0"/>
-              </a:rPr>
-              <a:t>Easiest form of protection is a Token Challenge system</a:t>
-            </a:r>
-            <a:endParaRPr lang="en-NZ" dirty="0">
-              <a:latin typeface="Calibri" panose="020F0502020204030204" pitchFamily="34" charset="0"/>
-              <a:ea typeface="SimSun" panose="02010600030101010101" pitchFamily="2" charset="-122"/>
-              <a:cs typeface="Times New Roman" panose="02020603050405020304" pitchFamily="18" charset="0"/>
-            </a:endParaRPr>
-          </a:p>
-          <a:p>
-            <a:pPr marL="342900" lvl="0" indent="-342900">
-              <a:lnSpc>
-                <a:spcPct val="107000"/>
-              </a:lnSpc>
-              <a:spcAft>
-                <a:spcPts val="0"/>
-              </a:spcAft>
-              <a:buFont typeface="Symbol" panose="05050102010706020507" pitchFamily="18" charset="2"/>
-              <a:buChar char=""/>
-            </a:pPr>
-            <a:r>
-              <a:rPr lang="en-US" dirty="0">
-                <a:latin typeface="Calibri" panose="020F0502020204030204" pitchFamily="34" charset="0"/>
-                <a:ea typeface="SimSun" panose="02010600030101010101" pitchFamily="2" charset="-122"/>
-                <a:cs typeface="Times New Roman" panose="02020603050405020304" pitchFamily="18" charset="0"/>
-              </a:rPr>
-              <a:t>At </a:t>
-            </a:r>
-            <a:r>
-              <a:rPr lang="en-US" dirty="0" smtClean="0">
-                <a:latin typeface="Calibri" panose="020F0502020204030204" pitchFamily="34" charset="0"/>
-                <a:ea typeface="SimSun" panose="02010600030101010101" pitchFamily="2" charset="-122"/>
-                <a:cs typeface="Times New Roman" panose="02020603050405020304" pitchFamily="18" charset="0"/>
-              </a:rPr>
-              <a:t>a </a:t>
-            </a:r>
-            <a:r>
-              <a:rPr lang="en-US" dirty="0">
-                <a:latin typeface="Calibri" panose="020F0502020204030204" pitchFamily="34" charset="0"/>
-                <a:ea typeface="SimSun" panose="02010600030101010101" pitchFamily="2" charset="-122"/>
-                <a:cs typeface="Times New Roman" panose="02020603050405020304" pitchFamily="18" charset="0"/>
-              </a:rPr>
-              <a:t>token is generated on user log in </a:t>
-            </a:r>
-            <a:endParaRPr lang="en-US" dirty="0" smtClean="0">
-              <a:latin typeface="Calibri" panose="020F0502020204030204" pitchFamily="34" charset="0"/>
-              <a:ea typeface="SimSun" panose="02010600030101010101" pitchFamily="2" charset="-122"/>
-              <a:cs typeface="Times New Roman" panose="02020603050405020304" pitchFamily="18" charset="0"/>
-            </a:endParaRPr>
-          </a:p>
-          <a:p>
-            <a:pPr lvl="1">
-              <a:lnSpc>
-                <a:spcPct val="107000"/>
-              </a:lnSpc>
-            </a:pPr>
-            <a:r>
-              <a:rPr lang="en-US" sz="2400" dirty="0" smtClean="0">
-                <a:latin typeface="Calibri" panose="020F0502020204030204" pitchFamily="34" charset="0"/>
-                <a:ea typeface="SimSun" panose="02010600030101010101" pitchFamily="2" charset="-122"/>
-                <a:cs typeface="Times New Roman" panose="02020603050405020304" pitchFamily="18" charset="0"/>
-              </a:rPr>
-              <a:t>Can be done every time a form is loaded</a:t>
-            </a:r>
-            <a:endParaRPr lang="en-NZ" sz="2400" dirty="0" smtClean="0">
-              <a:latin typeface="Calibri" panose="020F0502020204030204" pitchFamily="34" charset="0"/>
-              <a:ea typeface="SimSun" panose="02010600030101010101" pitchFamily="2" charset="-122"/>
-              <a:cs typeface="Times New Roman" panose="02020603050405020304" pitchFamily="18" charset="0"/>
-            </a:endParaRPr>
-          </a:p>
-          <a:p>
-            <a:pPr marL="342900" lvl="0" indent="-342900">
-              <a:lnSpc>
-                <a:spcPct val="107000"/>
-              </a:lnSpc>
-              <a:spcAft>
-                <a:spcPts val="0"/>
-              </a:spcAft>
-              <a:buFont typeface="Symbol" panose="05050102010706020507" pitchFamily="18" charset="2"/>
-              <a:buChar char=""/>
-            </a:pPr>
-            <a:r>
-              <a:rPr lang="en-US" dirty="0" smtClean="0">
-                <a:latin typeface="Calibri" panose="020F0502020204030204" pitchFamily="34" charset="0"/>
-                <a:ea typeface="SimSun" panose="02010600030101010101" pitchFamily="2" charset="-122"/>
-                <a:cs typeface="Times New Roman" panose="02020603050405020304" pitchFamily="18" charset="0"/>
-              </a:rPr>
-              <a:t>When </a:t>
-            </a:r>
-            <a:r>
-              <a:rPr lang="en-US" dirty="0">
-                <a:latin typeface="Calibri" panose="020F0502020204030204" pitchFamily="34" charset="0"/>
-                <a:ea typeface="SimSun" panose="02010600030101010101" pitchFamily="2" charset="-122"/>
-                <a:cs typeface="Times New Roman" panose="02020603050405020304" pitchFamily="18" charset="0"/>
-              </a:rPr>
-              <a:t>a form is submitted it has a hidden field containing the token</a:t>
-            </a:r>
-            <a:endParaRPr lang="en-NZ" dirty="0">
-              <a:latin typeface="Calibri" panose="020F0502020204030204" pitchFamily="34" charset="0"/>
-              <a:ea typeface="SimSun" panose="02010600030101010101" pitchFamily="2" charset="-122"/>
-              <a:cs typeface="Times New Roman" panose="02020603050405020304" pitchFamily="18" charset="0"/>
-            </a:endParaRPr>
-          </a:p>
-          <a:p>
-            <a:pPr lvl="1">
-              <a:lnSpc>
-                <a:spcPct val="107000"/>
-              </a:lnSpc>
-            </a:pPr>
-            <a:r>
-              <a:rPr lang="en-US" sz="2400" dirty="0">
-                <a:latin typeface="Calibri" panose="020F0502020204030204" pitchFamily="34" charset="0"/>
-                <a:ea typeface="SimSun" panose="02010600030101010101" pitchFamily="2" charset="-122"/>
-                <a:cs typeface="Times New Roman" panose="02020603050405020304" pitchFamily="18" charset="0"/>
-              </a:rPr>
-              <a:t>If the token checks out proceed as normal</a:t>
-            </a:r>
-            <a:endParaRPr lang="en-NZ" sz="2400" dirty="0">
-              <a:latin typeface="Calibri" panose="020F0502020204030204" pitchFamily="34" charset="0"/>
-              <a:ea typeface="SimSun" panose="02010600030101010101" pitchFamily="2" charset="-122"/>
-              <a:cs typeface="Times New Roman" panose="02020603050405020304" pitchFamily="18" charset="0"/>
-            </a:endParaRPr>
-          </a:p>
-          <a:p>
-            <a:pPr lvl="1">
-              <a:lnSpc>
-                <a:spcPct val="107000"/>
-              </a:lnSpc>
-              <a:spcAft>
-                <a:spcPts val="800"/>
-              </a:spcAft>
-            </a:pPr>
-            <a:r>
-              <a:rPr lang="en-US" sz="2400" dirty="0">
-                <a:latin typeface="Calibri" panose="020F0502020204030204" pitchFamily="34" charset="0"/>
-                <a:ea typeface="SimSun" panose="02010600030101010101" pitchFamily="2" charset="-122"/>
-                <a:cs typeface="Times New Roman" panose="02020603050405020304" pitchFamily="18" charset="0"/>
-              </a:rPr>
-              <a:t>Otherwise log the attempt and deny</a:t>
-            </a:r>
-            <a:endParaRPr lang="en-NZ" sz="2400" dirty="0">
-              <a:latin typeface="Calibri" panose="020F0502020204030204" pitchFamily="34" charset="0"/>
-              <a:ea typeface="SimSun" panose="02010600030101010101" pitchFamily="2" charset="-122"/>
-              <a:cs typeface="Times New Roman" panose="02020603050405020304" pitchFamily="18" charset="0"/>
-            </a:endParaRPr>
-          </a:p>
-          <a:p>
-            <a:endParaRPr lang="en-NZ" dirty="0"/>
+            <a:endParaRPr lang="en-NZ"/>
           </a:p>
         </p:txBody>
       </p:sp>
     </p:spTree>
     <p:extLst>
       <p:ext uri="{BB962C8B-B14F-4D97-AF65-F5344CB8AC3E}">
-        <p14:creationId xmlns:p14="http://schemas.microsoft.com/office/powerpoint/2010/main" val="3020736231"/>
+        <p14:creationId xmlns:p14="http://schemas.microsoft.com/office/powerpoint/2010/main" val="1813648294"/>
       </p:ext>
     </p:extLst>
   </p:cSld>

--- a/site/Presentation doc/Php assignment.pptx
+++ b/site/Presentation doc/Php assignment.pptx
@@ -7,17 +7,18 @@
   <p:sldIdLst>
     <p:sldId id="256" r:id="rId2"/>
     <p:sldId id="257" r:id="rId3"/>
-    <p:sldId id="258" r:id="rId4"/>
-    <p:sldId id="267" r:id="rId5"/>
-    <p:sldId id="268" r:id="rId6"/>
-    <p:sldId id="263" r:id="rId7"/>
-    <p:sldId id="259" r:id="rId8"/>
-    <p:sldId id="260" r:id="rId9"/>
-    <p:sldId id="262" r:id="rId10"/>
-    <p:sldId id="261" r:id="rId11"/>
-    <p:sldId id="264" r:id="rId12"/>
-    <p:sldId id="266" r:id="rId13"/>
-    <p:sldId id="265" r:id="rId14"/>
+    <p:sldId id="269" r:id="rId4"/>
+    <p:sldId id="258" r:id="rId5"/>
+    <p:sldId id="267" r:id="rId6"/>
+    <p:sldId id="268" r:id="rId7"/>
+    <p:sldId id="263" r:id="rId8"/>
+    <p:sldId id="259" r:id="rId9"/>
+    <p:sldId id="260" r:id="rId10"/>
+    <p:sldId id="262" r:id="rId11"/>
+    <p:sldId id="261" r:id="rId12"/>
+    <p:sldId id="264" r:id="rId13"/>
+    <p:sldId id="266" r:id="rId14"/>
+    <p:sldId id="265" r:id="rId15"/>
   </p:sldIdLst>
   <p:sldSz cx="12192000" cy="6858000"/>
   <p:notesSz cx="6858000" cy="9144000"/>
@@ -181,7 +182,7 @@
           <a:noFill/>
           <a:extLst>
             <a:ext uri="{909E8E84-426E-40dd-AFC4-6F175D3DCCD1}">
-              <a14:hiddenFill xmlns="" xmlns:a14="http://schemas.microsoft.com/office/drawing/2010/main">
+              <a14:hiddenFill xmlns:a14="http://schemas.microsoft.com/office/drawing/2010/main" xmlns="">
                 <a:solidFill>
                   <a:srgbClr val="FFFFFF"/>
                 </a:solidFill>
@@ -240,7 +241,7 @@
             </a:ln>
             <a:extLst>
               <a:ext uri="{91240B29-F687-4f45-9708-019B960494DF}">
-                <a14:hiddenLine xmlns="" xmlns:a14="http://schemas.microsoft.com/office/drawing/2010/main" w="9525">
+                <a14:hiddenLine xmlns:a14="http://schemas.microsoft.com/office/drawing/2010/main" xmlns="" w="9525">
                   <a:solidFill>
                     <a:srgbClr val="000000"/>
                   </a:solidFill>
@@ -330,7 +331,7 @@
             </a:ln>
             <a:extLst>
               <a:ext uri="{91240B29-F687-4f45-9708-019B960494DF}">
-                <a14:hiddenLine xmlns="" xmlns:a14="http://schemas.microsoft.com/office/drawing/2010/main" w="9525">
+                <a14:hiddenLine xmlns:a14="http://schemas.microsoft.com/office/drawing/2010/main" xmlns="" w="9525">
                   <a:solidFill>
                     <a:srgbClr val="000000"/>
                   </a:solidFill>
@@ -420,7 +421,7 @@
             </a:ln>
             <a:extLst>
               <a:ext uri="{91240B29-F687-4f45-9708-019B960494DF}">
-                <a14:hiddenLine xmlns="" xmlns:a14="http://schemas.microsoft.com/office/drawing/2010/main" w="9525">
+                <a14:hiddenLine xmlns:a14="http://schemas.microsoft.com/office/drawing/2010/main" xmlns="" w="9525">
                   <a:solidFill>
                     <a:srgbClr val="000000"/>
                   </a:solidFill>
@@ -454,7 +455,7 @@
             </a:ln>
             <a:extLst>
               <a:ext uri="{91240B29-F687-4f45-9708-019B960494DF}">
-                <a14:hiddenLine xmlns="" xmlns:a14="http://schemas.microsoft.com/office/drawing/2010/main" w="9525">
+                <a14:hiddenLine xmlns:a14="http://schemas.microsoft.com/office/drawing/2010/main" xmlns="" w="9525">
                   <a:solidFill>
                     <a:srgbClr val="000000"/>
                   </a:solidFill>
@@ -544,7 +545,7 @@
             </a:ln>
             <a:extLst>
               <a:ext uri="{91240B29-F687-4f45-9708-019B960494DF}">
-                <a14:hiddenLine xmlns="" xmlns:a14="http://schemas.microsoft.com/office/drawing/2010/main" w="9525">
+                <a14:hiddenLine xmlns:a14="http://schemas.microsoft.com/office/drawing/2010/main" xmlns="" w="9525">
                   <a:solidFill>
                     <a:srgbClr val="000000"/>
                   </a:solidFill>
@@ -606,7 +607,7 @@
             </a:ln>
             <a:extLst>
               <a:ext uri="{91240B29-F687-4f45-9708-019B960494DF}">
-                <a14:hiddenLine xmlns="" xmlns:a14="http://schemas.microsoft.com/office/drawing/2010/main" w="9525">
+                <a14:hiddenLine xmlns:a14="http://schemas.microsoft.com/office/drawing/2010/main" xmlns="" w="9525">
                   <a:solidFill>
                     <a:srgbClr val="000000"/>
                   </a:solidFill>
@@ -668,7 +669,7 @@
             </a:ln>
             <a:extLst>
               <a:ext uri="{91240B29-F687-4f45-9708-019B960494DF}">
-                <a14:hiddenLine xmlns="" xmlns:a14="http://schemas.microsoft.com/office/drawing/2010/main" w="9525">
+                <a14:hiddenLine xmlns:a14="http://schemas.microsoft.com/office/drawing/2010/main" xmlns="" w="9525">
                   <a:solidFill>
                     <a:srgbClr val="000000"/>
                   </a:solidFill>
@@ -758,7 +759,7 @@
             </a:ln>
             <a:extLst>
               <a:ext uri="{91240B29-F687-4f45-9708-019B960494DF}">
-                <a14:hiddenLine xmlns="" xmlns:a14="http://schemas.microsoft.com/office/drawing/2010/main" w="9525">
+                <a14:hiddenLine xmlns:a14="http://schemas.microsoft.com/office/drawing/2010/main" xmlns="" w="9525">
                   <a:solidFill>
                     <a:srgbClr val="000000"/>
                   </a:solidFill>
@@ -820,7 +821,7 @@
             </a:ln>
             <a:extLst>
               <a:ext uri="{91240B29-F687-4f45-9708-019B960494DF}">
-                <a14:hiddenLine xmlns="" xmlns:a14="http://schemas.microsoft.com/office/drawing/2010/main" w="9525">
+                <a14:hiddenLine xmlns:a14="http://schemas.microsoft.com/office/drawing/2010/main" xmlns="" w="9525">
                   <a:solidFill>
                     <a:srgbClr val="000000"/>
                   </a:solidFill>
@@ -882,7 +883,7 @@
             </a:ln>
             <a:extLst>
               <a:ext uri="{91240B29-F687-4f45-9708-019B960494DF}">
-                <a14:hiddenLine xmlns="" xmlns:a14="http://schemas.microsoft.com/office/drawing/2010/main" w="9525">
+                <a14:hiddenLine xmlns:a14="http://schemas.microsoft.com/office/drawing/2010/main" xmlns="" w="9525">
                   <a:solidFill>
                     <a:srgbClr val="000000"/>
                   </a:solidFill>
@@ -972,7 +973,7 @@
             </a:ln>
             <a:extLst>
               <a:ext uri="{91240B29-F687-4f45-9708-019B960494DF}">
-                <a14:hiddenLine xmlns="" xmlns:a14="http://schemas.microsoft.com/office/drawing/2010/main" w="9525">
+                <a14:hiddenLine xmlns:a14="http://schemas.microsoft.com/office/drawing/2010/main" xmlns="" w="9525">
                   <a:solidFill>
                     <a:srgbClr val="000000"/>
                   </a:solidFill>
@@ -1062,7 +1063,7 @@
             </a:ln>
             <a:extLst>
               <a:ext uri="{91240B29-F687-4f45-9708-019B960494DF}">
-                <a14:hiddenLine xmlns="" xmlns:a14="http://schemas.microsoft.com/office/drawing/2010/main" w="9525">
+                <a14:hiddenLine xmlns:a14="http://schemas.microsoft.com/office/drawing/2010/main" xmlns="" w="9525">
                   <a:solidFill>
                     <a:srgbClr val="000000"/>
                   </a:solidFill>
@@ -1124,7 +1125,7 @@
             </a:ln>
             <a:extLst>
               <a:ext uri="{91240B29-F687-4f45-9708-019B960494DF}">
-                <a14:hiddenLine xmlns="" xmlns:a14="http://schemas.microsoft.com/office/drawing/2010/main" w="9525">
+                <a14:hiddenLine xmlns:a14="http://schemas.microsoft.com/office/drawing/2010/main" xmlns="" w="9525">
                   <a:solidFill>
                     <a:srgbClr val="000000"/>
                   </a:solidFill>
@@ -1234,7 +1235,7 @@
             </a:ln>
             <a:extLst>
               <a:ext uri="{91240B29-F687-4f45-9708-019B960494DF}">
-                <a14:hiddenLine xmlns="" xmlns:a14="http://schemas.microsoft.com/office/drawing/2010/main" w="9525">
+                <a14:hiddenLine xmlns:a14="http://schemas.microsoft.com/office/drawing/2010/main" xmlns="" w="9525">
                   <a:solidFill>
                     <a:srgbClr val="000000"/>
                   </a:solidFill>
@@ -1296,7 +1297,7 @@
             </a:ln>
             <a:extLst>
               <a:ext uri="{91240B29-F687-4f45-9708-019B960494DF}">
-                <a14:hiddenLine xmlns="" xmlns:a14="http://schemas.microsoft.com/office/drawing/2010/main" w="9525">
+                <a14:hiddenLine xmlns:a14="http://schemas.microsoft.com/office/drawing/2010/main" xmlns="" w="9525">
                   <a:solidFill>
                     <a:srgbClr val="000000"/>
                   </a:solidFill>
@@ -1386,7 +1387,7 @@
             </a:ln>
             <a:extLst>
               <a:ext uri="{91240B29-F687-4f45-9708-019B960494DF}">
-                <a14:hiddenLine xmlns="" xmlns:a14="http://schemas.microsoft.com/office/drawing/2010/main" w="9525">
+                <a14:hiddenLine xmlns:a14="http://schemas.microsoft.com/office/drawing/2010/main" xmlns="" w="9525">
                   <a:solidFill>
                     <a:srgbClr val="000000"/>
                   </a:solidFill>
@@ -1476,7 +1477,7 @@
             </a:ln>
             <a:extLst>
               <a:ext uri="{91240B29-F687-4f45-9708-019B960494DF}">
-                <a14:hiddenLine xmlns="" xmlns:a14="http://schemas.microsoft.com/office/drawing/2010/main" w="9525">
+                <a14:hiddenLine xmlns:a14="http://schemas.microsoft.com/office/drawing/2010/main" xmlns="" w="9525">
                   <a:solidFill>
                     <a:srgbClr val="000000"/>
                   </a:solidFill>
@@ -1538,7 +1539,7 @@
             </a:ln>
             <a:extLst>
               <a:ext uri="{91240B29-F687-4f45-9708-019B960494DF}">
-                <a14:hiddenLine xmlns="" xmlns:a14="http://schemas.microsoft.com/office/drawing/2010/main" w="9525">
+                <a14:hiddenLine xmlns:a14="http://schemas.microsoft.com/office/drawing/2010/main" xmlns="" w="9525">
                   <a:solidFill>
                     <a:srgbClr val="000000"/>
                   </a:solidFill>
@@ -1628,7 +1629,7 @@
             </a:ln>
             <a:extLst>
               <a:ext uri="{91240B29-F687-4f45-9708-019B960494DF}">
-                <a14:hiddenLine xmlns="" xmlns:a14="http://schemas.microsoft.com/office/drawing/2010/main" w="9525">
+                <a14:hiddenLine xmlns:a14="http://schemas.microsoft.com/office/drawing/2010/main" xmlns="" w="9525">
                   <a:solidFill>
                     <a:srgbClr val="000000"/>
                   </a:solidFill>
@@ -1718,7 +1719,7 @@
             </a:ln>
             <a:extLst>
               <a:ext uri="{91240B29-F687-4f45-9708-019B960494DF}">
-                <a14:hiddenLine xmlns="" xmlns:a14="http://schemas.microsoft.com/office/drawing/2010/main" w="9525">
+                <a14:hiddenLine xmlns:a14="http://schemas.microsoft.com/office/drawing/2010/main" xmlns="" w="9525">
                   <a:solidFill>
                     <a:srgbClr val="000000"/>
                   </a:solidFill>
@@ -1774,7 +1775,7 @@
             </a:ln>
             <a:extLst>
               <a:ext uri="{91240B29-F687-4f45-9708-019B960494DF}">
-                <a14:hiddenLine xmlns="" xmlns:a14="http://schemas.microsoft.com/office/drawing/2010/main" w="9525">
+                <a14:hiddenLine xmlns:a14="http://schemas.microsoft.com/office/drawing/2010/main" xmlns="" w="9525">
                   <a:solidFill>
                     <a:srgbClr val="000000"/>
                   </a:solidFill>
@@ -1864,7 +1865,7 @@
             </a:ln>
             <a:extLst>
               <a:ext uri="{91240B29-F687-4f45-9708-019B960494DF}">
-                <a14:hiddenLine xmlns="" xmlns:a14="http://schemas.microsoft.com/office/drawing/2010/main" w="9525">
+                <a14:hiddenLine xmlns:a14="http://schemas.microsoft.com/office/drawing/2010/main" xmlns="" w="9525">
                   <a:solidFill>
                     <a:srgbClr val="000000"/>
                   </a:solidFill>
@@ -1920,7 +1921,7 @@
             </a:ln>
             <a:extLst>
               <a:ext uri="{91240B29-F687-4f45-9708-019B960494DF}">
-                <a14:hiddenLine xmlns="" xmlns:a14="http://schemas.microsoft.com/office/drawing/2010/main" w="9525">
+                <a14:hiddenLine xmlns:a14="http://schemas.microsoft.com/office/drawing/2010/main" xmlns="" w="9525">
                   <a:solidFill>
                     <a:srgbClr val="000000"/>
                   </a:solidFill>
@@ -2010,7 +2011,7 @@
             </a:ln>
             <a:extLst>
               <a:ext uri="{91240B29-F687-4f45-9708-019B960494DF}">
-                <a14:hiddenLine xmlns="" xmlns:a14="http://schemas.microsoft.com/office/drawing/2010/main" w="9525">
+                <a14:hiddenLine xmlns:a14="http://schemas.microsoft.com/office/drawing/2010/main" xmlns="" w="9525">
                   <a:solidFill>
                     <a:srgbClr val="000000"/>
                   </a:solidFill>
@@ -2078,7 +2079,7 @@
             </a:ln>
             <a:extLst>
               <a:ext uri="{91240B29-F687-4f45-9708-019B960494DF}">
-                <a14:hiddenLine xmlns="" xmlns:a14="http://schemas.microsoft.com/office/drawing/2010/main" w="9525">
+                <a14:hiddenLine xmlns:a14="http://schemas.microsoft.com/office/drawing/2010/main" xmlns="" w="9525">
                   <a:solidFill>
                     <a:srgbClr val="000000"/>
                   </a:solidFill>
@@ -2168,7 +2169,7 @@
             </a:ln>
             <a:extLst>
               <a:ext uri="{91240B29-F687-4f45-9708-019B960494DF}">
-                <a14:hiddenLine xmlns="" xmlns:a14="http://schemas.microsoft.com/office/drawing/2010/main" w="9525">
+                <a14:hiddenLine xmlns:a14="http://schemas.microsoft.com/office/drawing/2010/main" xmlns="" w="9525">
                   <a:solidFill>
                     <a:srgbClr val="000000"/>
                   </a:solidFill>
@@ -2236,7 +2237,7 @@
             </a:ln>
             <a:extLst>
               <a:ext uri="{91240B29-F687-4f45-9708-019B960494DF}">
-                <a14:hiddenLine xmlns="" xmlns:a14="http://schemas.microsoft.com/office/drawing/2010/main" w="9525">
+                <a14:hiddenLine xmlns:a14="http://schemas.microsoft.com/office/drawing/2010/main" xmlns="" w="9525">
                   <a:solidFill>
                     <a:srgbClr val="000000"/>
                   </a:solidFill>
@@ -2326,7 +2327,7 @@
             </a:ln>
             <a:extLst>
               <a:ext uri="{91240B29-F687-4f45-9708-019B960494DF}">
-                <a14:hiddenLine xmlns="" xmlns:a14="http://schemas.microsoft.com/office/drawing/2010/main" w="9525">
+                <a14:hiddenLine xmlns:a14="http://schemas.microsoft.com/office/drawing/2010/main" xmlns="" w="9525">
                   <a:solidFill>
                     <a:srgbClr val="000000"/>
                   </a:solidFill>
@@ -2360,7 +2361,7 @@
             </a:ln>
             <a:extLst>
               <a:ext uri="{91240B29-F687-4f45-9708-019B960494DF}">
-                <a14:hiddenLine xmlns="" xmlns:a14="http://schemas.microsoft.com/office/drawing/2010/main" w="9525">
+                <a14:hiddenLine xmlns:a14="http://schemas.microsoft.com/office/drawing/2010/main" xmlns="" w="9525">
                   <a:solidFill>
                     <a:srgbClr val="000000"/>
                   </a:solidFill>
@@ -2450,7 +2451,7 @@
             </a:ln>
             <a:extLst>
               <a:ext uri="{91240B29-F687-4f45-9708-019B960494DF}">
-                <a14:hiddenLine xmlns="" xmlns:a14="http://schemas.microsoft.com/office/drawing/2010/main" w="9525">
+                <a14:hiddenLine xmlns:a14="http://schemas.microsoft.com/office/drawing/2010/main" xmlns="" w="9525">
                   <a:solidFill>
                     <a:srgbClr val="000000"/>
                   </a:solidFill>
@@ -2512,7 +2513,7 @@
             </a:ln>
             <a:extLst>
               <a:ext uri="{91240B29-F687-4f45-9708-019B960494DF}">
-                <a14:hiddenLine xmlns="" xmlns:a14="http://schemas.microsoft.com/office/drawing/2010/main" w="9525">
+                <a14:hiddenLine xmlns:a14="http://schemas.microsoft.com/office/drawing/2010/main" xmlns="" w="9525">
                   <a:solidFill>
                     <a:srgbClr val="000000"/>
                   </a:solidFill>
@@ -2574,7 +2575,7 @@
             </a:ln>
             <a:extLst>
               <a:ext uri="{91240B29-F687-4f45-9708-019B960494DF}">
-                <a14:hiddenLine xmlns="" xmlns:a14="http://schemas.microsoft.com/office/drawing/2010/main" w="9525">
+                <a14:hiddenLine xmlns:a14="http://schemas.microsoft.com/office/drawing/2010/main" xmlns="" w="9525">
                   <a:solidFill>
                     <a:srgbClr val="000000"/>
                   </a:solidFill>
@@ -2664,7 +2665,7 @@
             </a:ln>
             <a:extLst>
               <a:ext uri="{91240B29-F687-4f45-9708-019B960494DF}">
-                <a14:hiddenLine xmlns="" xmlns:a14="http://schemas.microsoft.com/office/drawing/2010/main" w="9525">
+                <a14:hiddenLine xmlns:a14="http://schemas.microsoft.com/office/drawing/2010/main" xmlns="" w="9525">
                   <a:solidFill>
                     <a:srgbClr val="000000"/>
                   </a:solidFill>
@@ -2732,7 +2733,7 @@
             </a:ln>
             <a:extLst>
               <a:ext uri="{91240B29-F687-4f45-9708-019B960494DF}">
-                <a14:hiddenLine xmlns="" xmlns:a14="http://schemas.microsoft.com/office/drawing/2010/main" w="9525">
+                <a14:hiddenLine xmlns:a14="http://schemas.microsoft.com/office/drawing/2010/main" xmlns="" w="9525">
                   <a:solidFill>
                     <a:srgbClr val="000000"/>
                   </a:solidFill>
@@ -2794,7 +2795,7 @@
             </a:ln>
             <a:extLst>
               <a:ext uri="{91240B29-F687-4f45-9708-019B960494DF}">
-                <a14:hiddenLine xmlns="" xmlns:a14="http://schemas.microsoft.com/office/drawing/2010/main" w="9525">
+                <a14:hiddenLine xmlns:a14="http://schemas.microsoft.com/office/drawing/2010/main" xmlns="" w="9525">
                   <a:solidFill>
                     <a:srgbClr val="000000"/>
                   </a:solidFill>
@@ -2884,7 +2885,7 @@
             </a:ln>
             <a:extLst>
               <a:ext uri="{91240B29-F687-4f45-9708-019B960494DF}">
-                <a14:hiddenLine xmlns="" xmlns:a14="http://schemas.microsoft.com/office/drawing/2010/main" w="9525">
+                <a14:hiddenLine xmlns:a14="http://schemas.microsoft.com/office/drawing/2010/main" xmlns="" w="9525">
                   <a:solidFill>
                     <a:srgbClr val="000000"/>
                   </a:solidFill>
@@ -2946,7 +2947,7 @@
             </a:ln>
             <a:extLst>
               <a:ext uri="{91240B29-F687-4f45-9708-019B960494DF}">
-                <a14:hiddenLine xmlns="" xmlns:a14="http://schemas.microsoft.com/office/drawing/2010/main" w="9525">
+                <a14:hiddenLine xmlns:a14="http://schemas.microsoft.com/office/drawing/2010/main" xmlns="" w="9525">
                   <a:solidFill>
                     <a:srgbClr val="000000"/>
                   </a:solidFill>
@@ -3036,7 +3037,7 @@
             </a:ln>
             <a:extLst>
               <a:ext uri="{91240B29-F687-4f45-9708-019B960494DF}">
-                <a14:hiddenLine xmlns="" xmlns:a14="http://schemas.microsoft.com/office/drawing/2010/main" w="9525">
+                <a14:hiddenLine xmlns:a14="http://schemas.microsoft.com/office/drawing/2010/main" xmlns="" w="9525">
                   <a:solidFill>
                     <a:srgbClr val="000000"/>
                   </a:solidFill>
@@ -3098,7 +3099,7 @@
             </a:ln>
             <a:extLst>
               <a:ext uri="{91240B29-F687-4f45-9708-019B960494DF}">
-                <a14:hiddenLine xmlns="" xmlns:a14="http://schemas.microsoft.com/office/drawing/2010/main" w="9525">
+                <a14:hiddenLine xmlns:a14="http://schemas.microsoft.com/office/drawing/2010/main" xmlns="" w="9525">
                   <a:solidFill>
                     <a:srgbClr val="000000"/>
                   </a:solidFill>
@@ -3188,7 +3189,7 @@
             </a:ln>
             <a:extLst>
               <a:ext uri="{91240B29-F687-4f45-9708-019B960494DF}">
-                <a14:hiddenLine xmlns="" xmlns:a14="http://schemas.microsoft.com/office/drawing/2010/main" w="9525">
+                <a14:hiddenLine xmlns:a14="http://schemas.microsoft.com/office/drawing/2010/main" xmlns="" w="9525">
                   <a:solidFill>
                     <a:srgbClr val="000000"/>
                   </a:solidFill>
@@ -3222,7 +3223,7 @@
             </a:ln>
             <a:extLst>
               <a:ext uri="{91240B29-F687-4f45-9708-019B960494DF}">
-                <a14:hiddenLine xmlns="" xmlns:a14="http://schemas.microsoft.com/office/drawing/2010/main" w="9525">
+                <a14:hiddenLine xmlns:a14="http://schemas.microsoft.com/office/drawing/2010/main" xmlns="" w="9525">
                   <a:solidFill>
                     <a:srgbClr val="000000"/>
                   </a:solidFill>
@@ -3287,7 +3288,7 @@
             </a:ln>
             <a:extLst>
               <a:ext uri="{91240B29-F687-4f45-9708-019B960494DF}">
-                <a14:hiddenLine xmlns="" xmlns:a14="http://schemas.microsoft.com/office/drawing/2010/main" w="9525">
+                <a14:hiddenLine xmlns:a14="http://schemas.microsoft.com/office/drawing/2010/main" xmlns="" w="9525">
                   <a:solidFill>
                     <a:srgbClr val="000000"/>
                   </a:solidFill>
@@ -3377,7 +3378,7 @@
             </a:ln>
             <a:extLst>
               <a:ext uri="{91240B29-F687-4f45-9708-019B960494DF}">
-                <a14:hiddenLine xmlns="" xmlns:a14="http://schemas.microsoft.com/office/drawing/2010/main" w="9525">
+                <a14:hiddenLine xmlns:a14="http://schemas.microsoft.com/office/drawing/2010/main" xmlns="" w="9525">
                   <a:solidFill>
                     <a:srgbClr val="000000"/>
                   </a:solidFill>
@@ -3439,7 +3440,7 @@
             </a:ln>
             <a:extLst>
               <a:ext uri="{91240B29-F687-4f45-9708-019B960494DF}">
-                <a14:hiddenLine xmlns="" xmlns:a14="http://schemas.microsoft.com/office/drawing/2010/main" w="9525">
+                <a14:hiddenLine xmlns:a14="http://schemas.microsoft.com/office/drawing/2010/main" xmlns="" w="9525">
                   <a:solidFill>
                     <a:srgbClr val="000000"/>
                   </a:solidFill>
@@ -3529,7 +3530,7 @@
             </a:ln>
             <a:extLst>
               <a:ext uri="{91240B29-F687-4f45-9708-019B960494DF}">
-                <a14:hiddenLine xmlns="" xmlns:a14="http://schemas.microsoft.com/office/drawing/2010/main" w="9525">
+                <a14:hiddenLine xmlns:a14="http://schemas.microsoft.com/office/drawing/2010/main" xmlns="" w="9525">
                   <a:solidFill>
                     <a:srgbClr val="000000"/>
                   </a:solidFill>
@@ -3619,7 +3620,7 @@
             </a:ln>
             <a:extLst>
               <a:ext uri="{91240B29-F687-4f45-9708-019B960494DF}">
-                <a14:hiddenLine xmlns="" xmlns:a14="http://schemas.microsoft.com/office/drawing/2010/main" w="9525">
+                <a14:hiddenLine xmlns:a14="http://schemas.microsoft.com/office/drawing/2010/main" xmlns="" w="9525">
                   <a:solidFill>
                     <a:srgbClr val="000000"/>
                   </a:solidFill>
@@ -3684,7 +3685,7 @@
             </a:ln>
             <a:extLst>
               <a:ext uri="{91240B29-F687-4f45-9708-019B960494DF}">
-                <a14:hiddenLine xmlns="" xmlns:a14="http://schemas.microsoft.com/office/drawing/2010/main" w="9525">
+                <a14:hiddenLine xmlns:a14="http://schemas.microsoft.com/office/drawing/2010/main" xmlns="" w="9525">
                   <a:solidFill>
                     <a:srgbClr val="000000"/>
                   </a:solidFill>
@@ -3746,7 +3747,7 @@
             </a:ln>
             <a:extLst>
               <a:ext uri="{91240B29-F687-4f45-9708-019B960494DF}">
-                <a14:hiddenLine xmlns="" xmlns:a14="http://schemas.microsoft.com/office/drawing/2010/main" w="9525">
+                <a14:hiddenLine xmlns:a14="http://schemas.microsoft.com/office/drawing/2010/main" xmlns="" w="9525">
                   <a:solidFill>
                     <a:srgbClr val="000000"/>
                   </a:solidFill>
@@ -3836,7 +3837,7 @@
             </a:ln>
             <a:extLst>
               <a:ext uri="{91240B29-F687-4f45-9708-019B960494DF}">
-                <a14:hiddenLine xmlns="" xmlns:a14="http://schemas.microsoft.com/office/drawing/2010/main" w="9525">
+                <a14:hiddenLine xmlns:a14="http://schemas.microsoft.com/office/drawing/2010/main" xmlns="" w="9525">
                   <a:solidFill>
                     <a:srgbClr val="000000"/>
                   </a:solidFill>
@@ -3926,7 +3927,7 @@
             </a:ln>
             <a:extLst>
               <a:ext uri="{91240B29-F687-4f45-9708-019B960494DF}">
-                <a14:hiddenLine xmlns="" xmlns:a14="http://schemas.microsoft.com/office/drawing/2010/main" w="9525">
+                <a14:hiddenLine xmlns:a14="http://schemas.microsoft.com/office/drawing/2010/main" xmlns="" w="9525">
                   <a:solidFill>
                     <a:srgbClr val="000000"/>
                   </a:solidFill>
@@ -3988,7 +3989,7 @@
             </a:ln>
             <a:extLst>
               <a:ext uri="{91240B29-F687-4f45-9708-019B960494DF}">
-                <a14:hiddenLine xmlns="" xmlns:a14="http://schemas.microsoft.com/office/drawing/2010/main" w="9525">
+                <a14:hiddenLine xmlns:a14="http://schemas.microsoft.com/office/drawing/2010/main" xmlns="" w="9525">
                   <a:solidFill>
                     <a:srgbClr val="000000"/>
                   </a:solidFill>
@@ -4108,7 +4109,7 @@
             </a:ln>
             <a:extLst>
               <a:ext uri="{91240B29-F687-4f45-9708-019B960494DF}">
-                <a14:hiddenLine xmlns="" xmlns:a14="http://schemas.microsoft.com/office/drawing/2010/main" w="9525">
+                <a14:hiddenLine xmlns:a14="http://schemas.microsoft.com/office/drawing/2010/main" xmlns="" w="9525">
                   <a:solidFill>
                     <a:srgbClr val="000000"/>
                   </a:solidFill>
@@ -4176,7 +4177,7 @@
             </a:ln>
             <a:extLst>
               <a:ext uri="{91240B29-F687-4f45-9708-019B960494DF}">
-                <a14:hiddenLine xmlns="" xmlns:a14="http://schemas.microsoft.com/office/drawing/2010/main" w="9525">
+                <a14:hiddenLine xmlns:a14="http://schemas.microsoft.com/office/drawing/2010/main" xmlns="" w="9525">
                   <a:solidFill>
                     <a:srgbClr val="000000"/>
                   </a:solidFill>
@@ -4266,7 +4267,7 @@
             </a:ln>
             <a:extLst>
               <a:ext uri="{91240B29-F687-4f45-9708-019B960494DF}">
-                <a14:hiddenLine xmlns="" xmlns:a14="http://schemas.microsoft.com/office/drawing/2010/main" w="9525">
+                <a14:hiddenLine xmlns:a14="http://schemas.microsoft.com/office/drawing/2010/main" xmlns="" w="9525">
                   <a:solidFill>
                     <a:srgbClr val="000000"/>
                   </a:solidFill>
@@ -8995,7 +8996,7 @@
           <a:noFill/>
           <a:extLst>
             <a:ext uri="{909E8E84-426E-40dd-AFC4-6F175D3DCCD1}">
-              <a14:hiddenFill xmlns="" xmlns:a14="http://schemas.microsoft.com/office/drawing/2010/main">
+              <a14:hiddenFill xmlns:a14="http://schemas.microsoft.com/office/drawing/2010/main" xmlns="">
                 <a:solidFill>
                   <a:srgbClr val="FFFFFF"/>
                 </a:solidFill>
@@ -9069,7 +9070,7 @@
               </a:ln>
               <a:extLst>
                 <a:ext uri="{91240B29-F687-4f45-9708-019B960494DF}">
-                  <a14:hiddenLine xmlns="" xmlns:a14="http://schemas.microsoft.com/office/drawing/2010/main" w="9525">
+                  <a14:hiddenLine xmlns:a14="http://schemas.microsoft.com/office/drawing/2010/main" xmlns="" w="9525">
                     <a:solidFill>
                       <a:srgbClr val="000000"/>
                     </a:solidFill>
@@ -9159,7 +9160,7 @@
               </a:ln>
               <a:extLst>
                 <a:ext uri="{91240B29-F687-4f45-9708-019B960494DF}">
-                  <a14:hiddenLine xmlns="" xmlns:a14="http://schemas.microsoft.com/office/drawing/2010/main" w="9525">
+                  <a14:hiddenLine xmlns:a14="http://schemas.microsoft.com/office/drawing/2010/main" xmlns="" w="9525">
                     <a:solidFill>
                       <a:srgbClr val="000000"/>
                     </a:solidFill>
@@ -9249,7 +9250,7 @@
               </a:ln>
               <a:extLst>
                 <a:ext uri="{91240B29-F687-4f45-9708-019B960494DF}">
-                  <a14:hiddenLine xmlns="" xmlns:a14="http://schemas.microsoft.com/office/drawing/2010/main" w="9525">
+                  <a14:hiddenLine xmlns:a14="http://schemas.microsoft.com/office/drawing/2010/main" xmlns="" w="9525">
                     <a:solidFill>
                       <a:srgbClr val="000000"/>
                     </a:solidFill>
@@ -9311,7 +9312,7 @@
               </a:ln>
               <a:extLst>
                 <a:ext uri="{91240B29-F687-4f45-9708-019B960494DF}">
-                  <a14:hiddenLine xmlns="" xmlns:a14="http://schemas.microsoft.com/office/drawing/2010/main" w="9525">
+                  <a14:hiddenLine xmlns:a14="http://schemas.microsoft.com/office/drawing/2010/main" xmlns="" w="9525">
                     <a:solidFill>
                       <a:srgbClr val="000000"/>
                     </a:solidFill>
@@ -9401,7 +9402,7 @@
               </a:ln>
               <a:extLst>
                 <a:ext uri="{91240B29-F687-4f45-9708-019B960494DF}">
-                  <a14:hiddenLine xmlns="" xmlns:a14="http://schemas.microsoft.com/office/drawing/2010/main" w="9525">
+                  <a14:hiddenLine xmlns:a14="http://schemas.microsoft.com/office/drawing/2010/main" xmlns="" w="9525">
                     <a:solidFill>
                       <a:srgbClr val="000000"/>
                     </a:solidFill>
@@ -9463,7 +9464,7 @@
               </a:ln>
               <a:extLst>
                 <a:ext uri="{91240B29-F687-4f45-9708-019B960494DF}">
-                  <a14:hiddenLine xmlns="" xmlns:a14="http://schemas.microsoft.com/office/drawing/2010/main" w="9525">
+                  <a14:hiddenLine xmlns:a14="http://schemas.microsoft.com/office/drawing/2010/main" xmlns="" w="9525">
                     <a:solidFill>
                       <a:srgbClr val="000000"/>
                     </a:solidFill>
@@ -9525,7 +9526,7 @@
               </a:ln>
               <a:extLst>
                 <a:ext uri="{91240B29-F687-4f45-9708-019B960494DF}">
-                  <a14:hiddenLine xmlns="" xmlns:a14="http://schemas.microsoft.com/office/drawing/2010/main" w="9525">
+                  <a14:hiddenLine xmlns:a14="http://schemas.microsoft.com/office/drawing/2010/main" xmlns="" w="9525">
                     <a:solidFill>
                       <a:srgbClr val="000000"/>
                     </a:solidFill>
@@ -9615,7 +9616,7 @@
               </a:ln>
               <a:extLst>
                 <a:ext uri="{91240B29-F687-4f45-9708-019B960494DF}">
-                  <a14:hiddenLine xmlns="" xmlns:a14="http://schemas.microsoft.com/office/drawing/2010/main" w="9525">
+                  <a14:hiddenLine xmlns:a14="http://schemas.microsoft.com/office/drawing/2010/main" xmlns="" w="9525">
                     <a:solidFill>
                       <a:srgbClr val="000000"/>
                     </a:solidFill>
@@ -9705,7 +9706,7 @@
               </a:ln>
               <a:extLst>
                 <a:ext uri="{91240B29-F687-4f45-9708-019B960494DF}">
-                  <a14:hiddenLine xmlns="" xmlns:a14="http://schemas.microsoft.com/office/drawing/2010/main" w="9525">
+                  <a14:hiddenLine xmlns:a14="http://schemas.microsoft.com/office/drawing/2010/main" xmlns="" w="9525">
                     <a:solidFill>
                       <a:srgbClr val="000000"/>
                     </a:solidFill>
@@ -9767,7 +9768,7 @@
               </a:ln>
               <a:extLst>
                 <a:ext uri="{91240B29-F687-4f45-9708-019B960494DF}">
-                  <a14:hiddenLine xmlns="" xmlns:a14="http://schemas.microsoft.com/office/drawing/2010/main" w="9525">
+                  <a14:hiddenLine xmlns:a14="http://schemas.microsoft.com/office/drawing/2010/main" xmlns="" w="9525">
                     <a:solidFill>
                       <a:srgbClr val="000000"/>
                     </a:solidFill>
@@ -9877,7 +9878,7 @@
               </a:ln>
               <a:extLst>
                 <a:ext uri="{91240B29-F687-4f45-9708-019B960494DF}">
-                  <a14:hiddenLine xmlns="" xmlns:a14="http://schemas.microsoft.com/office/drawing/2010/main" w="9525">
+                  <a14:hiddenLine xmlns:a14="http://schemas.microsoft.com/office/drawing/2010/main" xmlns="" w="9525">
                     <a:solidFill>
                       <a:srgbClr val="000000"/>
                     </a:solidFill>
@@ -9961,7 +9962,7 @@
               </a:ln>
               <a:extLst>
                 <a:ext uri="{91240B29-F687-4f45-9708-019B960494DF}">
-                  <a14:hiddenLine xmlns="" xmlns:a14="http://schemas.microsoft.com/office/drawing/2010/main" w="9525">
+                  <a14:hiddenLine xmlns:a14="http://schemas.microsoft.com/office/drawing/2010/main" xmlns="" w="9525">
                     <a:solidFill>
                       <a:srgbClr val="000000"/>
                     </a:solidFill>
@@ -10023,7 +10024,7 @@
               </a:ln>
               <a:extLst>
                 <a:ext uri="{91240B29-F687-4f45-9708-019B960494DF}">
-                  <a14:hiddenLine xmlns="" xmlns:a14="http://schemas.microsoft.com/office/drawing/2010/main" w="9525">
+                  <a14:hiddenLine xmlns:a14="http://schemas.microsoft.com/office/drawing/2010/main" xmlns="" w="9525">
                     <a:solidFill>
                       <a:srgbClr val="000000"/>
                     </a:solidFill>
@@ -10085,7 +10086,7 @@
               </a:ln>
               <a:extLst>
                 <a:ext uri="{91240B29-F687-4f45-9708-019B960494DF}">
-                  <a14:hiddenLine xmlns="" xmlns:a14="http://schemas.microsoft.com/office/drawing/2010/main" w="9525">
+                  <a14:hiddenLine xmlns:a14="http://schemas.microsoft.com/office/drawing/2010/main" xmlns="" w="9525">
                     <a:solidFill>
                       <a:srgbClr val="000000"/>
                     </a:solidFill>
@@ -10175,7 +10176,7 @@
               </a:ln>
               <a:extLst>
                 <a:ext uri="{91240B29-F687-4f45-9708-019B960494DF}">
-                  <a14:hiddenLine xmlns="" xmlns:a14="http://schemas.microsoft.com/office/drawing/2010/main" w="9525">
+                  <a14:hiddenLine xmlns:a14="http://schemas.microsoft.com/office/drawing/2010/main" xmlns="" w="9525">
                     <a:solidFill>
                       <a:srgbClr val="000000"/>
                     </a:solidFill>
@@ -10209,7 +10210,7 @@
               </a:ln>
               <a:extLst>
                 <a:ext uri="{91240B29-F687-4f45-9708-019B960494DF}">
-                  <a14:hiddenLine xmlns="" xmlns:a14="http://schemas.microsoft.com/office/drawing/2010/main" w="9525">
+                  <a14:hiddenLine xmlns:a14="http://schemas.microsoft.com/office/drawing/2010/main" xmlns="" w="9525">
                     <a:solidFill>
                       <a:srgbClr val="000000"/>
                     </a:solidFill>
@@ -10274,7 +10275,7 @@
               </a:ln>
               <a:extLst>
                 <a:ext uri="{91240B29-F687-4f45-9708-019B960494DF}">
-                  <a14:hiddenLine xmlns="" xmlns:a14="http://schemas.microsoft.com/office/drawing/2010/main" w="9525">
+                  <a14:hiddenLine xmlns:a14="http://schemas.microsoft.com/office/drawing/2010/main" xmlns="" w="9525">
                     <a:solidFill>
                       <a:srgbClr val="000000"/>
                     </a:solidFill>
@@ -10364,7 +10365,7 @@
               </a:ln>
               <a:extLst>
                 <a:ext uri="{91240B29-F687-4f45-9708-019B960494DF}">
-                  <a14:hiddenLine xmlns="" xmlns:a14="http://schemas.microsoft.com/office/drawing/2010/main" w="9525">
+                  <a14:hiddenLine xmlns:a14="http://schemas.microsoft.com/office/drawing/2010/main" xmlns="" w="9525">
                     <a:solidFill>
                       <a:srgbClr val="000000"/>
                     </a:solidFill>
@@ -10426,7 +10427,7 @@
               </a:ln>
               <a:extLst>
                 <a:ext uri="{91240B29-F687-4f45-9708-019B960494DF}">
-                  <a14:hiddenLine xmlns="" xmlns:a14="http://schemas.microsoft.com/office/drawing/2010/main" w="9525">
+                  <a14:hiddenLine xmlns:a14="http://schemas.microsoft.com/office/drawing/2010/main" xmlns="" w="9525">
                     <a:solidFill>
                       <a:srgbClr val="000000"/>
                     </a:solidFill>
@@ -10516,7 +10517,7 @@
               </a:ln>
               <a:extLst>
                 <a:ext uri="{91240B29-F687-4f45-9708-019B960494DF}">
-                  <a14:hiddenLine xmlns="" xmlns:a14="http://schemas.microsoft.com/office/drawing/2010/main" w="9525">
+                  <a14:hiddenLine xmlns:a14="http://schemas.microsoft.com/office/drawing/2010/main" xmlns="" w="9525">
                     <a:solidFill>
                       <a:srgbClr val="000000"/>
                     </a:solidFill>
@@ -10581,7 +10582,7 @@
               </a:ln>
               <a:extLst>
                 <a:ext uri="{91240B29-F687-4f45-9708-019B960494DF}">
-                  <a14:hiddenLine xmlns="" xmlns:a14="http://schemas.microsoft.com/office/drawing/2010/main" w="9525">
+                  <a14:hiddenLine xmlns:a14="http://schemas.microsoft.com/office/drawing/2010/main" xmlns="" w="9525">
                     <a:solidFill>
                       <a:srgbClr val="000000"/>
                     </a:solidFill>
@@ -10643,7 +10644,7 @@
               </a:ln>
               <a:extLst>
                 <a:ext uri="{91240B29-F687-4f45-9708-019B960494DF}">
-                  <a14:hiddenLine xmlns="" xmlns:a14="http://schemas.microsoft.com/office/drawing/2010/main" w="9525">
+                  <a14:hiddenLine xmlns:a14="http://schemas.microsoft.com/office/drawing/2010/main" xmlns="" w="9525">
                     <a:solidFill>
                       <a:srgbClr val="000000"/>
                     </a:solidFill>
@@ -10733,7 +10734,7 @@
               </a:ln>
               <a:extLst>
                 <a:ext uri="{91240B29-F687-4f45-9708-019B960494DF}">
-                  <a14:hiddenLine xmlns="" xmlns:a14="http://schemas.microsoft.com/office/drawing/2010/main" w="9525">
+                  <a14:hiddenLine xmlns:a14="http://schemas.microsoft.com/office/drawing/2010/main" xmlns="" w="9525">
                     <a:solidFill>
                       <a:srgbClr val="000000"/>
                     </a:solidFill>
@@ -10823,7 +10824,7 @@
               </a:ln>
               <a:extLst>
                 <a:ext uri="{91240B29-F687-4f45-9708-019B960494DF}">
-                  <a14:hiddenLine xmlns="" xmlns:a14="http://schemas.microsoft.com/office/drawing/2010/main" w="9525">
+                  <a14:hiddenLine xmlns:a14="http://schemas.microsoft.com/office/drawing/2010/main" xmlns="" w="9525">
                     <a:solidFill>
                       <a:srgbClr val="000000"/>
                     </a:solidFill>
@@ -10888,7 +10889,7 @@
               </a:ln>
               <a:extLst>
                 <a:ext uri="{91240B29-F687-4f45-9708-019B960494DF}">
-                  <a14:hiddenLine xmlns="" xmlns:a14="http://schemas.microsoft.com/office/drawing/2010/main" w="9525">
+                  <a14:hiddenLine xmlns:a14="http://schemas.microsoft.com/office/drawing/2010/main" xmlns="" w="9525">
                     <a:solidFill>
                       <a:srgbClr val="000000"/>
                     </a:solidFill>
@@ -11008,7 +11009,7 @@
               </a:ln>
               <a:extLst>
                 <a:ext uri="{91240B29-F687-4f45-9708-019B960494DF}">
-                  <a14:hiddenLine xmlns="" xmlns:a14="http://schemas.microsoft.com/office/drawing/2010/main" w="9525">
+                  <a14:hiddenLine xmlns:a14="http://schemas.microsoft.com/office/drawing/2010/main" xmlns="" w="9525">
                     <a:solidFill>
                       <a:srgbClr val="000000"/>
                     </a:solidFill>
@@ -11089,7 +11090,7 @@
               </a:ln>
               <a:extLst>
                 <a:ext uri="{91240B29-F687-4f45-9708-019B960494DF}">
-                  <a14:hiddenLine xmlns="" xmlns:a14="http://schemas.microsoft.com/office/drawing/2010/main" w="9525">
+                  <a14:hiddenLine xmlns:a14="http://schemas.microsoft.com/office/drawing/2010/main" xmlns="" w="9525">
                     <a:solidFill>
                       <a:srgbClr val="000000"/>
                     </a:solidFill>
@@ -11204,7 +11205,7 @@
               </a:ln>
               <a:extLst>
                 <a:ext uri="{91240B29-F687-4f45-9708-019B960494DF}">
-                  <a14:hiddenLine xmlns="" xmlns:a14="http://schemas.microsoft.com/office/drawing/2010/main" w="9525">
+                  <a14:hiddenLine xmlns:a14="http://schemas.microsoft.com/office/drawing/2010/main" xmlns="" w="9525">
                     <a:solidFill>
                       <a:srgbClr val="000000"/>
                     </a:solidFill>
@@ -11294,7 +11295,7 @@
               </a:ln>
               <a:extLst>
                 <a:ext uri="{91240B29-F687-4f45-9708-019B960494DF}">
-                  <a14:hiddenLine xmlns="" xmlns:a14="http://schemas.microsoft.com/office/drawing/2010/main" w="9525">
+                  <a14:hiddenLine xmlns:a14="http://schemas.microsoft.com/office/drawing/2010/main" xmlns="" w="9525">
                     <a:solidFill>
                       <a:srgbClr val="000000"/>
                     </a:solidFill>
@@ -11359,7 +11360,7 @@
               </a:ln>
               <a:extLst>
                 <a:ext uri="{91240B29-F687-4f45-9708-019B960494DF}">
-                  <a14:hiddenLine xmlns="" xmlns:a14="http://schemas.microsoft.com/office/drawing/2010/main" w="9525">
+                  <a14:hiddenLine xmlns:a14="http://schemas.microsoft.com/office/drawing/2010/main" xmlns="" w="9525">
                     <a:solidFill>
                       <a:srgbClr val="000000"/>
                     </a:solidFill>
@@ -11449,7 +11450,7 @@
               </a:ln>
               <a:extLst>
                 <a:ext uri="{91240B29-F687-4f45-9708-019B960494DF}">
-                  <a14:hiddenLine xmlns="" xmlns:a14="http://schemas.microsoft.com/office/drawing/2010/main" w="9525">
+                  <a14:hiddenLine xmlns:a14="http://schemas.microsoft.com/office/drawing/2010/main" xmlns="" w="9525">
                     <a:solidFill>
                       <a:srgbClr val="000000"/>
                     </a:solidFill>
@@ -11517,7 +11518,7 @@
               </a:ln>
               <a:extLst>
                 <a:ext uri="{91240B29-F687-4f45-9708-019B960494DF}">
-                  <a14:hiddenLine xmlns="" xmlns:a14="http://schemas.microsoft.com/office/drawing/2010/main" w="9525">
+                  <a14:hiddenLine xmlns:a14="http://schemas.microsoft.com/office/drawing/2010/main" xmlns="" w="9525">
                     <a:solidFill>
                       <a:srgbClr val="000000"/>
                     </a:solidFill>
@@ -11607,7 +11608,7 @@
               </a:ln>
               <a:extLst>
                 <a:ext uri="{91240B29-F687-4f45-9708-019B960494DF}">
-                  <a14:hiddenLine xmlns="" xmlns:a14="http://schemas.microsoft.com/office/drawing/2010/main" w="9525">
+                  <a14:hiddenLine xmlns:a14="http://schemas.microsoft.com/office/drawing/2010/main" xmlns="" w="9525">
                     <a:solidFill>
                       <a:srgbClr val="000000"/>
                     </a:solidFill>
@@ -11675,7 +11676,7 @@
               </a:ln>
               <a:extLst>
                 <a:ext uri="{91240B29-F687-4f45-9708-019B960494DF}">
-                  <a14:hiddenLine xmlns="" xmlns:a14="http://schemas.microsoft.com/office/drawing/2010/main" w="9525">
+                  <a14:hiddenLine xmlns:a14="http://schemas.microsoft.com/office/drawing/2010/main" xmlns="" w="9525">
                     <a:solidFill>
                       <a:srgbClr val="000000"/>
                     </a:solidFill>
@@ -11765,7 +11766,7 @@
               </a:ln>
               <a:extLst>
                 <a:ext uri="{91240B29-F687-4f45-9708-019B960494DF}">
-                  <a14:hiddenLine xmlns="" xmlns:a14="http://schemas.microsoft.com/office/drawing/2010/main" w="9525">
+                  <a14:hiddenLine xmlns:a14="http://schemas.microsoft.com/office/drawing/2010/main" xmlns="" w="9525">
                     <a:solidFill>
                       <a:srgbClr val="000000"/>
                     </a:solidFill>
@@ -11799,7 +11800,7 @@
               </a:ln>
               <a:extLst>
                 <a:ext uri="{91240B29-F687-4f45-9708-019B960494DF}">
-                  <a14:hiddenLine xmlns="" xmlns:a14="http://schemas.microsoft.com/office/drawing/2010/main" w="9525">
+                  <a14:hiddenLine xmlns:a14="http://schemas.microsoft.com/office/drawing/2010/main" xmlns="" w="9525">
                     <a:solidFill>
                       <a:srgbClr val="000000"/>
                     </a:solidFill>
@@ -12452,12 +12453,12 @@
           <a:lstStyle/>
           <a:p>
             <a:r>
+              <a:rPr lang="en-NZ" dirty="0" err="1" smtClean="0"/>
+              <a:t>Sql</a:t>
+            </a:r>
+            <a:r>
               <a:rPr lang="en-NZ" dirty="0" smtClean="0"/>
-              <a:t>Cross site scripting </a:t>
-            </a:r>
-            <a:r>
-              <a:rPr lang="en-NZ" dirty="0" err="1" smtClean="0"/>
-              <a:t>xxs</a:t>
+              <a:t> injection</a:t>
             </a:r>
             <a:endParaRPr lang="en-NZ" dirty="0"/>
           </a:p>
@@ -12485,7 +12486,7 @@
     </p:spTree>
     <p:extLst>
       <p:ext uri="{BB962C8B-B14F-4D97-AF65-F5344CB8AC3E}">
-        <p14:creationId xmlns:p14="http://schemas.microsoft.com/office/powerpoint/2010/main" val="611591029"/>
+        <p14:creationId xmlns:p14="http://schemas.microsoft.com/office/powerpoint/2010/main" val="1813648294"/>
       </p:ext>
     </p:extLst>
   </p:cSld>
@@ -12529,6 +12530,82 @@
           <a:p>
             <a:r>
               <a:rPr lang="en-NZ" dirty="0" smtClean="0"/>
+              <a:t>Cross site scripting </a:t>
+            </a:r>
+            <a:r>
+              <a:rPr lang="en-NZ" dirty="0" err="1" smtClean="0"/>
+              <a:t>xxs</a:t>
+            </a:r>
+            <a:endParaRPr lang="en-NZ" dirty="0"/>
+          </a:p>
+        </p:txBody>
+      </p:sp>
+      <p:sp>
+        <p:nvSpPr>
+          <p:cNvPr id="3" name="Content Placeholder 2"/>
+          <p:cNvSpPr>
+            <a:spLocks noGrp="1"/>
+          </p:cNvSpPr>
+          <p:nvPr>
+            <p:ph idx="1"/>
+          </p:nvPr>
+        </p:nvSpPr>
+        <p:spPr/>
+        <p:txBody>
+          <a:bodyPr/>
+          <a:lstStyle/>
+          <a:p>
+            <a:endParaRPr lang="en-NZ"/>
+          </a:p>
+        </p:txBody>
+      </p:sp>
+    </p:spTree>
+    <p:extLst>
+      <p:ext uri="{BB962C8B-B14F-4D97-AF65-F5344CB8AC3E}">
+        <p14:creationId xmlns:p14="http://schemas.microsoft.com/office/powerpoint/2010/main" val="611591029"/>
+      </p:ext>
+    </p:extLst>
+  </p:cSld>
+  <p:clrMapOvr>
+    <a:masterClrMapping/>
+  </p:clrMapOvr>
+</p:sld>
+</file>
+
+<file path=ppt/slides/slide12.xml><?xml version="1.0" encoding="utf-8"?>
+<p:sld xmlns:a="http://schemas.openxmlformats.org/drawingml/2006/main" xmlns:r="http://schemas.openxmlformats.org/officeDocument/2006/relationships" xmlns:p="http://schemas.openxmlformats.org/presentationml/2006/main">
+  <p:cSld>
+    <p:spTree>
+      <p:nvGrpSpPr>
+        <p:cNvPr id="1" name=""/>
+        <p:cNvGrpSpPr/>
+        <p:nvPr/>
+      </p:nvGrpSpPr>
+      <p:grpSpPr>
+        <a:xfrm>
+          <a:off x="0" y="0"/>
+          <a:ext cx="0" cy="0"/>
+          <a:chOff x="0" y="0"/>
+          <a:chExt cx="0" cy="0"/>
+        </a:xfrm>
+      </p:grpSpPr>
+      <p:sp>
+        <p:nvSpPr>
+          <p:cNvPr id="2" name="Title 1"/>
+          <p:cNvSpPr>
+            <a:spLocks noGrp="1"/>
+          </p:cNvSpPr>
+          <p:nvPr>
+            <p:ph type="title"/>
+          </p:nvPr>
+        </p:nvSpPr>
+        <p:spPr/>
+        <p:txBody>
+          <a:bodyPr/>
+          <a:lstStyle/>
+          <a:p>
+            <a:r>
+              <a:rPr lang="en-NZ" dirty="0" smtClean="0"/>
               <a:t>Cross site request forgery</a:t>
             </a:r>
             <a:endParaRPr lang="en-NZ" dirty="0"/>
@@ -12761,7 +12838,7 @@
 </p:sld>
 </file>
 
-<file path=ppt/slides/slide12.xml><?xml version="1.0" encoding="utf-8"?>
+<file path=ppt/slides/slide13.xml><?xml version="1.0" encoding="utf-8"?>
 <p:sld xmlns:a="http://schemas.openxmlformats.org/drawingml/2006/main" xmlns:r="http://schemas.openxmlformats.org/officeDocument/2006/relationships" xmlns:p="http://schemas.openxmlformats.org/presentationml/2006/main">
   <p:cSld>
     <p:spTree>
@@ -12791,7 +12868,7 @@
 </p:sld>
 </file>
 
-<file path=ppt/slides/slide13.xml><?xml version="1.0" encoding="utf-8"?>
+<file path=ppt/slides/slide14.xml><?xml version="1.0" encoding="utf-8"?>
 <p:sld xmlns:a="http://schemas.openxmlformats.org/drawingml/2006/main" xmlns:r="http://schemas.openxmlformats.org/officeDocument/2006/relationships" xmlns:p="http://schemas.openxmlformats.org/presentationml/2006/main">
   <p:cSld>
     <p:spTree>
@@ -12886,7 +12963,12 @@
             <p:ph type="title"/>
           </p:nvPr>
         </p:nvSpPr>
-        <p:spPr/>
+        <p:spPr>
+          <a:xfrm>
+            <a:off x="1141413" y="0"/>
+            <a:ext cx="9905998" cy="837127"/>
+          </a:xfrm>
+        </p:spPr>
         <p:txBody>
           <a:bodyPr/>
           <a:lstStyle/>
@@ -12899,25 +12981,35 @@
           </a:p>
         </p:txBody>
       </p:sp>
-      <p:sp>
-        <p:nvSpPr>
-          <p:cNvPr id="3" name="Content Placeholder 2"/>
-          <p:cNvSpPr>
-            <a:spLocks noGrp="1"/>
-          </p:cNvSpPr>
+      <p:pic>
+        <p:nvPicPr>
+          <p:cNvPr id="4" name="Content Placeholder 3"/>
+          <p:cNvPicPr>
+            <a:picLocks noGrp="1" noChangeAspect="1"/>
+          </p:cNvPicPr>
           <p:nvPr>
             <p:ph idx="1"/>
           </p:nvPr>
-        </p:nvSpPr>
-        <p:spPr/>
-        <p:txBody>
-          <a:bodyPr/>
-          <a:lstStyle/>
-          <a:p>
-            <a:endParaRPr lang="en-NZ"/>
-          </a:p>
-        </p:txBody>
-      </p:sp>
+        </p:nvPicPr>
+        <p:blipFill>
+          <a:blip r:embed="rId2">
+            <a:extLst>
+              <a:ext uri="{28A0092B-C50C-407E-A947-70E740481C1C}">
+                <a14:useLocalDpi xmlns:a14="http://schemas.microsoft.com/office/drawing/2010/main" val="0"/>
+              </a:ext>
+            </a:extLst>
+          </a:blip>
+          <a:stretch>
+            <a:fillRect/>
+          </a:stretch>
+        </p:blipFill>
+        <p:spPr>
+          <a:xfrm>
+            <a:off x="1039923" y="837127"/>
+            <a:ext cx="10306363" cy="5718219"/>
+          </a:xfrm>
+        </p:spPr>
+      </p:pic>
     </p:spTree>
     <p:extLst>
       <p:ext uri="{BB962C8B-B14F-4D97-AF65-F5344CB8AC3E}">
@@ -12932,6 +13024,66 @@
 </file>
 
 <file path=ppt/slides/slide3.xml><?xml version="1.0" encoding="utf-8"?>
+<p:sld xmlns:a="http://schemas.openxmlformats.org/drawingml/2006/main" xmlns:r="http://schemas.openxmlformats.org/officeDocument/2006/relationships" xmlns:p="http://schemas.openxmlformats.org/presentationml/2006/main">
+  <p:cSld>
+    <p:spTree>
+      <p:nvGrpSpPr>
+        <p:cNvPr id="1" name=""/>
+        <p:cNvGrpSpPr/>
+        <p:nvPr/>
+      </p:nvGrpSpPr>
+      <p:grpSpPr>
+        <a:xfrm>
+          <a:off x="0" y="0"/>
+          <a:ext cx="0" cy="0"/>
+          <a:chOff x="0" y="0"/>
+          <a:chExt cx="0" cy="0"/>
+        </a:xfrm>
+      </p:grpSpPr>
+      <p:pic>
+        <p:nvPicPr>
+          <p:cNvPr id="2" name="Picture 1"/>
+          <p:cNvPicPr>
+            <a:picLocks noChangeAspect="1"/>
+          </p:cNvPicPr>
+          <p:nvPr/>
+        </p:nvPicPr>
+        <p:blipFill>
+          <a:blip r:embed="rId2">
+            <a:extLst>
+              <a:ext uri="{28A0092B-C50C-407E-A947-70E740481C1C}">
+                <a14:useLocalDpi xmlns:a14="http://schemas.microsoft.com/office/drawing/2010/main" val="0"/>
+              </a:ext>
+            </a:extLst>
+          </a:blip>
+          <a:stretch>
+            <a:fillRect/>
+          </a:stretch>
+        </p:blipFill>
+        <p:spPr>
+          <a:xfrm>
+            <a:off x="0" y="141541"/>
+            <a:ext cx="12192000" cy="6555473"/>
+          </a:xfrm>
+          <a:prstGeom prst="rect">
+            <a:avLst/>
+          </a:prstGeom>
+        </p:spPr>
+      </p:pic>
+    </p:spTree>
+    <p:extLst>
+      <p:ext uri="{BB962C8B-B14F-4D97-AF65-F5344CB8AC3E}">
+        <p14:creationId xmlns:p14="http://schemas.microsoft.com/office/powerpoint/2010/main" val="1161155496"/>
+      </p:ext>
+    </p:extLst>
+  </p:cSld>
+  <p:clrMapOvr>
+    <a:masterClrMapping/>
+  </p:clrMapOvr>
+</p:sld>
+</file>
+
+<file path=ppt/slides/slide4.xml><?xml version="1.0" encoding="utf-8"?>
 <p:sld xmlns:a="http://schemas.openxmlformats.org/drawingml/2006/main" xmlns:r="http://schemas.openxmlformats.org/officeDocument/2006/relationships" xmlns:p="http://schemas.openxmlformats.org/presentationml/2006/main">
   <p:cSld>
     <p:spTree>
@@ -13066,138 +13218,6 @@
     <p:extLst>
       <p:ext uri="{BB962C8B-B14F-4D97-AF65-F5344CB8AC3E}">
         <p14:creationId xmlns:p14="http://schemas.microsoft.com/office/powerpoint/2010/main" val="3571088972"/>
-      </p:ext>
-    </p:extLst>
-  </p:cSld>
-  <p:clrMapOvr>
-    <a:masterClrMapping/>
-  </p:clrMapOvr>
-</p:sld>
-</file>
-
-<file path=ppt/slides/slide4.xml><?xml version="1.0" encoding="utf-8"?>
-<p:sld xmlns:a="http://schemas.openxmlformats.org/drawingml/2006/main" xmlns:r="http://schemas.openxmlformats.org/officeDocument/2006/relationships" xmlns:p="http://schemas.openxmlformats.org/presentationml/2006/main">
-  <p:cSld>
-    <p:spTree>
-      <p:nvGrpSpPr>
-        <p:cNvPr id="1" name=""/>
-        <p:cNvGrpSpPr/>
-        <p:nvPr/>
-      </p:nvGrpSpPr>
-      <p:grpSpPr>
-        <a:xfrm>
-          <a:off x="0" y="0"/>
-          <a:ext cx="0" cy="0"/>
-          <a:chOff x="0" y="0"/>
-          <a:chExt cx="0" cy="0"/>
-        </a:xfrm>
-      </p:grpSpPr>
-      <p:sp>
-        <p:nvSpPr>
-          <p:cNvPr id="3" name="Content Placeholder 2"/>
-          <p:cNvSpPr>
-            <a:spLocks noGrp="1"/>
-          </p:cNvSpPr>
-          <p:nvPr>
-            <p:ph idx="1"/>
-          </p:nvPr>
-        </p:nvSpPr>
-        <p:spPr>
-          <a:xfrm>
-            <a:off x="1141412" y="553792"/>
-            <a:ext cx="9905999" cy="5486400"/>
-          </a:xfrm>
-        </p:spPr>
-        <p:txBody>
-          <a:bodyPr>
-            <a:normAutofit lnSpcReduction="10000"/>
-          </a:bodyPr>
-          <a:lstStyle/>
-          <a:p>
-            <a:r>
-              <a:rPr lang="en-NZ" dirty="0" smtClean="0"/>
-              <a:t>Enter his details into form </a:t>
-            </a:r>
-          </a:p>
-          <a:p>
-            <a:r>
-              <a:rPr lang="en-NZ" dirty="0"/>
-              <a:t>C</a:t>
-            </a:r>
-            <a:r>
-              <a:rPr lang="en-NZ" dirty="0" smtClean="0"/>
-              <a:t>hoose a method type</a:t>
-            </a:r>
-          </a:p>
-          <a:p>
-            <a:r>
-              <a:rPr lang="en-NZ" dirty="0" smtClean="0"/>
-              <a:t>Hits enter</a:t>
-            </a:r>
-          </a:p>
-          <a:p>
-            <a:r>
-              <a:rPr lang="en-NZ" dirty="0" smtClean="0"/>
-              <a:t>He is congratulated and receives an email confirming purchase</a:t>
-            </a:r>
-          </a:p>
-          <a:p>
-            <a:pPr marL="0" indent="0">
-              <a:buNone/>
-            </a:pPr>
-            <a:r>
-              <a:rPr lang="en-NZ" dirty="0" smtClean="0"/>
-              <a:t>User B </a:t>
-            </a:r>
-          </a:p>
-          <a:p>
-            <a:r>
-              <a:rPr lang="en-NZ" dirty="0" smtClean="0"/>
-              <a:t>Goes to website clicks on computer category</a:t>
-            </a:r>
-          </a:p>
-          <a:p>
-            <a:r>
-              <a:rPr lang="en-NZ" dirty="0" smtClean="0"/>
-              <a:t>Goes to printers</a:t>
-            </a:r>
-          </a:p>
-          <a:p>
-            <a:r>
-              <a:rPr lang="en-NZ" dirty="0" smtClean="0"/>
-              <a:t>Choose a brand then select another  for comparison</a:t>
-            </a:r>
-          </a:p>
-          <a:p>
-            <a:r>
-              <a:rPr lang="en-NZ" dirty="0" smtClean="0"/>
-              <a:t>Decides which one to purchase</a:t>
-            </a:r>
-          </a:p>
-          <a:p>
-            <a:r>
-              <a:rPr lang="en-NZ" dirty="0" smtClean="0"/>
-              <a:t>Adds to the cart and similar process as user A</a:t>
-            </a:r>
-          </a:p>
-          <a:p>
-            <a:endParaRPr lang="en-NZ" dirty="0" smtClean="0"/>
-          </a:p>
-          <a:p>
-            <a:endParaRPr lang="en-NZ" dirty="0" smtClean="0"/>
-          </a:p>
-          <a:p>
-            <a:endParaRPr lang="en-NZ" dirty="0" smtClean="0"/>
-          </a:p>
-          <a:p>
-            <a:endParaRPr lang="en-NZ" dirty="0" smtClean="0"/>
-          </a:p>
-        </p:txBody>
-      </p:sp>
-    </p:spTree>
-    <p:extLst>
-      <p:ext uri="{BB962C8B-B14F-4D97-AF65-F5344CB8AC3E}">
-        <p14:creationId xmlns:p14="http://schemas.microsoft.com/office/powerpoint/2010/main" val="1494877443"/>
       </p:ext>
     </p:extLst>
   </p:cSld>
@@ -13236,107 +13256,100 @@
         </p:nvSpPr>
         <p:spPr>
           <a:xfrm>
-            <a:off x="1141412" y="940158"/>
-            <a:ext cx="9905999" cy="4919729"/>
+            <a:off x="1141412" y="553792"/>
+            <a:ext cx="9905999" cy="5486400"/>
           </a:xfrm>
         </p:spPr>
         <p:txBody>
           <a:bodyPr>
-            <a:normAutofit fontScale="92500" lnSpcReduction="20000"/>
+            <a:normAutofit lnSpcReduction="10000"/>
           </a:bodyPr>
           <a:lstStyle/>
           <a:p>
+            <a:r>
+              <a:rPr lang="en-NZ" dirty="0" smtClean="0"/>
+              <a:t>Enter his details into form </a:t>
+            </a:r>
+          </a:p>
+          <a:p>
+            <a:r>
+              <a:rPr lang="en-NZ" dirty="0"/>
+              <a:t>C</a:t>
+            </a:r>
+            <a:r>
+              <a:rPr lang="en-NZ" dirty="0" smtClean="0"/>
+              <a:t>hoose a method type</a:t>
+            </a:r>
+          </a:p>
+          <a:p>
+            <a:r>
+              <a:rPr lang="en-NZ" dirty="0" smtClean="0"/>
+              <a:t>Hits enter</a:t>
+            </a:r>
+          </a:p>
+          <a:p>
+            <a:r>
+              <a:rPr lang="en-NZ" dirty="0" smtClean="0"/>
+              <a:t>He is congratulated and receives an email confirming purchase</a:t>
+            </a:r>
+          </a:p>
+          <a:p>
             <a:pPr marL="0" indent="0">
               <a:buNone/>
             </a:pPr>
             <a:r>
               <a:rPr lang="en-NZ" dirty="0" smtClean="0"/>
-              <a:t>User C Returning customer</a:t>
+              <a:t>User B </a:t>
             </a:r>
           </a:p>
           <a:p>
             <a:r>
               <a:rPr lang="en-NZ" dirty="0" smtClean="0"/>
-              <a:t>Logs in </a:t>
+              <a:t>Goes to website clicks on computer category</a:t>
             </a:r>
           </a:p>
           <a:p>
             <a:r>
               <a:rPr lang="en-NZ" dirty="0" smtClean="0"/>
-              <a:t>Clicks on a product</a:t>
+              <a:t>Goes to printers</a:t>
             </a:r>
           </a:p>
           <a:p>
             <a:r>
               <a:rPr lang="en-NZ" dirty="0" smtClean="0"/>
-              <a:t>Adds to the cart</a:t>
+              <a:t>Choose a brand then select another  for comparison</a:t>
             </a:r>
           </a:p>
           <a:p>
             <a:r>
               <a:rPr lang="en-NZ" dirty="0" smtClean="0"/>
-              <a:t>Selects two more products and adds to the cart</a:t>
+              <a:t>Decides which one to purchase</a:t>
             </a:r>
           </a:p>
           <a:p>
             <a:r>
               <a:rPr lang="en-NZ" dirty="0" smtClean="0"/>
-              <a:t>Proceeds to the checkout </a:t>
-            </a:r>
-          </a:p>
-          <a:p>
-            <a:r>
-              <a:rPr lang="en-NZ" dirty="0" smtClean="0"/>
-              <a:t>Decides to get it delivered</a:t>
-            </a:r>
-          </a:p>
-          <a:p>
-            <a:r>
-              <a:rPr lang="en-NZ" dirty="0" smtClean="0"/>
-              <a:t>Removes product B </a:t>
-            </a:r>
-          </a:p>
-          <a:p>
-            <a:r>
-              <a:rPr lang="en-NZ" dirty="0" smtClean="0"/>
-              <a:t>Pay for items</a:t>
-            </a:r>
-          </a:p>
-          <a:p>
-            <a:r>
-              <a:rPr lang="en-NZ" dirty="0" smtClean="0"/>
-              <a:t>Receives </a:t>
-            </a:r>
-            <a:r>
-              <a:rPr lang="en-NZ" smtClean="0"/>
-              <a:t>confirmation email</a:t>
-            </a:r>
+              <a:t>Adds to the cart and similar process as user A</a:t>
+            </a:r>
+          </a:p>
+          <a:p>
             <a:endParaRPr lang="en-NZ" dirty="0" smtClean="0"/>
           </a:p>
           <a:p>
-            <a:pPr marL="0" indent="0">
-              <a:buNone/>
-            </a:pPr>
             <a:endParaRPr lang="en-NZ" dirty="0" smtClean="0"/>
           </a:p>
           <a:p>
-            <a:pPr marL="0" indent="0">
-              <a:buNone/>
-            </a:pPr>
             <a:endParaRPr lang="en-NZ" dirty="0" smtClean="0"/>
           </a:p>
           <a:p>
             <a:endParaRPr lang="en-NZ" dirty="0" smtClean="0"/>
-          </a:p>
-          <a:p>
-            <a:endParaRPr lang="en-NZ" dirty="0"/>
           </a:p>
         </p:txBody>
       </p:sp>
     </p:spTree>
     <p:extLst>
       <p:ext uri="{BB962C8B-B14F-4D97-AF65-F5344CB8AC3E}">
-        <p14:creationId xmlns:p14="http://schemas.microsoft.com/office/powerpoint/2010/main" val="2122877612"/>
+        <p14:creationId xmlns:p14="http://schemas.microsoft.com/office/powerpoint/2010/main" val="1494877443"/>
       </p:ext>
     </p:extLst>
   </p:cSld>
@@ -13365,29 +13378,6 @@
       </p:grpSpPr>
       <p:sp>
         <p:nvSpPr>
-          <p:cNvPr id="2" name="Title 1"/>
-          <p:cNvSpPr>
-            <a:spLocks noGrp="1"/>
-          </p:cNvSpPr>
-          <p:nvPr>
-            <p:ph type="title"/>
-          </p:nvPr>
-        </p:nvSpPr>
-        <p:spPr/>
-        <p:txBody>
-          <a:bodyPr/>
-          <a:lstStyle/>
-          <a:p>
-            <a:r>
-              <a:rPr lang="en-NZ" dirty="0" smtClean="0"/>
-              <a:t>database</a:t>
-            </a:r>
-            <a:endParaRPr lang="en-NZ" dirty="0"/>
-          </a:p>
-        </p:txBody>
-      </p:sp>
-      <p:sp>
-        <p:nvSpPr>
           <p:cNvPr id="3" name="Content Placeholder 2"/>
           <p:cNvSpPr>
             <a:spLocks noGrp="1"/>
@@ -13396,19 +13386,109 @@
             <p:ph idx="1"/>
           </p:nvPr>
         </p:nvSpPr>
-        <p:spPr/>
+        <p:spPr>
+          <a:xfrm>
+            <a:off x="1141412" y="940158"/>
+            <a:ext cx="9905999" cy="4919729"/>
+          </a:xfrm>
+        </p:spPr>
         <p:txBody>
-          <a:bodyPr/>
+          <a:bodyPr>
+            <a:normAutofit fontScale="92500" lnSpcReduction="20000"/>
+          </a:bodyPr>
           <a:lstStyle/>
           <a:p>
-            <a:endParaRPr lang="en-NZ"/>
+            <a:pPr marL="0" indent="0">
+              <a:buNone/>
+            </a:pPr>
+            <a:r>
+              <a:rPr lang="en-NZ" dirty="0" smtClean="0"/>
+              <a:t>User C Returning customer</a:t>
+            </a:r>
+          </a:p>
+          <a:p>
+            <a:r>
+              <a:rPr lang="en-NZ" dirty="0" smtClean="0"/>
+              <a:t>Logs in </a:t>
+            </a:r>
+          </a:p>
+          <a:p>
+            <a:r>
+              <a:rPr lang="en-NZ" dirty="0" smtClean="0"/>
+              <a:t>Clicks on a product</a:t>
+            </a:r>
+          </a:p>
+          <a:p>
+            <a:r>
+              <a:rPr lang="en-NZ" dirty="0" smtClean="0"/>
+              <a:t>Adds to the cart</a:t>
+            </a:r>
+          </a:p>
+          <a:p>
+            <a:r>
+              <a:rPr lang="en-NZ" dirty="0" smtClean="0"/>
+              <a:t>Selects two more products and adds to the cart</a:t>
+            </a:r>
+          </a:p>
+          <a:p>
+            <a:r>
+              <a:rPr lang="en-NZ" dirty="0" smtClean="0"/>
+              <a:t>Proceeds to the checkout </a:t>
+            </a:r>
+          </a:p>
+          <a:p>
+            <a:r>
+              <a:rPr lang="en-NZ" dirty="0" smtClean="0"/>
+              <a:t>Decides to get it delivered</a:t>
+            </a:r>
+          </a:p>
+          <a:p>
+            <a:r>
+              <a:rPr lang="en-NZ" dirty="0" smtClean="0"/>
+              <a:t>Removes product B </a:t>
+            </a:r>
+          </a:p>
+          <a:p>
+            <a:r>
+              <a:rPr lang="en-NZ" dirty="0" smtClean="0"/>
+              <a:t>Pay for items</a:t>
+            </a:r>
+          </a:p>
+          <a:p>
+            <a:r>
+              <a:rPr lang="en-NZ" dirty="0" smtClean="0"/>
+              <a:t>Receives </a:t>
+            </a:r>
+            <a:r>
+              <a:rPr lang="en-NZ" smtClean="0"/>
+              <a:t>confirmation email</a:t>
+            </a:r>
+            <a:endParaRPr lang="en-NZ" dirty="0" smtClean="0"/>
+          </a:p>
+          <a:p>
+            <a:pPr marL="0" indent="0">
+              <a:buNone/>
+            </a:pPr>
+            <a:endParaRPr lang="en-NZ" dirty="0" smtClean="0"/>
+          </a:p>
+          <a:p>
+            <a:pPr marL="0" indent="0">
+              <a:buNone/>
+            </a:pPr>
+            <a:endParaRPr lang="en-NZ" dirty="0" smtClean="0"/>
+          </a:p>
+          <a:p>
+            <a:endParaRPr lang="en-NZ" dirty="0" smtClean="0"/>
+          </a:p>
+          <a:p>
+            <a:endParaRPr lang="en-NZ" dirty="0"/>
           </a:p>
         </p:txBody>
       </p:sp>
     </p:spTree>
     <p:extLst>
       <p:ext uri="{BB962C8B-B14F-4D97-AF65-F5344CB8AC3E}">
-        <p14:creationId xmlns:p14="http://schemas.microsoft.com/office/powerpoint/2010/main" val="311986290"/>
+        <p14:creationId xmlns:p14="http://schemas.microsoft.com/office/powerpoint/2010/main" val="2122877612"/>
       </p:ext>
     </p:extLst>
   </p:cSld>
@@ -13452,7 +13532,7 @@
           <a:p>
             <a:r>
               <a:rPr lang="en-NZ" dirty="0" smtClean="0"/>
-              <a:t>Class diagram</a:t>
+              <a:t>database</a:t>
             </a:r>
             <a:endParaRPr lang="en-NZ" dirty="0"/>
           </a:p>
@@ -13473,17 +13553,14 @@
           <a:bodyPr/>
           <a:lstStyle/>
           <a:p>
-            <a:pPr marL="0" indent="0">
-              <a:buNone/>
-            </a:pPr>
-            <a:endParaRPr lang="en-NZ" dirty="0"/>
+            <a:endParaRPr lang="en-NZ"/>
           </a:p>
         </p:txBody>
       </p:sp>
     </p:spTree>
     <p:extLst>
       <p:ext uri="{BB962C8B-B14F-4D97-AF65-F5344CB8AC3E}">
-        <p14:creationId xmlns:p14="http://schemas.microsoft.com/office/powerpoint/2010/main" val="2032470963"/>
+        <p14:creationId xmlns:p14="http://schemas.microsoft.com/office/powerpoint/2010/main" val="311986290"/>
       </p:ext>
     </p:extLst>
   </p:cSld>
@@ -13527,7 +13604,7 @@
           <a:p>
             <a:r>
               <a:rPr lang="en-NZ" dirty="0" smtClean="0"/>
-              <a:t>framework</a:t>
+              <a:t>Class diagram</a:t>
             </a:r>
             <a:endParaRPr lang="en-NZ" dirty="0"/>
           </a:p>
@@ -13548,14 +13625,17 @@
           <a:bodyPr/>
           <a:lstStyle/>
           <a:p>
-            <a:endParaRPr lang="en-NZ"/>
+            <a:pPr marL="0" indent="0">
+              <a:buNone/>
+            </a:pPr>
+            <a:endParaRPr lang="en-NZ" dirty="0"/>
           </a:p>
         </p:txBody>
       </p:sp>
     </p:spTree>
     <p:extLst>
       <p:ext uri="{BB962C8B-B14F-4D97-AF65-F5344CB8AC3E}">
-        <p14:creationId xmlns:p14="http://schemas.microsoft.com/office/powerpoint/2010/main" val="4032489337"/>
+        <p14:creationId xmlns:p14="http://schemas.microsoft.com/office/powerpoint/2010/main" val="2032470963"/>
       </p:ext>
     </p:extLst>
   </p:cSld>
@@ -13598,12 +13678,8 @@
           <a:lstStyle/>
           <a:p>
             <a:r>
-              <a:rPr lang="en-NZ" dirty="0" err="1" smtClean="0"/>
-              <a:t>Sql</a:t>
-            </a:r>
-            <a:r>
               <a:rPr lang="en-NZ" dirty="0" smtClean="0"/>
-              <a:t> injection</a:t>
+              <a:t>framework</a:t>
             </a:r>
             <a:endParaRPr lang="en-NZ" dirty="0"/>
           </a:p>
@@ -13631,7 +13707,7 @@
     </p:spTree>
     <p:extLst>
       <p:ext uri="{BB962C8B-B14F-4D97-AF65-F5344CB8AC3E}">
-        <p14:creationId xmlns:p14="http://schemas.microsoft.com/office/powerpoint/2010/main" val="1813648294"/>
+        <p14:creationId xmlns:p14="http://schemas.microsoft.com/office/powerpoint/2010/main" val="4032489337"/>
       </p:ext>
     </p:extLst>
   </p:cSld>

--- a/site/Presentation doc/Php assignment.pptx
+++ b/site/Presentation doc/Php assignment.pptx
@@ -119,7 +119,7 @@
   </p:defaultTextStyle>
   <p:extLst>
     <p:ext uri="{EFAFB233-063F-42B5-8137-9DF3F51BA10A}">
-      <p15:sldGuideLst xmlns:p15="http://schemas.microsoft.com/office/powerpoint/2012/main"/>
+      <p15:sldGuideLst xmlns:p15="http://schemas.microsoft.com/office/powerpoint/2012/main" xmlns=""/>
     </p:ext>
   </p:extLst>
 </p:presentation>
@@ -181,8 +181,8 @@
           </a:prstGeom>
           <a:noFill/>
           <a:extLst>
-            <a:ext uri="{909E8E84-426E-40dd-AFC4-6F175D3DCCD1}">
-              <a14:hiddenFill xmlns:a14="http://schemas.microsoft.com/office/drawing/2010/main" xmlns="">
+            <a:ext uri="{909E8E84-426E-40DD-AFC4-6F175D3DCCD1}">
+              <a14:hiddenFill xmlns:a14="http://schemas.microsoft.com/office/drawing/2010/main">
                 <a:solidFill>
                   <a:srgbClr val="FFFFFF"/>
                 </a:solidFill>
@@ -240,8 +240,8 @@
               <a:noFill/>
             </a:ln>
             <a:extLst>
-              <a:ext uri="{91240B29-F687-4f45-9708-019B960494DF}">
-                <a14:hiddenLine xmlns:a14="http://schemas.microsoft.com/office/drawing/2010/main" xmlns="" w="9525">
+              <a:ext uri="{91240B29-F687-4F45-9708-019B960494DF}">
+                <a14:hiddenLine xmlns:a14="http://schemas.microsoft.com/office/drawing/2010/main" w="9525">
                   <a:solidFill>
                     <a:srgbClr val="000000"/>
                   </a:solidFill>
@@ -330,8 +330,8 @@
               <a:noFill/>
             </a:ln>
             <a:extLst>
-              <a:ext uri="{91240B29-F687-4f45-9708-019B960494DF}">
-                <a14:hiddenLine xmlns:a14="http://schemas.microsoft.com/office/drawing/2010/main" xmlns="" w="9525">
+              <a:ext uri="{91240B29-F687-4F45-9708-019B960494DF}">
+                <a14:hiddenLine xmlns:a14="http://schemas.microsoft.com/office/drawing/2010/main" w="9525">
                   <a:solidFill>
                     <a:srgbClr val="000000"/>
                   </a:solidFill>
@@ -420,8 +420,8 @@
               <a:noFill/>
             </a:ln>
             <a:extLst>
-              <a:ext uri="{91240B29-F687-4f45-9708-019B960494DF}">
-                <a14:hiddenLine xmlns:a14="http://schemas.microsoft.com/office/drawing/2010/main" xmlns="" w="9525">
+              <a:ext uri="{91240B29-F687-4F45-9708-019B960494DF}">
+                <a14:hiddenLine xmlns:a14="http://schemas.microsoft.com/office/drawing/2010/main" w="9525">
                   <a:solidFill>
                     <a:srgbClr val="000000"/>
                   </a:solidFill>
@@ -454,8 +454,8 @@
               <a:noFill/>
             </a:ln>
             <a:extLst>
-              <a:ext uri="{91240B29-F687-4f45-9708-019B960494DF}">
-                <a14:hiddenLine xmlns:a14="http://schemas.microsoft.com/office/drawing/2010/main" xmlns="" w="9525">
+              <a:ext uri="{91240B29-F687-4F45-9708-019B960494DF}">
+                <a14:hiddenLine xmlns:a14="http://schemas.microsoft.com/office/drawing/2010/main" w="9525">
                   <a:solidFill>
                     <a:srgbClr val="000000"/>
                   </a:solidFill>
@@ -544,8 +544,8 @@
               <a:noFill/>
             </a:ln>
             <a:extLst>
-              <a:ext uri="{91240B29-F687-4f45-9708-019B960494DF}">
-                <a14:hiddenLine xmlns:a14="http://schemas.microsoft.com/office/drawing/2010/main" xmlns="" w="9525">
+              <a:ext uri="{91240B29-F687-4F45-9708-019B960494DF}">
+                <a14:hiddenLine xmlns:a14="http://schemas.microsoft.com/office/drawing/2010/main" w="9525">
                   <a:solidFill>
                     <a:srgbClr val="000000"/>
                   </a:solidFill>
@@ -606,8 +606,8 @@
               <a:noFill/>
             </a:ln>
             <a:extLst>
-              <a:ext uri="{91240B29-F687-4f45-9708-019B960494DF}">
-                <a14:hiddenLine xmlns:a14="http://schemas.microsoft.com/office/drawing/2010/main" xmlns="" w="9525">
+              <a:ext uri="{91240B29-F687-4F45-9708-019B960494DF}">
+                <a14:hiddenLine xmlns:a14="http://schemas.microsoft.com/office/drawing/2010/main" w="9525">
                   <a:solidFill>
                     <a:srgbClr val="000000"/>
                   </a:solidFill>
@@ -668,8 +668,8 @@
               <a:noFill/>
             </a:ln>
             <a:extLst>
-              <a:ext uri="{91240B29-F687-4f45-9708-019B960494DF}">
-                <a14:hiddenLine xmlns:a14="http://schemas.microsoft.com/office/drawing/2010/main" xmlns="" w="9525">
+              <a:ext uri="{91240B29-F687-4F45-9708-019B960494DF}">
+                <a14:hiddenLine xmlns:a14="http://schemas.microsoft.com/office/drawing/2010/main" w="9525">
                   <a:solidFill>
                     <a:srgbClr val="000000"/>
                   </a:solidFill>
@@ -758,8 +758,8 @@
               <a:noFill/>
             </a:ln>
             <a:extLst>
-              <a:ext uri="{91240B29-F687-4f45-9708-019B960494DF}">
-                <a14:hiddenLine xmlns:a14="http://schemas.microsoft.com/office/drawing/2010/main" xmlns="" w="9525">
+              <a:ext uri="{91240B29-F687-4F45-9708-019B960494DF}">
+                <a14:hiddenLine xmlns:a14="http://schemas.microsoft.com/office/drawing/2010/main" w="9525">
                   <a:solidFill>
                     <a:srgbClr val="000000"/>
                   </a:solidFill>
@@ -820,8 +820,8 @@
               <a:noFill/>
             </a:ln>
             <a:extLst>
-              <a:ext uri="{91240B29-F687-4f45-9708-019B960494DF}">
-                <a14:hiddenLine xmlns:a14="http://schemas.microsoft.com/office/drawing/2010/main" xmlns="" w="9525">
+              <a:ext uri="{91240B29-F687-4F45-9708-019B960494DF}">
+                <a14:hiddenLine xmlns:a14="http://schemas.microsoft.com/office/drawing/2010/main" w="9525">
                   <a:solidFill>
                     <a:srgbClr val="000000"/>
                   </a:solidFill>
@@ -882,8 +882,8 @@
               <a:noFill/>
             </a:ln>
             <a:extLst>
-              <a:ext uri="{91240B29-F687-4f45-9708-019B960494DF}">
-                <a14:hiddenLine xmlns:a14="http://schemas.microsoft.com/office/drawing/2010/main" xmlns="" w="9525">
+              <a:ext uri="{91240B29-F687-4F45-9708-019B960494DF}">
+                <a14:hiddenLine xmlns:a14="http://schemas.microsoft.com/office/drawing/2010/main" w="9525">
                   <a:solidFill>
                     <a:srgbClr val="000000"/>
                   </a:solidFill>
@@ -972,8 +972,8 @@
               <a:noFill/>
             </a:ln>
             <a:extLst>
-              <a:ext uri="{91240B29-F687-4f45-9708-019B960494DF}">
-                <a14:hiddenLine xmlns:a14="http://schemas.microsoft.com/office/drawing/2010/main" xmlns="" w="9525">
+              <a:ext uri="{91240B29-F687-4F45-9708-019B960494DF}">
+                <a14:hiddenLine xmlns:a14="http://schemas.microsoft.com/office/drawing/2010/main" w="9525">
                   <a:solidFill>
                     <a:srgbClr val="000000"/>
                   </a:solidFill>
@@ -1062,8 +1062,8 @@
               <a:noFill/>
             </a:ln>
             <a:extLst>
-              <a:ext uri="{91240B29-F687-4f45-9708-019B960494DF}">
-                <a14:hiddenLine xmlns:a14="http://schemas.microsoft.com/office/drawing/2010/main" xmlns="" w="9525">
+              <a:ext uri="{91240B29-F687-4F45-9708-019B960494DF}">
+                <a14:hiddenLine xmlns:a14="http://schemas.microsoft.com/office/drawing/2010/main" w="9525">
                   <a:solidFill>
                     <a:srgbClr val="000000"/>
                   </a:solidFill>
@@ -1124,8 +1124,8 @@
               <a:noFill/>
             </a:ln>
             <a:extLst>
-              <a:ext uri="{91240B29-F687-4f45-9708-019B960494DF}">
-                <a14:hiddenLine xmlns:a14="http://schemas.microsoft.com/office/drawing/2010/main" xmlns="" w="9525">
+              <a:ext uri="{91240B29-F687-4F45-9708-019B960494DF}">
+                <a14:hiddenLine xmlns:a14="http://schemas.microsoft.com/office/drawing/2010/main" w="9525">
                   <a:solidFill>
                     <a:srgbClr val="000000"/>
                   </a:solidFill>
@@ -1234,8 +1234,8 @@
               <a:noFill/>
             </a:ln>
             <a:extLst>
-              <a:ext uri="{91240B29-F687-4f45-9708-019B960494DF}">
-                <a14:hiddenLine xmlns:a14="http://schemas.microsoft.com/office/drawing/2010/main" xmlns="" w="9525">
+              <a:ext uri="{91240B29-F687-4F45-9708-019B960494DF}">
+                <a14:hiddenLine xmlns:a14="http://schemas.microsoft.com/office/drawing/2010/main" w="9525">
                   <a:solidFill>
                     <a:srgbClr val="000000"/>
                   </a:solidFill>
@@ -1296,8 +1296,8 @@
               <a:noFill/>
             </a:ln>
             <a:extLst>
-              <a:ext uri="{91240B29-F687-4f45-9708-019B960494DF}">
-                <a14:hiddenLine xmlns:a14="http://schemas.microsoft.com/office/drawing/2010/main" xmlns="" w="9525">
+              <a:ext uri="{91240B29-F687-4F45-9708-019B960494DF}">
+                <a14:hiddenLine xmlns:a14="http://schemas.microsoft.com/office/drawing/2010/main" w="9525">
                   <a:solidFill>
                     <a:srgbClr val="000000"/>
                   </a:solidFill>
@@ -1386,8 +1386,8 @@
               <a:noFill/>
             </a:ln>
             <a:extLst>
-              <a:ext uri="{91240B29-F687-4f45-9708-019B960494DF}">
-                <a14:hiddenLine xmlns:a14="http://schemas.microsoft.com/office/drawing/2010/main" xmlns="" w="9525">
+              <a:ext uri="{91240B29-F687-4F45-9708-019B960494DF}">
+                <a14:hiddenLine xmlns:a14="http://schemas.microsoft.com/office/drawing/2010/main" w="9525">
                   <a:solidFill>
                     <a:srgbClr val="000000"/>
                   </a:solidFill>
@@ -1476,8 +1476,8 @@
               <a:noFill/>
             </a:ln>
             <a:extLst>
-              <a:ext uri="{91240B29-F687-4f45-9708-019B960494DF}">
-                <a14:hiddenLine xmlns:a14="http://schemas.microsoft.com/office/drawing/2010/main" xmlns="" w="9525">
+              <a:ext uri="{91240B29-F687-4F45-9708-019B960494DF}">
+                <a14:hiddenLine xmlns:a14="http://schemas.microsoft.com/office/drawing/2010/main" w="9525">
                   <a:solidFill>
                     <a:srgbClr val="000000"/>
                   </a:solidFill>
@@ -1538,8 +1538,8 @@
               <a:noFill/>
             </a:ln>
             <a:extLst>
-              <a:ext uri="{91240B29-F687-4f45-9708-019B960494DF}">
-                <a14:hiddenLine xmlns:a14="http://schemas.microsoft.com/office/drawing/2010/main" xmlns="" w="9525">
+              <a:ext uri="{91240B29-F687-4F45-9708-019B960494DF}">
+                <a14:hiddenLine xmlns:a14="http://schemas.microsoft.com/office/drawing/2010/main" w="9525">
                   <a:solidFill>
                     <a:srgbClr val="000000"/>
                   </a:solidFill>
@@ -1628,8 +1628,8 @@
               <a:noFill/>
             </a:ln>
             <a:extLst>
-              <a:ext uri="{91240B29-F687-4f45-9708-019B960494DF}">
-                <a14:hiddenLine xmlns:a14="http://schemas.microsoft.com/office/drawing/2010/main" xmlns="" w="9525">
+              <a:ext uri="{91240B29-F687-4F45-9708-019B960494DF}">
+                <a14:hiddenLine xmlns:a14="http://schemas.microsoft.com/office/drawing/2010/main" w="9525">
                   <a:solidFill>
                     <a:srgbClr val="000000"/>
                   </a:solidFill>
@@ -1718,8 +1718,8 @@
               <a:noFill/>
             </a:ln>
             <a:extLst>
-              <a:ext uri="{91240B29-F687-4f45-9708-019B960494DF}">
-                <a14:hiddenLine xmlns:a14="http://schemas.microsoft.com/office/drawing/2010/main" xmlns="" w="9525">
+              <a:ext uri="{91240B29-F687-4F45-9708-019B960494DF}">
+                <a14:hiddenLine xmlns:a14="http://schemas.microsoft.com/office/drawing/2010/main" w="9525">
                   <a:solidFill>
                     <a:srgbClr val="000000"/>
                   </a:solidFill>
@@ -1774,8 +1774,8 @@
               <a:noFill/>
             </a:ln>
             <a:extLst>
-              <a:ext uri="{91240B29-F687-4f45-9708-019B960494DF}">
-                <a14:hiddenLine xmlns:a14="http://schemas.microsoft.com/office/drawing/2010/main" xmlns="" w="9525">
+              <a:ext uri="{91240B29-F687-4F45-9708-019B960494DF}">
+                <a14:hiddenLine xmlns:a14="http://schemas.microsoft.com/office/drawing/2010/main" w="9525">
                   <a:solidFill>
                     <a:srgbClr val="000000"/>
                   </a:solidFill>
@@ -1864,8 +1864,8 @@
               <a:noFill/>
             </a:ln>
             <a:extLst>
-              <a:ext uri="{91240B29-F687-4f45-9708-019B960494DF}">
-                <a14:hiddenLine xmlns:a14="http://schemas.microsoft.com/office/drawing/2010/main" xmlns="" w="9525">
+              <a:ext uri="{91240B29-F687-4F45-9708-019B960494DF}">
+                <a14:hiddenLine xmlns:a14="http://schemas.microsoft.com/office/drawing/2010/main" w="9525">
                   <a:solidFill>
                     <a:srgbClr val="000000"/>
                   </a:solidFill>
@@ -1920,8 +1920,8 @@
               <a:noFill/>
             </a:ln>
             <a:extLst>
-              <a:ext uri="{91240B29-F687-4f45-9708-019B960494DF}">
-                <a14:hiddenLine xmlns:a14="http://schemas.microsoft.com/office/drawing/2010/main" xmlns="" w="9525">
+              <a:ext uri="{91240B29-F687-4F45-9708-019B960494DF}">
+                <a14:hiddenLine xmlns:a14="http://schemas.microsoft.com/office/drawing/2010/main" w="9525">
                   <a:solidFill>
                     <a:srgbClr val="000000"/>
                   </a:solidFill>
@@ -2010,8 +2010,8 @@
               <a:noFill/>
             </a:ln>
             <a:extLst>
-              <a:ext uri="{91240B29-F687-4f45-9708-019B960494DF}">
-                <a14:hiddenLine xmlns:a14="http://schemas.microsoft.com/office/drawing/2010/main" xmlns="" w="9525">
+              <a:ext uri="{91240B29-F687-4F45-9708-019B960494DF}">
+                <a14:hiddenLine xmlns:a14="http://schemas.microsoft.com/office/drawing/2010/main" w="9525">
                   <a:solidFill>
                     <a:srgbClr val="000000"/>
                   </a:solidFill>
@@ -2078,8 +2078,8 @@
               <a:noFill/>
             </a:ln>
             <a:extLst>
-              <a:ext uri="{91240B29-F687-4f45-9708-019B960494DF}">
-                <a14:hiddenLine xmlns:a14="http://schemas.microsoft.com/office/drawing/2010/main" xmlns="" w="9525">
+              <a:ext uri="{91240B29-F687-4F45-9708-019B960494DF}">
+                <a14:hiddenLine xmlns:a14="http://schemas.microsoft.com/office/drawing/2010/main" w="9525">
                   <a:solidFill>
                     <a:srgbClr val="000000"/>
                   </a:solidFill>
@@ -2168,8 +2168,8 @@
               <a:noFill/>
             </a:ln>
             <a:extLst>
-              <a:ext uri="{91240B29-F687-4f45-9708-019B960494DF}">
-                <a14:hiddenLine xmlns:a14="http://schemas.microsoft.com/office/drawing/2010/main" xmlns="" w="9525">
+              <a:ext uri="{91240B29-F687-4F45-9708-019B960494DF}">
+                <a14:hiddenLine xmlns:a14="http://schemas.microsoft.com/office/drawing/2010/main" w="9525">
                   <a:solidFill>
                     <a:srgbClr val="000000"/>
                   </a:solidFill>
@@ -2236,8 +2236,8 @@
               <a:noFill/>
             </a:ln>
             <a:extLst>
-              <a:ext uri="{91240B29-F687-4f45-9708-019B960494DF}">
-                <a14:hiddenLine xmlns:a14="http://schemas.microsoft.com/office/drawing/2010/main" xmlns="" w="9525">
+              <a:ext uri="{91240B29-F687-4F45-9708-019B960494DF}">
+                <a14:hiddenLine xmlns:a14="http://schemas.microsoft.com/office/drawing/2010/main" w="9525">
                   <a:solidFill>
                     <a:srgbClr val="000000"/>
                   </a:solidFill>
@@ -2326,8 +2326,8 @@
               <a:noFill/>
             </a:ln>
             <a:extLst>
-              <a:ext uri="{91240B29-F687-4f45-9708-019B960494DF}">
-                <a14:hiddenLine xmlns:a14="http://schemas.microsoft.com/office/drawing/2010/main" xmlns="" w="9525">
+              <a:ext uri="{91240B29-F687-4F45-9708-019B960494DF}">
+                <a14:hiddenLine xmlns:a14="http://schemas.microsoft.com/office/drawing/2010/main" w="9525">
                   <a:solidFill>
                     <a:srgbClr val="000000"/>
                   </a:solidFill>
@@ -2360,8 +2360,8 @@
               <a:noFill/>
             </a:ln>
             <a:extLst>
-              <a:ext uri="{91240B29-F687-4f45-9708-019B960494DF}">
-                <a14:hiddenLine xmlns:a14="http://schemas.microsoft.com/office/drawing/2010/main" xmlns="" w="9525">
+              <a:ext uri="{91240B29-F687-4F45-9708-019B960494DF}">
+                <a14:hiddenLine xmlns:a14="http://schemas.microsoft.com/office/drawing/2010/main" w="9525">
                   <a:solidFill>
                     <a:srgbClr val="000000"/>
                   </a:solidFill>
@@ -2450,8 +2450,8 @@
               <a:noFill/>
             </a:ln>
             <a:extLst>
-              <a:ext uri="{91240B29-F687-4f45-9708-019B960494DF}">
-                <a14:hiddenLine xmlns:a14="http://schemas.microsoft.com/office/drawing/2010/main" xmlns="" w="9525">
+              <a:ext uri="{91240B29-F687-4F45-9708-019B960494DF}">
+                <a14:hiddenLine xmlns:a14="http://schemas.microsoft.com/office/drawing/2010/main" w="9525">
                   <a:solidFill>
                     <a:srgbClr val="000000"/>
                   </a:solidFill>
@@ -2512,8 +2512,8 @@
               <a:noFill/>
             </a:ln>
             <a:extLst>
-              <a:ext uri="{91240B29-F687-4f45-9708-019B960494DF}">
-                <a14:hiddenLine xmlns:a14="http://schemas.microsoft.com/office/drawing/2010/main" xmlns="" w="9525">
+              <a:ext uri="{91240B29-F687-4F45-9708-019B960494DF}">
+                <a14:hiddenLine xmlns:a14="http://schemas.microsoft.com/office/drawing/2010/main" w="9525">
                   <a:solidFill>
                     <a:srgbClr val="000000"/>
                   </a:solidFill>
@@ -2574,8 +2574,8 @@
               <a:noFill/>
             </a:ln>
             <a:extLst>
-              <a:ext uri="{91240B29-F687-4f45-9708-019B960494DF}">
-                <a14:hiddenLine xmlns:a14="http://schemas.microsoft.com/office/drawing/2010/main" xmlns="" w="9525">
+              <a:ext uri="{91240B29-F687-4F45-9708-019B960494DF}">
+                <a14:hiddenLine xmlns:a14="http://schemas.microsoft.com/office/drawing/2010/main" w="9525">
                   <a:solidFill>
                     <a:srgbClr val="000000"/>
                   </a:solidFill>
@@ -2664,8 +2664,8 @@
               <a:noFill/>
             </a:ln>
             <a:extLst>
-              <a:ext uri="{91240B29-F687-4f45-9708-019B960494DF}">
-                <a14:hiddenLine xmlns:a14="http://schemas.microsoft.com/office/drawing/2010/main" xmlns="" w="9525">
+              <a:ext uri="{91240B29-F687-4F45-9708-019B960494DF}">
+                <a14:hiddenLine xmlns:a14="http://schemas.microsoft.com/office/drawing/2010/main" w="9525">
                   <a:solidFill>
                     <a:srgbClr val="000000"/>
                   </a:solidFill>
@@ -2732,8 +2732,8 @@
               <a:noFill/>
             </a:ln>
             <a:extLst>
-              <a:ext uri="{91240B29-F687-4f45-9708-019B960494DF}">
-                <a14:hiddenLine xmlns:a14="http://schemas.microsoft.com/office/drawing/2010/main" xmlns="" w="9525">
+              <a:ext uri="{91240B29-F687-4F45-9708-019B960494DF}">
+                <a14:hiddenLine xmlns:a14="http://schemas.microsoft.com/office/drawing/2010/main" w="9525">
                   <a:solidFill>
                     <a:srgbClr val="000000"/>
                   </a:solidFill>
@@ -2794,8 +2794,8 @@
               <a:noFill/>
             </a:ln>
             <a:extLst>
-              <a:ext uri="{91240B29-F687-4f45-9708-019B960494DF}">
-                <a14:hiddenLine xmlns:a14="http://schemas.microsoft.com/office/drawing/2010/main" xmlns="" w="9525">
+              <a:ext uri="{91240B29-F687-4F45-9708-019B960494DF}">
+                <a14:hiddenLine xmlns:a14="http://schemas.microsoft.com/office/drawing/2010/main" w="9525">
                   <a:solidFill>
                     <a:srgbClr val="000000"/>
                   </a:solidFill>
@@ -2884,8 +2884,8 @@
               <a:noFill/>
             </a:ln>
             <a:extLst>
-              <a:ext uri="{91240B29-F687-4f45-9708-019B960494DF}">
-                <a14:hiddenLine xmlns:a14="http://schemas.microsoft.com/office/drawing/2010/main" xmlns="" w="9525">
+              <a:ext uri="{91240B29-F687-4F45-9708-019B960494DF}">
+                <a14:hiddenLine xmlns:a14="http://schemas.microsoft.com/office/drawing/2010/main" w="9525">
                   <a:solidFill>
                     <a:srgbClr val="000000"/>
                   </a:solidFill>
@@ -2946,8 +2946,8 @@
               <a:noFill/>
             </a:ln>
             <a:extLst>
-              <a:ext uri="{91240B29-F687-4f45-9708-019B960494DF}">
-                <a14:hiddenLine xmlns:a14="http://schemas.microsoft.com/office/drawing/2010/main" xmlns="" w="9525">
+              <a:ext uri="{91240B29-F687-4F45-9708-019B960494DF}">
+                <a14:hiddenLine xmlns:a14="http://schemas.microsoft.com/office/drawing/2010/main" w="9525">
                   <a:solidFill>
                     <a:srgbClr val="000000"/>
                   </a:solidFill>
@@ -3036,8 +3036,8 @@
               <a:noFill/>
             </a:ln>
             <a:extLst>
-              <a:ext uri="{91240B29-F687-4f45-9708-019B960494DF}">
-                <a14:hiddenLine xmlns:a14="http://schemas.microsoft.com/office/drawing/2010/main" xmlns="" w="9525">
+              <a:ext uri="{91240B29-F687-4F45-9708-019B960494DF}">
+                <a14:hiddenLine xmlns:a14="http://schemas.microsoft.com/office/drawing/2010/main" w="9525">
                   <a:solidFill>
                     <a:srgbClr val="000000"/>
                   </a:solidFill>
@@ -3098,8 +3098,8 @@
               <a:noFill/>
             </a:ln>
             <a:extLst>
-              <a:ext uri="{91240B29-F687-4f45-9708-019B960494DF}">
-                <a14:hiddenLine xmlns:a14="http://schemas.microsoft.com/office/drawing/2010/main" xmlns="" w="9525">
+              <a:ext uri="{91240B29-F687-4F45-9708-019B960494DF}">
+                <a14:hiddenLine xmlns:a14="http://schemas.microsoft.com/office/drawing/2010/main" w="9525">
                   <a:solidFill>
                     <a:srgbClr val="000000"/>
                   </a:solidFill>
@@ -3188,8 +3188,8 @@
               <a:noFill/>
             </a:ln>
             <a:extLst>
-              <a:ext uri="{91240B29-F687-4f45-9708-019B960494DF}">
-                <a14:hiddenLine xmlns:a14="http://schemas.microsoft.com/office/drawing/2010/main" xmlns="" w="9525">
+              <a:ext uri="{91240B29-F687-4F45-9708-019B960494DF}">
+                <a14:hiddenLine xmlns:a14="http://schemas.microsoft.com/office/drawing/2010/main" w="9525">
                   <a:solidFill>
                     <a:srgbClr val="000000"/>
                   </a:solidFill>
@@ -3222,8 +3222,8 @@
               <a:noFill/>
             </a:ln>
             <a:extLst>
-              <a:ext uri="{91240B29-F687-4f45-9708-019B960494DF}">
-                <a14:hiddenLine xmlns:a14="http://schemas.microsoft.com/office/drawing/2010/main" xmlns="" w="9525">
+              <a:ext uri="{91240B29-F687-4F45-9708-019B960494DF}">
+                <a14:hiddenLine xmlns:a14="http://schemas.microsoft.com/office/drawing/2010/main" w="9525">
                   <a:solidFill>
                     <a:srgbClr val="000000"/>
                   </a:solidFill>
@@ -3287,8 +3287,8 @@
               <a:noFill/>
             </a:ln>
             <a:extLst>
-              <a:ext uri="{91240B29-F687-4f45-9708-019B960494DF}">
-                <a14:hiddenLine xmlns:a14="http://schemas.microsoft.com/office/drawing/2010/main" xmlns="" w="9525">
+              <a:ext uri="{91240B29-F687-4F45-9708-019B960494DF}">
+                <a14:hiddenLine xmlns:a14="http://schemas.microsoft.com/office/drawing/2010/main" w="9525">
                   <a:solidFill>
                     <a:srgbClr val="000000"/>
                   </a:solidFill>
@@ -3377,8 +3377,8 @@
               <a:noFill/>
             </a:ln>
             <a:extLst>
-              <a:ext uri="{91240B29-F687-4f45-9708-019B960494DF}">
-                <a14:hiddenLine xmlns:a14="http://schemas.microsoft.com/office/drawing/2010/main" xmlns="" w="9525">
+              <a:ext uri="{91240B29-F687-4F45-9708-019B960494DF}">
+                <a14:hiddenLine xmlns:a14="http://schemas.microsoft.com/office/drawing/2010/main" w="9525">
                   <a:solidFill>
                     <a:srgbClr val="000000"/>
                   </a:solidFill>
@@ -3439,8 +3439,8 @@
               <a:noFill/>
             </a:ln>
             <a:extLst>
-              <a:ext uri="{91240B29-F687-4f45-9708-019B960494DF}">
-                <a14:hiddenLine xmlns:a14="http://schemas.microsoft.com/office/drawing/2010/main" xmlns="" w="9525">
+              <a:ext uri="{91240B29-F687-4F45-9708-019B960494DF}">
+                <a14:hiddenLine xmlns:a14="http://schemas.microsoft.com/office/drawing/2010/main" w="9525">
                   <a:solidFill>
                     <a:srgbClr val="000000"/>
                   </a:solidFill>
@@ -3529,8 +3529,8 @@
               <a:noFill/>
             </a:ln>
             <a:extLst>
-              <a:ext uri="{91240B29-F687-4f45-9708-019B960494DF}">
-                <a14:hiddenLine xmlns:a14="http://schemas.microsoft.com/office/drawing/2010/main" xmlns="" w="9525">
+              <a:ext uri="{91240B29-F687-4F45-9708-019B960494DF}">
+                <a14:hiddenLine xmlns:a14="http://schemas.microsoft.com/office/drawing/2010/main" w="9525">
                   <a:solidFill>
                     <a:srgbClr val="000000"/>
                   </a:solidFill>
@@ -3619,8 +3619,8 @@
               <a:noFill/>
             </a:ln>
             <a:extLst>
-              <a:ext uri="{91240B29-F687-4f45-9708-019B960494DF}">
-                <a14:hiddenLine xmlns:a14="http://schemas.microsoft.com/office/drawing/2010/main" xmlns="" w="9525">
+              <a:ext uri="{91240B29-F687-4F45-9708-019B960494DF}">
+                <a14:hiddenLine xmlns:a14="http://schemas.microsoft.com/office/drawing/2010/main" w="9525">
                   <a:solidFill>
                     <a:srgbClr val="000000"/>
                   </a:solidFill>
@@ -3684,8 +3684,8 @@
               <a:noFill/>
             </a:ln>
             <a:extLst>
-              <a:ext uri="{91240B29-F687-4f45-9708-019B960494DF}">
-                <a14:hiddenLine xmlns:a14="http://schemas.microsoft.com/office/drawing/2010/main" xmlns="" w="9525">
+              <a:ext uri="{91240B29-F687-4F45-9708-019B960494DF}">
+                <a14:hiddenLine xmlns:a14="http://schemas.microsoft.com/office/drawing/2010/main" w="9525">
                   <a:solidFill>
                     <a:srgbClr val="000000"/>
                   </a:solidFill>
@@ -3746,8 +3746,8 @@
               <a:noFill/>
             </a:ln>
             <a:extLst>
-              <a:ext uri="{91240B29-F687-4f45-9708-019B960494DF}">
-                <a14:hiddenLine xmlns:a14="http://schemas.microsoft.com/office/drawing/2010/main" xmlns="" w="9525">
+              <a:ext uri="{91240B29-F687-4F45-9708-019B960494DF}">
+                <a14:hiddenLine xmlns:a14="http://schemas.microsoft.com/office/drawing/2010/main" w="9525">
                   <a:solidFill>
                     <a:srgbClr val="000000"/>
                   </a:solidFill>
@@ -3836,8 +3836,8 @@
               <a:noFill/>
             </a:ln>
             <a:extLst>
-              <a:ext uri="{91240B29-F687-4f45-9708-019B960494DF}">
-                <a14:hiddenLine xmlns:a14="http://schemas.microsoft.com/office/drawing/2010/main" xmlns="" w="9525">
+              <a:ext uri="{91240B29-F687-4F45-9708-019B960494DF}">
+                <a14:hiddenLine xmlns:a14="http://schemas.microsoft.com/office/drawing/2010/main" w="9525">
                   <a:solidFill>
                     <a:srgbClr val="000000"/>
                   </a:solidFill>
@@ -3926,8 +3926,8 @@
               <a:noFill/>
             </a:ln>
             <a:extLst>
-              <a:ext uri="{91240B29-F687-4f45-9708-019B960494DF}">
-                <a14:hiddenLine xmlns:a14="http://schemas.microsoft.com/office/drawing/2010/main" xmlns="" w="9525">
+              <a:ext uri="{91240B29-F687-4F45-9708-019B960494DF}">
+                <a14:hiddenLine xmlns:a14="http://schemas.microsoft.com/office/drawing/2010/main" w="9525">
                   <a:solidFill>
                     <a:srgbClr val="000000"/>
                   </a:solidFill>
@@ -3988,8 +3988,8 @@
               <a:noFill/>
             </a:ln>
             <a:extLst>
-              <a:ext uri="{91240B29-F687-4f45-9708-019B960494DF}">
-                <a14:hiddenLine xmlns:a14="http://schemas.microsoft.com/office/drawing/2010/main" xmlns="" w="9525">
+              <a:ext uri="{91240B29-F687-4F45-9708-019B960494DF}">
+                <a14:hiddenLine xmlns:a14="http://schemas.microsoft.com/office/drawing/2010/main" w="9525">
                   <a:solidFill>
                     <a:srgbClr val="000000"/>
                   </a:solidFill>
@@ -4108,8 +4108,8 @@
               <a:noFill/>
             </a:ln>
             <a:extLst>
-              <a:ext uri="{91240B29-F687-4f45-9708-019B960494DF}">
-                <a14:hiddenLine xmlns:a14="http://schemas.microsoft.com/office/drawing/2010/main" xmlns="" w="9525">
+              <a:ext uri="{91240B29-F687-4F45-9708-019B960494DF}">
+                <a14:hiddenLine xmlns:a14="http://schemas.microsoft.com/office/drawing/2010/main" w="9525">
                   <a:solidFill>
                     <a:srgbClr val="000000"/>
                   </a:solidFill>
@@ -4176,8 +4176,8 @@
               <a:noFill/>
             </a:ln>
             <a:extLst>
-              <a:ext uri="{91240B29-F687-4f45-9708-019B960494DF}">
-                <a14:hiddenLine xmlns:a14="http://schemas.microsoft.com/office/drawing/2010/main" xmlns="" w="9525">
+              <a:ext uri="{91240B29-F687-4F45-9708-019B960494DF}">
+                <a14:hiddenLine xmlns:a14="http://schemas.microsoft.com/office/drawing/2010/main" w="9525">
                   <a:solidFill>
                     <a:srgbClr val="000000"/>
                   </a:solidFill>
@@ -4266,8 +4266,8 @@
               <a:noFill/>
             </a:ln>
             <a:extLst>
-              <a:ext uri="{91240B29-F687-4f45-9708-019B960494DF}">
-                <a14:hiddenLine xmlns:a14="http://schemas.microsoft.com/office/drawing/2010/main" xmlns="" w="9525">
+              <a:ext uri="{91240B29-F687-4F45-9708-019B960494DF}">
+                <a14:hiddenLine xmlns:a14="http://schemas.microsoft.com/office/drawing/2010/main" w="9525">
                   <a:solidFill>
                     <a:srgbClr val="000000"/>
                   </a:solidFill>
@@ -8995,8 +8995,8 @@
           </a:prstGeom>
           <a:noFill/>
           <a:extLst>
-            <a:ext uri="{909E8E84-426E-40dd-AFC4-6F175D3DCCD1}">
-              <a14:hiddenFill xmlns:a14="http://schemas.microsoft.com/office/drawing/2010/main" xmlns="">
+            <a:ext uri="{909E8E84-426E-40DD-AFC4-6F175D3DCCD1}">
+              <a14:hiddenFill xmlns:a14="http://schemas.microsoft.com/office/drawing/2010/main">
                 <a:solidFill>
                   <a:srgbClr val="FFFFFF"/>
                 </a:solidFill>
@@ -9069,8 +9069,8 @@
                 <a:noFill/>
               </a:ln>
               <a:extLst>
-                <a:ext uri="{91240B29-F687-4f45-9708-019B960494DF}">
-                  <a14:hiddenLine xmlns:a14="http://schemas.microsoft.com/office/drawing/2010/main" xmlns="" w="9525">
+                <a:ext uri="{91240B29-F687-4F45-9708-019B960494DF}">
+                  <a14:hiddenLine xmlns:a14="http://schemas.microsoft.com/office/drawing/2010/main" w="9525">
                     <a:solidFill>
                       <a:srgbClr val="000000"/>
                     </a:solidFill>
@@ -9159,8 +9159,8 @@
                 <a:noFill/>
               </a:ln>
               <a:extLst>
-                <a:ext uri="{91240B29-F687-4f45-9708-019B960494DF}">
-                  <a14:hiddenLine xmlns:a14="http://schemas.microsoft.com/office/drawing/2010/main" xmlns="" w="9525">
+                <a:ext uri="{91240B29-F687-4F45-9708-019B960494DF}">
+                  <a14:hiddenLine xmlns:a14="http://schemas.microsoft.com/office/drawing/2010/main" w="9525">
                     <a:solidFill>
                       <a:srgbClr val="000000"/>
                     </a:solidFill>
@@ -9249,8 +9249,8 @@
                 <a:noFill/>
               </a:ln>
               <a:extLst>
-                <a:ext uri="{91240B29-F687-4f45-9708-019B960494DF}">
-                  <a14:hiddenLine xmlns:a14="http://schemas.microsoft.com/office/drawing/2010/main" xmlns="" w="9525">
+                <a:ext uri="{91240B29-F687-4F45-9708-019B960494DF}">
+                  <a14:hiddenLine xmlns:a14="http://schemas.microsoft.com/office/drawing/2010/main" w="9525">
                     <a:solidFill>
                       <a:srgbClr val="000000"/>
                     </a:solidFill>
@@ -9311,8 +9311,8 @@
                 <a:noFill/>
               </a:ln>
               <a:extLst>
-                <a:ext uri="{91240B29-F687-4f45-9708-019B960494DF}">
-                  <a14:hiddenLine xmlns:a14="http://schemas.microsoft.com/office/drawing/2010/main" xmlns="" w="9525">
+                <a:ext uri="{91240B29-F687-4F45-9708-019B960494DF}">
+                  <a14:hiddenLine xmlns:a14="http://schemas.microsoft.com/office/drawing/2010/main" w="9525">
                     <a:solidFill>
                       <a:srgbClr val="000000"/>
                     </a:solidFill>
@@ -9401,8 +9401,8 @@
                 <a:noFill/>
               </a:ln>
               <a:extLst>
-                <a:ext uri="{91240B29-F687-4f45-9708-019B960494DF}">
-                  <a14:hiddenLine xmlns:a14="http://schemas.microsoft.com/office/drawing/2010/main" xmlns="" w="9525">
+                <a:ext uri="{91240B29-F687-4F45-9708-019B960494DF}">
+                  <a14:hiddenLine xmlns:a14="http://schemas.microsoft.com/office/drawing/2010/main" w="9525">
                     <a:solidFill>
                       <a:srgbClr val="000000"/>
                     </a:solidFill>
@@ -9463,8 +9463,8 @@
                 <a:noFill/>
               </a:ln>
               <a:extLst>
-                <a:ext uri="{91240B29-F687-4f45-9708-019B960494DF}">
-                  <a14:hiddenLine xmlns:a14="http://schemas.microsoft.com/office/drawing/2010/main" xmlns="" w="9525">
+                <a:ext uri="{91240B29-F687-4F45-9708-019B960494DF}">
+                  <a14:hiddenLine xmlns:a14="http://schemas.microsoft.com/office/drawing/2010/main" w="9525">
                     <a:solidFill>
                       <a:srgbClr val="000000"/>
                     </a:solidFill>
@@ -9525,8 +9525,8 @@
                 <a:noFill/>
               </a:ln>
               <a:extLst>
-                <a:ext uri="{91240B29-F687-4f45-9708-019B960494DF}">
-                  <a14:hiddenLine xmlns:a14="http://schemas.microsoft.com/office/drawing/2010/main" xmlns="" w="9525">
+                <a:ext uri="{91240B29-F687-4F45-9708-019B960494DF}">
+                  <a14:hiddenLine xmlns:a14="http://schemas.microsoft.com/office/drawing/2010/main" w="9525">
                     <a:solidFill>
                       <a:srgbClr val="000000"/>
                     </a:solidFill>
@@ -9615,8 +9615,8 @@
                 <a:noFill/>
               </a:ln>
               <a:extLst>
-                <a:ext uri="{91240B29-F687-4f45-9708-019B960494DF}">
-                  <a14:hiddenLine xmlns:a14="http://schemas.microsoft.com/office/drawing/2010/main" xmlns="" w="9525">
+                <a:ext uri="{91240B29-F687-4F45-9708-019B960494DF}">
+                  <a14:hiddenLine xmlns:a14="http://schemas.microsoft.com/office/drawing/2010/main" w="9525">
                     <a:solidFill>
                       <a:srgbClr val="000000"/>
                     </a:solidFill>
@@ -9705,8 +9705,8 @@
                 <a:noFill/>
               </a:ln>
               <a:extLst>
-                <a:ext uri="{91240B29-F687-4f45-9708-019B960494DF}">
-                  <a14:hiddenLine xmlns:a14="http://schemas.microsoft.com/office/drawing/2010/main" xmlns="" w="9525">
+                <a:ext uri="{91240B29-F687-4F45-9708-019B960494DF}">
+                  <a14:hiddenLine xmlns:a14="http://schemas.microsoft.com/office/drawing/2010/main" w="9525">
                     <a:solidFill>
                       <a:srgbClr val="000000"/>
                     </a:solidFill>
@@ -9767,8 +9767,8 @@
                 <a:noFill/>
               </a:ln>
               <a:extLst>
-                <a:ext uri="{91240B29-F687-4f45-9708-019B960494DF}">
-                  <a14:hiddenLine xmlns:a14="http://schemas.microsoft.com/office/drawing/2010/main" xmlns="" w="9525">
+                <a:ext uri="{91240B29-F687-4F45-9708-019B960494DF}">
+                  <a14:hiddenLine xmlns:a14="http://schemas.microsoft.com/office/drawing/2010/main" w="9525">
                     <a:solidFill>
                       <a:srgbClr val="000000"/>
                     </a:solidFill>
@@ -9877,8 +9877,8 @@
                 <a:noFill/>
               </a:ln>
               <a:extLst>
-                <a:ext uri="{91240B29-F687-4f45-9708-019B960494DF}">
-                  <a14:hiddenLine xmlns:a14="http://schemas.microsoft.com/office/drawing/2010/main" xmlns="" w="9525">
+                <a:ext uri="{91240B29-F687-4F45-9708-019B960494DF}">
+                  <a14:hiddenLine xmlns:a14="http://schemas.microsoft.com/office/drawing/2010/main" w="9525">
                     <a:solidFill>
                       <a:srgbClr val="000000"/>
                     </a:solidFill>
@@ -9961,8 +9961,8 @@
                 <a:noFill/>
               </a:ln>
               <a:extLst>
-                <a:ext uri="{91240B29-F687-4f45-9708-019B960494DF}">
-                  <a14:hiddenLine xmlns:a14="http://schemas.microsoft.com/office/drawing/2010/main" xmlns="" w="9525">
+                <a:ext uri="{91240B29-F687-4F45-9708-019B960494DF}">
+                  <a14:hiddenLine xmlns:a14="http://schemas.microsoft.com/office/drawing/2010/main" w="9525">
                     <a:solidFill>
                       <a:srgbClr val="000000"/>
                     </a:solidFill>
@@ -10023,8 +10023,8 @@
                 <a:noFill/>
               </a:ln>
               <a:extLst>
-                <a:ext uri="{91240B29-F687-4f45-9708-019B960494DF}">
-                  <a14:hiddenLine xmlns:a14="http://schemas.microsoft.com/office/drawing/2010/main" xmlns="" w="9525">
+                <a:ext uri="{91240B29-F687-4F45-9708-019B960494DF}">
+                  <a14:hiddenLine xmlns:a14="http://schemas.microsoft.com/office/drawing/2010/main" w="9525">
                     <a:solidFill>
                       <a:srgbClr val="000000"/>
                     </a:solidFill>
@@ -10085,8 +10085,8 @@
                 <a:noFill/>
               </a:ln>
               <a:extLst>
-                <a:ext uri="{91240B29-F687-4f45-9708-019B960494DF}">
-                  <a14:hiddenLine xmlns:a14="http://schemas.microsoft.com/office/drawing/2010/main" xmlns="" w="9525">
+                <a:ext uri="{91240B29-F687-4F45-9708-019B960494DF}">
+                  <a14:hiddenLine xmlns:a14="http://schemas.microsoft.com/office/drawing/2010/main" w="9525">
                     <a:solidFill>
                       <a:srgbClr val="000000"/>
                     </a:solidFill>
@@ -10175,8 +10175,8 @@
                 <a:noFill/>
               </a:ln>
               <a:extLst>
-                <a:ext uri="{91240B29-F687-4f45-9708-019B960494DF}">
-                  <a14:hiddenLine xmlns:a14="http://schemas.microsoft.com/office/drawing/2010/main" xmlns="" w="9525">
+                <a:ext uri="{91240B29-F687-4F45-9708-019B960494DF}">
+                  <a14:hiddenLine xmlns:a14="http://schemas.microsoft.com/office/drawing/2010/main" w="9525">
                     <a:solidFill>
                       <a:srgbClr val="000000"/>
                     </a:solidFill>
@@ -10209,8 +10209,8 @@
                 <a:noFill/>
               </a:ln>
               <a:extLst>
-                <a:ext uri="{91240B29-F687-4f45-9708-019B960494DF}">
-                  <a14:hiddenLine xmlns:a14="http://schemas.microsoft.com/office/drawing/2010/main" xmlns="" w="9525">
+                <a:ext uri="{91240B29-F687-4F45-9708-019B960494DF}">
+                  <a14:hiddenLine xmlns:a14="http://schemas.microsoft.com/office/drawing/2010/main" w="9525">
                     <a:solidFill>
                       <a:srgbClr val="000000"/>
                     </a:solidFill>
@@ -10274,8 +10274,8 @@
                 <a:noFill/>
               </a:ln>
               <a:extLst>
-                <a:ext uri="{91240B29-F687-4f45-9708-019B960494DF}">
-                  <a14:hiddenLine xmlns:a14="http://schemas.microsoft.com/office/drawing/2010/main" xmlns="" w="9525">
+                <a:ext uri="{91240B29-F687-4F45-9708-019B960494DF}">
+                  <a14:hiddenLine xmlns:a14="http://schemas.microsoft.com/office/drawing/2010/main" w="9525">
                     <a:solidFill>
                       <a:srgbClr val="000000"/>
                     </a:solidFill>
@@ -10364,8 +10364,8 @@
                 <a:noFill/>
               </a:ln>
               <a:extLst>
-                <a:ext uri="{91240B29-F687-4f45-9708-019B960494DF}">
-                  <a14:hiddenLine xmlns:a14="http://schemas.microsoft.com/office/drawing/2010/main" xmlns="" w="9525">
+                <a:ext uri="{91240B29-F687-4F45-9708-019B960494DF}">
+                  <a14:hiddenLine xmlns:a14="http://schemas.microsoft.com/office/drawing/2010/main" w="9525">
                     <a:solidFill>
                       <a:srgbClr val="000000"/>
                     </a:solidFill>
@@ -10426,8 +10426,8 @@
                 <a:noFill/>
               </a:ln>
               <a:extLst>
-                <a:ext uri="{91240B29-F687-4f45-9708-019B960494DF}">
-                  <a14:hiddenLine xmlns:a14="http://schemas.microsoft.com/office/drawing/2010/main" xmlns="" w="9525">
+                <a:ext uri="{91240B29-F687-4F45-9708-019B960494DF}">
+                  <a14:hiddenLine xmlns:a14="http://schemas.microsoft.com/office/drawing/2010/main" w="9525">
                     <a:solidFill>
                       <a:srgbClr val="000000"/>
                     </a:solidFill>
@@ -10516,8 +10516,8 @@
                 <a:noFill/>
               </a:ln>
               <a:extLst>
-                <a:ext uri="{91240B29-F687-4f45-9708-019B960494DF}">
-                  <a14:hiddenLine xmlns:a14="http://schemas.microsoft.com/office/drawing/2010/main" xmlns="" w="9525">
+                <a:ext uri="{91240B29-F687-4F45-9708-019B960494DF}">
+                  <a14:hiddenLine xmlns:a14="http://schemas.microsoft.com/office/drawing/2010/main" w="9525">
                     <a:solidFill>
                       <a:srgbClr val="000000"/>
                     </a:solidFill>
@@ -10581,8 +10581,8 @@
                 <a:noFill/>
               </a:ln>
               <a:extLst>
-                <a:ext uri="{91240B29-F687-4f45-9708-019B960494DF}">
-                  <a14:hiddenLine xmlns:a14="http://schemas.microsoft.com/office/drawing/2010/main" xmlns="" w="9525">
+                <a:ext uri="{91240B29-F687-4F45-9708-019B960494DF}">
+                  <a14:hiddenLine xmlns:a14="http://schemas.microsoft.com/office/drawing/2010/main" w="9525">
                     <a:solidFill>
                       <a:srgbClr val="000000"/>
                     </a:solidFill>
@@ -10643,8 +10643,8 @@
                 <a:noFill/>
               </a:ln>
               <a:extLst>
-                <a:ext uri="{91240B29-F687-4f45-9708-019B960494DF}">
-                  <a14:hiddenLine xmlns:a14="http://schemas.microsoft.com/office/drawing/2010/main" xmlns="" w="9525">
+                <a:ext uri="{91240B29-F687-4F45-9708-019B960494DF}">
+                  <a14:hiddenLine xmlns:a14="http://schemas.microsoft.com/office/drawing/2010/main" w="9525">
                     <a:solidFill>
                       <a:srgbClr val="000000"/>
                     </a:solidFill>
@@ -10733,8 +10733,8 @@
                 <a:noFill/>
               </a:ln>
               <a:extLst>
-                <a:ext uri="{91240B29-F687-4f45-9708-019B960494DF}">
-                  <a14:hiddenLine xmlns:a14="http://schemas.microsoft.com/office/drawing/2010/main" xmlns="" w="9525">
+                <a:ext uri="{91240B29-F687-4F45-9708-019B960494DF}">
+                  <a14:hiddenLine xmlns:a14="http://schemas.microsoft.com/office/drawing/2010/main" w="9525">
                     <a:solidFill>
                       <a:srgbClr val="000000"/>
                     </a:solidFill>
@@ -10823,8 +10823,8 @@
                 <a:noFill/>
               </a:ln>
               <a:extLst>
-                <a:ext uri="{91240B29-F687-4f45-9708-019B960494DF}">
-                  <a14:hiddenLine xmlns:a14="http://schemas.microsoft.com/office/drawing/2010/main" xmlns="" w="9525">
+                <a:ext uri="{91240B29-F687-4F45-9708-019B960494DF}">
+                  <a14:hiddenLine xmlns:a14="http://schemas.microsoft.com/office/drawing/2010/main" w="9525">
                     <a:solidFill>
                       <a:srgbClr val="000000"/>
                     </a:solidFill>
@@ -10888,8 +10888,8 @@
                 <a:noFill/>
               </a:ln>
               <a:extLst>
-                <a:ext uri="{91240B29-F687-4f45-9708-019B960494DF}">
-                  <a14:hiddenLine xmlns:a14="http://schemas.microsoft.com/office/drawing/2010/main" xmlns="" w="9525">
+                <a:ext uri="{91240B29-F687-4F45-9708-019B960494DF}">
+                  <a14:hiddenLine xmlns:a14="http://schemas.microsoft.com/office/drawing/2010/main" w="9525">
                     <a:solidFill>
                       <a:srgbClr val="000000"/>
                     </a:solidFill>
@@ -11008,8 +11008,8 @@
                 <a:noFill/>
               </a:ln>
               <a:extLst>
-                <a:ext uri="{91240B29-F687-4f45-9708-019B960494DF}">
-                  <a14:hiddenLine xmlns:a14="http://schemas.microsoft.com/office/drawing/2010/main" xmlns="" w="9525">
+                <a:ext uri="{91240B29-F687-4F45-9708-019B960494DF}">
+                  <a14:hiddenLine xmlns:a14="http://schemas.microsoft.com/office/drawing/2010/main" w="9525">
                     <a:solidFill>
                       <a:srgbClr val="000000"/>
                     </a:solidFill>
@@ -11089,8 +11089,8 @@
                 <a:noFill/>
               </a:ln>
               <a:extLst>
-                <a:ext uri="{91240B29-F687-4f45-9708-019B960494DF}">
-                  <a14:hiddenLine xmlns:a14="http://schemas.microsoft.com/office/drawing/2010/main" xmlns="" w="9525">
+                <a:ext uri="{91240B29-F687-4F45-9708-019B960494DF}">
+                  <a14:hiddenLine xmlns:a14="http://schemas.microsoft.com/office/drawing/2010/main" w="9525">
                     <a:solidFill>
                       <a:srgbClr val="000000"/>
                     </a:solidFill>
@@ -11204,8 +11204,8 @@
                 <a:noFill/>
               </a:ln>
               <a:extLst>
-                <a:ext uri="{91240B29-F687-4f45-9708-019B960494DF}">
-                  <a14:hiddenLine xmlns:a14="http://schemas.microsoft.com/office/drawing/2010/main" xmlns="" w="9525">
+                <a:ext uri="{91240B29-F687-4F45-9708-019B960494DF}">
+                  <a14:hiddenLine xmlns:a14="http://schemas.microsoft.com/office/drawing/2010/main" w="9525">
                     <a:solidFill>
                       <a:srgbClr val="000000"/>
                     </a:solidFill>
@@ -11294,8 +11294,8 @@
                 <a:noFill/>
               </a:ln>
               <a:extLst>
-                <a:ext uri="{91240B29-F687-4f45-9708-019B960494DF}">
-                  <a14:hiddenLine xmlns:a14="http://schemas.microsoft.com/office/drawing/2010/main" xmlns="" w="9525">
+                <a:ext uri="{91240B29-F687-4F45-9708-019B960494DF}">
+                  <a14:hiddenLine xmlns:a14="http://schemas.microsoft.com/office/drawing/2010/main" w="9525">
                     <a:solidFill>
                       <a:srgbClr val="000000"/>
                     </a:solidFill>
@@ -11359,8 +11359,8 @@
                 <a:noFill/>
               </a:ln>
               <a:extLst>
-                <a:ext uri="{91240B29-F687-4f45-9708-019B960494DF}">
-                  <a14:hiddenLine xmlns:a14="http://schemas.microsoft.com/office/drawing/2010/main" xmlns="" w="9525">
+                <a:ext uri="{91240B29-F687-4F45-9708-019B960494DF}">
+                  <a14:hiddenLine xmlns:a14="http://schemas.microsoft.com/office/drawing/2010/main" w="9525">
                     <a:solidFill>
                       <a:srgbClr val="000000"/>
                     </a:solidFill>
@@ -11449,8 +11449,8 @@
                 <a:noFill/>
               </a:ln>
               <a:extLst>
-                <a:ext uri="{91240B29-F687-4f45-9708-019B960494DF}">
-                  <a14:hiddenLine xmlns:a14="http://schemas.microsoft.com/office/drawing/2010/main" xmlns="" w="9525">
+                <a:ext uri="{91240B29-F687-4F45-9708-019B960494DF}">
+                  <a14:hiddenLine xmlns:a14="http://schemas.microsoft.com/office/drawing/2010/main" w="9525">
                     <a:solidFill>
                       <a:srgbClr val="000000"/>
                     </a:solidFill>
@@ -11517,8 +11517,8 @@
                 <a:noFill/>
               </a:ln>
               <a:extLst>
-                <a:ext uri="{91240B29-F687-4f45-9708-019B960494DF}">
-                  <a14:hiddenLine xmlns:a14="http://schemas.microsoft.com/office/drawing/2010/main" xmlns="" w="9525">
+                <a:ext uri="{91240B29-F687-4F45-9708-019B960494DF}">
+                  <a14:hiddenLine xmlns:a14="http://schemas.microsoft.com/office/drawing/2010/main" w="9525">
                     <a:solidFill>
                       <a:srgbClr val="000000"/>
                     </a:solidFill>
@@ -11607,8 +11607,8 @@
                 <a:noFill/>
               </a:ln>
               <a:extLst>
-                <a:ext uri="{91240B29-F687-4f45-9708-019B960494DF}">
-                  <a14:hiddenLine xmlns:a14="http://schemas.microsoft.com/office/drawing/2010/main" xmlns="" w="9525">
+                <a:ext uri="{91240B29-F687-4F45-9708-019B960494DF}">
+                  <a14:hiddenLine xmlns:a14="http://schemas.microsoft.com/office/drawing/2010/main" w="9525">
                     <a:solidFill>
                       <a:srgbClr val="000000"/>
                     </a:solidFill>
@@ -11675,8 +11675,8 @@
                 <a:noFill/>
               </a:ln>
               <a:extLst>
-                <a:ext uri="{91240B29-F687-4f45-9708-019B960494DF}">
-                  <a14:hiddenLine xmlns:a14="http://schemas.microsoft.com/office/drawing/2010/main" xmlns="" w="9525">
+                <a:ext uri="{91240B29-F687-4F45-9708-019B960494DF}">
+                  <a14:hiddenLine xmlns:a14="http://schemas.microsoft.com/office/drawing/2010/main" w="9525">
                     <a:solidFill>
                       <a:srgbClr val="000000"/>
                     </a:solidFill>
@@ -11765,8 +11765,8 @@
                 <a:noFill/>
               </a:ln>
               <a:extLst>
-                <a:ext uri="{91240B29-F687-4f45-9708-019B960494DF}">
-                  <a14:hiddenLine xmlns:a14="http://schemas.microsoft.com/office/drawing/2010/main" xmlns="" w="9525">
+                <a:ext uri="{91240B29-F687-4F45-9708-019B960494DF}">
+                  <a14:hiddenLine xmlns:a14="http://schemas.microsoft.com/office/drawing/2010/main" w="9525">
                     <a:solidFill>
                       <a:srgbClr val="000000"/>
                     </a:solidFill>
@@ -11799,8 +11799,8 @@
                 <a:noFill/>
               </a:ln>
               <a:extLst>
-                <a:ext uri="{91240B29-F687-4f45-9708-019B960494DF}">
-                  <a14:hiddenLine xmlns:a14="http://schemas.microsoft.com/office/drawing/2010/main" xmlns="" w="9525">
+                <a:ext uri="{91240B29-F687-4F45-9708-019B960494DF}">
+                  <a14:hiddenLine xmlns:a14="http://schemas.microsoft.com/office/drawing/2010/main" w="9525">
                     <a:solidFill>
                       <a:srgbClr val="000000"/>
                     </a:solidFill>
@@ -12855,6 +12855,36 @@
           <a:chExt cx="0" cy="0"/>
         </a:xfrm>
       </p:grpSpPr>
+      <p:pic>
+        <p:nvPicPr>
+          <p:cNvPr id="4" name="Picture 3"/>
+          <p:cNvPicPr>
+            <a:picLocks noChangeAspect="1"/>
+          </p:cNvPicPr>
+          <p:nvPr/>
+        </p:nvPicPr>
+        <p:blipFill>
+          <a:blip r:embed="rId2">
+            <a:extLst>
+              <a:ext uri="{28A0092B-C50C-407E-A947-70E740481C1C}">
+                <a14:useLocalDpi xmlns:a14="http://schemas.microsoft.com/office/drawing/2010/main" val="0"/>
+              </a:ext>
+            </a:extLst>
+          </a:blip>
+          <a:stretch>
+            <a:fillRect/>
+          </a:stretch>
+        </p:blipFill>
+        <p:spPr>
+          <a:xfrm>
+            <a:off x="1682496" y="732836"/>
+            <a:ext cx="9038719" cy="5521660"/>
+          </a:xfrm>
+          <a:prstGeom prst="rect">
+            <a:avLst/>
+          </a:prstGeom>
+        </p:spPr>
+      </p:pic>
     </p:spTree>
     <p:extLst>
       <p:ext uri="{BB962C8B-B14F-4D97-AF65-F5344CB8AC3E}">
@@ -13962,7 +13992,7 @@
   <a:extraClrSchemeLst/>
   <a:extLst>
     <a:ext uri="{05A4C25C-085E-4340-85A3-A5531E510DB2}">
-      <thm15:themeFamily xmlns:thm15="http://schemas.microsoft.com/office/thememl/2012/main" name="Circuit" id="{0AC2F7E7-15F5-431C-B2A2-456FE929F56C}" vid="{142578CA-DEC9-49C3-80AF-C113973CC9A9}"/>
+      <thm15:themeFamily xmlns:thm15="http://schemas.microsoft.com/office/thememl/2012/main" xmlns="" name="Circuit" id="{0AC2F7E7-15F5-431C-B2A2-456FE929F56C}" vid="{142578CA-DEC9-49C3-80AF-C113973CC9A9}"/>
     </a:ext>
   </a:extLst>
 </a:theme>

--- a/site/Presentation doc/Php assignment.pptx
+++ b/site/Presentation doc/Php assignment.pptx
@@ -10,15 +10,26 @@
     <p:sldId id="269" r:id="rId4"/>
     <p:sldId id="258" r:id="rId5"/>
     <p:sldId id="267" r:id="rId6"/>
-    <p:sldId id="268" r:id="rId7"/>
-    <p:sldId id="263" r:id="rId8"/>
-    <p:sldId id="259" r:id="rId9"/>
-    <p:sldId id="260" r:id="rId10"/>
-    <p:sldId id="262" r:id="rId11"/>
-    <p:sldId id="261" r:id="rId12"/>
-    <p:sldId id="264" r:id="rId13"/>
-    <p:sldId id="266" r:id="rId14"/>
-    <p:sldId id="265" r:id="rId15"/>
+    <p:sldId id="263" r:id="rId7"/>
+    <p:sldId id="259" r:id="rId8"/>
+    <p:sldId id="260" r:id="rId9"/>
+    <p:sldId id="270" r:id="rId10"/>
+    <p:sldId id="271" r:id="rId11"/>
+    <p:sldId id="272" r:id="rId12"/>
+    <p:sldId id="273" r:id="rId13"/>
+    <p:sldId id="274" r:id="rId14"/>
+    <p:sldId id="275" r:id="rId15"/>
+    <p:sldId id="276" r:id="rId16"/>
+    <p:sldId id="277" r:id="rId17"/>
+    <p:sldId id="278" r:id="rId18"/>
+    <p:sldId id="283" r:id="rId19"/>
+    <p:sldId id="279" r:id="rId20"/>
+    <p:sldId id="280" r:id="rId21"/>
+    <p:sldId id="281" r:id="rId22"/>
+    <p:sldId id="282" r:id="rId23"/>
+    <p:sldId id="264" r:id="rId24"/>
+    <p:sldId id="266" r:id="rId25"/>
+    <p:sldId id="265" r:id="rId26"/>
   </p:sldIdLst>
   <p:sldSz cx="12192000" cy="6858000"/>
   <p:notesSz cx="6858000" cy="9144000"/>
@@ -119,7 +130,18 @@
   </p:defaultTextStyle>
   <p:extLst>
     <p:ext uri="{EFAFB233-063F-42B5-8137-9DF3F51BA10A}">
-      <p15:sldGuideLst xmlns:p15="http://schemas.microsoft.com/office/powerpoint/2012/main" xmlns=""/>
+      <p15:sldGuideLst xmlns:p15="http://schemas.microsoft.com/office/powerpoint/2012/main">
+        <p15:guide id="1" orient="horz" pos="2160">
+          <p15:clr>
+            <a:srgbClr val="A4A3A4"/>
+          </p15:clr>
+        </p15:guide>
+        <p15:guide id="2" pos="3840">
+          <p15:clr>
+            <a:srgbClr val="A4A3A4"/>
+          </p15:clr>
+        </p15:guide>
+      </p15:sldGuideLst>
     </p:ext>
   </p:extLst>
 </p:presentation>
@@ -4407,7 +4429,7 @@
           <a:p>
             <a:fld id="{48A87A34-81AB-432B-8DAE-1953F412C126}" type="datetimeFigureOut">
               <a:rPr lang="en-US" dirty="0"/>
-              <a:t>10/16/2014</a:t>
+              <a:t>10/17/2014</a:t>
             </a:fld>
             <a:endParaRPr lang="en-US" dirty="0"/>
           </a:p>
@@ -4669,7 +4691,7 @@
           <a:p>
             <a:fld id="{48A87A34-81AB-432B-8DAE-1953F412C126}" type="datetimeFigureOut">
               <a:rPr lang="en-US" dirty="0"/>
-              <a:t>10/16/2014</a:t>
+              <a:t>10/17/2014</a:t>
             </a:fld>
             <a:endParaRPr lang="en-US" dirty="0"/>
           </a:p>
@@ -4860,7 +4882,7 @@
           <a:p>
             <a:fld id="{48A87A34-81AB-432B-8DAE-1953F412C126}" type="datetimeFigureOut">
               <a:rPr lang="en-US" dirty="0"/>
-              <a:t>10/16/2014</a:t>
+              <a:t>10/17/2014</a:t>
             </a:fld>
             <a:endParaRPr lang="en-US" dirty="0"/>
           </a:p>
@@ -5118,7 +5140,7 @@
           <a:p>
             <a:fld id="{48A87A34-81AB-432B-8DAE-1953F412C126}" type="datetimeFigureOut">
               <a:rPr lang="en-US" dirty="0"/>
-              <a:t>10/16/2014</a:t>
+              <a:t>10/17/2014</a:t>
             </a:fld>
             <a:endParaRPr lang="en-US" dirty="0"/>
           </a:p>
@@ -5547,7 +5569,7 @@
           <a:p>
             <a:fld id="{48A87A34-81AB-432B-8DAE-1953F412C126}" type="datetimeFigureOut">
               <a:rPr lang="en-US" dirty="0"/>
-              <a:t>10/16/2014</a:t>
+              <a:t>10/17/2014</a:t>
             </a:fld>
             <a:endParaRPr lang="en-US" dirty="0"/>
           </a:p>
@@ -6088,7 +6110,7 @@
           <a:p>
             <a:fld id="{48A87A34-81AB-432B-8DAE-1953F412C126}" type="datetimeFigureOut">
               <a:rPr lang="en-US" dirty="0"/>
-              <a:t>10/16/2014</a:t>
+              <a:t>10/17/2014</a:t>
             </a:fld>
             <a:endParaRPr lang="en-US" dirty="0"/>
           </a:p>
@@ -6803,7 +6825,7 @@
           <a:p>
             <a:fld id="{48A87A34-81AB-432B-8DAE-1953F412C126}" type="datetimeFigureOut">
               <a:rPr lang="en-US" dirty="0"/>
-              <a:t>10/16/2014</a:t>
+              <a:t>10/17/2014</a:t>
             </a:fld>
             <a:endParaRPr lang="en-US" dirty="0"/>
           </a:p>
@@ -6968,7 +6990,7 @@
           <a:p>
             <a:fld id="{48A87A34-81AB-432B-8DAE-1953F412C126}" type="datetimeFigureOut">
               <a:rPr lang="en-US" dirty="0"/>
-              <a:t>10/16/2014</a:t>
+              <a:t>10/17/2014</a:t>
             </a:fld>
             <a:endParaRPr lang="en-US" dirty="0"/>
           </a:p>
@@ -7143,7 +7165,7 @@
           <a:p>
             <a:fld id="{48A87A34-81AB-432B-8DAE-1953F412C126}" type="datetimeFigureOut">
               <a:rPr lang="en-US" dirty="0"/>
-              <a:t>10/16/2014</a:t>
+              <a:t>10/17/2014</a:t>
             </a:fld>
             <a:endParaRPr lang="en-US" dirty="0"/>
           </a:p>
@@ -7192,6 +7214,179 @@
         </p:txBody>
       </p:sp>
     </p:spTree>
+  </p:cSld>
+  <p:clrMapOvr>
+    <a:masterClrMapping/>
+  </p:clrMapOvr>
+</p:sldLayout>
+</file>
+
+<file path=ppt/slideLayouts/slideLayout18.xml><?xml version="1.0" encoding="utf-8"?>
+<p:sldLayout xmlns:a="http://schemas.openxmlformats.org/drawingml/2006/main" xmlns:r="http://schemas.openxmlformats.org/officeDocument/2006/relationships" xmlns:p="http://schemas.openxmlformats.org/presentationml/2006/main">
+  <p:cSld name="Custom Layout">
+    <p:spTree>
+      <p:nvGrpSpPr>
+        <p:cNvPr id="1" name=""/>
+        <p:cNvGrpSpPr/>
+        <p:nvPr/>
+      </p:nvGrpSpPr>
+      <p:grpSpPr>
+        <a:xfrm>
+          <a:off x="0" y="0"/>
+          <a:ext cx="0" cy="0"/>
+          <a:chOff x="0" y="0"/>
+          <a:chExt cx="0" cy="0"/>
+        </a:xfrm>
+      </p:grpSpPr>
+      <p:sp>
+        <p:nvSpPr>
+          <p:cNvPr id="2" name="Title 1"/>
+          <p:cNvSpPr>
+            <a:spLocks noGrp="1"/>
+          </p:cNvSpPr>
+          <p:nvPr>
+            <p:ph type="title"/>
+          </p:nvPr>
+        </p:nvSpPr>
+        <p:spPr>
+          <a:xfrm>
+            <a:off x="1141413" y="619125"/>
+            <a:ext cx="9906000" cy="1477963"/>
+          </a:xfrm>
+        </p:spPr>
+        <p:txBody>
+          <a:bodyPr/>
+          <a:lstStyle/>
+          <a:p>
+            <a:r>
+              <a:rPr lang="en-US" smtClean="0"/>
+              <a:t>Click to edit Master title style</a:t>
+            </a:r>
+            <a:endParaRPr lang="en-NZ"/>
+          </a:p>
+        </p:txBody>
+      </p:sp>
+      <p:sp>
+        <p:nvSpPr>
+          <p:cNvPr id="3" name="Date Placeholder 2"/>
+          <p:cNvSpPr>
+            <a:spLocks noGrp="1"/>
+          </p:cNvSpPr>
+          <p:nvPr>
+            <p:ph type="dt" sz="half" idx="10"/>
+          </p:nvPr>
+        </p:nvSpPr>
+        <p:spPr>
+          <a:xfrm>
+            <a:off x="7456488" y="5883275"/>
+            <a:ext cx="2743200" cy="365125"/>
+          </a:xfrm>
+        </p:spPr>
+        <p:txBody>
+          <a:bodyPr/>
+          <a:lstStyle>
+            <a:lvl1pPr>
+              <a:defRPr smtClean="0"/>
+            </a:lvl1pPr>
+          </a:lstStyle>
+          <a:p>
+            <a:pPr>
+              <a:defRPr/>
+            </a:pPr>
+            <a:fld id="{91537AC9-0ABD-47EC-9DBA-4D1CDAAE5102}" type="datetime1">
+              <a:rPr lang="en-US" altLang="en-US"/>
+              <a:pPr>
+                <a:defRPr/>
+              </a:pPr>
+              <a:t>10/17/2014</a:t>
+            </a:fld>
+            <a:endParaRPr lang="en-US" altLang="en-US" sz="1800">
+              <a:solidFill>
+                <a:schemeClr val="tx1"/>
+              </a:solidFill>
+            </a:endParaRPr>
+          </a:p>
+        </p:txBody>
+      </p:sp>
+      <p:sp>
+        <p:nvSpPr>
+          <p:cNvPr id="4" name="Footer Placeholder 3"/>
+          <p:cNvSpPr>
+            <a:spLocks noGrp="1"/>
+          </p:cNvSpPr>
+          <p:nvPr>
+            <p:ph type="ftr" sz="quarter" idx="11"/>
+          </p:nvPr>
+        </p:nvSpPr>
+        <p:spPr>
+          <a:xfrm>
+            <a:off x="1141413" y="5883275"/>
+            <a:ext cx="6238875" cy="365125"/>
+          </a:xfrm>
+        </p:spPr>
+        <p:txBody>
+          <a:bodyPr/>
+          <a:lstStyle>
+            <a:lvl1pPr>
+              <a:defRPr smtClean="0"/>
+            </a:lvl1pPr>
+          </a:lstStyle>
+          <a:p>
+            <a:pPr>
+              <a:defRPr/>
+            </a:pPr>
+            <a:endParaRPr lang="en-US" altLang="en-US"/>
+          </a:p>
+        </p:txBody>
+      </p:sp>
+      <p:sp>
+        <p:nvSpPr>
+          <p:cNvPr id="5" name="Slide Number Placeholder 4"/>
+          <p:cNvSpPr>
+            <a:spLocks noGrp="1"/>
+          </p:cNvSpPr>
+          <p:nvPr>
+            <p:ph type="sldNum" sz="quarter" idx="12"/>
+          </p:nvPr>
+        </p:nvSpPr>
+        <p:spPr>
+          <a:xfrm>
+            <a:off x="10275888" y="5883275"/>
+            <a:ext cx="771525" cy="365125"/>
+          </a:xfrm>
+        </p:spPr>
+        <p:txBody>
+          <a:bodyPr/>
+          <a:lstStyle>
+            <a:lvl1pPr>
+              <a:defRPr smtClean="0"/>
+            </a:lvl1pPr>
+          </a:lstStyle>
+          <a:p>
+            <a:pPr>
+              <a:defRPr/>
+            </a:pPr>
+            <a:fld id="{B8C0A77E-B8C8-4842-AC4D-C34DC93C0D02}" type="slidenum">
+              <a:rPr lang="en-US" altLang="en-US"/>
+              <a:pPr>
+                <a:defRPr/>
+              </a:pPr>
+              <a:t>‹#›</a:t>
+            </a:fld>
+            <a:endParaRPr lang="en-US" altLang="en-US" sz="1800">
+              <a:solidFill>
+                <a:schemeClr val="tx1"/>
+              </a:solidFill>
+            </a:endParaRPr>
+          </a:p>
+        </p:txBody>
+      </p:sp>
+    </p:spTree>
+    <p:extLst>
+      <p:ext uri="{BB962C8B-B14F-4D97-AF65-F5344CB8AC3E}">
+        <p14:creationId xmlns:p14="http://schemas.microsoft.com/office/powerpoint/2010/main" val="1218116510"/>
+      </p:ext>
+    </p:extLst>
   </p:cSld>
   <p:clrMapOvr>
     <a:masterClrMapping/>
@@ -7308,7 +7503,7 @@
           <a:p>
             <a:fld id="{48A87A34-81AB-432B-8DAE-1953F412C126}" type="datetimeFigureOut">
               <a:rPr lang="en-US" dirty="0"/>
-              <a:t>10/16/2014</a:t>
+              <a:t>10/17/2014</a:t>
             </a:fld>
             <a:endParaRPr lang="en-US" dirty="0"/>
           </a:p>
@@ -7553,7 +7748,7 @@
           <a:p>
             <a:fld id="{48A87A34-81AB-432B-8DAE-1953F412C126}" type="datetimeFigureOut">
               <a:rPr lang="en-US" dirty="0"/>
-              <a:t>10/16/2014</a:t>
+              <a:t>10/17/2014</a:t>
             </a:fld>
             <a:endParaRPr lang="en-US" dirty="0"/>
           </a:p>
@@ -7780,7 +7975,7 @@
           <a:p>
             <a:fld id="{48A87A34-81AB-432B-8DAE-1953F412C126}" type="datetimeFigureOut">
               <a:rPr lang="en-US" dirty="0"/>
-              <a:t>10/16/2014</a:t>
+              <a:t>10/17/2014</a:t>
             </a:fld>
             <a:endParaRPr lang="en-US" dirty="0"/>
           </a:p>
@@ -8156,7 +8351,7 @@
           <a:p>
             <a:fld id="{48A87A34-81AB-432B-8DAE-1953F412C126}" type="datetimeFigureOut">
               <a:rPr lang="en-US" dirty="0"/>
-              <a:t>10/16/2014</a:t>
+              <a:t>10/17/2014</a:t>
             </a:fld>
             <a:endParaRPr lang="en-US" dirty="0"/>
           </a:p>
@@ -8269,7 +8464,7 @@
           <a:p>
             <a:fld id="{48A87A34-81AB-432B-8DAE-1953F412C126}" type="datetimeFigureOut">
               <a:rPr lang="en-US" dirty="0"/>
-              <a:t>10/16/2014</a:t>
+              <a:t>10/17/2014</a:t>
             </a:fld>
             <a:endParaRPr lang="en-US" dirty="0"/>
           </a:p>
@@ -8359,7 +8554,7 @@
           <a:p>
             <a:fld id="{48A87A34-81AB-432B-8DAE-1953F412C126}" type="datetimeFigureOut">
               <a:rPr lang="en-US" dirty="0"/>
-              <a:t>10/16/2014</a:t>
+              <a:t>10/17/2014</a:t>
             </a:fld>
             <a:endParaRPr lang="en-US" dirty="0"/>
           </a:p>
@@ -8603,7 +8798,7 @@
           <a:p>
             <a:fld id="{48A87A34-81AB-432B-8DAE-1953F412C126}" type="datetimeFigureOut">
               <a:rPr lang="en-US" dirty="0"/>
-              <a:t>10/16/2014</a:t>
+              <a:t>10/17/2014</a:t>
             </a:fld>
             <a:endParaRPr lang="en-US" dirty="0"/>
           </a:p>
@@ -8878,7 +9073,7 @@
           <a:p>
             <a:fld id="{48A87A34-81AB-432B-8DAE-1953F412C126}" type="datetimeFigureOut">
               <a:rPr lang="en-US" dirty="0"/>
-              <a:t>10/16/2014</a:t>
+              <a:t>10/17/2014</a:t>
             </a:fld>
             <a:endParaRPr lang="en-US" dirty="0"/>
           </a:p>
@@ -8965,7 +9160,7 @@
           <p:nvPr/>
         </p:nvPicPr>
         <p:blipFill>
-          <a:blip r:embed="rId19">
+          <a:blip r:embed="rId20">
             <a:alphaModFix amt="30000"/>
             <a:duotone>
               <a:prstClr val="black"/>
@@ -11941,7 +12136,7 @@
             <a:fld id="{48A87A34-81AB-432B-8DAE-1953F412C126}" type="datetimeFigureOut">
               <a:rPr lang="en-US" dirty="0"/>
               <a:pPr/>
-              <a:t>10/16/2014</a:t>
+              <a:t>10/17/2014</a:t>
             </a:fld>
             <a:endParaRPr lang="en-US" dirty="0"/>
           </a:p>
@@ -12047,6 +12242,7 @@
     <p:sldLayoutId id="2147483668" r:id="rId15"/>
     <p:sldLayoutId id="2147483658" r:id="rId16"/>
     <p:sldLayoutId id="2147483659" r:id="rId17"/>
+    <p:sldLayoutId id="2147483669" r:id="rId18"/>
   </p:sldLayoutIdLst>
   <p:txStyles>
     <p:titleStyle>
@@ -12439,9 +12635,9 @@
       </p:grpSpPr>
       <p:sp>
         <p:nvSpPr>
-          <p:cNvPr id="2" name="Title 1"/>
+          <p:cNvPr id="4098" name="Rectangle 2"/>
           <p:cNvSpPr>
-            <a:spLocks noGrp="1"/>
+            <a:spLocks noGrp="1" noChangeArrowheads="1"/>
           </p:cNvSpPr>
           <p:nvPr>
             <p:ph type="title"/>
@@ -12453,22 +12649,18 @@
           <a:lstStyle/>
           <a:p>
             <a:r>
-              <a:rPr lang="en-NZ" dirty="0" err="1" smtClean="0"/>
-              <a:t>Sql</a:t>
-            </a:r>
-            <a:r>
-              <a:rPr lang="en-NZ" dirty="0" smtClean="0"/>
-              <a:t> injection</a:t>
-            </a:r>
-            <a:endParaRPr lang="en-NZ" dirty="0"/>
+              <a:rPr lang="en-NZ" altLang="en-US" smtClean="0"/>
+              <a:t>SQL injection</a:t>
+            </a:r>
+            <a:endParaRPr lang="en-US" altLang="en-US" smtClean="0"/>
           </a:p>
         </p:txBody>
       </p:sp>
       <p:sp>
         <p:nvSpPr>
-          <p:cNvPr id="3" name="Content Placeholder 2"/>
+          <p:cNvPr id="4099" name="Rectangle 3"/>
           <p:cNvSpPr>
-            <a:spLocks noGrp="1"/>
+            <a:spLocks noGrp="1" noChangeArrowheads="1"/>
           </p:cNvSpPr>
           <p:nvPr>
             <p:ph idx="1"/>
@@ -12479,24 +12671,820 @@
           <a:bodyPr/>
           <a:lstStyle/>
           <a:p>
-            <a:endParaRPr lang="en-NZ"/>
+            <a:pPr>
+              <a:lnSpc>
+                <a:spcPct val="100000"/>
+              </a:lnSpc>
+            </a:pPr>
+            <a:r>
+              <a:rPr lang="en-NZ" altLang="en-US" sz="2000" smtClean="0"/>
+              <a:t>original sql query: </a:t>
+            </a:r>
+          </a:p>
+          <a:p>
+            <a:pPr>
+              <a:lnSpc>
+                <a:spcPct val="100000"/>
+              </a:lnSpc>
+              <a:buFont typeface="Arial" panose="020B0604020202020204" pitchFamily="34" charset="0"/>
+              <a:buNone/>
+            </a:pPr>
+            <a:r>
+              <a:rPr lang="en-NZ" altLang="en-US" sz="2000" smtClean="0"/>
+              <a:t>SELECT  * FROM table WHERE Username='username' AND Password='password';</a:t>
+            </a:r>
+          </a:p>
+          <a:p>
+            <a:pPr>
+              <a:lnSpc>
+                <a:spcPct val="100000"/>
+              </a:lnSpc>
+            </a:pPr>
+            <a:r>
+              <a:rPr lang="en-NZ" altLang="en-US" sz="2000" smtClean="0"/>
+              <a:t>With user input:</a:t>
+            </a:r>
+          </a:p>
+          <a:p>
+            <a:pPr>
+              <a:lnSpc>
+                <a:spcPct val="100000"/>
+              </a:lnSpc>
+              <a:buFont typeface="Arial" panose="020B0604020202020204" pitchFamily="34" charset="0"/>
+              <a:buNone/>
+            </a:pPr>
+            <a:r>
+              <a:rPr lang="en-NZ" altLang="en-US" sz="2000" smtClean="0"/>
+              <a:t> 1)SELECT id FROM table WHERE Username=' ' OR ' ' =' ' AND Password=' 'password';</a:t>
+            </a:r>
+          </a:p>
+          <a:p>
+            <a:pPr>
+              <a:lnSpc>
+                <a:spcPct val="100000"/>
+              </a:lnSpc>
+              <a:buFont typeface="Arial" panose="020B0604020202020204" pitchFamily="34" charset="0"/>
+              <a:buNone/>
+            </a:pPr>
+            <a:r>
+              <a:rPr lang="en-NZ" altLang="en-US" sz="2000" smtClean="0"/>
+              <a:t>       or</a:t>
+            </a:r>
+          </a:p>
+          <a:p>
+            <a:pPr>
+              <a:lnSpc>
+                <a:spcPct val="100000"/>
+              </a:lnSpc>
+              <a:buFont typeface="Arial" panose="020B0604020202020204" pitchFamily="34" charset="0"/>
+              <a:buNone/>
+            </a:pPr>
+            <a:r>
+              <a:rPr lang="en-NZ" altLang="en-US" sz="2000" smtClean="0"/>
+              <a:t>2) SELECT * FROM table WHERE Username='X' OR '1'='1';# 'AND Password='password';</a:t>
+            </a:r>
+          </a:p>
+          <a:p>
+            <a:pPr>
+              <a:lnSpc>
+                <a:spcPct val="100000"/>
+              </a:lnSpc>
+              <a:buFont typeface="Arial" panose="020B0604020202020204" pitchFamily="34" charset="0"/>
+              <a:buNone/>
+            </a:pPr>
+            <a:endParaRPr lang="en-US" altLang="en-US" sz="2000" smtClean="0"/>
+          </a:p>
+        </p:txBody>
+      </p:sp>
+      <p:sp>
+        <p:nvSpPr>
+          <p:cNvPr id="4" name="Date Placeholder 3"/>
+          <p:cNvSpPr>
+            <a:spLocks noGrp="1"/>
+          </p:cNvSpPr>
+          <p:nvPr>
+            <p:ph type="dt" sz="quarter" idx="10"/>
+          </p:nvPr>
+        </p:nvSpPr>
+        <p:spPr/>
+        <p:txBody>
+          <a:bodyPr/>
+          <a:lstStyle/>
+          <a:p>
+            <a:pPr>
+              <a:defRPr/>
+            </a:pPr>
+            <a:fld id="{5F1DF6AB-86EF-4571-A305-CA74C041FCC7}" type="datetime1">
+              <a:rPr lang="en-US" altLang="en-US"/>
+              <a:pPr>
+                <a:defRPr/>
+              </a:pPr>
+              <a:t>10/17/2014</a:t>
+            </a:fld>
+            <a:endParaRPr lang="en-US" altLang="en-US" sz="1800">
+              <a:solidFill>
+                <a:schemeClr val="tx1"/>
+              </a:solidFill>
+            </a:endParaRPr>
           </a:p>
         </p:txBody>
       </p:sp>
     </p:spTree>
     <p:extLst>
       <p:ext uri="{BB962C8B-B14F-4D97-AF65-F5344CB8AC3E}">
-        <p14:creationId xmlns:p14="http://schemas.microsoft.com/office/powerpoint/2010/main" val="1813648294"/>
+        <p14:creationId xmlns:p14="http://schemas.microsoft.com/office/powerpoint/2010/main" val="269366693"/>
       </p:ext>
     </p:extLst>
   </p:cSld>
   <p:clrMapOvr>
     <a:masterClrMapping/>
   </p:clrMapOvr>
+  <p:timing>
+    <p:tnLst>
+      <p:par>
+        <p:cTn id="1" dur="indefinite" restart="never" nodeType="tmRoot"/>
+      </p:par>
+    </p:tnLst>
+  </p:timing>
 </p:sld>
 </file>
 
 <file path=ppt/slides/slide11.xml><?xml version="1.0" encoding="utf-8"?>
+<p:sld xmlns:a="http://schemas.openxmlformats.org/drawingml/2006/main" xmlns:r="http://schemas.openxmlformats.org/officeDocument/2006/relationships" xmlns:p="http://schemas.openxmlformats.org/presentationml/2006/main">
+  <p:cSld>
+    <p:spTree>
+      <p:nvGrpSpPr>
+        <p:cNvPr id="1" name=""/>
+        <p:cNvGrpSpPr/>
+        <p:nvPr/>
+      </p:nvGrpSpPr>
+      <p:grpSpPr>
+        <a:xfrm>
+          <a:off x="0" y="0"/>
+          <a:ext cx="0" cy="0"/>
+          <a:chOff x="0" y="0"/>
+          <a:chExt cx="0" cy="0"/>
+        </a:xfrm>
+      </p:grpSpPr>
+      <p:sp>
+        <p:nvSpPr>
+          <p:cNvPr id="5122" name="Rectangle 2"/>
+          <p:cNvSpPr>
+            <a:spLocks noGrp="1" noChangeArrowheads="1"/>
+          </p:cNvSpPr>
+          <p:nvPr>
+            <p:ph type="title"/>
+          </p:nvPr>
+        </p:nvSpPr>
+        <p:spPr/>
+        <p:txBody>
+          <a:bodyPr/>
+          <a:lstStyle/>
+          <a:p>
+            <a:r>
+              <a:rPr lang="en-NZ" altLang="en-US" smtClean="0"/>
+              <a:t>SQL injection</a:t>
+            </a:r>
+            <a:endParaRPr lang="en-US" altLang="en-US" smtClean="0"/>
+          </a:p>
+        </p:txBody>
+      </p:sp>
+      <p:sp>
+        <p:nvSpPr>
+          <p:cNvPr id="5123" name="Rectangle 3"/>
+          <p:cNvSpPr>
+            <a:spLocks noGrp="1" noChangeArrowheads="1"/>
+          </p:cNvSpPr>
+          <p:nvPr>
+            <p:ph idx="1"/>
+          </p:nvPr>
+        </p:nvSpPr>
+        <p:spPr/>
+        <p:txBody>
+          <a:bodyPr/>
+          <a:lstStyle/>
+          <a:p>
+            <a:pPr>
+              <a:lnSpc>
+                <a:spcPct val="110000"/>
+              </a:lnSpc>
+            </a:pPr>
+            <a:r>
+              <a:rPr lang="en-NZ" altLang="en-US" smtClean="0"/>
+              <a:t>Since the condition is true, hacker will be logged in to the system.</a:t>
+            </a:r>
+          </a:p>
+          <a:p>
+            <a:pPr>
+              <a:lnSpc>
+                <a:spcPct val="110000"/>
+              </a:lnSpc>
+            </a:pPr>
+            <a:endParaRPr lang="en-US" altLang="en-US" smtClean="0"/>
+          </a:p>
+          <a:p>
+            <a:pPr>
+              <a:lnSpc>
+                <a:spcPct val="110000"/>
+              </a:lnSpc>
+              <a:buFont typeface="Arial" panose="020B0604020202020204" pitchFamily="34" charset="0"/>
+              <a:buNone/>
+            </a:pPr>
+            <a:r>
+              <a:rPr lang="en-NZ" altLang="en-US" smtClean="0"/>
+              <a:t>SQL prevention methods</a:t>
+            </a:r>
+          </a:p>
+          <a:p>
+            <a:pPr>
+              <a:lnSpc>
+                <a:spcPct val="110000"/>
+              </a:lnSpc>
+              <a:buFont typeface="Arial" panose="020B0604020202020204" pitchFamily="34" charset="0"/>
+              <a:buNone/>
+            </a:pPr>
+            <a:r>
+              <a:rPr lang="en-NZ" altLang="en-US" smtClean="0"/>
+              <a:t>1. Input validation</a:t>
+            </a:r>
+          </a:p>
+          <a:p>
+            <a:pPr>
+              <a:lnSpc>
+                <a:spcPct val="110000"/>
+              </a:lnSpc>
+              <a:buFont typeface="Arial" panose="020B0604020202020204" pitchFamily="34" charset="0"/>
+              <a:buNone/>
+            </a:pPr>
+            <a:r>
+              <a:rPr lang="en-NZ" altLang="en-US" smtClean="0"/>
+              <a:t>2. Limit database permission</a:t>
+            </a:r>
+          </a:p>
+          <a:p>
+            <a:pPr>
+              <a:lnSpc>
+                <a:spcPct val="110000"/>
+              </a:lnSpc>
+              <a:buFont typeface="Arial" panose="020B0604020202020204" pitchFamily="34" charset="0"/>
+              <a:buNone/>
+            </a:pPr>
+            <a:r>
+              <a:rPr lang="en-NZ" altLang="en-US" smtClean="0"/>
+              <a:t>3.Configure error reporting</a:t>
+            </a:r>
+            <a:endParaRPr lang="en-US" altLang="en-US" smtClean="0"/>
+          </a:p>
+        </p:txBody>
+      </p:sp>
+      <p:sp>
+        <p:nvSpPr>
+          <p:cNvPr id="4" name="Date Placeholder 3"/>
+          <p:cNvSpPr>
+            <a:spLocks noGrp="1"/>
+          </p:cNvSpPr>
+          <p:nvPr>
+            <p:ph type="dt" sz="quarter" idx="10"/>
+          </p:nvPr>
+        </p:nvSpPr>
+        <p:spPr/>
+        <p:txBody>
+          <a:bodyPr/>
+          <a:lstStyle/>
+          <a:p>
+            <a:pPr>
+              <a:defRPr/>
+            </a:pPr>
+            <a:fld id="{5F1DF6AB-86EF-4571-A305-CA74C041FCC7}" type="datetime1">
+              <a:rPr lang="en-US" altLang="en-US"/>
+              <a:pPr>
+                <a:defRPr/>
+              </a:pPr>
+              <a:t>10/17/2014</a:t>
+            </a:fld>
+            <a:endParaRPr lang="en-US" altLang="en-US" sz="1800">
+              <a:solidFill>
+                <a:schemeClr val="tx1"/>
+              </a:solidFill>
+            </a:endParaRPr>
+          </a:p>
+        </p:txBody>
+      </p:sp>
+    </p:spTree>
+    <p:extLst>
+      <p:ext uri="{BB962C8B-B14F-4D97-AF65-F5344CB8AC3E}">
+        <p14:creationId xmlns:p14="http://schemas.microsoft.com/office/powerpoint/2010/main" val="1587497956"/>
+      </p:ext>
+    </p:extLst>
+  </p:cSld>
+  <p:clrMapOvr>
+    <a:masterClrMapping/>
+  </p:clrMapOvr>
+  <p:timing>
+    <p:tnLst>
+      <p:par>
+        <p:cTn id="1" dur="indefinite" restart="never" nodeType="tmRoot"/>
+      </p:par>
+    </p:tnLst>
+  </p:timing>
+</p:sld>
+</file>
+
+<file path=ppt/slides/slide12.xml><?xml version="1.0" encoding="utf-8"?>
+<p:sld xmlns:a="http://schemas.openxmlformats.org/drawingml/2006/main" xmlns:r="http://schemas.openxmlformats.org/officeDocument/2006/relationships" xmlns:p="http://schemas.openxmlformats.org/presentationml/2006/main">
+  <p:cSld>
+    <p:spTree>
+      <p:nvGrpSpPr>
+        <p:cNvPr id="1" name=""/>
+        <p:cNvGrpSpPr/>
+        <p:nvPr/>
+      </p:nvGrpSpPr>
+      <p:grpSpPr>
+        <a:xfrm>
+          <a:off x="0" y="0"/>
+          <a:ext cx="0" cy="0"/>
+          <a:chOff x="0" y="0"/>
+          <a:chExt cx="0" cy="0"/>
+        </a:xfrm>
+      </p:grpSpPr>
+      <p:sp>
+        <p:nvSpPr>
+          <p:cNvPr id="6146" name="Rectangle 2"/>
+          <p:cNvSpPr>
+            <a:spLocks noGrp="1" noChangeArrowheads="1"/>
+          </p:cNvSpPr>
+          <p:nvPr>
+            <p:ph type="title"/>
+          </p:nvPr>
+        </p:nvSpPr>
+        <p:spPr/>
+        <p:txBody>
+          <a:bodyPr/>
+          <a:lstStyle/>
+          <a:p>
+            <a:r>
+              <a:rPr lang="en-NZ" altLang="en-US" smtClean="0"/>
+              <a:t>SQL injection</a:t>
+            </a:r>
+            <a:endParaRPr lang="en-US" altLang="en-US" smtClean="0"/>
+          </a:p>
+        </p:txBody>
+      </p:sp>
+      <p:sp>
+        <p:nvSpPr>
+          <p:cNvPr id="6147" name="Rectangle 3"/>
+          <p:cNvSpPr>
+            <a:spLocks noGrp="1" noChangeArrowheads="1"/>
+          </p:cNvSpPr>
+          <p:nvPr>
+            <p:ph idx="1"/>
+          </p:nvPr>
+        </p:nvSpPr>
+        <p:spPr/>
+        <p:txBody>
+          <a:bodyPr/>
+          <a:lstStyle/>
+          <a:p>
+            <a:pPr>
+              <a:lnSpc>
+                <a:spcPct val="100000"/>
+              </a:lnSpc>
+              <a:buFont typeface="Arial" panose="020B0604020202020204" pitchFamily="34" charset="0"/>
+              <a:buNone/>
+            </a:pPr>
+            <a:r>
+              <a:rPr lang="en-NZ" altLang="en-US" sz="2000" smtClean="0"/>
+              <a:t>1. Input validation</a:t>
+            </a:r>
+          </a:p>
+          <a:p>
+            <a:pPr>
+              <a:lnSpc>
+                <a:spcPct val="100000"/>
+              </a:lnSpc>
+            </a:pPr>
+            <a:r>
+              <a:rPr lang="en-NZ" altLang="en-US" sz="2000" smtClean="0"/>
+              <a:t>dictates what can or what can't be used in the input.</a:t>
+            </a:r>
+          </a:p>
+          <a:p>
+            <a:pPr>
+              <a:lnSpc>
+                <a:spcPct val="100000"/>
+              </a:lnSpc>
+            </a:pPr>
+            <a:r>
+              <a:rPr lang="en-NZ" altLang="en-US" sz="2000" smtClean="0"/>
+              <a:t>characters to watch for:  ; ''  '  /</a:t>
+            </a:r>
+          </a:p>
+          <a:p>
+            <a:pPr>
+              <a:lnSpc>
+                <a:spcPct val="100000"/>
+              </a:lnSpc>
+              <a:buFont typeface="Arial" panose="020B0604020202020204" pitchFamily="34" charset="0"/>
+              <a:buNone/>
+            </a:pPr>
+            <a:r>
+              <a:rPr lang="en-NZ" altLang="en-US" sz="2000" smtClean="0"/>
+              <a:t>for (int x=0;x&lt;id.length;x++)</a:t>
+            </a:r>
+          </a:p>
+          <a:p>
+            <a:pPr>
+              <a:lnSpc>
+                <a:spcPct val="100000"/>
+              </a:lnSpc>
+              <a:buFont typeface="Arial" panose="020B0604020202020204" pitchFamily="34" charset="0"/>
+              <a:buNone/>
+            </a:pPr>
+            <a:r>
+              <a:rPr lang="en-NZ" altLang="en-US" sz="2000" smtClean="0"/>
+              <a:t>{</a:t>
+            </a:r>
+          </a:p>
+          <a:p>
+            <a:pPr>
+              <a:lnSpc>
+                <a:spcPct val="100000"/>
+              </a:lnSpc>
+              <a:buFont typeface="Arial" panose="020B0604020202020204" pitchFamily="34" charset="0"/>
+              <a:buNone/>
+            </a:pPr>
+            <a:r>
+              <a:rPr lang="en-NZ" altLang="en-US" sz="2000" smtClean="0"/>
+              <a:t>if(id.substring(0+x,1+x).equals(" ' " II '' ; '' II "/" II "#"))</a:t>
+            </a:r>
+          </a:p>
+          <a:p>
+            <a:pPr>
+              <a:lnSpc>
+                <a:spcPct val="100000"/>
+              </a:lnSpc>
+              <a:buFont typeface="Arial" panose="020B0604020202020204" pitchFamily="34" charset="0"/>
+              <a:buNone/>
+            </a:pPr>
+            <a:r>
+              <a:rPr lang="en-NZ" altLang="en-US" sz="2000" smtClean="0"/>
+              <a:t>{id="false";</a:t>
+            </a:r>
+          </a:p>
+          <a:p>
+            <a:pPr>
+              <a:lnSpc>
+                <a:spcPct val="100000"/>
+              </a:lnSpc>
+              <a:buFont typeface="Arial" panose="020B0604020202020204" pitchFamily="34" charset="0"/>
+              <a:buNone/>
+            </a:pPr>
+            <a:r>
+              <a:rPr lang="en-NZ" altLang="en-US" sz="2000" smtClean="0"/>
+              <a:t>}}</a:t>
+            </a:r>
+            <a:endParaRPr lang="en-US" altLang="en-US" sz="2000" smtClean="0"/>
+          </a:p>
+        </p:txBody>
+      </p:sp>
+      <p:sp>
+        <p:nvSpPr>
+          <p:cNvPr id="4" name="Date Placeholder 3"/>
+          <p:cNvSpPr>
+            <a:spLocks noGrp="1"/>
+          </p:cNvSpPr>
+          <p:nvPr>
+            <p:ph type="dt" sz="quarter" idx="10"/>
+          </p:nvPr>
+        </p:nvSpPr>
+        <p:spPr/>
+        <p:txBody>
+          <a:bodyPr/>
+          <a:lstStyle/>
+          <a:p>
+            <a:pPr>
+              <a:defRPr/>
+            </a:pPr>
+            <a:fld id="{5F1DF6AB-86EF-4571-A305-CA74C041FCC7}" type="datetime1">
+              <a:rPr lang="en-US" altLang="en-US"/>
+              <a:pPr>
+                <a:defRPr/>
+              </a:pPr>
+              <a:t>10/17/2014</a:t>
+            </a:fld>
+            <a:endParaRPr lang="en-US" altLang="en-US" sz="1800">
+              <a:solidFill>
+                <a:schemeClr val="tx1"/>
+              </a:solidFill>
+            </a:endParaRPr>
+          </a:p>
+        </p:txBody>
+      </p:sp>
+    </p:spTree>
+    <p:extLst>
+      <p:ext uri="{BB962C8B-B14F-4D97-AF65-F5344CB8AC3E}">
+        <p14:creationId xmlns:p14="http://schemas.microsoft.com/office/powerpoint/2010/main" val="3297978313"/>
+      </p:ext>
+    </p:extLst>
+  </p:cSld>
+  <p:clrMapOvr>
+    <a:masterClrMapping/>
+  </p:clrMapOvr>
+  <p:timing>
+    <p:tnLst>
+      <p:par>
+        <p:cTn id="1" dur="indefinite" restart="never" nodeType="tmRoot"/>
+      </p:par>
+    </p:tnLst>
+  </p:timing>
+</p:sld>
+</file>
+
+<file path=ppt/slides/slide13.xml><?xml version="1.0" encoding="utf-8"?>
+<p:sld xmlns:a="http://schemas.openxmlformats.org/drawingml/2006/main" xmlns:r="http://schemas.openxmlformats.org/officeDocument/2006/relationships" xmlns:p="http://schemas.openxmlformats.org/presentationml/2006/main">
+  <p:cSld>
+    <p:spTree>
+      <p:nvGrpSpPr>
+        <p:cNvPr id="1" name=""/>
+        <p:cNvGrpSpPr/>
+        <p:nvPr/>
+      </p:nvGrpSpPr>
+      <p:grpSpPr>
+        <a:xfrm>
+          <a:off x="0" y="0"/>
+          <a:ext cx="0" cy="0"/>
+          <a:chOff x="0" y="0"/>
+          <a:chExt cx="0" cy="0"/>
+        </a:xfrm>
+      </p:grpSpPr>
+      <p:sp>
+        <p:nvSpPr>
+          <p:cNvPr id="7170" name="Rectangle 2"/>
+          <p:cNvSpPr>
+            <a:spLocks noGrp="1" noChangeArrowheads="1"/>
+          </p:cNvSpPr>
+          <p:nvPr>
+            <p:ph type="title"/>
+          </p:nvPr>
+        </p:nvSpPr>
+        <p:spPr/>
+        <p:txBody>
+          <a:bodyPr/>
+          <a:lstStyle/>
+          <a:p>
+            <a:r>
+              <a:rPr lang="en-NZ" altLang="en-US" smtClean="0"/>
+              <a:t>sql injection</a:t>
+            </a:r>
+            <a:endParaRPr lang="en-US" altLang="en-US" smtClean="0"/>
+          </a:p>
+        </p:txBody>
+      </p:sp>
+      <p:sp>
+        <p:nvSpPr>
+          <p:cNvPr id="7171" name="Rectangle 3"/>
+          <p:cNvSpPr>
+            <a:spLocks noGrp="1" noChangeArrowheads="1"/>
+          </p:cNvSpPr>
+          <p:nvPr>
+            <p:ph idx="1"/>
+          </p:nvPr>
+        </p:nvSpPr>
+        <p:spPr/>
+        <p:txBody>
+          <a:bodyPr/>
+          <a:lstStyle/>
+          <a:p>
+            <a:pPr>
+              <a:buFont typeface="Arial" panose="020B0604020202020204" pitchFamily="34" charset="0"/>
+              <a:buNone/>
+            </a:pPr>
+            <a:r>
+              <a:rPr lang="en-NZ" altLang="en-US" sz="2000" smtClean="0"/>
+              <a:t>2. Limit DB permission</a:t>
+            </a:r>
+          </a:p>
+          <a:p>
+            <a:r>
+              <a:rPr lang="en-NZ" altLang="en-US" sz="2000" smtClean="0"/>
+              <a:t>Making the script read-only</a:t>
+            </a:r>
+          </a:p>
+          <a:p>
+            <a:pPr>
+              <a:buFont typeface="Arial" panose="020B0604020202020204" pitchFamily="34" charset="0"/>
+              <a:buNone/>
+            </a:pPr>
+            <a:r>
+              <a:rPr lang="en-NZ" altLang="en-US" sz="2000" smtClean="0"/>
+              <a:t>3.Configure error reporting</a:t>
+            </a:r>
+          </a:p>
+          <a:p>
+            <a:r>
+              <a:rPr lang="en-NZ" altLang="en-US" sz="2000" smtClean="0"/>
+              <a:t>It limits the amount of info the attacker receives from each attempt.</a:t>
+            </a:r>
+          </a:p>
+          <a:p>
+            <a:r>
+              <a:rPr lang="en-NZ" altLang="en-US" sz="2000" smtClean="0"/>
+              <a:t>each error message-attacker gets closer to the data they want</a:t>
+            </a:r>
+          </a:p>
+          <a:p>
+            <a:r>
+              <a:rPr lang="en-NZ" altLang="en-US" sz="2000" smtClean="0"/>
+              <a:t>so make the error message internal</a:t>
+            </a:r>
+            <a:endParaRPr lang="en-US" altLang="en-US" sz="2000" smtClean="0"/>
+          </a:p>
+        </p:txBody>
+      </p:sp>
+      <p:sp>
+        <p:nvSpPr>
+          <p:cNvPr id="4" name="Date Placeholder 3"/>
+          <p:cNvSpPr>
+            <a:spLocks noGrp="1"/>
+          </p:cNvSpPr>
+          <p:nvPr>
+            <p:ph type="dt" sz="quarter" idx="10"/>
+          </p:nvPr>
+        </p:nvSpPr>
+        <p:spPr/>
+        <p:txBody>
+          <a:bodyPr/>
+          <a:lstStyle/>
+          <a:p>
+            <a:pPr>
+              <a:defRPr/>
+            </a:pPr>
+            <a:fld id="{5F1DF6AB-86EF-4571-A305-CA74C041FCC7}" type="datetime1">
+              <a:rPr lang="en-US" altLang="en-US"/>
+              <a:pPr>
+                <a:defRPr/>
+              </a:pPr>
+              <a:t>10/17/2014</a:t>
+            </a:fld>
+            <a:endParaRPr lang="en-US" altLang="en-US" sz="1800">
+              <a:solidFill>
+                <a:schemeClr val="tx1"/>
+              </a:solidFill>
+            </a:endParaRPr>
+          </a:p>
+        </p:txBody>
+      </p:sp>
+    </p:spTree>
+    <p:extLst>
+      <p:ext uri="{BB962C8B-B14F-4D97-AF65-F5344CB8AC3E}">
+        <p14:creationId xmlns:p14="http://schemas.microsoft.com/office/powerpoint/2010/main" val="4208459265"/>
+      </p:ext>
+    </p:extLst>
+  </p:cSld>
+  <p:clrMapOvr>
+    <a:masterClrMapping/>
+  </p:clrMapOvr>
+  <p:timing>
+    <p:tnLst>
+      <p:par>
+        <p:cTn id="1" dur="indefinite" restart="never" nodeType="tmRoot"/>
+      </p:par>
+    </p:tnLst>
+  </p:timing>
+</p:sld>
+</file>
+
+<file path=ppt/slides/slide14.xml><?xml version="1.0" encoding="utf-8"?>
+<p:sld xmlns:a="http://schemas.openxmlformats.org/drawingml/2006/main" xmlns:r="http://schemas.openxmlformats.org/officeDocument/2006/relationships" xmlns:p="http://schemas.openxmlformats.org/presentationml/2006/main">
+  <p:cSld>
+    <p:spTree>
+      <p:nvGrpSpPr>
+        <p:cNvPr id="1" name=""/>
+        <p:cNvGrpSpPr/>
+        <p:nvPr/>
+      </p:nvGrpSpPr>
+      <p:grpSpPr>
+        <a:xfrm>
+          <a:off x="0" y="0"/>
+          <a:ext cx="0" cy="0"/>
+          <a:chOff x="0" y="0"/>
+          <a:chExt cx="0" cy="0"/>
+        </a:xfrm>
+      </p:grpSpPr>
+      <p:sp>
+        <p:nvSpPr>
+          <p:cNvPr id="8194" name="Rectangle 2"/>
+          <p:cNvSpPr>
+            <a:spLocks noGrp="1" noChangeArrowheads="1"/>
+          </p:cNvSpPr>
+          <p:nvPr>
+            <p:ph type="title"/>
+          </p:nvPr>
+        </p:nvSpPr>
+        <p:spPr/>
+        <p:txBody>
+          <a:bodyPr/>
+          <a:lstStyle/>
+          <a:p>
+            <a:r>
+              <a:rPr lang="en-NZ" altLang="en-US" smtClean="0"/>
+              <a:t>sql injection</a:t>
+            </a:r>
+            <a:endParaRPr lang="en-US" altLang="en-US" smtClean="0"/>
+          </a:p>
+        </p:txBody>
+      </p:sp>
+      <p:sp>
+        <p:nvSpPr>
+          <p:cNvPr id="8195" name="Rectangle 3"/>
+          <p:cNvSpPr>
+            <a:spLocks noGrp="1" noChangeArrowheads="1"/>
+          </p:cNvSpPr>
+          <p:nvPr>
+            <p:ph idx="1"/>
+          </p:nvPr>
+        </p:nvSpPr>
+        <p:spPr/>
+        <p:txBody>
+          <a:bodyPr/>
+          <a:lstStyle/>
+          <a:p>
+            <a:r>
+              <a:rPr lang="en-NZ" altLang="en-US" dirty="0" smtClean="0"/>
+              <a:t>escape -function that checks if there are any quotation marks or </a:t>
+            </a:r>
+            <a:r>
+              <a:rPr lang="en-NZ" altLang="en-US" dirty="0" smtClean="0"/>
+              <a:t>harmful </a:t>
+            </a:r>
+            <a:r>
+              <a:rPr lang="en-NZ" altLang="en-US" dirty="0" smtClean="0"/>
+              <a:t>characters on text</a:t>
+            </a:r>
+          </a:p>
+          <a:p>
+            <a:r>
+              <a:rPr lang="en-NZ" altLang="en-US" dirty="0" smtClean="0"/>
+              <a:t>it resets the harmful characters typed for username with a \ before those characters which makes the username and other fields incorrect to execute.</a:t>
+            </a:r>
+            <a:endParaRPr lang="en-US" altLang="en-US" dirty="0" smtClean="0"/>
+          </a:p>
+        </p:txBody>
+      </p:sp>
+      <p:sp>
+        <p:nvSpPr>
+          <p:cNvPr id="4" name="Date Placeholder 3"/>
+          <p:cNvSpPr>
+            <a:spLocks noGrp="1"/>
+          </p:cNvSpPr>
+          <p:nvPr>
+            <p:ph type="dt" sz="quarter" idx="10"/>
+          </p:nvPr>
+        </p:nvSpPr>
+        <p:spPr/>
+        <p:txBody>
+          <a:bodyPr/>
+          <a:lstStyle/>
+          <a:p>
+            <a:pPr>
+              <a:defRPr/>
+            </a:pPr>
+            <a:fld id="{5F1DF6AB-86EF-4571-A305-CA74C041FCC7}" type="datetime1">
+              <a:rPr lang="en-US" altLang="en-US"/>
+              <a:pPr>
+                <a:defRPr/>
+              </a:pPr>
+              <a:t>10/17/2014</a:t>
+            </a:fld>
+            <a:endParaRPr lang="en-US" altLang="en-US" sz="1800">
+              <a:solidFill>
+                <a:schemeClr val="tx1"/>
+              </a:solidFill>
+            </a:endParaRPr>
+          </a:p>
+        </p:txBody>
+      </p:sp>
+    </p:spTree>
+    <p:extLst>
+      <p:ext uri="{BB962C8B-B14F-4D97-AF65-F5344CB8AC3E}">
+        <p14:creationId xmlns:p14="http://schemas.microsoft.com/office/powerpoint/2010/main" val="524419912"/>
+      </p:ext>
+    </p:extLst>
+  </p:cSld>
+  <p:clrMapOvr>
+    <a:masterClrMapping/>
+  </p:clrMapOvr>
+  <p:timing>
+    <p:tnLst>
+      <p:par>
+        <p:cTn id="1" dur="indefinite" restart="never" nodeType="tmRoot"/>
+      </p:par>
+    </p:tnLst>
+  </p:timing>
+</p:sld>
+</file>
+
+<file path=ppt/slides/slide15.xml><?xml version="1.0" encoding="utf-8"?>
 <p:sld xmlns:a="http://schemas.openxmlformats.org/drawingml/2006/main" xmlns:r="http://schemas.openxmlformats.org/officeDocument/2006/relationships" xmlns:p="http://schemas.openxmlformats.org/presentationml/2006/main">
   <p:cSld>
     <p:spTree>
@@ -12529,14 +13517,26 @@
           <a:lstStyle/>
           <a:p>
             <a:r>
-              <a:rPr lang="en-NZ" dirty="0" smtClean="0"/>
+              <a:rPr lang="en-NZ" dirty="0" smtClean="0">
+                <a:solidFill>
+                  <a:srgbClr val="FF0000"/>
+                </a:solidFill>
+              </a:rPr>
               <a:t>Cross site scripting </a:t>
             </a:r>
             <a:r>
-              <a:rPr lang="en-NZ" dirty="0" err="1" smtClean="0"/>
+              <a:rPr lang="en-NZ" dirty="0" err="1" smtClean="0">
+                <a:solidFill>
+                  <a:srgbClr val="FF0000"/>
+                </a:solidFill>
+              </a:rPr>
               <a:t>xxs</a:t>
             </a:r>
-            <a:endParaRPr lang="en-NZ" dirty="0"/>
+            <a:endParaRPr lang="en-NZ" dirty="0">
+              <a:solidFill>
+                <a:srgbClr val="FF0000"/>
+              </a:solidFill>
+            </a:endParaRPr>
           </a:p>
         </p:txBody>
       </p:sp>
@@ -12555,24 +13555,62 @@
           <a:bodyPr/>
           <a:lstStyle/>
           <a:p>
-            <a:endParaRPr lang="en-NZ"/>
+            <a:pPr marL="0" indent="0">
+              <a:buNone/>
+            </a:pPr>
+            <a:r>
+              <a:rPr lang="en-NZ" dirty="0" smtClean="0"/>
+              <a:t>Users are not to be trusted. Anyone who views the post will run the </a:t>
+            </a:r>
+            <a:r>
+              <a:rPr lang="en-NZ" dirty="0" err="1" smtClean="0"/>
+              <a:t>scritp</a:t>
+            </a:r>
+            <a:endParaRPr lang="en-NZ" dirty="0" smtClean="0"/>
+          </a:p>
+          <a:p>
+            <a:pPr marL="0" indent="0">
+              <a:buNone/>
+            </a:pPr>
+            <a:r>
+              <a:rPr lang="en-NZ" dirty="0" err="1" smtClean="0"/>
+              <a:t>Document.cookie</a:t>
+            </a:r>
+            <a:endParaRPr lang="en-NZ" dirty="0" smtClean="0"/>
+          </a:p>
+          <a:p>
+            <a:pPr marL="0" indent="0">
+              <a:buNone/>
+            </a:pPr>
+            <a:r>
+              <a:rPr lang="en-NZ" dirty="0" smtClean="0"/>
+              <a:t>Validate data </a:t>
+            </a:r>
+            <a:endParaRPr lang="en-NZ" dirty="0"/>
           </a:p>
         </p:txBody>
       </p:sp>
     </p:spTree>
     <p:extLst>
       <p:ext uri="{BB962C8B-B14F-4D97-AF65-F5344CB8AC3E}">
-        <p14:creationId xmlns:p14="http://schemas.microsoft.com/office/powerpoint/2010/main" val="611591029"/>
+        <p14:creationId xmlns:p14="http://schemas.microsoft.com/office/powerpoint/2010/main" val="3125757115"/>
       </p:ext>
     </p:extLst>
   </p:cSld>
   <p:clrMapOvr>
     <a:masterClrMapping/>
   </p:clrMapOvr>
+  <p:timing>
+    <p:tnLst>
+      <p:par>
+        <p:cTn id="1" dur="indefinite" restart="never" nodeType="tmRoot"/>
+      </p:par>
+    </p:tnLst>
+  </p:timing>
 </p:sld>
 </file>
 
-<file path=ppt/slides/slide12.xml><?xml version="1.0" encoding="utf-8"?>
+<file path=ppt/slides/slide16.xml><?xml version="1.0" encoding="utf-8"?>
 <p:sld xmlns:a="http://schemas.openxmlformats.org/drawingml/2006/main" xmlns:r="http://schemas.openxmlformats.org/officeDocument/2006/relationships" xmlns:p="http://schemas.openxmlformats.org/presentationml/2006/main">
   <p:cSld>
     <p:spTree>
@@ -12605,6 +13643,1248 @@
           <a:lstStyle/>
           <a:p>
             <a:r>
+              <a:rPr lang="en-NZ" dirty="0" smtClean="0">
+                <a:solidFill>
+                  <a:srgbClr val="FF0000"/>
+                </a:solidFill>
+              </a:rPr>
+              <a:t>Differences </a:t>
+            </a:r>
+            <a:r>
+              <a:rPr lang="en-NZ" dirty="0" err="1" smtClean="0">
+                <a:solidFill>
+                  <a:srgbClr val="FF0000"/>
+                </a:solidFill>
+              </a:rPr>
+              <a:t>betweens</a:t>
+            </a:r>
+            <a:r>
+              <a:rPr lang="en-NZ" dirty="0" smtClean="0">
+                <a:solidFill>
+                  <a:srgbClr val="FF0000"/>
+                </a:solidFill>
+              </a:rPr>
+              <a:t> </a:t>
+            </a:r>
+            <a:r>
+              <a:rPr lang="en-NZ" dirty="0" err="1" smtClean="0">
+                <a:solidFill>
+                  <a:srgbClr val="FF0000"/>
+                </a:solidFill>
+              </a:rPr>
+              <a:t>xxs</a:t>
+            </a:r>
+            <a:r>
+              <a:rPr lang="en-NZ" dirty="0" smtClean="0">
+                <a:solidFill>
+                  <a:srgbClr val="FF0000"/>
+                </a:solidFill>
+              </a:rPr>
+              <a:t> and </a:t>
+            </a:r>
+            <a:r>
+              <a:rPr lang="en-NZ" dirty="0" err="1" smtClean="0">
+                <a:solidFill>
+                  <a:srgbClr val="FF0000"/>
+                </a:solidFill>
+              </a:rPr>
+              <a:t>sql</a:t>
+            </a:r>
+            <a:r>
+              <a:rPr lang="en-NZ" dirty="0" smtClean="0">
+                <a:solidFill>
+                  <a:srgbClr val="FF0000"/>
+                </a:solidFill>
+              </a:rPr>
+              <a:t> injection</a:t>
+            </a:r>
+            <a:endParaRPr lang="en-NZ" dirty="0">
+              <a:solidFill>
+                <a:srgbClr val="FF0000"/>
+              </a:solidFill>
+            </a:endParaRPr>
+          </a:p>
+        </p:txBody>
+      </p:sp>
+      <p:sp>
+        <p:nvSpPr>
+          <p:cNvPr id="3" name="Content Placeholder 2"/>
+          <p:cNvSpPr>
+            <a:spLocks noGrp="1"/>
+          </p:cNvSpPr>
+          <p:nvPr>
+            <p:ph idx="1"/>
+          </p:nvPr>
+        </p:nvSpPr>
+        <p:spPr/>
+        <p:txBody>
+          <a:bodyPr/>
+          <a:lstStyle/>
+          <a:p>
+            <a:r>
+              <a:rPr lang="en-NZ" dirty="0" smtClean="0"/>
+              <a:t>SQL targets databases</a:t>
+            </a:r>
+          </a:p>
+          <a:p>
+            <a:r>
+              <a:rPr lang="en-NZ" dirty="0" smtClean="0"/>
+              <a:t>XSS (</a:t>
+            </a:r>
+            <a:r>
+              <a:rPr lang="en-NZ" dirty="0" err="1" smtClean="0"/>
+              <a:t>javascript</a:t>
+            </a:r>
+            <a:r>
+              <a:rPr lang="en-NZ" dirty="0" smtClean="0"/>
+              <a:t>) </a:t>
+            </a:r>
+            <a:r>
+              <a:rPr lang="en-NZ" smtClean="0"/>
+              <a:t>targets other users</a:t>
+            </a:r>
+            <a:endParaRPr lang="en-NZ"/>
+          </a:p>
+        </p:txBody>
+      </p:sp>
+    </p:spTree>
+    <p:extLst>
+      <p:ext uri="{BB962C8B-B14F-4D97-AF65-F5344CB8AC3E}">
+        <p14:creationId xmlns:p14="http://schemas.microsoft.com/office/powerpoint/2010/main" val="238050095"/>
+      </p:ext>
+    </p:extLst>
+  </p:cSld>
+  <p:clrMapOvr>
+    <a:masterClrMapping/>
+  </p:clrMapOvr>
+</p:sld>
+</file>
+
+<file path=ppt/slides/slide17.xml><?xml version="1.0" encoding="utf-8"?>
+<p:sld xmlns:a="http://schemas.openxmlformats.org/drawingml/2006/main" xmlns:r="http://schemas.openxmlformats.org/officeDocument/2006/relationships" xmlns:p="http://schemas.openxmlformats.org/presentationml/2006/main">
+  <p:cSld>
+    <p:spTree>
+      <p:nvGrpSpPr>
+        <p:cNvPr id="1" name=""/>
+        <p:cNvGrpSpPr/>
+        <p:nvPr/>
+      </p:nvGrpSpPr>
+      <p:grpSpPr>
+        <a:xfrm>
+          <a:off x="0" y="0"/>
+          <a:ext cx="0" cy="0"/>
+          <a:chOff x="0" y="0"/>
+          <a:chExt cx="0" cy="0"/>
+        </a:xfrm>
+      </p:grpSpPr>
+      <p:sp>
+        <p:nvSpPr>
+          <p:cNvPr id="2" name="Title 1"/>
+          <p:cNvSpPr>
+            <a:spLocks noGrp="1"/>
+          </p:cNvSpPr>
+          <p:nvPr>
+            <p:ph type="title"/>
+          </p:nvPr>
+        </p:nvSpPr>
+        <p:spPr/>
+        <p:txBody>
+          <a:bodyPr/>
+          <a:lstStyle/>
+          <a:p>
+            <a:r>
+              <a:rPr lang="en-NZ" dirty="0" smtClean="0">
+                <a:solidFill>
+                  <a:srgbClr val="FF0000"/>
+                </a:solidFill>
+              </a:rPr>
+              <a:t>Plan for completion</a:t>
+            </a:r>
+            <a:endParaRPr lang="en-NZ" dirty="0">
+              <a:solidFill>
+                <a:srgbClr val="FF0000"/>
+              </a:solidFill>
+            </a:endParaRPr>
+          </a:p>
+        </p:txBody>
+      </p:sp>
+      <p:sp>
+        <p:nvSpPr>
+          <p:cNvPr id="3" name="Content Placeholder 2"/>
+          <p:cNvSpPr>
+            <a:spLocks noGrp="1"/>
+          </p:cNvSpPr>
+          <p:nvPr>
+            <p:ph idx="1"/>
+          </p:nvPr>
+        </p:nvSpPr>
+        <p:spPr/>
+        <p:txBody>
+          <a:bodyPr/>
+          <a:lstStyle/>
+          <a:p>
+            <a:r>
+              <a:rPr lang="en-NZ" dirty="0"/>
+              <a:t>As of 17/10/2014 we have not yet fully tested any of our models but we expect to have it completed for next presentation</a:t>
+            </a:r>
+          </a:p>
+          <a:p>
+            <a:endParaRPr lang="en-NZ" dirty="0"/>
+          </a:p>
+        </p:txBody>
+      </p:sp>
+    </p:spTree>
+    <p:extLst>
+      <p:ext uri="{BB962C8B-B14F-4D97-AF65-F5344CB8AC3E}">
+        <p14:creationId xmlns:p14="http://schemas.microsoft.com/office/powerpoint/2010/main" val="558847282"/>
+      </p:ext>
+    </p:extLst>
+  </p:cSld>
+  <p:clrMapOvr>
+    <a:masterClrMapping/>
+  </p:clrMapOvr>
+  <p:timing>
+    <p:tnLst>
+      <p:par>
+        <p:cTn id="1" dur="indefinite" restart="never" nodeType="tmRoot"/>
+      </p:par>
+    </p:tnLst>
+  </p:timing>
+</p:sld>
+</file>
+
+<file path=ppt/slides/slide18.xml><?xml version="1.0" encoding="utf-8"?>
+<p:sld xmlns:a="http://schemas.openxmlformats.org/drawingml/2006/main" xmlns:r="http://schemas.openxmlformats.org/officeDocument/2006/relationships" xmlns:p="http://schemas.openxmlformats.org/presentationml/2006/main">
+  <p:cSld>
+    <p:spTree>
+      <p:nvGrpSpPr>
+        <p:cNvPr id="1" name=""/>
+        <p:cNvGrpSpPr/>
+        <p:nvPr/>
+      </p:nvGrpSpPr>
+      <p:grpSpPr>
+        <a:xfrm>
+          <a:off x="0" y="0"/>
+          <a:ext cx="0" cy="0"/>
+          <a:chOff x="0" y="0"/>
+          <a:chExt cx="0" cy="0"/>
+        </a:xfrm>
+      </p:grpSpPr>
+      <p:sp>
+        <p:nvSpPr>
+          <p:cNvPr id="2" name="Title 1"/>
+          <p:cNvSpPr>
+            <a:spLocks noGrp="1"/>
+          </p:cNvSpPr>
+          <p:nvPr>
+            <p:ph type="title"/>
+          </p:nvPr>
+        </p:nvSpPr>
+        <p:spPr/>
+        <p:txBody>
+          <a:bodyPr/>
+          <a:lstStyle/>
+          <a:p>
+            <a:endParaRPr lang="en-NZ" dirty="0"/>
+          </a:p>
+        </p:txBody>
+      </p:sp>
+      <p:sp>
+        <p:nvSpPr>
+          <p:cNvPr id="3" name="Content Placeholder 2"/>
+          <p:cNvSpPr>
+            <a:spLocks noGrp="1"/>
+          </p:cNvSpPr>
+          <p:nvPr>
+            <p:ph idx="1"/>
+          </p:nvPr>
+        </p:nvSpPr>
+        <p:spPr/>
+        <p:txBody>
+          <a:bodyPr/>
+          <a:lstStyle/>
+          <a:p>
+            <a:endParaRPr lang="en-NZ"/>
+          </a:p>
+        </p:txBody>
+      </p:sp>
+      <p:pic>
+        <p:nvPicPr>
+          <p:cNvPr id="4" name="Picture 3"/>
+          <p:cNvPicPr>
+            <a:picLocks noChangeAspect="1"/>
+          </p:cNvPicPr>
+          <p:nvPr/>
+        </p:nvPicPr>
+        <p:blipFill>
+          <a:blip r:embed="rId2"/>
+          <a:stretch>
+            <a:fillRect/>
+          </a:stretch>
+        </p:blipFill>
+        <p:spPr>
+          <a:xfrm>
+            <a:off x="2636836" y="180474"/>
+            <a:ext cx="6915150" cy="6460958"/>
+          </a:xfrm>
+          <a:prstGeom prst="rect">
+            <a:avLst/>
+          </a:prstGeom>
+        </p:spPr>
+      </p:pic>
+    </p:spTree>
+    <p:extLst>
+      <p:ext uri="{BB962C8B-B14F-4D97-AF65-F5344CB8AC3E}">
+        <p14:creationId xmlns:p14="http://schemas.microsoft.com/office/powerpoint/2010/main" val="499726969"/>
+      </p:ext>
+    </p:extLst>
+  </p:cSld>
+  <p:clrMapOvr>
+    <a:masterClrMapping/>
+  </p:clrMapOvr>
+</p:sld>
+</file>
+
+<file path=ppt/slides/slide19.xml><?xml version="1.0" encoding="utf-8"?>
+<p:sld xmlns:a="http://schemas.openxmlformats.org/drawingml/2006/main" xmlns:r="http://schemas.openxmlformats.org/officeDocument/2006/relationships" xmlns:p="http://schemas.openxmlformats.org/presentationml/2006/main">
+  <p:cSld>
+    <p:spTree>
+      <p:nvGrpSpPr>
+        <p:cNvPr id="1" name=""/>
+        <p:cNvGrpSpPr/>
+        <p:nvPr/>
+      </p:nvGrpSpPr>
+      <p:grpSpPr>
+        <a:xfrm>
+          <a:off x="0" y="0"/>
+          <a:ext cx="0" cy="0"/>
+          <a:chOff x="0" y="0"/>
+          <a:chExt cx="0" cy="0"/>
+        </a:xfrm>
+      </p:grpSpPr>
+      <p:sp>
+        <p:nvSpPr>
+          <p:cNvPr id="2" name="Title 1"/>
+          <p:cNvSpPr>
+            <a:spLocks noGrp="1"/>
+          </p:cNvSpPr>
+          <p:nvPr>
+            <p:ph type="title"/>
+          </p:nvPr>
+        </p:nvSpPr>
+        <p:spPr/>
+        <p:txBody>
+          <a:bodyPr/>
+          <a:lstStyle/>
+          <a:p>
+            <a:r>
+              <a:rPr lang="en-NZ" dirty="0" smtClean="0">
+                <a:solidFill>
+                  <a:srgbClr val="FF0000"/>
+                </a:solidFill>
+              </a:rPr>
+              <a:t>Proof of concept implementation</a:t>
+            </a:r>
+            <a:endParaRPr lang="en-NZ" dirty="0">
+              <a:solidFill>
+                <a:srgbClr val="FF0000"/>
+              </a:solidFill>
+            </a:endParaRPr>
+          </a:p>
+        </p:txBody>
+      </p:sp>
+      <p:sp>
+        <p:nvSpPr>
+          <p:cNvPr id="3" name="Content Placeholder 2"/>
+          <p:cNvSpPr>
+            <a:spLocks noGrp="1"/>
+          </p:cNvSpPr>
+          <p:nvPr>
+            <p:ph idx="1"/>
+          </p:nvPr>
+        </p:nvSpPr>
+        <p:spPr>
+          <a:xfrm>
+            <a:off x="1141412" y="1993557"/>
+            <a:ext cx="9905999" cy="3797644"/>
+          </a:xfrm>
+        </p:spPr>
+        <p:txBody>
+          <a:bodyPr>
+            <a:normAutofit fontScale="92500" lnSpcReduction="20000"/>
+          </a:bodyPr>
+          <a:lstStyle/>
+          <a:p>
+            <a:pPr marL="0" indent="0">
+              <a:buNone/>
+            </a:pPr>
+            <a:r>
+              <a:rPr lang="en-NZ" dirty="0" smtClean="0">
+                <a:solidFill>
+                  <a:srgbClr val="FF0000"/>
+                </a:solidFill>
+              </a:rPr>
+              <a:t>Cross site scripting				Abstract Controller</a:t>
+            </a:r>
+          </a:p>
+          <a:p>
+            <a:pPr marL="0" indent="0" algn="ctr">
+              <a:buNone/>
+            </a:pPr>
+            <a:r>
+              <a:rPr lang="en-IN" dirty="0"/>
+              <a:t>protected function </a:t>
+            </a:r>
+            <a:r>
+              <a:rPr lang="en-IN" dirty="0" err="1"/>
+              <a:t>getInput</a:t>
+            </a:r>
+            <a:r>
+              <a:rPr lang="en-IN" dirty="0"/>
+              <a:t>($</a:t>
+            </a:r>
+            <a:r>
+              <a:rPr lang="en-IN" dirty="0" err="1"/>
+              <a:t>inputField</a:t>
+            </a:r>
+            <a:r>
+              <a:rPr lang="en-IN" dirty="0"/>
+              <a:t>) {</a:t>
+            </a:r>
+            <a:endParaRPr lang="en-NZ" dirty="0"/>
+          </a:p>
+          <a:p>
+            <a:pPr marL="0" indent="0" algn="ctr">
+              <a:buNone/>
+            </a:pPr>
+            <a:r>
+              <a:rPr lang="en-IN" dirty="0"/>
+              <a:t>if (!</a:t>
+            </a:r>
+            <a:r>
+              <a:rPr lang="en-IN" dirty="0" err="1"/>
+              <a:t>isset</a:t>
+            </a:r>
+            <a:r>
+              <a:rPr lang="en-IN" dirty="0"/>
+              <a:t>($this-&gt;inputs[$</a:t>
+            </a:r>
+            <a:r>
+              <a:rPr lang="en-IN" dirty="0" err="1"/>
+              <a:t>inputField</a:t>
+            </a:r>
+            <a:r>
+              <a:rPr lang="en-IN" dirty="0"/>
+              <a:t>])) {</a:t>
+            </a:r>
+            <a:endParaRPr lang="en-NZ" dirty="0"/>
+          </a:p>
+          <a:p>
+            <a:pPr marL="0" indent="0" algn="ctr">
+              <a:buNone/>
+            </a:pPr>
+            <a:r>
+              <a:rPr lang="en-IN" dirty="0"/>
+              <a:t>return null;</a:t>
+            </a:r>
+            <a:endParaRPr lang="en-NZ" dirty="0"/>
+          </a:p>
+          <a:p>
+            <a:pPr marL="0" indent="0" algn="ctr">
+              <a:buNone/>
+            </a:pPr>
+            <a:r>
+              <a:rPr lang="en-IN" dirty="0"/>
+              <a:t>	}</a:t>
+            </a:r>
+            <a:endParaRPr lang="en-NZ" dirty="0"/>
+          </a:p>
+          <a:p>
+            <a:pPr marL="0" indent="0" algn="ctr">
+              <a:buNone/>
+            </a:pPr>
+            <a:r>
+              <a:rPr lang="en-IN" dirty="0"/>
+              <a:t>$input = trim($this-&gt;inputs[$</a:t>
+            </a:r>
+            <a:r>
+              <a:rPr lang="en-IN" dirty="0" err="1"/>
+              <a:t>inputField</a:t>
+            </a:r>
+            <a:r>
+              <a:rPr lang="en-IN" dirty="0"/>
+              <a:t>]); </a:t>
+            </a:r>
+            <a:endParaRPr lang="en-NZ" dirty="0"/>
+          </a:p>
+          <a:p>
+            <a:pPr marL="0" indent="0" algn="ctr">
+              <a:buNone/>
+            </a:pPr>
+            <a:r>
+              <a:rPr lang="en-IN" dirty="0"/>
+              <a:t>return $this-&gt;sanitise($input);</a:t>
+            </a:r>
+            <a:endParaRPr lang="en-NZ" dirty="0"/>
+          </a:p>
+          <a:p>
+            <a:pPr marL="0" indent="0" algn="ctr">
+              <a:buNone/>
+            </a:pPr>
+            <a:r>
+              <a:rPr lang="en-IN" dirty="0"/>
+              <a:t>}</a:t>
+            </a:r>
+            <a:endParaRPr lang="en-NZ" dirty="0"/>
+          </a:p>
+          <a:p>
+            <a:pPr marL="0" indent="0">
+              <a:buNone/>
+            </a:pPr>
+            <a:endParaRPr lang="en-NZ" dirty="0"/>
+          </a:p>
+        </p:txBody>
+      </p:sp>
+    </p:spTree>
+    <p:extLst>
+      <p:ext uri="{BB962C8B-B14F-4D97-AF65-F5344CB8AC3E}">
+        <p14:creationId xmlns:p14="http://schemas.microsoft.com/office/powerpoint/2010/main" val="1202012554"/>
+      </p:ext>
+    </p:extLst>
+  </p:cSld>
+  <p:clrMapOvr>
+    <a:masterClrMapping/>
+  </p:clrMapOvr>
+  <p:timing>
+    <p:tnLst>
+      <p:par>
+        <p:cTn id="1" dur="indefinite" restart="never" nodeType="tmRoot"/>
+      </p:par>
+    </p:tnLst>
+  </p:timing>
+</p:sld>
+</file>
+
+<file path=ppt/slides/slide2.xml><?xml version="1.0" encoding="utf-8"?>
+<p:sld xmlns:a="http://schemas.openxmlformats.org/drawingml/2006/main" xmlns:r="http://schemas.openxmlformats.org/officeDocument/2006/relationships" xmlns:p="http://schemas.openxmlformats.org/presentationml/2006/main">
+  <p:cSld>
+    <p:spTree>
+      <p:nvGrpSpPr>
+        <p:cNvPr id="1" name=""/>
+        <p:cNvGrpSpPr/>
+        <p:nvPr/>
+      </p:nvGrpSpPr>
+      <p:grpSpPr>
+        <a:xfrm>
+          <a:off x="0" y="0"/>
+          <a:ext cx="0" cy="0"/>
+          <a:chOff x="0" y="0"/>
+          <a:chExt cx="0" cy="0"/>
+        </a:xfrm>
+      </p:grpSpPr>
+      <p:sp>
+        <p:nvSpPr>
+          <p:cNvPr id="2" name="Title 1"/>
+          <p:cNvSpPr>
+            <a:spLocks noGrp="1"/>
+          </p:cNvSpPr>
+          <p:nvPr>
+            <p:ph type="title"/>
+          </p:nvPr>
+        </p:nvSpPr>
+        <p:spPr>
+          <a:xfrm>
+            <a:off x="1141413" y="0"/>
+            <a:ext cx="9905998" cy="837127"/>
+          </a:xfrm>
+        </p:spPr>
+        <p:txBody>
+          <a:bodyPr/>
+          <a:lstStyle/>
+          <a:p>
+            <a:r>
+              <a:rPr lang="en-NZ" dirty="0" smtClean="0"/>
+              <a:t>Architecture Design</a:t>
+            </a:r>
+            <a:endParaRPr lang="en-NZ" dirty="0"/>
+          </a:p>
+        </p:txBody>
+      </p:sp>
+      <p:pic>
+        <p:nvPicPr>
+          <p:cNvPr id="4" name="Content Placeholder 3"/>
+          <p:cNvPicPr>
+            <a:picLocks noGrp="1" noChangeAspect="1"/>
+          </p:cNvPicPr>
+          <p:nvPr>
+            <p:ph idx="1"/>
+          </p:nvPr>
+        </p:nvPicPr>
+        <p:blipFill>
+          <a:blip r:embed="rId2">
+            <a:extLst>
+              <a:ext uri="{28A0092B-C50C-407E-A947-70E740481C1C}">
+                <a14:useLocalDpi xmlns:a14="http://schemas.microsoft.com/office/drawing/2010/main" val="0"/>
+              </a:ext>
+            </a:extLst>
+          </a:blip>
+          <a:stretch>
+            <a:fillRect/>
+          </a:stretch>
+        </p:blipFill>
+        <p:spPr>
+          <a:xfrm>
+            <a:off x="1039923" y="837127"/>
+            <a:ext cx="10306363" cy="5718219"/>
+          </a:xfrm>
+        </p:spPr>
+      </p:pic>
+    </p:spTree>
+    <p:extLst>
+      <p:ext uri="{BB962C8B-B14F-4D97-AF65-F5344CB8AC3E}">
+        <p14:creationId xmlns:p14="http://schemas.microsoft.com/office/powerpoint/2010/main" val="1609636600"/>
+      </p:ext>
+    </p:extLst>
+  </p:cSld>
+  <p:clrMapOvr>
+    <a:masterClrMapping/>
+  </p:clrMapOvr>
+</p:sld>
+</file>
+
+<file path=ppt/slides/slide20.xml><?xml version="1.0" encoding="utf-8"?>
+<p:sld xmlns:a="http://schemas.openxmlformats.org/drawingml/2006/main" xmlns:r="http://schemas.openxmlformats.org/officeDocument/2006/relationships" xmlns:p="http://schemas.openxmlformats.org/presentationml/2006/main">
+  <p:cSld>
+    <p:spTree>
+      <p:nvGrpSpPr>
+        <p:cNvPr id="1" name=""/>
+        <p:cNvGrpSpPr/>
+        <p:nvPr/>
+      </p:nvGrpSpPr>
+      <p:grpSpPr>
+        <a:xfrm>
+          <a:off x="0" y="0"/>
+          <a:ext cx="0" cy="0"/>
+          <a:chOff x="0" y="0"/>
+          <a:chExt cx="0" cy="0"/>
+        </a:xfrm>
+      </p:grpSpPr>
+      <p:sp>
+        <p:nvSpPr>
+          <p:cNvPr id="3" name="Content Placeholder 2"/>
+          <p:cNvSpPr>
+            <a:spLocks noGrp="1"/>
+          </p:cNvSpPr>
+          <p:nvPr>
+            <p:ph idx="1"/>
+          </p:nvPr>
+        </p:nvSpPr>
+        <p:spPr>
+          <a:xfrm>
+            <a:off x="1141412" y="774357"/>
+            <a:ext cx="9905999" cy="5016844"/>
+          </a:xfrm>
+        </p:spPr>
+        <p:txBody>
+          <a:bodyPr/>
+          <a:lstStyle/>
+          <a:p>
+            <a:pPr marL="0" indent="0">
+              <a:buNone/>
+            </a:pPr>
+            <a:endParaRPr lang="en-IN" dirty="0" smtClean="0"/>
+          </a:p>
+          <a:p>
+            <a:pPr marL="0" indent="0">
+              <a:buNone/>
+            </a:pPr>
+            <a:endParaRPr lang="en-IN" dirty="0"/>
+          </a:p>
+          <a:p>
+            <a:pPr marL="0" indent="0" algn="ctr">
+              <a:buNone/>
+            </a:pPr>
+            <a:r>
+              <a:rPr lang="en-IN" dirty="0"/>
+              <a:t>private function sanitise($input) {</a:t>
+            </a:r>
+            <a:endParaRPr lang="en-NZ" dirty="0"/>
+          </a:p>
+          <a:p>
+            <a:pPr marL="0" indent="0" algn="ctr">
+              <a:buNone/>
+            </a:pPr>
+            <a:r>
+              <a:rPr lang="en-IN" dirty="0"/>
+              <a:t>return </a:t>
+            </a:r>
+            <a:r>
+              <a:rPr lang="en-IN" dirty="0" err="1"/>
+              <a:t>htmlspecialchars</a:t>
+            </a:r>
+            <a:r>
+              <a:rPr lang="en-IN" dirty="0"/>
+              <a:t>($input, ENT_QUOTES);</a:t>
+            </a:r>
+            <a:endParaRPr lang="en-NZ" dirty="0"/>
+          </a:p>
+          <a:p>
+            <a:pPr marL="0" indent="0" algn="ctr">
+              <a:buNone/>
+            </a:pPr>
+            <a:r>
+              <a:rPr lang="en-IN" dirty="0"/>
+              <a:t>}</a:t>
+            </a:r>
+            <a:endParaRPr lang="en-NZ" dirty="0"/>
+          </a:p>
+          <a:p>
+            <a:pPr marL="0" indent="0">
+              <a:buNone/>
+            </a:pPr>
+            <a:endParaRPr lang="en-NZ" dirty="0"/>
+          </a:p>
+        </p:txBody>
+      </p:sp>
+    </p:spTree>
+    <p:extLst>
+      <p:ext uri="{BB962C8B-B14F-4D97-AF65-F5344CB8AC3E}">
+        <p14:creationId xmlns:p14="http://schemas.microsoft.com/office/powerpoint/2010/main" val="2780269630"/>
+      </p:ext>
+    </p:extLst>
+  </p:cSld>
+  <p:clrMapOvr>
+    <a:masterClrMapping/>
+  </p:clrMapOvr>
+  <p:timing>
+    <p:tnLst>
+      <p:par>
+        <p:cTn id="1" dur="indefinite" restart="never" nodeType="tmRoot"/>
+      </p:par>
+    </p:tnLst>
+  </p:timing>
+</p:sld>
+</file>
+
+<file path=ppt/slides/slide21.xml><?xml version="1.0" encoding="utf-8"?>
+<p:sld xmlns:a="http://schemas.openxmlformats.org/drawingml/2006/main" xmlns:r="http://schemas.openxmlformats.org/officeDocument/2006/relationships" xmlns:p="http://schemas.openxmlformats.org/presentationml/2006/main">
+  <p:cSld>
+    <p:spTree>
+      <p:nvGrpSpPr>
+        <p:cNvPr id="1" name=""/>
+        <p:cNvGrpSpPr/>
+        <p:nvPr/>
+      </p:nvGrpSpPr>
+      <p:grpSpPr>
+        <a:xfrm>
+          <a:off x="0" y="0"/>
+          <a:ext cx="0" cy="0"/>
+          <a:chOff x="0" y="0"/>
+          <a:chExt cx="0" cy="0"/>
+        </a:xfrm>
+      </p:grpSpPr>
+      <p:sp>
+        <p:nvSpPr>
+          <p:cNvPr id="2" name="Title 1"/>
+          <p:cNvSpPr>
+            <a:spLocks noGrp="1"/>
+          </p:cNvSpPr>
+          <p:nvPr>
+            <p:ph type="title"/>
+          </p:nvPr>
+        </p:nvSpPr>
+        <p:spPr/>
+        <p:txBody>
+          <a:bodyPr/>
+          <a:lstStyle/>
+          <a:p>
+            <a:r>
+              <a:rPr lang="en-NZ" dirty="0" err="1" smtClean="0">
+                <a:solidFill>
+                  <a:srgbClr val="FF0000"/>
+                </a:solidFill>
+              </a:rPr>
+              <a:t>Sql</a:t>
+            </a:r>
+            <a:r>
+              <a:rPr lang="en-NZ" dirty="0" smtClean="0">
+                <a:solidFill>
+                  <a:srgbClr val="FF0000"/>
+                </a:solidFill>
+              </a:rPr>
+              <a:t> injection</a:t>
+            </a:r>
+            <a:endParaRPr lang="en-NZ" dirty="0">
+              <a:solidFill>
+                <a:srgbClr val="FF0000"/>
+              </a:solidFill>
+            </a:endParaRPr>
+          </a:p>
+        </p:txBody>
+      </p:sp>
+      <p:sp>
+        <p:nvSpPr>
+          <p:cNvPr id="3" name="Content Placeholder 2"/>
+          <p:cNvSpPr>
+            <a:spLocks noGrp="1"/>
+          </p:cNvSpPr>
+          <p:nvPr>
+            <p:ph idx="1"/>
+          </p:nvPr>
+        </p:nvSpPr>
+        <p:spPr/>
+        <p:txBody>
+          <a:bodyPr>
+            <a:normAutofit/>
+          </a:bodyPr>
+          <a:lstStyle/>
+          <a:p>
+            <a:pPr marL="0" indent="0">
+              <a:buNone/>
+            </a:pPr>
+            <a:r>
+              <a:rPr lang="en-NZ" dirty="0" smtClean="0"/>
+              <a:t>Interfaces</a:t>
+            </a:r>
+          </a:p>
+          <a:p>
+            <a:pPr marL="0" indent="0">
+              <a:buNone/>
+            </a:pPr>
+            <a:r>
+              <a:rPr lang="en-NZ" dirty="0"/>
+              <a:t>  </a:t>
+            </a:r>
+            <a:r>
+              <a:rPr lang="en-NZ" dirty="0" smtClean="0"/>
+              <a:t>	function </a:t>
+            </a:r>
+            <a:r>
+              <a:rPr lang="en-NZ" dirty="0" err="1"/>
+              <a:t>queryPrepared</a:t>
+            </a:r>
+            <a:r>
+              <a:rPr lang="en-NZ" dirty="0"/>
+              <a:t>($</a:t>
+            </a:r>
+            <a:r>
+              <a:rPr lang="en-NZ" dirty="0" err="1"/>
+              <a:t>parameterisedSQL</a:t>
+            </a:r>
+            <a:r>
+              <a:rPr lang="en-NZ" dirty="0"/>
+              <a:t>,$fields);</a:t>
+            </a:r>
+          </a:p>
+          <a:p>
+            <a:pPr marL="0" indent="0">
+              <a:buNone/>
+            </a:pPr>
+            <a:r>
+              <a:rPr lang="en-NZ" dirty="0"/>
+              <a:t>          </a:t>
+            </a:r>
+            <a:r>
+              <a:rPr lang="en-NZ" dirty="0" smtClean="0"/>
+              <a:t> function </a:t>
+            </a:r>
+            <a:r>
+              <a:rPr lang="en-NZ" dirty="0"/>
+              <a:t>escape($</a:t>
+            </a:r>
+            <a:r>
+              <a:rPr lang="en-NZ" dirty="0" err="1"/>
+              <a:t>fieldValue</a:t>
+            </a:r>
+            <a:r>
+              <a:rPr lang="en-NZ" dirty="0"/>
+              <a:t>);</a:t>
+            </a:r>
+          </a:p>
+          <a:p>
+            <a:pPr marL="0" indent="0">
+              <a:buNone/>
+            </a:pPr>
+            <a:r>
+              <a:rPr lang="en-NZ" dirty="0"/>
+              <a:t>	</a:t>
+            </a:r>
+            <a:r>
+              <a:rPr lang="en-NZ" dirty="0" smtClean="0"/>
+              <a:t>function </a:t>
+            </a:r>
+            <a:r>
+              <a:rPr lang="en-NZ" dirty="0" err="1" smtClean="0"/>
+              <a:t>executePrepared</a:t>
+            </a:r>
+            <a:r>
+              <a:rPr lang="en-NZ" dirty="0"/>
+              <a:t>($</a:t>
+            </a:r>
+            <a:r>
+              <a:rPr lang="en-NZ" dirty="0" err="1"/>
+              <a:t>parameterisedSQL</a:t>
+            </a:r>
+            <a:r>
+              <a:rPr lang="en-NZ" dirty="0"/>
+              <a:t>,$fields</a:t>
+            </a:r>
+            <a:r>
+              <a:rPr lang="en-NZ" dirty="0" smtClean="0"/>
+              <a:t>);</a:t>
+            </a:r>
+          </a:p>
+          <a:p>
+            <a:pPr marL="0" indent="0">
+              <a:buNone/>
+            </a:pPr>
+            <a:r>
+              <a:rPr lang="en-NZ" dirty="0"/>
+              <a:t>	}</a:t>
+            </a:r>
+          </a:p>
+        </p:txBody>
+      </p:sp>
+    </p:spTree>
+    <p:extLst>
+      <p:ext uri="{BB962C8B-B14F-4D97-AF65-F5344CB8AC3E}">
+        <p14:creationId xmlns:p14="http://schemas.microsoft.com/office/powerpoint/2010/main" val="2185996168"/>
+      </p:ext>
+    </p:extLst>
+  </p:cSld>
+  <p:clrMapOvr>
+    <a:masterClrMapping/>
+  </p:clrMapOvr>
+  <p:timing>
+    <p:tnLst>
+      <p:par>
+        <p:cTn id="1" dur="indefinite" restart="never" nodeType="tmRoot"/>
+      </p:par>
+    </p:tnLst>
+  </p:timing>
+</p:sld>
+</file>
+
+<file path=ppt/slides/slide22.xml><?xml version="1.0" encoding="utf-8"?>
+<p:sld xmlns:a="http://schemas.openxmlformats.org/drawingml/2006/main" xmlns:r="http://schemas.openxmlformats.org/officeDocument/2006/relationships" xmlns:p="http://schemas.openxmlformats.org/presentationml/2006/main">
+  <p:cSld>
+    <p:spTree>
+      <p:nvGrpSpPr>
+        <p:cNvPr id="1" name=""/>
+        <p:cNvGrpSpPr/>
+        <p:nvPr/>
+      </p:nvGrpSpPr>
+      <p:grpSpPr>
+        <a:xfrm>
+          <a:off x="0" y="0"/>
+          <a:ext cx="0" cy="0"/>
+          <a:chOff x="0" y="0"/>
+          <a:chExt cx="0" cy="0"/>
+        </a:xfrm>
+      </p:grpSpPr>
+      <p:sp>
+        <p:nvSpPr>
+          <p:cNvPr id="3" name="Content Placeholder 2"/>
+          <p:cNvSpPr>
+            <a:spLocks noGrp="1"/>
+          </p:cNvSpPr>
+          <p:nvPr>
+            <p:ph idx="1"/>
+          </p:nvPr>
+        </p:nvSpPr>
+        <p:spPr>
+          <a:xfrm>
+            <a:off x="919461" y="683742"/>
+            <a:ext cx="9905999" cy="5420498"/>
+          </a:xfrm>
+        </p:spPr>
+        <p:txBody>
+          <a:bodyPr>
+            <a:normAutofit fontScale="70000" lnSpcReduction="20000"/>
+          </a:bodyPr>
+          <a:lstStyle/>
+          <a:p>
+            <a:pPr marL="0" indent="0">
+              <a:buNone/>
+            </a:pPr>
+            <a:r>
+              <a:rPr lang="en-NZ" dirty="0"/>
+              <a:t>public function escape($</a:t>
+            </a:r>
+            <a:r>
+              <a:rPr lang="en-NZ" dirty="0" err="1"/>
+              <a:t>fieldValue</a:t>
+            </a:r>
+            <a:r>
+              <a:rPr lang="en-NZ" dirty="0"/>
+              <a:t>) {</a:t>
+            </a:r>
+          </a:p>
+          <a:p>
+            <a:pPr marL="0" indent="0">
+              <a:buNone/>
+            </a:pPr>
+            <a:r>
+              <a:rPr lang="en-NZ" dirty="0"/>
+              <a:t>		return $this-&gt;conn-&gt;</a:t>
+            </a:r>
+            <a:r>
+              <a:rPr lang="en-NZ" dirty="0" err="1"/>
+              <a:t>real_escape_string</a:t>
+            </a:r>
+            <a:r>
+              <a:rPr lang="en-NZ" dirty="0"/>
+              <a:t>($</a:t>
+            </a:r>
+            <a:r>
+              <a:rPr lang="en-NZ" dirty="0" err="1"/>
+              <a:t>fieldValue</a:t>
+            </a:r>
+            <a:r>
+              <a:rPr lang="en-NZ" dirty="0"/>
+              <a:t>);	// TODO: charset	</a:t>
+            </a:r>
+          </a:p>
+          <a:p>
+            <a:pPr marL="0" indent="0">
+              <a:buNone/>
+            </a:pPr>
+            <a:r>
+              <a:rPr lang="en-NZ" dirty="0"/>
+              <a:t>	</a:t>
+            </a:r>
+            <a:r>
+              <a:rPr lang="en-NZ" dirty="0" smtClean="0"/>
+              <a:t>}public </a:t>
+            </a:r>
+            <a:r>
+              <a:rPr lang="en-NZ" dirty="0"/>
+              <a:t>function </a:t>
+            </a:r>
+            <a:r>
+              <a:rPr lang="en-NZ" dirty="0" err="1"/>
+              <a:t>queryPrepared</a:t>
+            </a:r>
+            <a:r>
+              <a:rPr lang="en-NZ" dirty="0"/>
+              <a:t>($</a:t>
+            </a:r>
+            <a:r>
+              <a:rPr lang="en-NZ" dirty="0" err="1"/>
+              <a:t>parameterisedSQL</a:t>
+            </a:r>
+            <a:r>
+              <a:rPr lang="en-NZ" dirty="0"/>
+              <a:t>,$fields) {</a:t>
+            </a:r>
+          </a:p>
+          <a:p>
+            <a:pPr marL="0" indent="0">
+              <a:buNone/>
+            </a:pPr>
+            <a:r>
+              <a:rPr lang="en-NZ" dirty="0"/>
+              <a:t>		throw new </a:t>
+            </a:r>
+            <a:r>
+              <a:rPr lang="en-NZ" dirty="0" err="1"/>
+              <a:t>DatabaseException</a:t>
+            </a:r>
+            <a:r>
+              <a:rPr lang="en-NZ" dirty="0"/>
+              <a:t>("Not yet implemented");</a:t>
+            </a:r>
+          </a:p>
+          <a:p>
+            <a:pPr marL="0" indent="0">
+              <a:buNone/>
+            </a:pPr>
+            <a:r>
+              <a:rPr lang="en-NZ" dirty="0"/>
+              <a:t>	}</a:t>
+            </a:r>
+          </a:p>
+          <a:p>
+            <a:pPr marL="0" indent="0">
+              <a:buNone/>
+            </a:pPr>
+            <a:r>
+              <a:rPr lang="en-NZ" dirty="0" smtClean="0"/>
+              <a:t>  </a:t>
+            </a:r>
+            <a:r>
+              <a:rPr lang="en-NZ" dirty="0"/>
+              <a:t>public function </a:t>
+            </a:r>
+            <a:r>
+              <a:rPr lang="en-NZ" dirty="0" err="1"/>
+              <a:t>executePrepared</a:t>
+            </a:r>
+            <a:r>
+              <a:rPr lang="en-NZ" dirty="0"/>
+              <a:t>($</a:t>
+            </a:r>
+            <a:r>
+              <a:rPr lang="en-NZ" dirty="0" err="1"/>
+              <a:t>parameterisedSQL</a:t>
+            </a:r>
+            <a:r>
+              <a:rPr lang="en-NZ" dirty="0"/>
+              <a:t>,$fields) {</a:t>
+            </a:r>
+          </a:p>
+          <a:p>
+            <a:pPr marL="0" indent="0">
+              <a:buNone/>
+            </a:pPr>
+            <a:r>
+              <a:rPr lang="en-NZ" dirty="0"/>
+              <a:t>		throw new </a:t>
+            </a:r>
+            <a:r>
+              <a:rPr lang="en-NZ" dirty="0" err="1"/>
+              <a:t>DatabaseException</a:t>
+            </a:r>
+            <a:r>
+              <a:rPr lang="en-NZ" dirty="0"/>
+              <a:t>("Not yet implemented");</a:t>
+            </a:r>
+          </a:p>
+          <a:p>
+            <a:pPr marL="0" indent="0">
+              <a:buNone/>
+            </a:pPr>
+            <a:r>
+              <a:rPr lang="en-NZ" dirty="0"/>
+              <a:t>	}</a:t>
+            </a:r>
+          </a:p>
+          <a:p>
+            <a:pPr marL="0" indent="0">
+              <a:buNone/>
+            </a:pPr>
+            <a:r>
+              <a:rPr lang="en-NZ" dirty="0"/>
+              <a:t>	</a:t>
+            </a:r>
+          </a:p>
+          <a:p>
+            <a:pPr marL="0" indent="0">
+              <a:buNone/>
+            </a:pPr>
+            <a:r>
+              <a:rPr lang="en-NZ" dirty="0"/>
+              <a:t>	private function </a:t>
+            </a:r>
+            <a:r>
+              <a:rPr lang="en-NZ" dirty="0" err="1"/>
+              <a:t>sqlError</a:t>
+            </a:r>
+            <a:r>
+              <a:rPr lang="en-NZ" dirty="0"/>
+              <a:t>($source) {</a:t>
+            </a:r>
+          </a:p>
+          <a:p>
+            <a:pPr marL="0" indent="0">
+              <a:buNone/>
+            </a:pPr>
+            <a:r>
+              <a:rPr lang="en-NZ" dirty="0"/>
+              <a:t>		return 'Unable to '.$source.', MySQL error ('. </a:t>
+            </a:r>
+          </a:p>
+          <a:p>
+            <a:pPr marL="0" indent="0">
+              <a:buNone/>
+            </a:pPr>
+            <a:r>
+              <a:rPr lang="en-NZ" dirty="0"/>
+              <a:t>				$this-&gt;conn-&gt;</a:t>
+            </a:r>
+            <a:r>
+              <a:rPr lang="en-NZ" dirty="0" err="1"/>
+              <a:t>connect_errno</a:t>
+            </a:r>
+            <a:r>
+              <a:rPr lang="en-NZ" dirty="0"/>
+              <a:t>. ') is: '. </a:t>
+            </a:r>
+          </a:p>
+          <a:p>
+            <a:pPr marL="0" indent="0">
+              <a:buNone/>
+            </a:pPr>
+            <a:r>
+              <a:rPr lang="en-NZ" dirty="0"/>
+              <a:t>				$this-&gt;conn-&gt;</a:t>
+            </a:r>
+            <a:r>
+              <a:rPr lang="en-NZ" dirty="0" err="1"/>
+              <a:t>connect_error</a:t>
+            </a:r>
+            <a:r>
+              <a:rPr lang="en-NZ" dirty="0"/>
+              <a:t>;</a:t>
+            </a:r>
+          </a:p>
+          <a:p>
+            <a:pPr marL="0" indent="0">
+              <a:buNone/>
+            </a:pPr>
+            <a:r>
+              <a:rPr lang="en-NZ" dirty="0"/>
+              <a:t>	}</a:t>
+            </a:r>
+          </a:p>
+        </p:txBody>
+      </p:sp>
+    </p:spTree>
+    <p:extLst>
+      <p:ext uri="{BB962C8B-B14F-4D97-AF65-F5344CB8AC3E}">
+        <p14:creationId xmlns:p14="http://schemas.microsoft.com/office/powerpoint/2010/main" val="2821875161"/>
+      </p:ext>
+    </p:extLst>
+  </p:cSld>
+  <p:clrMapOvr>
+    <a:masterClrMapping/>
+  </p:clrMapOvr>
+</p:sld>
+</file>
+
+<file path=ppt/slides/slide23.xml><?xml version="1.0" encoding="utf-8"?>
+<p:sld xmlns:a="http://schemas.openxmlformats.org/drawingml/2006/main" xmlns:r="http://schemas.openxmlformats.org/officeDocument/2006/relationships" xmlns:p="http://schemas.openxmlformats.org/presentationml/2006/main">
+  <p:cSld>
+    <p:spTree>
+      <p:nvGrpSpPr>
+        <p:cNvPr id="1" name=""/>
+        <p:cNvGrpSpPr/>
+        <p:nvPr/>
+      </p:nvGrpSpPr>
+      <p:grpSpPr>
+        <a:xfrm>
+          <a:off x="0" y="0"/>
+          <a:ext cx="0" cy="0"/>
+          <a:chOff x="0" y="0"/>
+          <a:chExt cx="0" cy="0"/>
+        </a:xfrm>
+      </p:grpSpPr>
+      <p:sp>
+        <p:nvSpPr>
+          <p:cNvPr id="2" name="Title 1"/>
+          <p:cNvSpPr>
+            <a:spLocks noGrp="1"/>
+          </p:cNvSpPr>
+          <p:nvPr>
+            <p:ph type="title"/>
+          </p:nvPr>
+        </p:nvSpPr>
+        <p:spPr/>
+        <p:txBody>
+          <a:bodyPr/>
+          <a:lstStyle/>
+          <a:p>
+            <a:r>
               <a:rPr lang="en-NZ" dirty="0" smtClean="0"/>
               <a:t>Cross site request forgery</a:t>
             </a:r>
@@ -12838,7 +15118,7 @@
 </p:sld>
 </file>
 
-<file path=ppt/slides/slide13.xml><?xml version="1.0" encoding="utf-8"?>
+<file path=ppt/slides/slide24.xml><?xml version="1.0" encoding="utf-8"?>
 <p:sld xmlns:a="http://schemas.openxmlformats.org/drawingml/2006/main" xmlns:r="http://schemas.openxmlformats.org/officeDocument/2006/relationships" xmlns:p="http://schemas.openxmlformats.org/presentationml/2006/main">
   <p:cSld>
     <p:spTree>
@@ -12898,7 +15178,7 @@
 </p:sld>
 </file>
 
-<file path=ppt/slides/slide14.xml><?xml version="1.0" encoding="utf-8"?>
+<file path=ppt/slides/slide25.xml><?xml version="1.0" encoding="utf-8"?>
 <p:sld xmlns:a="http://schemas.openxmlformats.org/drawingml/2006/main" xmlns:r="http://schemas.openxmlformats.org/officeDocument/2006/relationships" xmlns:p="http://schemas.openxmlformats.org/presentationml/2006/main">
   <p:cSld>
     <p:spTree>
@@ -12957,93 +15237,6 @@
     <p:extLst>
       <p:ext uri="{BB962C8B-B14F-4D97-AF65-F5344CB8AC3E}">
         <p14:creationId xmlns:p14="http://schemas.microsoft.com/office/powerpoint/2010/main" val="3485130671"/>
-      </p:ext>
-    </p:extLst>
-  </p:cSld>
-  <p:clrMapOvr>
-    <a:masterClrMapping/>
-  </p:clrMapOvr>
-</p:sld>
-</file>
-
-<file path=ppt/slides/slide2.xml><?xml version="1.0" encoding="utf-8"?>
-<p:sld xmlns:a="http://schemas.openxmlformats.org/drawingml/2006/main" xmlns:r="http://schemas.openxmlformats.org/officeDocument/2006/relationships" xmlns:p="http://schemas.openxmlformats.org/presentationml/2006/main">
-  <p:cSld>
-    <p:spTree>
-      <p:nvGrpSpPr>
-        <p:cNvPr id="1" name=""/>
-        <p:cNvGrpSpPr/>
-        <p:nvPr/>
-      </p:nvGrpSpPr>
-      <p:grpSpPr>
-        <a:xfrm>
-          <a:off x="0" y="0"/>
-          <a:ext cx="0" cy="0"/>
-          <a:chOff x="0" y="0"/>
-          <a:chExt cx="0" cy="0"/>
-        </a:xfrm>
-      </p:grpSpPr>
-      <p:sp>
-        <p:nvSpPr>
-          <p:cNvPr id="2" name="Title 1"/>
-          <p:cNvSpPr>
-            <a:spLocks noGrp="1"/>
-          </p:cNvSpPr>
-          <p:nvPr>
-            <p:ph type="title"/>
-          </p:nvPr>
-        </p:nvSpPr>
-        <p:spPr>
-          <a:xfrm>
-            <a:off x="1141413" y="0"/>
-            <a:ext cx="9905998" cy="837127"/>
-          </a:xfrm>
-        </p:spPr>
-        <p:txBody>
-          <a:bodyPr/>
-          <a:lstStyle/>
-          <a:p>
-            <a:r>
-              <a:rPr lang="en-NZ" dirty="0" smtClean="0"/>
-              <a:t>Architecture Design</a:t>
-            </a:r>
-            <a:endParaRPr lang="en-NZ" dirty="0"/>
-          </a:p>
-        </p:txBody>
-      </p:sp>
-      <p:pic>
-        <p:nvPicPr>
-          <p:cNvPr id="4" name="Content Placeholder 3"/>
-          <p:cNvPicPr>
-            <a:picLocks noGrp="1" noChangeAspect="1"/>
-          </p:cNvPicPr>
-          <p:nvPr>
-            <p:ph idx="1"/>
-          </p:nvPr>
-        </p:nvPicPr>
-        <p:blipFill>
-          <a:blip r:embed="rId2">
-            <a:extLst>
-              <a:ext uri="{28A0092B-C50C-407E-A947-70E740481C1C}">
-                <a14:useLocalDpi xmlns:a14="http://schemas.microsoft.com/office/drawing/2010/main" val="0"/>
-              </a:ext>
-            </a:extLst>
-          </a:blip>
-          <a:stretch>
-            <a:fillRect/>
-          </a:stretch>
-        </p:blipFill>
-        <p:spPr>
-          <a:xfrm>
-            <a:off x="1039923" y="837127"/>
-            <a:ext cx="10306363" cy="5718219"/>
-          </a:xfrm>
-        </p:spPr>
-      </p:pic>
-    </p:spTree>
-    <p:extLst>
-      <p:ext uri="{BB962C8B-B14F-4D97-AF65-F5344CB8AC3E}">
-        <p14:creationId xmlns:p14="http://schemas.microsoft.com/office/powerpoint/2010/main" val="1609636600"/>
       </p:ext>
     </p:extLst>
   </p:cSld>
@@ -13292,7 +15485,7 @@
         </p:spPr>
         <p:txBody>
           <a:bodyPr>
-            <a:normAutofit lnSpcReduction="10000"/>
+            <a:normAutofit/>
           </a:bodyPr>
           <a:lstStyle/>
           <a:p>
@@ -13321,45 +15514,6 @@
             <a:r>
               <a:rPr lang="en-NZ" dirty="0" smtClean="0"/>
               <a:t>He is congratulated and receives an email confirming purchase</a:t>
-            </a:r>
-          </a:p>
-          <a:p>
-            <a:pPr marL="0" indent="0">
-              <a:buNone/>
-            </a:pPr>
-            <a:r>
-              <a:rPr lang="en-NZ" dirty="0" smtClean="0"/>
-              <a:t>User B </a:t>
-            </a:r>
-          </a:p>
-          <a:p>
-            <a:r>
-              <a:rPr lang="en-NZ" dirty="0" smtClean="0"/>
-              <a:t>Goes to website clicks on computer category</a:t>
-            </a:r>
-          </a:p>
-          <a:p>
-            <a:r>
-              <a:rPr lang="en-NZ" dirty="0" smtClean="0"/>
-              <a:t>Goes to printers</a:t>
-            </a:r>
-          </a:p>
-          <a:p>
-            <a:r>
-              <a:rPr lang="en-NZ" dirty="0" smtClean="0"/>
-              <a:t>Choose a brand then select another  for comparison</a:t>
-            </a:r>
-          </a:p>
-          <a:p>
-            <a:r>
-              <a:rPr lang="en-NZ" dirty="0" smtClean="0"/>
-              <a:t>Decides which one to purchase</a:t>
-            </a:r>
-          </a:p>
-          <a:p>
-            <a:r>
-              <a:rPr lang="en-NZ" dirty="0" smtClean="0"/>
-              <a:t>Adds to the cart and similar process as user A</a:t>
             </a:r>
           </a:p>
           <a:p>
@@ -13408,117 +15562,60 @@
       </p:grpSpPr>
       <p:sp>
         <p:nvSpPr>
-          <p:cNvPr id="3" name="Content Placeholder 2"/>
+          <p:cNvPr id="2" name="Title 1"/>
           <p:cNvSpPr>
             <a:spLocks noGrp="1"/>
           </p:cNvSpPr>
           <p:nvPr>
+            <p:ph type="title"/>
+          </p:nvPr>
+        </p:nvSpPr>
+        <p:spPr/>
+        <p:txBody>
+          <a:bodyPr/>
+          <a:lstStyle/>
+          <a:p>
+            <a:r>
+              <a:rPr lang="en-NZ" dirty="0" smtClean="0"/>
+              <a:t>database</a:t>
+            </a:r>
+            <a:endParaRPr lang="en-NZ" dirty="0"/>
+          </a:p>
+        </p:txBody>
+      </p:sp>
+      <p:pic>
+        <p:nvPicPr>
+          <p:cNvPr id="4" name="Content Placeholder 3"/>
+          <p:cNvPicPr>
+            <a:picLocks noGrp="1" noChangeAspect="1"/>
+          </p:cNvPicPr>
+          <p:nvPr>
             <p:ph idx="1"/>
           </p:nvPr>
-        </p:nvSpPr>
+        </p:nvPicPr>
+        <p:blipFill>
+          <a:blip r:embed="rId2">
+            <a:extLst>
+              <a:ext uri="{28A0092B-C50C-407E-A947-70E740481C1C}">
+                <a14:useLocalDpi xmlns:a14="http://schemas.microsoft.com/office/drawing/2010/main" val="0"/>
+              </a:ext>
+            </a:extLst>
+          </a:blip>
+          <a:stretch>
+            <a:fillRect/>
+          </a:stretch>
+        </p:blipFill>
         <p:spPr>
           <a:xfrm>
-            <a:off x="1141412" y="940158"/>
-            <a:ext cx="9905999" cy="4919729"/>
+            <a:off x="1696454" y="1576137"/>
+            <a:ext cx="7555830" cy="4704347"/>
           </a:xfrm>
         </p:spPr>
-        <p:txBody>
-          <a:bodyPr>
-            <a:normAutofit fontScale="92500" lnSpcReduction="20000"/>
-          </a:bodyPr>
-          <a:lstStyle/>
-          <a:p>
-            <a:pPr marL="0" indent="0">
-              <a:buNone/>
-            </a:pPr>
-            <a:r>
-              <a:rPr lang="en-NZ" dirty="0" smtClean="0"/>
-              <a:t>User C Returning customer</a:t>
-            </a:r>
-          </a:p>
-          <a:p>
-            <a:r>
-              <a:rPr lang="en-NZ" dirty="0" smtClean="0"/>
-              <a:t>Logs in </a:t>
-            </a:r>
-          </a:p>
-          <a:p>
-            <a:r>
-              <a:rPr lang="en-NZ" dirty="0" smtClean="0"/>
-              <a:t>Clicks on a product</a:t>
-            </a:r>
-          </a:p>
-          <a:p>
-            <a:r>
-              <a:rPr lang="en-NZ" dirty="0" smtClean="0"/>
-              <a:t>Adds to the cart</a:t>
-            </a:r>
-          </a:p>
-          <a:p>
-            <a:r>
-              <a:rPr lang="en-NZ" dirty="0" smtClean="0"/>
-              <a:t>Selects two more products and adds to the cart</a:t>
-            </a:r>
-          </a:p>
-          <a:p>
-            <a:r>
-              <a:rPr lang="en-NZ" dirty="0" smtClean="0"/>
-              <a:t>Proceeds to the checkout </a:t>
-            </a:r>
-          </a:p>
-          <a:p>
-            <a:r>
-              <a:rPr lang="en-NZ" dirty="0" smtClean="0"/>
-              <a:t>Decides to get it delivered</a:t>
-            </a:r>
-          </a:p>
-          <a:p>
-            <a:r>
-              <a:rPr lang="en-NZ" dirty="0" smtClean="0"/>
-              <a:t>Removes product B </a:t>
-            </a:r>
-          </a:p>
-          <a:p>
-            <a:r>
-              <a:rPr lang="en-NZ" dirty="0" smtClean="0"/>
-              <a:t>Pay for items</a:t>
-            </a:r>
-          </a:p>
-          <a:p>
-            <a:r>
-              <a:rPr lang="en-NZ" dirty="0" smtClean="0"/>
-              <a:t>Receives </a:t>
-            </a:r>
-            <a:r>
-              <a:rPr lang="en-NZ" smtClean="0"/>
-              <a:t>confirmation email</a:t>
-            </a:r>
-            <a:endParaRPr lang="en-NZ" dirty="0" smtClean="0"/>
-          </a:p>
-          <a:p>
-            <a:pPr marL="0" indent="0">
-              <a:buNone/>
-            </a:pPr>
-            <a:endParaRPr lang="en-NZ" dirty="0" smtClean="0"/>
-          </a:p>
-          <a:p>
-            <a:pPr marL="0" indent="0">
-              <a:buNone/>
-            </a:pPr>
-            <a:endParaRPr lang="en-NZ" dirty="0" smtClean="0"/>
-          </a:p>
-          <a:p>
-            <a:endParaRPr lang="en-NZ" dirty="0" smtClean="0"/>
-          </a:p>
-          <a:p>
-            <a:endParaRPr lang="en-NZ" dirty="0"/>
-          </a:p>
-        </p:txBody>
-      </p:sp>
+      </p:pic>
     </p:spTree>
     <p:extLst>
       <p:ext uri="{BB962C8B-B14F-4D97-AF65-F5344CB8AC3E}">
-        <p14:creationId xmlns:p14="http://schemas.microsoft.com/office/powerpoint/2010/main" val="2122877612"/>
+        <p14:creationId xmlns:p14="http://schemas.microsoft.com/office/powerpoint/2010/main" val="311986290"/>
       </p:ext>
     </p:extLst>
   </p:cSld>
@@ -13562,35 +15659,45 @@
           <a:p>
             <a:r>
               <a:rPr lang="en-NZ" dirty="0" smtClean="0"/>
-              <a:t>database</a:t>
+              <a:t>Class diagram</a:t>
             </a:r>
             <a:endParaRPr lang="en-NZ" dirty="0"/>
           </a:p>
         </p:txBody>
       </p:sp>
-      <p:sp>
-        <p:nvSpPr>
-          <p:cNvPr id="3" name="Content Placeholder 2"/>
-          <p:cNvSpPr>
-            <a:spLocks noGrp="1"/>
-          </p:cNvSpPr>
+      <p:pic>
+        <p:nvPicPr>
+          <p:cNvPr id="4" name="Content Placeholder 3"/>
+          <p:cNvPicPr>
+            <a:picLocks noGrp="1" noChangeAspect="1"/>
+          </p:cNvPicPr>
           <p:nvPr>
             <p:ph idx="1"/>
           </p:nvPr>
-        </p:nvSpPr>
-        <p:spPr/>
-        <p:txBody>
-          <a:bodyPr/>
-          <a:lstStyle/>
-          <a:p>
-            <a:endParaRPr lang="en-NZ"/>
-          </a:p>
-        </p:txBody>
-      </p:sp>
+        </p:nvPicPr>
+        <p:blipFill>
+          <a:blip r:embed="rId2">
+            <a:extLst>
+              <a:ext uri="{28A0092B-C50C-407E-A947-70E740481C1C}">
+                <a14:useLocalDpi xmlns:a14="http://schemas.microsoft.com/office/drawing/2010/main" val="0"/>
+              </a:ext>
+            </a:extLst>
+          </a:blip>
+          <a:stretch>
+            <a:fillRect/>
+          </a:stretch>
+        </p:blipFill>
+        <p:spPr>
+          <a:xfrm>
+            <a:off x="2920278" y="1203732"/>
+            <a:ext cx="6031217" cy="5321394"/>
+          </a:xfrm>
+        </p:spPr>
+      </p:pic>
     </p:spTree>
     <p:extLst>
       <p:ext uri="{BB962C8B-B14F-4D97-AF65-F5344CB8AC3E}">
-        <p14:creationId xmlns:p14="http://schemas.microsoft.com/office/powerpoint/2010/main" val="311986290"/>
+        <p14:creationId xmlns:p14="http://schemas.microsoft.com/office/powerpoint/2010/main" val="2032470963"/>
       </p:ext>
     </p:extLst>
   </p:cSld>
@@ -13634,7 +15741,7 @@
           <a:p>
             <a:r>
               <a:rPr lang="en-NZ" dirty="0" smtClean="0"/>
-              <a:t>Class diagram</a:t>
+              <a:t>framework</a:t>
             </a:r>
             <a:endParaRPr lang="en-NZ" dirty="0"/>
           </a:p>
@@ -13655,6 +15762,32 @@
           <a:bodyPr/>
           <a:lstStyle/>
           <a:p>
+            <a:r>
+              <a:rPr lang="en-NZ" dirty="0"/>
+              <a:t>The framework we are using is the one provided by  Dr Mike Lopez and we have adapted it to develop our e-Commerce website. </a:t>
+            </a:r>
+          </a:p>
+          <a:p>
+            <a:r>
+              <a:rPr lang="en-NZ" dirty="0"/>
+              <a:t>It consists of series of models that are managed by  controllers, they all either inherit from an abstract model and are embedded with defence mechanism against cross site scripting, </a:t>
+            </a:r>
+            <a:r>
+              <a:rPr lang="en-NZ" dirty="0" err="1"/>
+              <a:t>sql</a:t>
+            </a:r>
+            <a:r>
+              <a:rPr lang="en-NZ" dirty="0"/>
+              <a:t> injection and cross site request forgery which we will discuss in the next slides</a:t>
+            </a:r>
+          </a:p>
+          <a:p>
+            <a:pPr marL="0" indent="0">
+              <a:buNone/>
+            </a:pPr>
+            <a:endParaRPr lang="en-NZ" dirty="0"/>
+          </a:p>
+          <a:p>
             <a:pPr marL="0" indent="0">
               <a:buNone/>
             </a:pPr>
@@ -13665,7 +15798,7 @@
     </p:spTree>
     <p:extLst>
       <p:ext uri="{BB962C8B-B14F-4D97-AF65-F5344CB8AC3E}">
-        <p14:creationId xmlns:p14="http://schemas.microsoft.com/office/powerpoint/2010/main" val="2032470963"/>
+        <p14:creationId xmlns:p14="http://schemas.microsoft.com/office/powerpoint/2010/main" val="4032489337"/>
       </p:ext>
     </p:extLst>
   </p:cSld>
@@ -13694,9 +15827,9 @@
       </p:grpSpPr>
       <p:sp>
         <p:nvSpPr>
-          <p:cNvPr id="2" name="Title 1"/>
+          <p:cNvPr id="3074" name="Title 1"/>
           <p:cNvSpPr>
-            <a:spLocks noGrp="1"/>
+            <a:spLocks noGrp="1" noChangeArrowheads="1"/>
           </p:cNvSpPr>
           <p:nvPr>
             <p:ph type="title"/>
@@ -13708,42 +15841,95 @@
           <a:lstStyle/>
           <a:p>
             <a:r>
-              <a:rPr lang="en-NZ" dirty="0" smtClean="0"/>
-              <a:t>framework</a:t>
-            </a:r>
-            <a:endParaRPr lang="en-NZ" dirty="0"/>
+              <a:rPr lang="en-US" altLang="zh-CN" smtClean="0"/>
+              <a:t>Sql injection</a:t>
+            </a:r>
           </a:p>
         </p:txBody>
       </p:sp>
       <p:sp>
         <p:nvSpPr>
-          <p:cNvPr id="3" name="Content Placeholder 2"/>
+          <p:cNvPr id="3075" name="Content Placeholder 2"/>
           <p:cNvSpPr>
-            <a:spLocks noGrp="1"/>
+            <a:spLocks noGrp="1" noChangeArrowheads="1"/>
           </p:cNvSpPr>
           <p:nvPr>
-            <p:ph idx="1"/>
+            <p:ph idx="4294967295"/>
           </p:nvPr>
         </p:nvSpPr>
-        <p:spPr/>
+        <p:spPr>
+          <a:xfrm>
+            <a:off x="0" y="2249488"/>
+            <a:ext cx="9906000" cy="3541712"/>
+          </a:xfrm>
+        </p:spPr>
         <p:txBody>
           <a:bodyPr/>
           <a:lstStyle/>
           <a:p>
-            <a:endParaRPr lang="en-NZ"/>
+            <a:pPr>
+              <a:lnSpc>
+                <a:spcPct val="110000"/>
+              </a:lnSpc>
+            </a:pPr>
+            <a:r>
+              <a:rPr lang="en-NZ" altLang="en-US" smtClean="0"/>
+              <a:t>Serious security Vulnerability</a:t>
+            </a:r>
+          </a:p>
+          <a:p>
+            <a:pPr>
+              <a:lnSpc>
+                <a:spcPct val="110000"/>
+              </a:lnSpc>
+            </a:pPr>
+            <a:r>
+              <a:rPr lang="en-NZ" altLang="en-US" smtClean="0"/>
+              <a:t>user can issue a SQL command to get access to back end database</a:t>
+            </a:r>
+          </a:p>
+          <a:p>
+            <a:pPr>
+              <a:lnSpc>
+                <a:spcPct val="110000"/>
+              </a:lnSpc>
+            </a:pPr>
+            <a:r>
+              <a:rPr lang="en-NZ" altLang="en-US" smtClean="0"/>
+              <a:t>This exposes the information- emails,user names,passwords etc..</a:t>
+            </a:r>
+          </a:p>
+          <a:p>
+            <a:pPr>
+              <a:lnSpc>
+                <a:spcPct val="110000"/>
+              </a:lnSpc>
+            </a:pPr>
+            <a:r>
+              <a:rPr lang="en-NZ" altLang="en-US" smtClean="0"/>
+              <a:t>This vulnerability accounts for over 83% of all attacks since 2005</a:t>
+            </a:r>
+            <a:endParaRPr lang="en-US" altLang="en-US" smtClean="0"/>
           </a:p>
         </p:txBody>
       </p:sp>
     </p:spTree>
     <p:extLst>
       <p:ext uri="{BB962C8B-B14F-4D97-AF65-F5344CB8AC3E}">
-        <p14:creationId xmlns:p14="http://schemas.microsoft.com/office/powerpoint/2010/main" val="4032489337"/>
+        <p14:creationId xmlns:p14="http://schemas.microsoft.com/office/powerpoint/2010/main" val="976514909"/>
       </p:ext>
     </p:extLst>
   </p:cSld>
   <p:clrMapOvr>
     <a:masterClrMapping/>
   </p:clrMapOvr>
+  <p:timing>
+    <p:tnLst>
+      <p:par>
+        <p:cTn id="1" dur="indefinite" restart="never" nodeType="tmRoot"/>
+      </p:par>
+    </p:tnLst>
+  </p:timing>
 </p:sld>
 </file>
 
@@ -13992,7 +16178,7 @@
   <a:extraClrSchemeLst/>
   <a:extLst>
     <a:ext uri="{05A4C25C-085E-4340-85A3-A5531E510DB2}">
-      <thm15:themeFamily xmlns:thm15="http://schemas.microsoft.com/office/thememl/2012/main" xmlns="" name="Circuit" id="{0AC2F7E7-15F5-431C-B2A2-456FE929F56C}" vid="{142578CA-DEC9-49C3-80AF-C113973CC9A9}"/>
+      <thm15:themeFamily xmlns:thm15="http://schemas.microsoft.com/office/thememl/2012/main" name="Circuit" id="{0AC2F7E7-15F5-431C-B2A2-456FE929F56C}" vid="{142578CA-DEC9-49C3-80AF-C113973CC9A9}"/>
     </a:ext>
   </a:extLst>
 </a:theme>

--- a/site/Presentation doc/Php assignment.pptx
+++ b/site/Presentation doc/Php assignment.pptx
@@ -13,23 +13,24 @@
     <p:sldId id="263" r:id="rId7"/>
     <p:sldId id="259" r:id="rId8"/>
     <p:sldId id="260" r:id="rId9"/>
-    <p:sldId id="270" r:id="rId10"/>
-    <p:sldId id="271" r:id="rId11"/>
-    <p:sldId id="272" r:id="rId12"/>
-    <p:sldId id="273" r:id="rId13"/>
-    <p:sldId id="274" r:id="rId14"/>
-    <p:sldId id="275" r:id="rId15"/>
-    <p:sldId id="276" r:id="rId16"/>
-    <p:sldId id="277" r:id="rId17"/>
-    <p:sldId id="278" r:id="rId18"/>
-    <p:sldId id="283" r:id="rId19"/>
-    <p:sldId id="279" r:id="rId20"/>
-    <p:sldId id="280" r:id="rId21"/>
-    <p:sldId id="281" r:id="rId22"/>
-    <p:sldId id="282" r:id="rId23"/>
-    <p:sldId id="264" r:id="rId24"/>
-    <p:sldId id="266" r:id="rId25"/>
-    <p:sldId id="265" r:id="rId26"/>
+    <p:sldId id="284" r:id="rId10"/>
+    <p:sldId id="270" r:id="rId11"/>
+    <p:sldId id="271" r:id="rId12"/>
+    <p:sldId id="272" r:id="rId13"/>
+    <p:sldId id="273" r:id="rId14"/>
+    <p:sldId id="274" r:id="rId15"/>
+    <p:sldId id="275" r:id="rId16"/>
+    <p:sldId id="276" r:id="rId17"/>
+    <p:sldId id="277" r:id="rId18"/>
+    <p:sldId id="278" r:id="rId19"/>
+    <p:sldId id="283" r:id="rId20"/>
+    <p:sldId id="279" r:id="rId21"/>
+    <p:sldId id="280" r:id="rId22"/>
+    <p:sldId id="281" r:id="rId23"/>
+    <p:sldId id="282" r:id="rId24"/>
+    <p:sldId id="264" r:id="rId25"/>
+    <p:sldId id="266" r:id="rId26"/>
+    <p:sldId id="265" r:id="rId27"/>
   </p:sldIdLst>
   <p:sldSz cx="12192000" cy="6858000"/>
   <p:notesSz cx="6858000" cy="9144000"/>
@@ -12635,7 +12636,7 @@
       </p:grpSpPr>
       <p:sp>
         <p:nvSpPr>
-          <p:cNvPr id="4098" name="Rectangle 2"/>
+          <p:cNvPr id="3074" name="Title 1"/>
           <p:cNvSpPr>
             <a:spLocks noGrp="1" noChangeArrowheads="1"/>
           </p:cNvSpPr>
@@ -12649,150 +12650,98 @@
           <a:lstStyle/>
           <a:p>
             <a:r>
-              <a:rPr lang="en-NZ" altLang="en-US" smtClean="0"/>
-              <a:t>SQL injection</a:t>
-            </a:r>
-            <a:endParaRPr lang="en-US" altLang="en-US" smtClean="0"/>
+              <a:rPr lang="en-US" altLang="zh-CN" smtClean="0"/>
+              <a:t>Sql injection</a:t>
+            </a:r>
           </a:p>
         </p:txBody>
       </p:sp>
       <p:sp>
         <p:nvSpPr>
-          <p:cNvPr id="4099" name="Rectangle 3"/>
+          <p:cNvPr id="3075" name="Content Placeholder 2"/>
           <p:cNvSpPr>
             <a:spLocks noGrp="1" noChangeArrowheads="1"/>
           </p:cNvSpPr>
           <p:nvPr>
-            <p:ph idx="1"/>
+            <p:ph idx="4294967295"/>
           </p:nvPr>
         </p:nvSpPr>
-        <p:spPr/>
+        <p:spPr>
+          <a:xfrm>
+            <a:off x="0" y="2249488"/>
+            <a:ext cx="9906000" cy="3541712"/>
+          </a:xfrm>
+        </p:spPr>
         <p:txBody>
           <a:bodyPr/>
           <a:lstStyle/>
           <a:p>
             <a:pPr>
               <a:lnSpc>
-                <a:spcPct val="100000"/>
+                <a:spcPct val="110000"/>
               </a:lnSpc>
             </a:pPr>
             <a:r>
-              <a:rPr lang="en-NZ" altLang="en-US" sz="2000" smtClean="0"/>
-              <a:t>original sql query: </a:t>
+              <a:rPr lang="en-NZ" altLang="en-US" dirty="0" smtClean="0"/>
+              <a:t>Serious security Vulnerability</a:t>
             </a:r>
           </a:p>
           <a:p>
             <a:pPr>
               <a:lnSpc>
-                <a:spcPct val="100000"/>
+                <a:spcPct val="110000"/>
               </a:lnSpc>
-              <a:buFont typeface="Arial" panose="020B0604020202020204" pitchFamily="34" charset="0"/>
-              <a:buNone/>
             </a:pPr>
             <a:r>
-              <a:rPr lang="en-NZ" altLang="en-US" sz="2000" smtClean="0"/>
-              <a:t>SELECT  * FROM table WHERE Username='username' AND Password='password';</a:t>
+              <a:rPr lang="en-NZ" altLang="en-US" dirty="0" smtClean="0"/>
+              <a:t>user can issue a SQL command to get access to back end database</a:t>
             </a:r>
           </a:p>
           <a:p>
             <a:pPr>
               <a:lnSpc>
-                <a:spcPct val="100000"/>
+                <a:spcPct val="110000"/>
               </a:lnSpc>
             </a:pPr>
             <a:r>
-              <a:rPr lang="en-NZ" altLang="en-US" sz="2000" smtClean="0"/>
-              <a:t>With user input:</a:t>
+              <a:rPr lang="en-NZ" altLang="en-US" dirty="0" smtClean="0"/>
+              <a:t>This exposes the information- </a:t>
+            </a:r>
+            <a:r>
+              <a:rPr lang="en-NZ" altLang="en-US" dirty="0" err="1" smtClean="0"/>
+              <a:t>emails,user</a:t>
+            </a:r>
+            <a:r>
+              <a:rPr lang="en-NZ" altLang="en-US" dirty="0" smtClean="0"/>
+              <a:t> </a:t>
+            </a:r>
+            <a:r>
+              <a:rPr lang="en-NZ" altLang="en-US" dirty="0" err="1" smtClean="0"/>
+              <a:t>names,passwords</a:t>
+            </a:r>
+            <a:r>
+              <a:rPr lang="en-NZ" altLang="en-US" dirty="0" smtClean="0"/>
+              <a:t> etc..</a:t>
             </a:r>
           </a:p>
           <a:p>
             <a:pPr>
               <a:lnSpc>
-                <a:spcPct val="100000"/>
+                <a:spcPct val="110000"/>
               </a:lnSpc>
-              <a:buFont typeface="Arial" panose="020B0604020202020204" pitchFamily="34" charset="0"/>
-              <a:buNone/>
             </a:pPr>
             <a:r>
-              <a:rPr lang="en-NZ" altLang="en-US" sz="2000" smtClean="0"/>
-              <a:t> 1)SELECT id FROM table WHERE Username=' ' OR ' ' =' ' AND Password=' 'password';</a:t>
-            </a:r>
-          </a:p>
-          <a:p>
-            <a:pPr>
-              <a:lnSpc>
-                <a:spcPct val="100000"/>
-              </a:lnSpc>
-              <a:buFont typeface="Arial" panose="020B0604020202020204" pitchFamily="34" charset="0"/>
-              <a:buNone/>
-            </a:pPr>
-            <a:r>
-              <a:rPr lang="en-NZ" altLang="en-US" sz="2000" smtClean="0"/>
-              <a:t>       or</a:t>
-            </a:r>
-          </a:p>
-          <a:p>
-            <a:pPr>
-              <a:lnSpc>
-                <a:spcPct val="100000"/>
-              </a:lnSpc>
-              <a:buFont typeface="Arial" panose="020B0604020202020204" pitchFamily="34" charset="0"/>
-              <a:buNone/>
-            </a:pPr>
-            <a:r>
-              <a:rPr lang="en-NZ" altLang="en-US" sz="2000" smtClean="0"/>
-              <a:t>2) SELECT * FROM table WHERE Username='X' OR '1'='1';# 'AND Password='password';</a:t>
-            </a:r>
-          </a:p>
-          <a:p>
-            <a:pPr>
-              <a:lnSpc>
-                <a:spcPct val="100000"/>
-              </a:lnSpc>
-              <a:buFont typeface="Arial" panose="020B0604020202020204" pitchFamily="34" charset="0"/>
-              <a:buNone/>
-            </a:pPr>
-            <a:endParaRPr lang="en-US" altLang="en-US" sz="2000" smtClean="0"/>
-          </a:p>
-        </p:txBody>
-      </p:sp>
-      <p:sp>
-        <p:nvSpPr>
-          <p:cNvPr id="4" name="Date Placeholder 3"/>
-          <p:cNvSpPr>
-            <a:spLocks noGrp="1"/>
-          </p:cNvSpPr>
-          <p:nvPr>
-            <p:ph type="dt" sz="quarter" idx="10"/>
-          </p:nvPr>
-        </p:nvSpPr>
-        <p:spPr/>
-        <p:txBody>
-          <a:bodyPr/>
-          <a:lstStyle/>
-          <a:p>
-            <a:pPr>
-              <a:defRPr/>
-            </a:pPr>
-            <a:fld id="{5F1DF6AB-86EF-4571-A305-CA74C041FCC7}" type="datetime1">
-              <a:rPr lang="en-US" altLang="en-US"/>
-              <a:pPr>
-                <a:defRPr/>
-              </a:pPr>
-              <a:t>10/17/2014</a:t>
-            </a:fld>
-            <a:endParaRPr lang="en-US" altLang="en-US" sz="1800">
-              <a:solidFill>
-                <a:schemeClr val="tx1"/>
-              </a:solidFill>
-            </a:endParaRPr>
+              <a:rPr lang="en-NZ" altLang="en-US" dirty="0" smtClean="0"/>
+              <a:t>This vulnerability accounts for over 83% of all attacks since 2005</a:t>
+            </a:r>
+            <a:endParaRPr lang="en-US" altLang="en-US" dirty="0" smtClean="0"/>
           </a:p>
         </p:txBody>
       </p:sp>
     </p:spTree>
     <p:extLst>
       <p:ext uri="{BB962C8B-B14F-4D97-AF65-F5344CB8AC3E}">
-        <p14:creationId xmlns:p14="http://schemas.microsoft.com/office/powerpoint/2010/main" val="269366693"/>
+        <p14:creationId xmlns:p14="http://schemas.microsoft.com/office/powerpoint/2010/main" val="976514909"/>
       </p:ext>
     </p:extLst>
   </p:cSld>
@@ -12828,7 +12777,7 @@
       </p:grpSpPr>
       <p:sp>
         <p:nvSpPr>
-          <p:cNvPr id="5122" name="Rectangle 2"/>
+          <p:cNvPr id="4098" name="Rectangle 2"/>
           <p:cNvSpPr>
             <a:spLocks noGrp="1" noChangeArrowheads="1"/>
           </p:cNvSpPr>
@@ -12851,7 +12800,7 @@
       </p:sp>
       <p:sp>
         <p:nvSpPr>
-          <p:cNvPr id="5123" name="Rectangle 3"/>
+          <p:cNvPr id="4099" name="Rectangle 3"/>
           <p:cNvSpPr>
             <a:spLocks noGrp="1" noChangeArrowheads="1"/>
           </p:cNvSpPr>
@@ -12866,74 +12815,86 @@
           <a:p>
             <a:pPr>
               <a:lnSpc>
-                <a:spcPct val="110000"/>
+                <a:spcPct val="100000"/>
               </a:lnSpc>
             </a:pPr>
             <a:r>
-              <a:rPr lang="en-NZ" altLang="en-US" smtClean="0"/>
-              <a:t>Since the condition is true, hacker will be logged in to the system.</a:t>
+              <a:rPr lang="en-NZ" altLang="en-US" sz="2000" smtClean="0"/>
+              <a:t>original sql query: </a:t>
             </a:r>
           </a:p>
           <a:p>
             <a:pPr>
               <a:lnSpc>
-                <a:spcPct val="110000"/>
+                <a:spcPct val="100000"/>
+              </a:lnSpc>
+              <a:buFont typeface="Arial" panose="020B0604020202020204" pitchFamily="34" charset="0"/>
+              <a:buNone/>
+            </a:pPr>
+            <a:r>
+              <a:rPr lang="en-NZ" altLang="en-US" sz="2000" smtClean="0"/>
+              <a:t>SELECT  * FROM table WHERE Username='username' AND Password='password';</a:t>
+            </a:r>
+          </a:p>
+          <a:p>
+            <a:pPr>
+              <a:lnSpc>
+                <a:spcPct val="100000"/>
               </a:lnSpc>
             </a:pPr>
-            <a:endParaRPr lang="en-US" altLang="en-US" smtClean="0"/>
+            <a:r>
+              <a:rPr lang="en-NZ" altLang="en-US" sz="2000" smtClean="0"/>
+              <a:t>With user input:</a:t>
+            </a:r>
           </a:p>
           <a:p>
             <a:pPr>
               <a:lnSpc>
-                <a:spcPct val="110000"/>
+                <a:spcPct val="100000"/>
               </a:lnSpc>
               <a:buFont typeface="Arial" panose="020B0604020202020204" pitchFamily="34" charset="0"/>
               <a:buNone/>
             </a:pPr>
             <a:r>
-              <a:rPr lang="en-NZ" altLang="en-US" smtClean="0"/>
-              <a:t>SQL prevention methods</a:t>
+              <a:rPr lang="en-NZ" altLang="en-US" sz="2000" smtClean="0"/>
+              <a:t> 1)SELECT id FROM table WHERE Username=' ' OR ' ' =' ' AND Password=' 'password';</a:t>
             </a:r>
           </a:p>
           <a:p>
             <a:pPr>
               <a:lnSpc>
-                <a:spcPct val="110000"/>
+                <a:spcPct val="100000"/>
               </a:lnSpc>
               <a:buFont typeface="Arial" panose="020B0604020202020204" pitchFamily="34" charset="0"/>
               <a:buNone/>
             </a:pPr>
             <a:r>
-              <a:rPr lang="en-NZ" altLang="en-US" smtClean="0"/>
-              <a:t>1. Input validation</a:t>
+              <a:rPr lang="en-NZ" altLang="en-US" sz="2000" smtClean="0"/>
+              <a:t>       or</a:t>
             </a:r>
           </a:p>
           <a:p>
             <a:pPr>
               <a:lnSpc>
-                <a:spcPct val="110000"/>
+                <a:spcPct val="100000"/>
               </a:lnSpc>
               <a:buFont typeface="Arial" panose="020B0604020202020204" pitchFamily="34" charset="0"/>
               <a:buNone/>
             </a:pPr>
             <a:r>
-              <a:rPr lang="en-NZ" altLang="en-US" smtClean="0"/>
-              <a:t>2. Limit database permission</a:t>
+              <a:rPr lang="en-NZ" altLang="en-US" sz="2000" smtClean="0"/>
+              <a:t>2) SELECT * FROM table WHERE Username='X' OR '1'='1';# 'AND Password='password';</a:t>
             </a:r>
           </a:p>
           <a:p>
             <a:pPr>
               <a:lnSpc>
-                <a:spcPct val="110000"/>
+                <a:spcPct val="100000"/>
               </a:lnSpc>
               <a:buFont typeface="Arial" panose="020B0604020202020204" pitchFamily="34" charset="0"/>
               <a:buNone/>
             </a:pPr>
-            <a:r>
-              <a:rPr lang="en-NZ" altLang="en-US" smtClean="0"/>
-              <a:t>3.Configure error reporting</a:t>
-            </a:r>
-            <a:endParaRPr lang="en-US" altLang="en-US" smtClean="0"/>
+            <a:endParaRPr lang="en-US" altLang="en-US" sz="2000" smtClean="0"/>
           </a:p>
         </p:txBody>
       </p:sp>
@@ -12973,7 +12934,7 @@
     </p:spTree>
     <p:extLst>
       <p:ext uri="{BB962C8B-B14F-4D97-AF65-F5344CB8AC3E}">
-        <p14:creationId xmlns:p14="http://schemas.microsoft.com/office/powerpoint/2010/main" val="1587497956"/>
+        <p14:creationId xmlns:p14="http://schemas.microsoft.com/office/powerpoint/2010/main" val="269366693"/>
       </p:ext>
     </p:extLst>
   </p:cSld>
@@ -13009,7 +12970,7 @@
       </p:grpSpPr>
       <p:sp>
         <p:nvSpPr>
-          <p:cNvPr id="6146" name="Rectangle 2"/>
+          <p:cNvPr id="5122" name="Rectangle 2"/>
           <p:cNvSpPr>
             <a:spLocks noGrp="1" noChangeArrowheads="1"/>
           </p:cNvSpPr>
@@ -13032,7 +12993,7 @@
       </p:sp>
       <p:sp>
         <p:nvSpPr>
-          <p:cNvPr id="6147" name="Rectangle 3"/>
+          <p:cNvPr id="5123" name="Rectangle 3"/>
           <p:cNvSpPr>
             <a:spLocks noGrp="1" noChangeArrowheads="1"/>
           </p:cNvSpPr>
@@ -13047,103 +13008,74 @@
           <a:p>
             <a:pPr>
               <a:lnSpc>
-                <a:spcPct val="100000"/>
+                <a:spcPct val="110000"/>
+              </a:lnSpc>
+            </a:pPr>
+            <a:r>
+              <a:rPr lang="en-NZ" altLang="en-US" smtClean="0"/>
+              <a:t>Since the condition is true, hacker will be logged in to the system.</a:t>
+            </a:r>
+          </a:p>
+          <a:p>
+            <a:pPr>
+              <a:lnSpc>
+                <a:spcPct val="110000"/>
+              </a:lnSpc>
+            </a:pPr>
+            <a:endParaRPr lang="en-US" altLang="en-US" smtClean="0"/>
+          </a:p>
+          <a:p>
+            <a:pPr>
+              <a:lnSpc>
+                <a:spcPct val="110000"/>
               </a:lnSpc>
               <a:buFont typeface="Arial" panose="020B0604020202020204" pitchFamily="34" charset="0"/>
               <a:buNone/>
             </a:pPr>
             <a:r>
-              <a:rPr lang="en-NZ" altLang="en-US" sz="2000" smtClean="0"/>
-              <a:t>1. Input validation</a:t>
+              <a:rPr lang="en-NZ" altLang="en-US" smtClean="0"/>
+              <a:t>SQL prevention methods</a:t>
             </a:r>
           </a:p>
           <a:p>
             <a:pPr>
               <a:lnSpc>
-                <a:spcPct val="100000"/>
+                <a:spcPct val="110000"/>
               </a:lnSpc>
+              <a:buFont typeface="Arial" panose="020B0604020202020204" pitchFamily="34" charset="0"/>
+              <a:buNone/>
             </a:pPr>
             <a:r>
-              <a:rPr lang="en-NZ" altLang="en-US" sz="2000" smtClean="0"/>
-              <a:t>dictates what can or what can't be used in the input.</a:t>
+              <a:rPr lang="en-NZ" altLang="en-US" smtClean="0"/>
+              <a:t>1. Input validation</a:t>
             </a:r>
           </a:p>
           <a:p>
             <a:pPr>
               <a:lnSpc>
-                <a:spcPct val="100000"/>
+                <a:spcPct val="110000"/>
               </a:lnSpc>
+              <a:buFont typeface="Arial" panose="020B0604020202020204" pitchFamily="34" charset="0"/>
+              <a:buNone/>
             </a:pPr>
             <a:r>
-              <a:rPr lang="en-NZ" altLang="en-US" sz="2000" smtClean="0"/>
-              <a:t>characters to watch for:  ; ''  '  /</a:t>
+              <a:rPr lang="en-NZ" altLang="en-US" smtClean="0"/>
+              <a:t>2. Limit database permission</a:t>
             </a:r>
           </a:p>
           <a:p>
             <a:pPr>
               <a:lnSpc>
-                <a:spcPct val="100000"/>
+                <a:spcPct val="110000"/>
               </a:lnSpc>
               <a:buFont typeface="Arial" panose="020B0604020202020204" pitchFamily="34" charset="0"/>
               <a:buNone/>
             </a:pPr>
             <a:r>
-              <a:rPr lang="en-NZ" altLang="en-US" sz="2000" smtClean="0"/>
-              <a:t>for (int x=0;x&lt;id.length;x++)</a:t>
-            </a:r>
-          </a:p>
-          <a:p>
-            <a:pPr>
-              <a:lnSpc>
-                <a:spcPct val="100000"/>
-              </a:lnSpc>
-              <a:buFont typeface="Arial" panose="020B0604020202020204" pitchFamily="34" charset="0"/>
-              <a:buNone/>
-            </a:pPr>
-            <a:r>
-              <a:rPr lang="en-NZ" altLang="en-US" sz="2000" smtClean="0"/>
-              <a:t>{</a:t>
-            </a:r>
-          </a:p>
-          <a:p>
-            <a:pPr>
-              <a:lnSpc>
-                <a:spcPct val="100000"/>
-              </a:lnSpc>
-              <a:buFont typeface="Arial" panose="020B0604020202020204" pitchFamily="34" charset="0"/>
-              <a:buNone/>
-            </a:pPr>
-            <a:r>
-              <a:rPr lang="en-NZ" altLang="en-US" sz="2000" smtClean="0"/>
-              <a:t>if(id.substring(0+x,1+x).equals(" ' " II '' ; '' II "/" II "#"))</a:t>
-            </a:r>
-          </a:p>
-          <a:p>
-            <a:pPr>
-              <a:lnSpc>
-                <a:spcPct val="100000"/>
-              </a:lnSpc>
-              <a:buFont typeface="Arial" panose="020B0604020202020204" pitchFamily="34" charset="0"/>
-              <a:buNone/>
-            </a:pPr>
-            <a:r>
-              <a:rPr lang="en-NZ" altLang="en-US" sz="2000" smtClean="0"/>
-              <a:t>{id="false";</a:t>
-            </a:r>
-          </a:p>
-          <a:p>
-            <a:pPr>
-              <a:lnSpc>
-                <a:spcPct val="100000"/>
-              </a:lnSpc>
-              <a:buFont typeface="Arial" panose="020B0604020202020204" pitchFamily="34" charset="0"/>
-              <a:buNone/>
-            </a:pPr>
-            <a:r>
-              <a:rPr lang="en-NZ" altLang="en-US" sz="2000" smtClean="0"/>
-              <a:t>}}</a:t>
-            </a:r>
-            <a:endParaRPr lang="en-US" altLang="en-US" sz="2000" smtClean="0"/>
+              <a:rPr lang="en-NZ" altLang="en-US" smtClean="0"/>
+              <a:t>3.Configure error reporting</a:t>
+            </a:r>
+            <a:endParaRPr lang="en-US" altLang="en-US" smtClean="0"/>
           </a:p>
         </p:txBody>
       </p:sp>
@@ -13183,7 +13115,7 @@
     </p:spTree>
     <p:extLst>
       <p:ext uri="{BB962C8B-B14F-4D97-AF65-F5344CB8AC3E}">
-        <p14:creationId xmlns:p14="http://schemas.microsoft.com/office/powerpoint/2010/main" val="3297978313"/>
+        <p14:creationId xmlns:p14="http://schemas.microsoft.com/office/powerpoint/2010/main" val="1587497956"/>
       </p:ext>
     </p:extLst>
   </p:cSld>
@@ -13219,7 +13151,7 @@
       </p:grpSpPr>
       <p:sp>
         <p:nvSpPr>
-          <p:cNvPr id="7170" name="Rectangle 2"/>
+          <p:cNvPr id="6146" name="Rectangle 2"/>
           <p:cNvSpPr>
             <a:spLocks noGrp="1" noChangeArrowheads="1"/>
           </p:cNvSpPr>
@@ -13234,7 +13166,7 @@
           <a:p>
             <a:r>
               <a:rPr lang="en-NZ" altLang="en-US" smtClean="0"/>
-              <a:t>sql injection</a:t>
+              <a:t>SQL injection</a:t>
             </a:r>
             <a:endParaRPr lang="en-US" altLang="en-US" smtClean="0"/>
           </a:p>
@@ -13242,7 +13174,7 @@
       </p:sp>
       <p:sp>
         <p:nvSpPr>
-          <p:cNvPr id="7171" name="Rectangle 3"/>
+          <p:cNvPr id="6147" name="Rectangle 3"/>
           <p:cNvSpPr>
             <a:spLocks noGrp="1" noChangeArrowheads="1"/>
           </p:cNvSpPr>
@@ -13256,46 +13188,102 @@
           <a:lstStyle/>
           <a:p>
             <a:pPr>
+              <a:lnSpc>
+                <a:spcPct val="100000"/>
+              </a:lnSpc>
               <a:buFont typeface="Arial" panose="020B0604020202020204" pitchFamily="34" charset="0"/>
               <a:buNone/>
             </a:pPr>
             <a:r>
               <a:rPr lang="en-NZ" altLang="en-US" sz="2000" smtClean="0"/>
-              <a:t>2. Limit DB permission</a:t>
-            </a:r>
-          </a:p>
-          <a:p>
+              <a:t>1. Input validation</a:t>
+            </a:r>
+          </a:p>
+          <a:p>
+            <a:pPr>
+              <a:lnSpc>
+                <a:spcPct val="100000"/>
+              </a:lnSpc>
+            </a:pPr>
             <a:r>
               <a:rPr lang="en-NZ" altLang="en-US" sz="2000" smtClean="0"/>
-              <a:t>Making the script read-only</a:t>
+              <a:t>dictates what can or what can't be used in the input.</a:t>
             </a:r>
           </a:p>
           <a:p>
             <a:pPr>
+              <a:lnSpc>
+                <a:spcPct val="100000"/>
+              </a:lnSpc>
+            </a:pPr>
+            <a:r>
+              <a:rPr lang="en-NZ" altLang="en-US" sz="2000" smtClean="0"/>
+              <a:t>characters to watch for:  ; ''  '  /</a:t>
+            </a:r>
+          </a:p>
+          <a:p>
+            <a:pPr>
+              <a:lnSpc>
+                <a:spcPct val="100000"/>
+              </a:lnSpc>
               <a:buFont typeface="Arial" panose="020B0604020202020204" pitchFamily="34" charset="0"/>
               <a:buNone/>
             </a:pPr>
             <a:r>
               <a:rPr lang="en-NZ" altLang="en-US" sz="2000" smtClean="0"/>
-              <a:t>3.Configure error reporting</a:t>
-            </a:r>
-          </a:p>
-          <a:p>
+              <a:t>for (int x=0;x&lt;id.length;x++)</a:t>
+            </a:r>
+          </a:p>
+          <a:p>
+            <a:pPr>
+              <a:lnSpc>
+                <a:spcPct val="100000"/>
+              </a:lnSpc>
+              <a:buFont typeface="Arial" panose="020B0604020202020204" pitchFamily="34" charset="0"/>
+              <a:buNone/>
+            </a:pPr>
             <a:r>
               <a:rPr lang="en-NZ" altLang="en-US" sz="2000" smtClean="0"/>
-              <a:t>It limits the amount of info the attacker receives from each attempt.</a:t>
-            </a:r>
-          </a:p>
-          <a:p>
+              <a:t>{</a:t>
+            </a:r>
+          </a:p>
+          <a:p>
+            <a:pPr>
+              <a:lnSpc>
+                <a:spcPct val="100000"/>
+              </a:lnSpc>
+              <a:buFont typeface="Arial" panose="020B0604020202020204" pitchFamily="34" charset="0"/>
+              <a:buNone/>
+            </a:pPr>
             <a:r>
               <a:rPr lang="en-NZ" altLang="en-US" sz="2000" smtClean="0"/>
-              <a:t>each error message-attacker gets closer to the data they want</a:t>
-            </a:r>
-          </a:p>
-          <a:p>
+              <a:t>if(id.substring(0+x,1+x).equals(" ' " II '' ; '' II "/" II "#"))</a:t>
+            </a:r>
+          </a:p>
+          <a:p>
+            <a:pPr>
+              <a:lnSpc>
+                <a:spcPct val="100000"/>
+              </a:lnSpc>
+              <a:buFont typeface="Arial" panose="020B0604020202020204" pitchFamily="34" charset="0"/>
+              <a:buNone/>
+            </a:pPr>
             <a:r>
               <a:rPr lang="en-NZ" altLang="en-US" sz="2000" smtClean="0"/>
-              <a:t>so make the error message internal</a:t>
+              <a:t>{id="false";</a:t>
+            </a:r>
+          </a:p>
+          <a:p>
+            <a:pPr>
+              <a:lnSpc>
+                <a:spcPct val="100000"/>
+              </a:lnSpc>
+              <a:buFont typeface="Arial" panose="020B0604020202020204" pitchFamily="34" charset="0"/>
+              <a:buNone/>
+            </a:pPr>
+            <a:r>
+              <a:rPr lang="en-NZ" altLang="en-US" sz="2000" smtClean="0"/>
+              <a:t>}}</a:t>
             </a:r>
             <a:endParaRPr lang="en-US" altLang="en-US" sz="2000" smtClean="0"/>
           </a:p>
@@ -13337,7 +13325,7 @@
     </p:spTree>
     <p:extLst>
       <p:ext uri="{BB962C8B-B14F-4D97-AF65-F5344CB8AC3E}">
-        <p14:creationId xmlns:p14="http://schemas.microsoft.com/office/powerpoint/2010/main" val="4208459265"/>
+        <p14:creationId xmlns:p14="http://schemas.microsoft.com/office/powerpoint/2010/main" val="3297978313"/>
       </p:ext>
     </p:extLst>
   </p:cSld>
@@ -13373,7 +13361,7 @@
       </p:grpSpPr>
       <p:sp>
         <p:nvSpPr>
-          <p:cNvPr id="8194" name="Rectangle 2"/>
+          <p:cNvPr id="7170" name="Rectangle 2"/>
           <p:cNvSpPr>
             <a:spLocks noGrp="1" noChangeArrowheads="1"/>
           </p:cNvSpPr>
@@ -13396,7 +13384,7 @@
       </p:sp>
       <p:sp>
         <p:nvSpPr>
-          <p:cNvPr id="8195" name="Rectangle 3"/>
+          <p:cNvPr id="7171" name="Rectangle 3"/>
           <p:cNvSpPr>
             <a:spLocks noGrp="1" noChangeArrowheads="1"/>
           </p:cNvSpPr>
@@ -13409,25 +13397,49 @@
           <a:bodyPr/>
           <a:lstStyle/>
           <a:p>
-            <a:r>
-              <a:rPr lang="en-NZ" altLang="en-US" dirty="0" smtClean="0"/>
-              <a:t>escape -function that checks if there are any quotation marks or </a:t>
-            </a:r>
-            <a:r>
-              <a:rPr lang="en-NZ" altLang="en-US" dirty="0" smtClean="0"/>
-              <a:t>harmful </a:t>
-            </a:r>
-            <a:r>
-              <a:rPr lang="en-NZ" altLang="en-US" dirty="0" smtClean="0"/>
-              <a:t>characters on text</a:t>
-            </a:r>
-          </a:p>
-          <a:p>
-            <a:r>
-              <a:rPr lang="en-NZ" altLang="en-US" dirty="0" smtClean="0"/>
-              <a:t>it resets the harmful characters typed for username with a \ before those characters which makes the username and other fields incorrect to execute.</a:t>
-            </a:r>
-            <a:endParaRPr lang="en-US" altLang="en-US" dirty="0" smtClean="0"/>
+            <a:pPr>
+              <a:buFont typeface="Arial" panose="020B0604020202020204" pitchFamily="34" charset="0"/>
+              <a:buNone/>
+            </a:pPr>
+            <a:r>
+              <a:rPr lang="en-NZ" altLang="en-US" sz="2000" smtClean="0"/>
+              <a:t>2. Limit DB permission</a:t>
+            </a:r>
+          </a:p>
+          <a:p>
+            <a:r>
+              <a:rPr lang="en-NZ" altLang="en-US" sz="2000" smtClean="0"/>
+              <a:t>Making the script read-only</a:t>
+            </a:r>
+          </a:p>
+          <a:p>
+            <a:pPr>
+              <a:buFont typeface="Arial" panose="020B0604020202020204" pitchFamily="34" charset="0"/>
+              <a:buNone/>
+            </a:pPr>
+            <a:r>
+              <a:rPr lang="en-NZ" altLang="en-US" sz="2000" smtClean="0"/>
+              <a:t>3.Configure error reporting</a:t>
+            </a:r>
+          </a:p>
+          <a:p>
+            <a:r>
+              <a:rPr lang="en-NZ" altLang="en-US" sz="2000" smtClean="0"/>
+              <a:t>It limits the amount of info the attacker receives from each attempt.</a:t>
+            </a:r>
+          </a:p>
+          <a:p>
+            <a:r>
+              <a:rPr lang="en-NZ" altLang="en-US" sz="2000" smtClean="0"/>
+              <a:t>each error message-attacker gets closer to the data they want</a:t>
+            </a:r>
+          </a:p>
+          <a:p>
+            <a:r>
+              <a:rPr lang="en-NZ" altLang="en-US" sz="2000" smtClean="0"/>
+              <a:t>so make the error message internal</a:t>
+            </a:r>
+            <a:endParaRPr lang="en-US" altLang="en-US" sz="2000" smtClean="0"/>
           </a:p>
         </p:txBody>
       </p:sp>
@@ -13467,7 +13479,7 @@
     </p:spTree>
     <p:extLst>
       <p:ext uri="{BB962C8B-B14F-4D97-AF65-F5344CB8AC3E}">
-        <p14:creationId xmlns:p14="http://schemas.microsoft.com/office/powerpoint/2010/main" val="524419912"/>
+        <p14:creationId xmlns:p14="http://schemas.microsoft.com/office/powerpoint/2010/main" val="4208459265"/>
       </p:ext>
     </p:extLst>
   </p:cSld>
@@ -13503,9 +13515,9 @@
       </p:grpSpPr>
       <p:sp>
         <p:nvSpPr>
-          <p:cNvPr id="2" name="Title 1"/>
+          <p:cNvPr id="8194" name="Rectangle 2"/>
           <p:cNvSpPr>
-            <a:spLocks noGrp="1"/>
+            <a:spLocks noGrp="1" noChangeArrowheads="1"/>
           </p:cNvSpPr>
           <p:nvPr>
             <p:ph type="title"/>
@@ -13517,34 +13529,18 @@
           <a:lstStyle/>
           <a:p>
             <a:r>
-              <a:rPr lang="en-NZ" dirty="0" smtClean="0">
-                <a:solidFill>
-                  <a:srgbClr val="FF0000"/>
-                </a:solidFill>
-              </a:rPr>
-              <a:t>Cross site scripting </a:t>
-            </a:r>
-            <a:r>
-              <a:rPr lang="en-NZ" dirty="0" err="1" smtClean="0">
-                <a:solidFill>
-                  <a:srgbClr val="FF0000"/>
-                </a:solidFill>
-              </a:rPr>
-              <a:t>xxs</a:t>
-            </a:r>
-            <a:endParaRPr lang="en-NZ" dirty="0">
-              <a:solidFill>
-                <a:srgbClr val="FF0000"/>
-              </a:solidFill>
-            </a:endParaRPr>
+              <a:rPr lang="en-NZ" altLang="en-US" smtClean="0"/>
+              <a:t>sql injection</a:t>
+            </a:r>
+            <a:endParaRPr lang="en-US" altLang="en-US" smtClean="0"/>
           </a:p>
         </p:txBody>
       </p:sp>
       <p:sp>
         <p:nvSpPr>
-          <p:cNvPr id="3" name="Content Placeholder 2"/>
+          <p:cNvPr id="8195" name="Rectangle 3"/>
           <p:cNvSpPr>
-            <a:spLocks noGrp="1"/>
+            <a:spLocks noGrp="1" noChangeArrowheads="1"/>
           </p:cNvSpPr>
           <p:nvPr>
             <p:ph idx="1"/>
@@ -13555,45 +13551,57 @@
           <a:bodyPr/>
           <a:lstStyle/>
           <a:p>
-            <a:pPr marL="0" indent="0">
-              <a:buNone/>
+            <a:r>
+              <a:rPr lang="en-NZ" altLang="en-US" dirty="0" smtClean="0"/>
+              <a:t>escape -function that checks if there are any quotation marks or harmful characters on text</a:t>
+            </a:r>
+          </a:p>
+          <a:p>
+            <a:r>
+              <a:rPr lang="en-NZ" altLang="en-US" dirty="0" smtClean="0"/>
+              <a:t>it resets the harmful characters typed for username with a \ before those characters which makes the username and other fields incorrect to execute.</a:t>
+            </a:r>
+            <a:endParaRPr lang="en-US" altLang="en-US" dirty="0" smtClean="0"/>
+          </a:p>
+        </p:txBody>
+      </p:sp>
+      <p:sp>
+        <p:nvSpPr>
+          <p:cNvPr id="4" name="Date Placeholder 3"/>
+          <p:cNvSpPr>
+            <a:spLocks noGrp="1"/>
+          </p:cNvSpPr>
+          <p:nvPr>
+            <p:ph type="dt" sz="quarter" idx="10"/>
+          </p:nvPr>
+        </p:nvSpPr>
+        <p:spPr/>
+        <p:txBody>
+          <a:bodyPr/>
+          <a:lstStyle/>
+          <a:p>
+            <a:pPr>
+              <a:defRPr/>
             </a:pPr>
-            <a:r>
-              <a:rPr lang="en-NZ" dirty="0" smtClean="0"/>
-              <a:t>Users are not to be trusted. Anyone who views the post will run the </a:t>
-            </a:r>
-            <a:r>
-              <a:rPr lang="en-NZ" dirty="0" err="1" smtClean="0"/>
-              <a:t>scritp</a:t>
-            </a:r>
-            <a:endParaRPr lang="en-NZ" dirty="0" smtClean="0"/>
-          </a:p>
-          <a:p>
-            <a:pPr marL="0" indent="0">
-              <a:buNone/>
-            </a:pPr>
-            <a:r>
-              <a:rPr lang="en-NZ" dirty="0" err="1" smtClean="0"/>
-              <a:t>Document.cookie</a:t>
-            </a:r>
-            <a:endParaRPr lang="en-NZ" dirty="0" smtClean="0"/>
-          </a:p>
-          <a:p>
-            <a:pPr marL="0" indent="0">
-              <a:buNone/>
-            </a:pPr>
-            <a:r>
-              <a:rPr lang="en-NZ" dirty="0" smtClean="0"/>
-              <a:t>Validate data </a:t>
-            </a:r>
-            <a:endParaRPr lang="en-NZ" dirty="0"/>
+            <a:fld id="{5F1DF6AB-86EF-4571-A305-CA74C041FCC7}" type="datetime1">
+              <a:rPr lang="en-US" altLang="en-US"/>
+              <a:pPr>
+                <a:defRPr/>
+              </a:pPr>
+              <a:t>10/17/2014</a:t>
+            </a:fld>
+            <a:endParaRPr lang="en-US" altLang="en-US" sz="1800">
+              <a:solidFill>
+                <a:schemeClr val="tx1"/>
+              </a:solidFill>
+            </a:endParaRPr>
           </a:p>
         </p:txBody>
       </p:sp>
     </p:spTree>
     <p:extLst>
       <p:ext uri="{BB962C8B-B14F-4D97-AF65-F5344CB8AC3E}">
-        <p14:creationId xmlns:p14="http://schemas.microsoft.com/office/powerpoint/2010/main" val="3125757115"/>
+        <p14:creationId xmlns:p14="http://schemas.microsoft.com/office/powerpoint/2010/main" val="524419912"/>
       </p:ext>
     </p:extLst>
   </p:cSld>
@@ -13648,23 +13656,7 @@
                   <a:srgbClr val="FF0000"/>
                 </a:solidFill>
               </a:rPr>
-              <a:t>Differences </a:t>
-            </a:r>
-            <a:r>
-              <a:rPr lang="en-NZ" dirty="0" err="1" smtClean="0">
-                <a:solidFill>
-                  <a:srgbClr val="FF0000"/>
-                </a:solidFill>
-              </a:rPr>
-              <a:t>betweens</a:t>
-            </a:r>
-            <a:r>
-              <a:rPr lang="en-NZ" dirty="0" smtClean="0">
-                <a:solidFill>
-                  <a:srgbClr val="FF0000"/>
-                </a:solidFill>
-              </a:rPr>
-              <a:t> </a:t>
+              <a:t>Cross site scripting </a:t>
             </a:r>
             <a:r>
               <a:rPr lang="en-NZ" dirty="0" err="1" smtClean="0">
@@ -13673,30 +13665,6 @@
                 </a:solidFill>
               </a:rPr>
               <a:t>xxs</a:t>
-            </a:r>
-            <a:r>
-              <a:rPr lang="en-NZ" dirty="0" smtClean="0">
-                <a:solidFill>
-                  <a:srgbClr val="FF0000"/>
-                </a:solidFill>
-              </a:rPr>
-              <a:t> and </a:t>
-            </a:r>
-            <a:r>
-              <a:rPr lang="en-NZ" dirty="0" err="1" smtClean="0">
-                <a:solidFill>
-                  <a:srgbClr val="FF0000"/>
-                </a:solidFill>
-              </a:rPr>
-              <a:t>sql</a:t>
-            </a:r>
-            <a:r>
-              <a:rPr lang="en-NZ" dirty="0" smtClean="0">
-                <a:solidFill>
-                  <a:srgbClr val="FF0000"/>
-                </a:solidFill>
-              </a:rPr>
-              <a:t> injection</a:t>
             </a:r>
             <a:endParaRPr lang="en-NZ" dirty="0">
               <a:solidFill>
@@ -13721,42 +13689,58 @@
           <a:bodyPr/>
           <a:lstStyle/>
           <a:p>
+            <a:pPr marL="0" indent="0">
+              <a:buNone/>
+            </a:pPr>
             <a:r>
               <a:rPr lang="en-NZ" dirty="0" smtClean="0"/>
-              <a:t>SQL targets databases</a:t>
-            </a:r>
-          </a:p>
-          <a:p>
+              <a:t>Users are not to be trusted. Anyone who views the post will run the </a:t>
+            </a:r>
+            <a:r>
+              <a:rPr lang="en-NZ" dirty="0" err="1" smtClean="0"/>
+              <a:t>scritp</a:t>
+            </a:r>
+            <a:endParaRPr lang="en-NZ" dirty="0" smtClean="0"/>
+          </a:p>
+          <a:p>
+            <a:pPr marL="0" indent="0">
+              <a:buNone/>
+            </a:pPr>
+            <a:r>
+              <a:rPr lang="en-NZ" dirty="0" err="1" smtClean="0"/>
+              <a:t>Document.cookie</a:t>
+            </a:r>
+            <a:endParaRPr lang="en-NZ" dirty="0" smtClean="0"/>
+          </a:p>
+          <a:p>
+            <a:pPr marL="0" indent="0">
+              <a:buNone/>
+            </a:pPr>
             <a:r>
               <a:rPr lang="en-NZ" dirty="0" smtClean="0"/>
-              <a:t>XSS (</a:t>
-            </a:r>
-            <a:r>
-              <a:rPr lang="en-NZ" dirty="0" err="1" smtClean="0"/>
-              <a:t>javascript</a:t>
-            </a:r>
-            <a:r>
-              <a:rPr lang="en-NZ" dirty="0" smtClean="0"/>
-              <a:t>) </a:t>
-            </a:r>
-            <a:r>
-              <a:rPr lang="en-NZ" smtClean="0"/>
-              <a:t>targets other users</a:t>
-            </a:r>
-            <a:endParaRPr lang="en-NZ"/>
+              <a:t>Validate data </a:t>
+            </a:r>
+            <a:endParaRPr lang="en-NZ" dirty="0"/>
           </a:p>
         </p:txBody>
       </p:sp>
     </p:spTree>
     <p:extLst>
       <p:ext uri="{BB962C8B-B14F-4D97-AF65-F5344CB8AC3E}">
-        <p14:creationId xmlns:p14="http://schemas.microsoft.com/office/powerpoint/2010/main" val="238050095"/>
+        <p14:creationId xmlns:p14="http://schemas.microsoft.com/office/powerpoint/2010/main" val="3125757115"/>
       </p:ext>
     </p:extLst>
   </p:cSld>
   <p:clrMapOvr>
     <a:masterClrMapping/>
   </p:clrMapOvr>
+  <p:timing>
+    <p:tnLst>
+      <p:par>
+        <p:cTn id="1" dur="indefinite" restart="never" nodeType="tmRoot"/>
+      </p:par>
+    </p:tnLst>
+  </p:timing>
 </p:sld>
 </file>
 
@@ -13798,6 +13782,156 @@
                   <a:srgbClr val="FF0000"/>
                 </a:solidFill>
               </a:rPr>
+              <a:t>Differences </a:t>
+            </a:r>
+            <a:r>
+              <a:rPr lang="en-NZ" dirty="0" err="1" smtClean="0">
+                <a:solidFill>
+                  <a:srgbClr val="FF0000"/>
+                </a:solidFill>
+              </a:rPr>
+              <a:t>betweens</a:t>
+            </a:r>
+            <a:r>
+              <a:rPr lang="en-NZ" dirty="0" smtClean="0">
+                <a:solidFill>
+                  <a:srgbClr val="FF0000"/>
+                </a:solidFill>
+              </a:rPr>
+              <a:t> </a:t>
+            </a:r>
+            <a:r>
+              <a:rPr lang="en-NZ" dirty="0" err="1" smtClean="0">
+                <a:solidFill>
+                  <a:srgbClr val="FF0000"/>
+                </a:solidFill>
+              </a:rPr>
+              <a:t>xxs</a:t>
+            </a:r>
+            <a:r>
+              <a:rPr lang="en-NZ" dirty="0" smtClean="0">
+                <a:solidFill>
+                  <a:srgbClr val="FF0000"/>
+                </a:solidFill>
+              </a:rPr>
+              <a:t> and </a:t>
+            </a:r>
+            <a:r>
+              <a:rPr lang="en-NZ" dirty="0" err="1" smtClean="0">
+                <a:solidFill>
+                  <a:srgbClr val="FF0000"/>
+                </a:solidFill>
+              </a:rPr>
+              <a:t>sql</a:t>
+            </a:r>
+            <a:r>
+              <a:rPr lang="en-NZ" dirty="0" smtClean="0">
+                <a:solidFill>
+                  <a:srgbClr val="FF0000"/>
+                </a:solidFill>
+              </a:rPr>
+              <a:t> injection</a:t>
+            </a:r>
+            <a:endParaRPr lang="en-NZ" dirty="0">
+              <a:solidFill>
+                <a:srgbClr val="FF0000"/>
+              </a:solidFill>
+            </a:endParaRPr>
+          </a:p>
+        </p:txBody>
+      </p:sp>
+      <p:sp>
+        <p:nvSpPr>
+          <p:cNvPr id="3" name="Content Placeholder 2"/>
+          <p:cNvSpPr>
+            <a:spLocks noGrp="1"/>
+          </p:cNvSpPr>
+          <p:nvPr>
+            <p:ph idx="1"/>
+          </p:nvPr>
+        </p:nvSpPr>
+        <p:spPr/>
+        <p:txBody>
+          <a:bodyPr/>
+          <a:lstStyle/>
+          <a:p>
+            <a:r>
+              <a:rPr lang="en-NZ" dirty="0" smtClean="0"/>
+              <a:t>SQL targets databases</a:t>
+            </a:r>
+          </a:p>
+          <a:p>
+            <a:r>
+              <a:rPr lang="en-NZ" dirty="0" smtClean="0"/>
+              <a:t>XSS (</a:t>
+            </a:r>
+            <a:r>
+              <a:rPr lang="en-NZ" dirty="0" err="1" smtClean="0"/>
+              <a:t>javascript</a:t>
+            </a:r>
+            <a:r>
+              <a:rPr lang="en-NZ" dirty="0" smtClean="0"/>
+              <a:t>) </a:t>
+            </a:r>
+            <a:r>
+              <a:rPr lang="en-NZ" smtClean="0"/>
+              <a:t>targets other users</a:t>
+            </a:r>
+            <a:endParaRPr lang="en-NZ"/>
+          </a:p>
+        </p:txBody>
+      </p:sp>
+    </p:spTree>
+    <p:extLst>
+      <p:ext uri="{BB962C8B-B14F-4D97-AF65-F5344CB8AC3E}">
+        <p14:creationId xmlns:p14="http://schemas.microsoft.com/office/powerpoint/2010/main" val="238050095"/>
+      </p:ext>
+    </p:extLst>
+  </p:cSld>
+  <p:clrMapOvr>
+    <a:masterClrMapping/>
+  </p:clrMapOvr>
+</p:sld>
+</file>
+
+<file path=ppt/slides/slide18.xml><?xml version="1.0" encoding="utf-8"?>
+<p:sld xmlns:a="http://schemas.openxmlformats.org/drawingml/2006/main" xmlns:r="http://schemas.openxmlformats.org/officeDocument/2006/relationships" xmlns:p="http://schemas.openxmlformats.org/presentationml/2006/main">
+  <p:cSld>
+    <p:spTree>
+      <p:nvGrpSpPr>
+        <p:cNvPr id="1" name=""/>
+        <p:cNvGrpSpPr/>
+        <p:nvPr/>
+      </p:nvGrpSpPr>
+      <p:grpSpPr>
+        <a:xfrm>
+          <a:off x="0" y="0"/>
+          <a:ext cx="0" cy="0"/>
+          <a:chOff x="0" y="0"/>
+          <a:chExt cx="0" cy="0"/>
+        </a:xfrm>
+      </p:grpSpPr>
+      <p:sp>
+        <p:nvSpPr>
+          <p:cNvPr id="2" name="Title 1"/>
+          <p:cNvSpPr>
+            <a:spLocks noGrp="1"/>
+          </p:cNvSpPr>
+          <p:nvPr>
+            <p:ph type="title"/>
+          </p:nvPr>
+        </p:nvSpPr>
+        <p:spPr/>
+        <p:txBody>
+          <a:bodyPr/>
+          <a:lstStyle/>
+          <a:p>
+            <a:r>
+              <a:rPr lang="en-NZ" dirty="0" smtClean="0">
+                <a:solidFill>
+                  <a:srgbClr val="FF0000"/>
+                </a:solidFill>
+              </a:rPr>
               <a:t>Plan for completion</a:t>
             </a:r>
             <a:endParaRPr lang="en-NZ" dirty="0">
@@ -13853,7 +13987,7 @@
 </p:sld>
 </file>
 
-<file path=ppt/slides/slide18.xml><?xml version="1.0" encoding="utf-8"?>
+<file path=ppt/slides/slide19.xml><?xml version="1.0" encoding="utf-8"?>
 <p:sld xmlns:a="http://schemas.openxmlformats.org/drawingml/2006/main" xmlns:r="http://schemas.openxmlformats.org/officeDocument/2006/relationships" xmlns:p="http://schemas.openxmlformats.org/presentationml/2006/main">
   <p:cSld>
     <p:spTree>
@@ -13942,226 +14076,6 @@
   <p:clrMapOvr>
     <a:masterClrMapping/>
   </p:clrMapOvr>
-</p:sld>
-</file>
-
-<file path=ppt/slides/slide19.xml><?xml version="1.0" encoding="utf-8"?>
-<p:sld xmlns:a="http://schemas.openxmlformats.org/drawingml/2006/main" xmlns:r="http://schemas.openxmlformats.org/officeDocument/2006/relationships" xmlns:p="http://schemas.openxmlformats.org/presentationml/2006/main">
-  <p:cSld>
-    <p:spTree>
-      <p:nvGrpSpPr>
-        <p:cNvPr id="1" name=""/>
-        <p:cNvGrpSpPr/>
-        <p:nvPr/>
-      </p:nvGrpSpPr>
-      <p:grpSpPr>
-        <a:xfrm>
-          <a:off x="0" y="0"/>
-          <a:ext cx="0" cy="0"/>
-          <a:chOff x="0" y="0"/>
-          <a:chExt cx="0" cy="0"/>
-        </a:xfrm>
-      </p:grpSpPr>
-      <p:sp>
-        <p:nvSpPr>
-          <p:cNvPr id="2" name="Title 1"/>
-          <p:cNvSpPr>
-            <a:spLocks noGrp="1"/>
-          </p:cNvSpPr>
-          <p:nvPr>
-            <p:ph type="title"/>
-          </p:nvPr>
-        </p:nvSpPr>
-        <p:spPr/>
-        <p:txBody>
-          <a:bodyPr/>
-          <a:lstStyle/>
-          <a:p>
-            <a:r>
-              <a:rPr lang="en-NZ" dirty="0" smtClean="0">
-                <a:solidFill>
-                  <a:srgbClr val="FF0000"/>
-                </a:solidFill>
-              </a:rPr>
-              <a:t>Proof of concept implementation</a:t>
-            </a:r>
-            <a:endParaRPr lang="en-NZ" dirty="0">
-              <a:solidFill>
-                <a:srgbClr val="FF0000"/>
-              </a:solidFill>
-            </a:endParaRPr>
-          </a:p>
-        </p:txBody>
-      </p:sp>
-      <p:sp>
-        <p:nvSpPr>
-          <p:cNvPr id="3" name="Content Placeholder 2"/>
-          <p:cNvSpPr>
-            <a:spLocks noGrp="1"/>
-          </p:cNvSpPr>
-          <p:nvPr>
-            <p:ph idx="1"/>
-          </p:nvPr>
-        </p:nvSpPr>
-        <p:spPr>
-          <a:xfrm>
-            <a:off x="1141412" y="1993557"/>
-            <a:ext cx="9905999" cy="3797644"/>
-          </a:xfrm>
-        </p:spPr>
-        <p:txBody>
-          <a:bodyPr>
-            <a:normAutofit fontScale="92500" lnSpcReduction="20000"/>
-          </a:bodyPr>
-          <a:lstStyle/>
-          <a:p>
-            <a:pPr marL="0" indent="0">
-              <a:buNone/>
-            </a:pPr>
-            <a:r>
-              <a:rPr lang="en-NZ" dirty="0" smtClean="0">
-                <a:solidFill>
-                  <a:srgbClr val="FF0000"/>
-                </a:solidFill>
-              </a:rPr>
-              <a:t>Cross site scripting				Abstract Controller</a:t>
-            </a:r>
-          </a:p>
-          <a:p>
-            <a:pPr marL="0" indent="0" algn="ctr">
-              <a:buNone/>
-            </a:pPr>
-            <a:r>
-              <a:rPr lang="en-IN" dirty="0"/>
-              <a:t>protected function </a:t>
-            </a:r>
-            <a:r>
-              <a:rPr lang="en-IN" dirty="0" err="1"/>
-              <a:t>getInput</a:t>
-            </a:r>
-            <a:r>
-              <a:rPr lang="en-IN" dirty="0"/>
-              <a:t>($</a:t>
-            </a:r>
-            <a:r>
-              <a:rPr lang="en-IN" dirty="0" err="1"/>
-              <a:t>inputField</a:t>
-            </a:r>
-            <a:r>
-              <a:rPr lang="en-IN" dirty="0"/>
-              <a:t>) {</a:t>
-            </a:r>
-            <a:endParaRPr lang="en-NZ" dirty="0"/>
-          </a:p>
-          <a:p>
-            <a:pPr marL="0" indent="0" algn="ctr">
-              <a:buNone/>
-            </a:pPr>
-            <a:r>
-              <a:rPr lang="en-IN" dirty="0"/>
-              <a:t>if (!</a:t>
-            </a:r>
-            <a:r>
-              <a:rPr lang="en-IN" dirty="0" err="1"/>
-              <a:t>isset</a:t>
-            </a:r>
-            <a:r>
-              <a:rPr lang="en-IN" dirty="0"/>
-              <a:t>($this-&gt;inputs[$</a:t>
-            </a:r>
-            <a:r>
-              <a:rPr lang="en-IN" dirty="0" err="1"/>
-              <a:t>inputField</a:t>
-            </a:r>
-            <a:r>
-              <a:rPr lang="en-IN" dirty="0"/>
-              <a:t>])) {</a:t>
-            </a:r>
-            <a:endParaRPr lang="en-NZ" dirty="0"/>
-          </a:p>
-          <a:p>
-            <a:pPr marL="0" indent="0" algn="ctr">
-              <a:buNone/>
-            </a:pPr>
-            <a:r>
-              <a:rPr lang="en-IN" dirty="0"/>
-              <a:t>return null;</a:t>
-            </a:r>
-            <a:endParaRPr lang="en-NZ" dirty="0"/>
-          </a:p>
-          <a:p>
-            <a:pPr marL="0" indent="0" algn="ctr">
-              <a:buNone/>
-            </a:pPr>
-            <a:r>
-              <a:rPr lang="en-IN" dirty="0"/>
-              <a:t>	}</a:t>
-            </a:r>
-            <a:endParaRPr lang="en-NZ" dirty="0"/>
-          </a:p>
-          <a:p>
-            <a:pPr marL="0" indent="0" algn="ctr">
-              <a:buNone/>
-            </a:pPr>
-            <a:r>
-              <a:rPr lang="en-IN" dirty="0"/>
-              <a:t>$input = trim($this-&gt;inputs[$</a:t>
-            </a:r>
-            <a:r>
-              <a:rPr lang="en-IN" dirty="0" err="1"/>
-              <a:t>inputField</a:t>
-            </a:r>
-            <a:r>
-              <a:rPr lang="en-IN" dirty="0"/>
-              <a:t>]); </a:t>
-            </a:r>
-            <a:endParaRPr lang="en-NZ" dirty="0"/>
-          </a:p>
-          <a:p>
-            <a:pPr marL="0" indent="0" algn="ctr">
-              <a:buNone/>
-            </a:pPr>
-            <a:r>
-              <a:rPr lang="en-IN" dirty="0"/>
-              <a:t>return $this-&gt;sanitise($input);</a:t>
-            </a:r>
-            <a:endParaRPr lang="en-NZ" dirty="0"/>
-          </a:p>
-          <a:p>
-            <a:pPr marL="0" indent="0" algn="ctr">
-              <a:buNone/>
-            </a:pPr>
-            <a:r>
-              <a:rPr lang="en-IN" dirty="0"/>
-              <a:t>}</a:t>
-            </a:r>
-            <a:endParaRPr lang="en-NZ" dirty="0"/>
-          </a:p>
-          <a:p>
-            <a:pPr marL="0" indent="0">
-              <a:buNone/>
-            </a:pPr>
-            <a:endParaRPr lang="en-NZ" dirty="0"/>
-          </a:p>
-        </p:txBody>
-      </p:sp>
-    </p:spTree>
-    <p:extLst>
-      <p:ext uri="{BB962C8B-B14F-4D97-AF65-F5344CB8AC3E}">
-        <p14:creationId xmlns:p14="http://schemas.microsoft.com/office/powerpoint/2010/main" val="1202012554"/>
-      </p:ext>
-    </p:extLst>
-  </p:cSld>
-  <p:clrMapOvr>
-    <a:masterClrMapping/>
-  </p:clrMapOvr>
-  <p:timing>
-    <p:tnLst>
-      <p:par>
-        <p:cTn id="1" dur="indefinite" restart="never" nodeType="tmRoot"/>
-      </p:par>
-    </p:tnLst>
-  </p:timing>
 </p:sld>
 </file>
 
@@ -14271,6 +14185,37 @@
       </p:grpSpPr>
       <p:sp>
         <p:nvSpPr>
+          <p:cNvPr id="2" name="Title 1"/>
+          <p:cNvSpPr>
+            <a:spLocks noGrp="1"/>
+          </p:cNvSpPr>
+          <p:nvPr>
+            <p:ph type="title"/>
+          </p:nvPr>
+        </p:nvSpPr>
+        <p:spPr/>
+        <p:txBody>
+          <a:bodyPr/>
+          <a:lstStyle/>
+          <a:p>
+            <a:r>
+              <a:rPr lang="en-NZ" dirty="0" smtClean="0">
+                <a:solidFill>
+                  <a:srgbClr val="FF0000"/>
+                </a:solidFill>
+              </a:rPr>
+              <a:t>Proof of concept implementation</a:t>
+            </a:r>
+            <a:endParaRPr lang="en-NZ" dirty="0">
+              <a:solidFill>
+                <a:srgbClr val="FF0000"/>
+              </a:solidFill>
+            </a:endParaRPr>
+          </a:p>
+        </p:txBody>
+      </p:sp>
+      <p:sp>
+        <p:nvSpPr>
           <p:cNvPr id="3" name="Content Placeholder 2"/>
           <p:cNvSpPr>
             <a:spLocks noGrp="1"/>
@@ -14281,24 +14226,53 @@
         </p:nvSpPr>
         <p:spPr>
           <a:xfrm>
-            <a:off x="1141412" y="774357"/>
-            <a:ext cx="9905999" cy="5016844"/>
+            <a:off x="1141412" y="1993557"/>
+            <a:ext cx="9905999" cy="3797644"/>
           </a:xfrm>
         </p:spPr>
         <p:txBody>
-          <a:bodyPr/>
+          <a:bodyPr>
+            <a:normAutofit fontScale="92500" lnSpcReduction="20000"/>
+          </a:bodyPr>
           <a:lstStyle/>
           <a:p>
             <a:pPr marL="0" indent="0">
               <a:buNone/>
             </a:pPr>
-            <a:endParaRPr lang="en-IN" dirty="0" smtClean="0"/>
-          </a:p>
-          <a:p>
-            <a:pPr marL="0" indent="0">
+            <a:r>
+              <a:rPr lang="en-NZ" dirty="0" smtClean="0">
+                <a:solidFill>
+                  <a:srgbClr val="FF0000"/>
+                </a:solidFill>
+              </a:rPr>
+              <a:t>Cross site scripting				Abstract Controller</a:t>
+            </a:r>
+          </a:p>
+          <a:p>
+            <a:pPr marL="0" indent="0" algn="ctr">
               <a:buNone/>
             </a:pPr>
-            <a:endParaRPr lang="en-IN" dirty="0"/>
+            <a:r>
+              <a:rPr lang="en-IN" dirty="0"/>
+              <a:t>protected function </a:t>
+            </a:r>
+            <a:r>
+              <a:rPr lang="en-IN" dirty="0" err="1"/>
+              <a:t>getInput</a:t>
+            </a:r>
+            <a:r>
+              <a:rPr lang="en-IN" dirty="0"/>
+              <a:t>($</a:t>
+            </a:r>
+            <a:r>
+              <a:rPr lang="en-IN" dirty="0" err="1"/>
+              <a:t>inputField</a:t>
+            </a:r>
+            <a:r>
+              <a:rPr lang="en-IN" dirty="0"/>
+              <a:t>) {</a:t>
+            </a:r>
+            <a:endParaRPr lang="en-NZ" dirty="0"/>
           </a:p>
           <a:p>
             <a:pPr marL="0" indent="0" algn="ctr">
@@ -14306,7 +14280,23 @@
             </a:pPr>
             <a:r>
               <a:rPr lang="en-IN" dirty="0"/>
-              <a:t>private function sanitise($input) {</a:t>
+              <a:t>if (!</a:t>
+            </a:r>
+            <a:r>
+              <a:rPr lang="en-IN" dirty="0" err="1"/>
+              <a:t>isset</a:t>
+            </a:r>
+            <a:r>
+              <a:rPr lang="en-IN" dirty="0"/>
+              <a:t>($this-&gt;inputs[$</a:t>
+            </a:r>
+            <a:r>
+              <a:rPr lang="en-IN" dirty="0" err="1"/>
+              <a:t>inputField</a:t>
+            </a:r>
+            <a:r>
+              <a:rPr lang="en-IN" dirty="0"/>
+              <a:t>])) {</a:t>
             </a:r>
             <a:endParaRPr lang="en-NZ" dirty="0"/>
           </a:p>
@@ -14316,15 +14306,45 @@
             </a:pPr>
             <a:r>
               <a:rPr lang="en-IN" dirty="0"/>
-              <a:t>return </a:t>
+              <a:t>return null;</a:t>
+            </a:r>
+            <a:endParaRPr lang="en-NZ" dirty="0"/>
+          </a:p>
+          <a:p>
+            <a:pPr marL="0" indent="0" algn="ctr">
+              <a:buNone/>
+            </a:pPr>
+            <a:r>
+              <a:rPr lang="en-IN" dirty="0"/>
+              <a:t>	}</a:t>
+            </a:r>
+            <a:endParaRPr lang="en-NZ" dirty="0"/>
+          </a:p>
+          <a:p>
+            <a:pPr marL="0" indent="0" algn="ctr">
+              <a:buNone/>
+            </a:pPr>
+            <a:r>
+              <a:rPr lang="en-IN" dirty="0"/>
+              <a:t>$input = trim($this-&gt;inputs[$</a:t>
             </a:r>
             <a:r>
               <a:rPr lang="en-IN" dirty="0" err="1"/>
-              <a:t>htmlspecialchars</a:t>
+              <a:t>inputField</a:t>
             </a:r>
             <a:r>
               <a:rPr lang="en-IN" dirty="0"/>
-              <a:t>($input, ENT_QUOTES);</a:t>
+              <a:t>]); </a:t>
+            </a:r>
+            <a:endParaRPr lang="en-NZ" dirty="0"/>
+          </a:p>
+          <a:p>
+            <a:pPr marL="0" indent="0" algn="ctr">
+              <a:buNone/>
+            </a:pPr>
+            <a:r>
+              <a:rPr lang="en-IN" dirty="0"/>
+              <a:t>return $this-&gt;sanitise($input);</a:t>
             </a:r>
             <a:endParaRPr lang="en-NZ" dirty="0"/>
           </a:p>
@@ -14349,7 +14369,7 @@
     </p:spTree>
     <p:extLst>
       <p:ext uri="{BB962C8B-B14F-4D97-AF65-F5344CB8AC3E}">
-        <p14:creationId xmlns:p14="http://schemas.microsoft.com/office/powerpoint/2010/main" val="2780269630"/>
+        <p14:creationId xmlns:p14="http://schemas.microsoft.com/office/powerpoint/2010/main" val="1202012554"/>
       </p:ext>
     </p:extLst>
   </p:cSld>
@@ -14385,6 +14405,120 @@
       </p:grpSpPr>
       <p:sp>
         <p:nvSpPr>
+          <p:cNvPr id="3" name="Content Placeholder 2"/>
+          <p:cNvSpPr>
+            <a:spLocks noGrp="1"/>
+          </p:cNvSpPr>
+          <p:nvPr>
+            <p:ph idx="1"/>
+          </p:nvPr>
+        </p:nvSpPr>
+        <p:spPr>
+          <a:xfrm>
+            <a:off x="1141412" y="774357"/>
+            <a:ext cx="9905999" cy="5016844"/>
+          </a:xfrm>
+        </p:spPr>
+        <p:txBody>
+          <a:bodyPr/>
+          <a:lstStyle/>
+          <a:p>
+            <a:pPr marL="0" indent="0">
+              <a:buNone/>
+            </a:pPr>
+            <a:endParaRPr lang="en-IN" dirty="0" smtClean="0"/>
+          </a:p>
+          <a:p>
+            <a:pPr marL="0" indent="0">
+              <a:buNone/>
+            </a:pPr>
+            <a:endParaRPr lang="en-IN" dirty="0"/>
+          </a:p>
+          <a:p>
+            <a:pPr marL="0" indent="0" algn="ctr">
+              <a:buNone/>
+            </a:pPr>
+            <a:r>
+              <a:rPr lang="en-IN" dirty="0"/>
+              <a:t>private function sanitise($input) {</a:t>
+            </a:r>
+            <a:endParaRPr lang="en-NZ" dirty="0"/>
+          </a:p>
+          <a:p>
+            <a:pPr marL="0" indent="0" algn="ctr">
+              <a:buNone/>
+            </a:pPr>
+            <a:r>
+              <a:rPr lang="en-IN" dirty="0"/>
+              <a:t>return </a:t>
+            </a:r>
+            <a:r>
+              <a:rPr lang="en-IN" dirty="0" err="1"/>
+              <a:t>htmlspecialchars</a:t>
+            </a:r>
+            <a:r>
+              <a:rPr lang="en-IN" dirty="0"/>
+              <a:t>($input, ENT_QUOTES);</a:t>
+            </a:r>
+            <a:endParaRPr lang="en-NZ" dirty="0"/>
+          </a:p>
+          <a:p>
+            <a:pPr marL="0" indent="0" algn="ctr">
+              <a:buNone/>
+            </a:pPr>
+            <a:r>
+              <a:rPr lang="en-IN" dirty="0"/>
+              <a:t>}</a:t>
+            </a:r>
+            <a:endParaRPr lang="en-NZ" dirty="0"/>
+          </a:p>
+          <a:p>
+            <a:pPr marL="0" indent="0">
+              <a:buNone/>
+            </a:pPr>
+            <a:endParaRPr lang="en-NZ" dirty="0"/>
+          </a:p>
+        </p:txBody>
+      </p:sp>
+    </p:spTree>
+    <p:extLst>
+      <p:ext uri="{BB962C8B-B14F-4D97-AF65-F5344CB8AC3E}">
+        <p14:creationId xmlns:p14="http://schemas.microsoft.com/office/powerpoint/2010/main" val="2780269630"/>
+      </p:ext>
+    </p:extLst>
+  </p:cSld>
+  <p:clrMapOvr>
+    <a:masterClrMapping/>
+  </p:clrMapOvr>
+  <p:timing>
+    <p:tnLst>
+      <p:par>
+        <p:cTn id="1" dur="indefinite" restart="never" nodeType="tmRoot"/>
+      </p:par>
+    </p:tnLst>
+  </p:timing>
+</p:sld>
+</file>
+
+<file path=ppt/slides/slide22.xml><?xml version="1.0" encoding="utf-8"?>
+<p:sld xmlns:a="http://schemas.openxmlformats.org/drawingml/2006/main" xmlns:r="http://schemas.openxmlformats.org/officeDocument/2006/relationships" xmlns:p="http://schemas.openxmlformats.org/presentationml/2006/main">
+  <p:cSld>
+    <p:spTree>
+      <p:nvGrpSpPr>
+        <p:cNvPr id="1" name=""/>
+        <p:cNvGrpSpPr/>
+        <p:nvPr/>
+      </p:nvGrpSpPr>
+      <p:grpSpPr>
+        <a:xfrm>
+          <a:off x="0" y="0"/>
+          <a:ext cx="0" cy="0"/>
+          <a:chOff x="0" y="0"/>
+          <a:chExt cx="0" cy="0"/>
+        </a:xfrm>
+      </p:grpSpPr>
+      <p:sp>
+        <p:nvSpPr>
           <p:cNvPr id="2" name="Title 1"/>
           <p:cNvSpPr>
             <a:spLocks noGrp="1"/>
@@ -14565,7 +14699,7 @@
 </p:sld>
 </file>
 
-<file path=ppt/slides/slide22.xml><?xml version="1.0" encoding="utf-8"?>
+<file path=ppt/slides/slide23.xml><?xml version="1.0" encoding="utf-8"?>
 <p:sld xmlns:a="http://schemas.openxmlformats.org/drawingml/2006/main" xmlns:r="http://schemas.openxmlformats.org/officeDocument/2006/relationships" xmlns:p="http://schemas.openxmlformats.org/presentationml/2006/main">
   <p:cSld>
     <p:spTree>
@@ -14852,7 +14986,7 @@
 </p:sld>
 </file>
 
-<file path=ppt/slides/slide23.xml><?xml version="1.0" encoding="utf-8"?>
+<file path=ppt/slides/slide24.xml><?xml version="1.0" encoding="utf-8"?>
 <p:sld xmlns:a="http://schemas.openxmlformats.org/drawingml/2006/main" xmlns:r="http://schemas.openxmlformats.org/officeDocument/2006/relationships" xmlns:p="http://schemas.openxmlformats.org/presentationml/2006/main">
   <p:cSld>
     <p:spTree>
@@ -15118,7 +15252,7 @@
 </p:sld>
 </file>
 
-<file path=ppt/slides/slide24.xml><?xml version="1.0" encoding="utf-8"?>
+<file path=ppt/slides/slide25.xml><?xml version="1.0" encoding="utf-8"?>
 <p:sld xmlns:a="http://schemas.openxmlformats.org/drawingml/2006/main" xmlns:r="http://schemas.openxmlformats.org/officeDocument/2006/relationships" xmlns:p="http://schemas.openxmlformats.org/presentationml/2006/main">
   <p:cSld>
     <p:spTree>
@@ -15178,7 +15312,7 @@
 </p:sld>
 </file>
 
-<file path=ppt/slides/slide25.xml><?xml version="1.0" encoding="utf-8"?>
+<file path=ppt/slides/slide26.xml><?xml version="1.0" encoding="utf-8"?>
 <p:sld xmlns:a="http://schemas.openxmlformats.org/drawingml/2006/main" xmlns:r="http://schemas.openxmlformats.org/officeDocument/2006/relationships" xmlns:p="http://schemas.openxmlformats.org/presentationml/2006/main">
   <p:cSld>
     <p:spTree>
@@ -15827,9 +15961,9 @@
       </p:grpSpPr>
       <p:sp>
         <p:nvSpPr>
-          <p:cNvPr id="3074" name="Title 1"/>
+          <p:cNvPr id="2" name="Title 1"/>
           <p:cNvSpPr>
-            <a:spLocks noGrp="1" noChangeArrowheads="1"/>
+            <a:spLocks noGrp="1"/>
           </p:cNvSpPr>
           <p:nvPr>
             <p:ph type="title"/>
@@ -15841,95 +15975,145 @@
           <a:lstStyle/>
           <a:p>
             <a:r>
-              <a:rPr lang="en-US" altLang="zh-CN" smtClean="0"/>
-              <a:t>Sql injection</a:t>
-            </a:r>
+              <a:rPr lang="en-US" dirty="0"/>
+              <a:t>What is SQL Injection? </a:t>
+            </a:r>
+            <a:br>
+              <a:rPr lang="en-US" dirty="0"/>
+            </a:br>
+            <a:endParaRPr lang="en-US" dirty="0"/>
           </a:p>
         </p:txBody>
       </p:sp>
       <p:sp>
         <p:nvSpPr>
-          <p:cNvPr id="3075" name="Content Placeholder 2"/>
+          <p:cNvPr id="3" name="Content Placeholder 2"/>
           <p:cNvSpPr>
-            <a:spLocks noGrp="1" noChangeArrowheads="1"/>
+            <a:spLocks noGrp="1"/>
           </p:cNvSpPr>
           <p:nvPr>
-            <p:ph idx="4294967295"/>
+            <p:ph idx="1"/>
           </p:nvPr>
         </p:nvSpPr>
-        <p:spPr>
-          <a:xfrm>
-            <a:off x="0" y="2249488"/>
-            <a:ext cx="9906000" cy="3541712"/>
-          </a:xfrm>
-        </p:spPr>
+        <p:spPr/>
         <p:txBody>
-          <a:bodyPr/>
+          <a:bodyPr>
+            <a:normAutofit fontScale="70000" lnSpcReduction="20000"/>
+          </a:bodyPr>
           <a:lstStyle/>
           <a:p>
-            <a:pPr>
-              <a:lnSpc>
-                <a:spcPct val="110000"/>
-              </a:lnSpc>
+            <a:r>
+              <a:rPr lang="en-US" dirty="0"/>
+              <a:t>What is SQL Injection? </a:t>
+            </a:r>
+            <a:r>
+              <a:rPr lang="en-US" dirty="0" smtClean="0"/>
+              <a:t>11.SQL </a:t>
+            </a:r>
+            <a:r>
+              <a:rPr lang="en-US" dirty="0"/>
+              <a:t>statements are inserted into an entry field for execution. </a:t>
+            </a:r>
+          </a:p>
+          <a:p>
+            <a:r>
+              <a:rPr lang="en-US" dirty="0" smtClean="0"/>
+              <a:t>When </a:t>
+            </a:r>
+            <a:r>
+              <a:rPr lang="en-US" dirty="0"/>
+              <a:t>SQL is used to display data on a web page, it is common to let users input their own values. </a:t>
+            </a:r>
+          </a:p>
+          <a:p>
+            <a:r>
+              <a:rPr lang="en-US" dirty="0" smtClean="0"/>
+              <a:t>When </a:t>
+            </a:r>
+            <a:r>
+              <a:rPr lang="en-US" dirty="0"/>
+              <a:t>input code on entry field, it dynamically change SQL statements to provide the user with selected data. </a:t>
+            </a:r>
+          </a:p>
+          <a:p>
+            <a:pPr marL="0" indent="0">
+              <a:buNone/>
             </a:pPr>
             <a:r>
-              <a:rPr lang="en-NZ" altLang="en-US" smtClean="0"/>
-              <a:t>Serious security Vulnerability</a:t>
-            </a:r>
-          </a:p>
-          <a:p>
-            <a:pPr>
-              <a:lnSpc>
-                <a:spcPct val="110000"/>
-              </a:lnSpc>
-            </a:pPr>
-            <a:r>
-              <a:rPr lang="en-NZ" altLang="en-US" smtClean="0"/>
-              <a:t>user can issue a SQL command to get access to back end database</a:t>
-            </a:r>
-          </a:p>
-          <a:p>
-            <a:pPr>
-              <a:lnSpc>
-                <a:spcPct val="110000"/>
-              </a:lnSpc>
-            </a:pPr>
-            <a:r>
-              <a:rPr lang="en-NZ" altLang="en-US" smtClean="0"/>
-              <a:t>This exposes the information- emails,user names,passwords etc..</a:t>
-            </a:r>
-          </a:p>
-          <a:p>
-            <a:pPr>
-              <a:lnSpc>
-                <a:spcPct val="110000"/>
-              </a:lnSpc>
-            </a:pPr>
-            <a:r>
-              <a:rPr lang="en-NZ" altLang="en-US" smtClean="0"/>
-              <a:t>This vulnerability accounts for over 83% of all attacks since 2005</a:t>
-            </a:r>
-            <a:endParaRPr lang="en-US" altLang="en-US" smtClean="0"/>
+              <a:rPr lang="en-US" dirty="0" smtClean="0"/>
+              <a:t> </a:t>
+            </a:r>
+            <a:endParaRPr lang="en-US" dirty="0"/>
+          </a:p>
+          <a:p>
+            <a:r>
+              <a:rPr lang="en-US" dirty="0" smtClean="0"/>
+              <a:t>How </a:t>
+            </a:r>
+            <a:r>
+              <a:rPr lang="en-US" dirty="0"/>
+              <a:t>to prevent SQL-injection in PHP? </a:t>
+            </a:r>
+          </a:p>
+          <a:p>
+            <a:r>
+              <a:rPr lang="en-US" dirty="0"/>
+              <a:t>In our code, we using  </a:t>
+            </a:r>
+          </a:p>
+          <a:p>
+            <a:r>
+              <a:rPr lang="en-US" dirty="0" smtClean="0"/>
+              <a:t>escape</a:t>
+            </a:r>
+            <a:r>
+              <a:rPr lang="en-US" dirty="0"/>
+              <a:t>(),  </a:t>
+            </a:r>
+          </a:p>
+          <a:p>
+            <a:r>
+              <a:rPr lang="en-US" dirty="0" smtClean="0"/>
+              <a:t>throw </a:t>
+            </a:r>
+            <a:r>
+              <a:rPr lang="en-US" dirty="0"/>
+              <a:t>new </a:t>
+            </a:r>
+            <a:r>
+              <a:rPr lang="en-US" dirty="0" err="1"/>
+              <a:t>LoginException</a:t>
+            </a:r>
+            <a:r>
+              <a:rPr lang="en-US" dirty="0"/>
+              <a:t> ('Invalid credentials'); </a:t>
+            </a:r>
+          </a:p>
+          <a:p>
+            <a:r>
+              <a:rPr lang="en-US" smtClean="0"/>
+              <a:t>try </a:t>
+            </a:r>
+            <a:r>
+              <a:rPr lang="en-US" dirty="0"/>
+              <a:t>to call Common class “Abstract class” </a:t>
+            </a:r>
+          </a:p>
+          <a:p>
+            <a:endParaRPr lang="en-US" dirty="0"/>
           </a:p>
         </p:txBody>
       </p:sp>
     </p:spTree>
     <p:extLst>
       <p:ext uri="{BB962C8B-B14F-4D97-AF65-F5344CB8AC3E}">
-        <p14:creationId xmlns:p14="http://schemas.microsoft.com/office/powerpoint/2010/main" val="976514909"/>
+        <p14:creationId xmlns:p14="http://schemas.microsoft.com/office/powerpoint/2010/main" val="3787300380"/>
       </p:ext>
     </p:extLst>
   </p:cSld>
   <p:clrMapOvr>
     <a:masterClrMapping/>
   </p:clrMapOvr>
-  <p:timing>
-    <p:tnLst>
-      <p:par>
-        <p:cTn id="1" dur="indefinite" restart="never" nodeType="tmRoot"/>
-      </p:par>
-    </p:tnLst>
-  </p:timing>
 </p:sld>
 </file>
 

--- a/site/Presentation doc/Php assignment.pptx
+++ b/site/Presentation doc/Php assignment.pptx
@@ -16003,16 +16003,16 @@
           <a:lstStyle/>
           <a:p>
             <a:r>
+              <a:rPr lang="en-US"/>
+              <a:t>S</a:t>
+            </a:r>
+            <a:r>
+              <a:rPr lang="en-US" smtClean="0"/>
+              <a:t>tatements </a:t>
+            </a:r>
+            <a:r>
               <a:rPr lang="en-US" dirty="0"/>
-              <a:t>What is SQL Injection? </a:t>
-            </a:r>
-            <a:r>
-              <a:rPr lang="en-US" dirty="0" smtClean="0"/>
-              <a:t>11.SQL </a:t>
-            </a:r>
-            <a:r>
-              <a:rPr lang="en-US" dirty="0"/>
-              <a:t>statements are inserted into an entry field for execution. </a:t>
+              <a:t>are inserted into an entry field for execution. </a:t>
             </a:r>
           </a:p>
           <a:p>
@@ -16091,7 +16091,7 @@
           </a:p>
           <a:p>
             <a:r>
-              <a:rPr lang="en-US" smtClean="0"/>
+              <a:rPr lang="en-US" dirty="0" smtClean="0"/>
               <a:t>try </a:t>
             </a:r>
             <a:r>
